--- a/Presentation/ODSC Modeling Volatility - Lawrence Hameyie-Sanon.pptx
+++ b/Presentation/ODSC Modeling Volatility - Lawrence Hameyie-Sanon.pptx
@@ -5,10 +5,10 @@
     <p:sldMasterId id="2147483660" r:id="rId1"/>
   </p:sldMasterIdLst>
   <p:notesMasterIdLst>
-    <p:notesMasterId r:id="rId8"/>
+    <p:notesMasterId r:id="rId27"/>
   </p:notesMasterIdLst>
   <p:handoutMasterIdLst>
-    <p:handoutMasterId r:id="rId9"/>
+    <p:handoutMasterId r:id="rId28"/>
   </p:handoutMasterIdLst>
   <p:sldIdLst>
     <p:sldId id="256" r:id="rId2"/>
@@ -17,6 +17,25 @@
     <p:sldId id="259" r:id="rId5"/>
     <p:sldId id="260" r:id="rId6"/>
     <p:sldId id="261" r:id="rId7"/>
+    <p:sldId id="262" r:id="rId8"/>
+    <p:sldId id="263" r:id="rId9"/>
+    <p:sldId id="264" r:id="rId10"/>
+    <p:sldId id="265" r:id="rId11"/>
+    <p:sldId id="266" r:id="rId12"/>
+    <p:sldId id="423" r:id="rId13"/>
+    <p:sldId id="424" r:id="rId14"/>
+    <p:sldId id="425" r:id="rId15"/>
+    <p:sldId id="426" r:id="rId16"/>
+    <p:sldId id="427" r:id="rId17"/>
+    <p:sldId id="435" r:id="rId18"/>
+    <p:sldId id="429" r:id="rId19"/>
+    <p:sldId id="433" r:id="rId20"/>
+    <p:sldId id="436" r:id="rId21"/>
+    <p:sldId id="430" r:id="rId22"/>
+    <p:sldId id="434" r:id="rId23"/>
+    <p:sldId id="428" r:id="rId24"/>
+    <p:sldId id="432" r:id="rId25"/>
+    <p:sldId id="431" r:id="rId26"/>
   </p:sldIdLst>
   <p:sldSz cx="13817600" cy="7772400"/>
   <p:notesSz cx="7010400" cy="9296400"/>
@@ -957,6 +976,90 @@
 </p:notes>
 </file>
 
+<file path=ppt/notesSlides/notesSlide2.xml><?xml version="1.0" encoding="utf-8"?>
+<p:notes xmlns:a="http://schemas.openxmlformats.org/drawingml/2006/main" xmlns:r="http://schemas.openxmlformats.org/officeDocument/2006/relationships" xmlns:p="http://schemas.openxmlformats.org/presentationml/2006/main">
+  <p:cSld>
+    <p:spTree>
+      <p:nvGrpSpPr>
+        <p:cNvPr id="1" name=""/>
+        <p:cNvGrpSpPr/>
+        <p:nvPr/>
+      </p:nvGrpSpPr>
+      <p:grpSpPr>
+        <a:xfrm>
+          <a:off x="0" y="0"/>
+          <a:ext cx="0" cy="0"/>
+          <a:chOff x="0" y="0"/>
+          <a:chExt cx="0" cy="0"/>
+        </a:xfrm>
+      </p:grpSpPr>
+      <p:sp>
+        <p:nvSpPr>
+          <p:cNvPr id="2" name="Slide Image Placeholder 1"/>
+          <p:cNvSpPr>
+            <a:spLocks noGrp="1" noRot="1" noChangeAspect="1"/>
+          </p:cNvSpPr>
+          <p:nvPr>
+            <p:ph type="sldImg"/>
+          </p:nvPr>
+        </p:nvSpPr>
+        <p:spPr/>
+      </p:sp>
+      <p:sp>
+        <p:nvSpPr>
+          <p:cNvPr id="3" name="Notes Placeholder 2"/>
+          <p:cNvSpPr>
+            <a:spLocks noGrp="1"/>
+          </p:cNvSpPr>
+          <p:nvPr>
+            <p:ph type="body" idx="1"/>
+          </p:nvPr>
+        </p:nvSpPr>
+        <p:spPr/>
+        <p:txBody>
+          <a:bodyPr/>
+          <a:lstStyle/>
+          <a:p>
+            <a:endParaRPr lang="en-US"/>
+          </a:p>
+        </p:txBody>
+      </p:sp>
+      <p:sp>
+        <p:nvSpPr>
+          <p:cNvPr id="4" name="Slide Number Placeholder 3"/>
+          <p:cNvSpPr>
+            <a:spLocks noGrp="1"/>
+          </p:cNvSpPr>
+          <p:nvPr>
+            <p:ph type="sldNum" sz="quarter" idx="10"/>
+          </p:nvPr>
+        </p:nvSpPr>
+        <p:spPr/>
+        <p:txBody>
+          <a:bodyPr/>
+          <a:lstStyle/>
+          <a:p>
+            <a:fld id="{BDA41727-6B1C-44C6-9621-FBBE756D9767}" type="slidenum">
+              <a:rPr lang="en-US" smtClean="0"/>
+              <a:t>14</a:t>
+            </a:fld>
+            <a:endParaRPr lang="en-US" dirty="0"/>
+          </a:p>
+        </p:txBody>
+      </p:sp>
+    </p:spTree>
+    <p:extLst>
+      <p:ext uri="{BB962C8B-B14F-4D97-AF65-F5344CB8AC3E}">
+        <p14:creationId xmlns:p14="http://schemas.microsoft.com/office/powerpoint/2010/main" val="3336031385"/>
+      </p:ext>
+    </p:extLst>
+  </p:cSld>
+  <p:clrMapOvr>
+    <a:masterClrMapping/>
+  </p:clrMapOvr>
+</p:notes>
+</file>
+
 <file path=ppt/slideLayouts/slideLayout1.xml><?xml version="1.0" encoding="utf-8"?>
 <p:sldLayout xmlns:a="http://schemas.openxmlformats.org/drawingml/2006/main" xmlns:r="http://schemas.openxmlformats.org/officeDocument/2006/relationships" xmlns:p="http://schemas.openxmlformats.org/presentationml/2006/main" showMasterSp="0" preserve="1" userDrawn="1">
   <p:cSld name="Cover">
@@ -5817,6 +5920,442 @@
 </p:sldLayout>
 </file>
 
+<file path=ppt/slideLayouts/slideLayout23.xml><?xml version="1.0" encoding="utf-8"?>
+<p:sldLayout xmlns:a="http://schemas.openxmlformats.org/drawingml/2006/main" xmlns:r="http://schemas.openxmlformats.org/officeDocument/2006/relationships" xmlns:p="http://schemas.openxmlformats.org/presentationml/2006/main" userDrawn="1">
+  <p:cSld name="Title and Bullets">
+    <p:spTree>
+      <p:nvGrpSpPr>
+        <p:cNvPr id="1" name=""/>
+        <p:cNvGrpSpPr/>
+        <p:nvPr/>
+      </p:nvGrpSpPr>
+      <p:grpSpPr>
+        <a:xfrm>
+          <a:off x="0" y="0"/>
+          <a:ext cx="0" cy="0"/>
+          <a:chOff x="0" y="0"/>
+          <a:chExt cx="0" cy="0"/>
+        </a:xfrm>
+      </p:grpSpPr>
+      <p:graphicFrame>
+        <p:nvGraphicFramePr>
+          <p:cNvPr id="8" name="Object 7" hidden="1"/>
+          <p:cNvGraphicFramePr>
+            <a:graphicFrameLocks noChangeAspect="1"/>
+          </p:cNvGraphicFramePr>
+          <p:nvPr userDrawn="1">
+            <p:custDataLst>
+              <p:tags r:id="rId2"/>
+            </p:custDataLst>
+            <p:extLst/>
+          </p:nvPr>
+        </p:nvGraphicFramePr>
+        <p:xfrm>
+          <a:off x="2400" y="1800"/>
+          <a:ext cx="2398" cy="1799"/>
+        </p:xfrm>
+        <a:graphic>
+          <a:graphicData uri="http://schemas.openxmlformats.org/presentationml/2006/ole">
+            <mc:AlternateContent xmlns:mc="http://schemas.openxmlformats.org/markup-compatibility/2006">
+              <mc:Choice xmlns:v="urn:schemas-microsoft-com:vml" Requires="v">
+                <p:oleObj spid="_x0000_s1029" name="think-cell Slide" r:id="rId4" imgW="572" imgH="429" progId="TCLayout.ActiveDocument.1">
+                  <p:embed/>
+                </p:oleObj>
+              </mc:Choice>
+              <mc:Fallback>
+                <p:oleObj name="think-cell Slide" r:id="rId4" imgW="572" imgH="429" progId="TCLayout.ActiveDocument.1">
+                  <p:embed/>
+                  <p:pic>
+                    <p:nvPicPr>
+                      <p:cNvPr id="8" name="Object 7" hidden="1"/>
+                      <p:cNvPicPr/>
+                      <p:nvPr/>
+                    </p:nvPicPr>
+                    <p:blipFill>
+                      <a:blip r:embed="rId5"/>
+                      <a:stretch>
+                        <a:fillRect/>
+                      </a:stretch>
+                    </p:blipFill>
+                    <p:spPr>
+                      <a:xfrm>
+                        <a:off x="2400" y="1800"/>
+                        <a:ext cx="2398" cy="1799"/>
+                      </a:xfrm>
+                      <a:prstGeom prst="rect">
+                        <a:avLst/>
+                      </a:prstGeom>
+                    </p:spPr>
+                  </p:pic>
+                </p:oleObj>
+              </mc:Fallback>
+            </mc:AlternateContent>
+          </a:graphicData>
+        </a:graphic>
+      </p:graphicFrame>
+      <p:sp>
+        <p:nvSpPr>
+          <p:cNvPr id="2" name="Title 1"/>
+          <p:cNvSpPr>
+            <a:spLocks noGrp="1"/>
+          </p:cNvSpPr>
+          <p:nvPr>
+            <p:ph type="title"/>
+          </p:nvPr>
+        </p:nvSpPr>
+        <p:spPr>
+          <a:xfrm>
+            <a:off x="695486" y="431800"/>
+            <a:ext cx="12435840" cy="341986"/>
+          </a:xfrm>
+          <a:prstGeom prst="rect">
+            <a:avLst/>
+          </a:prstGeom>
+        </p:spPr>
+        <p:txBody>
+          <a:bodyPr lIns="0" rIns="0" bIns="0" anchor="t" anchorCtr="0">
+            <a:noAutofit/>
+          </a:bodyPr>
+          <a:lstStyle>
+            <a:lvl1pPr algn="l">
+              <a:lnSpc>
+                <a:spcPts val="2720"/>
+              </a:lnSpc>
+              <a:defRPr sz="2720">
+                <a:solidFill>
+                  <a:schemeClr val="accent1"/>
+                </a:solidFill>
+                <a:latin typeface="Arial" panose="020B0604020202020204" pitchFamily="34" charset="0"/>
+                <a:cs typeface="Arial" panose="020B0604020202020204" pitchFamily="34" charset="0"/>
+              </a:defRPr>
+            </a:lvl1pPr>
+          </a:lstStyle>
+          <a:p>
+            <a:r>
+              <a:rPr lang="en-US"/>
+              <a:t>Click to edit Master title style</a:t>
+            </a:r>
+            <a:endParaRPr lang="en-US" dirty="0"/>
+          </a:p>
+        </p:txBody>
+      </p:sp>
+      <p:sp>
+        <p:nvSpPr>
+          <p:cNvPr id="3" name="Content Placeholder 2"/>
+          <p:cNvSpPr>
+            <a:spLocks noGrp="1"/>
+          </p:cNvSpPr>
+          <p:nvPr>
+            <p:ph idx="1"/>
+          </p:nvPr>
+        </p:nvSpPr>
+        <p:spPr>
+          <a:xfrm>
+            <a:off x="690880" y="1554480"/>
+            <a:ext cx="12435840" cy="5129425"/>
+          </a:xfrm>
+          <a:prstGeom prst="rect">
+            <a:avLst/>
+          </a:prstGeom>
+        </p:spPr>
+        <p:txBody>
+          <a:bodyPr lIns="0">
+            <a:noAutofit/>
+          </a:bodyPr>
+          <a:lstStyle>
+            <a:lvl1pPr marL="188908" indent="-188908">
+              <a:lnSpc>
+                <a:spcPct val="100000"/>
+              </a:lnSpc>
+              <a:spcBef>
+                <a:spcPts val="0"/>
+              </a:spcBef>
+              <a:spcAft>
+                <a:spcPts val="1360"/>
+              </a:spcAft>
+              <a:buClr>
+                <a:schemeClr val="tx1"/>
+              </a:buClr>
+              <a:defRPr sz="1813">
+                <a:solidFill>
+                  <a:schemeClr val="tx1"/>
+                </a:solidFill>
+                <a:latin typeface="Arial" panose="020B0604020202020204" pitchFamily="34" charset="0"/>
+                <a:cs typeface="Arial" panose="020B0604020202020204" pitchFamily="34" charset="0"/>
+              </a:defRPr>
+            </a:lvl1pPr>
+            <a:lvl2pPr marL="584713" indent="-197903">
+              <a:lnSpc>
+                <a:spcPct val="100000"/>
+              </a:lnSpc>
+              <a:spcBef>
+                <a:spcPts val="0"/>
+              </a:spcBef>
+              <a:spcAft>
+                <a:spcPts val="1360"/>
+              </a:spcAft>
+              <a:buClr>
+                <a:schemeClr val="tx1"/>
+              </a:buClr>
+              <a:defRPr sz="1813">
+                <a:solidFill>
+                  <a:schemeClr val="tx1"/>
+                </a:solidFill>
+                <a:latin typeface="Arial" panose="020B0604020202020204" pitchFamily="34" charset="0"/>
+                <a:cs typeface="Arial" panose="020B0604020202020204" pitchFamily="34" charset="0"/>
+              </a:defRPr>
+            </a:lvl2pPr>
+            <a:lvl3pPr marL="978718" indent="-205099">
+              <a:lnSpc>
+                <a:spcPct val="100000"/>
+              </a:lnSpc>
+              <a:spcBef>
+                <a:spcPts val="0"/>
+              </a:spcBef>
+              <a:spcAft>
+                <a:spcPts val="1360"/>
+              </a:spcAft>
+              <a:buClr>
+                <a:schemeClr val="tx1"/>
+              </a:buClr>
+              <a:buFont typeface="Arial" panose="020B0604020202020204" pitchFamily="34" charset="0"/>
+              <a:buChar char="–"/>
+              <a:defRPr sz="1813">
+                <a:solidFill>
+                  <a:schemeClr val="tx1"/>
+                </a:solidFill>
+                <a:latin typeface="Arial" panose="020B0604020202020204" pitchFamily="34" charset="0"/>
+                <a:cs typeface="Arial" panose="020B0604020202020204" pitchFamily="34" charset="0"/>
+              </a:defRPr>
+            </a:lvl3pPr>
+            <a:lvl4pPr marL="1356532" indent="-181711">
+              <a:lnSpc>
+                <a:spcPct val="100000"/>
+              </a:lnSpc>
+              <a:spcBef>
+                <a:spcPts val="0"/>
+              </a:spcBef>
+              <a:spcAft>
+                <a:spcPts val="1360"/>
+              </a:spcAft>
+              <a:buClr>
+                <a:schemeClr val="tx1"/>
+              </a:buClr>
+              <a:buFont typeface="Arial" panose="020B0604020202020204" pitchFamily="34" charset="0"/>
+              <a:buChar char="–"/>
+              <a:defRPr sz="1813">
+                <a:solidFill>
+                  <a:schemeClr val="tx1"/>
+                </a:solidFill>
+                <a:latin typeface="Arial" panose="020B0604020202020204" pitchFamily="34" charset="0"/>
+                <a:cs typeface="Arial" panose="020B0604020202020204" pitchFamily="34" charset="0"/>
+              </a:defRPr>
+            </a:lvl4pPr>
+            <a:lvl5pPr marL="1752337" indent="-205099">
+              <a:lnSpc>
+                <a:spcPct val="100000"/>
+              </a:lnSpc>
+              <a:spcBef>
+                <a:spcPts val="0"/>
+              </a:spcBef>
+              <a:spcAft>
+                <a:spcPts val="1360"/>
+              </a:spcAft>
+              <a:buClr>
+                <a:schemeClr val="tx1"/>
+              </a:buClr>
+              <a:buFont typeface="Arial" panose="020B0604020202020204" pitchFamily="34" charset="0"/>
+              <a:buChar char="–"/>
+              <a:defRPr sz="1813">
+                <a:solidFill>
+                  <a:schemeClr val="tx1"/>
+                </a:solidFill>
+                <a:latin typeface="Arial" panose="020B0604020202020204" pitchFamily="34" charset="0"/>
+                <a:cs typeface="Arial" panose="020B0604020202020204" pitchFamily="34" charset="0"/>
+              </a:defRPr>
+            </a:lvl5pPr>
+          </a:lstStyle>
+          <a:p>
+            <a:pPr lvl="0"/>
+            <a:r>
+              <a:rPr lang="en-US"/>
+              <a:t>Click to edit Master text styles</a:t>
+            </a:r>
+          </a:p>
+          <a:p>
+            <a:pPr lvl="1"/>
+            <a:r>
+              <a:rPr lang="en-US"/>
+              <a:t>Second level</a:t>
+            </a:r>
+          </a:p>
+          <a:p>
+            <a:pPr lvl="2"/>
+            <a:r>
+              <a:rPr lang="en-US"/>
+              <a:t>Third level</a:t>
+            </a:r>
+          </a:p>
+          <a:p>
+            <a:pPr lvl="3"/>
+            <a:r>
+              <a:rPr lang="en-US"/>
+              <a:t>Fourth level</a:t>
+            </a:r>
+          </a:p>
+          <a:p>
+            <a:pPr lvl="4"/>
+            <a:r>
+              <a:rPr lang="en-US"/>
+              <a:t>Fifth level</a:t>
+            </a:r>
+            <a:endParaRPr lang="en-US" dirty="0"/>
+          </a:p>
+        </p:txBody>
+      </p:sp>
+      <p:sp>
+        <p:nvSpPr>
+          <p:cNvPr id="5" name="Text Placeholder 4"/>
+          <p:cNvSpPr>
+            <a:spLocks noGrp="1"/>
+          </p:cNvSpPr>
+          <p:nvPr>
+            <p:ph type="body" sz="quarter" idx="13"/>
+          </p:nvPr>
+        </p:nvSpPr>
+        <p:spPr>
+          <a:xfrm>
+            <a:off x="690880" y="860146"/>
+            <a:ext cx="12435840" cy="248717"/>
+          </a:xfrm>
+          <a:prstGeom prst="rect">
+            <a:avLst/>
+          </a:prstGeom>
+        </p:spPr>
+        <p:txBody>
+          <a:bodyPr lIns="0" tIns="0" rIns="0" bIns="0" anchor="t" anchorCtr="0">
+            <a:noAutofit/>
+          </a:bodyPr>
+          <a:lstStyle>
+            <a:lvl1pPr marL="0" indent="0">
+              <a:lnSpc>
+                <a:spcPts val="2267"/>
+              </a:lnSpc>
+              <a:spcBef>
+                <a:spcPts val="0"/>
+              </a:spcBef>
+              <a:buFontTx/>
+              <a:buNone/>
+              <a:defRPr sz="1813" b="1">
+                <a:solidFill>
+                  <a:schemeClr val="bg2"/>
+                </a:solidFill>
+              </a:defRPr>
+            </a:lvl1pPr>
+            <a:lvl2pPr marL="518145" indent="0">
+              <a:buFontTx/>
+              <a:buNone/>
+              <a:defRPr sz="1587"/>
+            </a:lvl2pPr>
+            <a:lvl3pPr marL="1036290" indent="0">
+              <a:buFontTx/>
+              <a:buNone/>
+              <a:defRPr sz="1587"/>
+            </a:lvl3pPr>
+            <a:lvl4pPr marL="1554434" indent="0">
+              <a:buFontTx/>
+              <a:buNone/>
+              <a:defRPr sz="1587"/>
+            </a:lvl4pPr>
+            <a:lvl5pPr marL="2072579" indent="0">
+              <a:buFontTx/>
+              <a:buNone/>
+              <a:defRPr sz="1587"/>
+            </a:lvl5pPr>
+          </a:lstStyle>
+          <a:p>
+            <a:pPr lvl="0"/>
+            <a:r>
+              <a:rPr lang="en-US"/>
+              <a:t>Click to edit Master text styles</a:t>
+            </a:r>
+          </a:p>
+        </p:txBody>
+      </p:sp>
+      <p:sp>
+        <p:nvSpPr>
+          <p:cNvPr id="6" name="Rectangle 5"/>
+          <p:cNvSpPr/>
+          <p:nvPr userDrawn="1"/>
+        </p:nvSpPr>
+        <p:spPr>
+          <a:xfrm>
+            <a:off x="677062" y="7140245"/>
+            <a:ext cx="690880" cy="279806"/>
+          </a:xfrm>
+          <a:prstGeom prst="rect">
+            <a:avLst/>
+          </a:prstGeom>
+          <a:noFill/>
+          <a:ln w="12700">
+            <a:noFill/>
+          </a:ln>
+        </p:spPr>
+        <p:style>
+          <a:lnRef idx="2">
+            <a:schemeClr val="accent1">
+              <a:shade val="50000"/>
+            </a:schemeClr>
+          </a:lnRef>
+          <a:fillRef idx="1">
+            <a:schemeClr val="accent1"/>
+          </a:fillRef>
+          <a:effectRef idx="0">
+            <a:schemeClr val="accent1"/>
+          </a:effectRef>
+          <a:fontRef idx="minor">
+            <a:schemeClr val="lt1"/>
+          </a:fontRef>
+        </p:style>
+        <p:txBody>
+          <a:bodyPr lIns="0" tIns="0" rIns="0" bIns="0" rtlCol="0" anchor="ctr" anchorCtr="0"/>
+          <a:lstStyle/>
+          <a:p>
+            <a:pPr algn="l"/>
+            <a:fld id="{0414EECA-9A6C-40E1-AC71-398B096ADC80}" type="slidenum">
+              <a:rPr lang="en-US" sz="1133" smtClean="0">
+                <a:solidFill>
+                  <a:schemeClr val="accent5"/>
+                </a:solidFill>
+              </a:rPr>
+              <a:pPr algn="l"/>
+              <a:t>‹#›</a:t>
+            </a:fld>
+            <a:endParaRPr lang="en-US" sz="1133" dirty="0">
+              <a:solidFill>
+                <a:schemeClr val="accent5"/>
+              </a:solidFill>
+            </a:endParaRPr>
+          </a:p>
+        </p:txBody>
+      </p:sp>
+    </p:spTree>
+    <p:extLst>
+      <p:ext uri="{BB962C8B-B14F-4D97-AF65-F5344CB8AC3E}">
+        <p14:creationId xmlns:p14="http://schemas.microsoft.com/office/powerpoint/2010/main" val="3992835824"/>
+      </p:ext>
+    </p:extLst>
+  </p:cSld>
+  <p:clrMapOvr>
+    <a:masterClrMapping/>
+  </p:clrMapOvr>
+  <p:transition spd="slow">
+    <p:wipe dir="r"/>
+  </p:transition>
+  <p:hf hdr="0" ftr="0" dt="0"/>
+</p:sldLayout>
+</file>
+
 <file path=ppt/slideLayouts/slideLayout3.xml><?xml version="1.0" encoding="utf-8"?>
 <p:sldLayout xmlns:a="http://schemas.openxmlformats.org/drawingml/2006/main" xmlns:r="http://schemas.openxmlformats.org/officeDocument/2006/relationships" xmlns:p="http://schemas.openxmlformats.org/presentationml/2006/main" preserve="1" userDrawn="1">
   <p:cSld name="[A] • HEAD ONLY">
@@ -7643,6 +8182,7 @@
     <p:sldLayoutId id="2147483913" r:id="rId20"/>
     <p:sldLayoutId id="2147483833" r:id="rId21"/>
     <p:sldLayoutId id="2147484063" r:id="rId22"/>
+    <p:sldLayoutId id="2147484064" r:id="rId23"/>
   </p:sldLayoutIdLst>
   <p:hf sldNum="0" hdr="0" ftr="0" dt="0"/>
   <p:txStyles>
@@ -8507,6 +9047,4598 @@
 </p:sld>
 </file>
 
+<file path=ppt/slides/slide10.xml><?xml version="1.0" encoding="utf-8"?>
+<p:sld xmlns:a="http://schemas.openxmlformats.org/drawingml/2006/main" xmlns:r="http://schemas.openxmlformats.org/officeDocument/2006/relationships" xmlns:p="http://schemas.openxmlformats.org/presentationml/2006/main">
+  <p:cSld>
+    <p:spTree>
+      <p:nvGrpSpPr>
+        <p:cNvPr id="1" name=""/>
+        <p:cNvGrpSpPr/>
+        <p:nvPr/>
+      </p:nvGrpSpPr>
+      <p:grpSpPr>
+        <a:xfrm>
+          <a:off x="0" y="0"/>
+          <a:ext cx="0" cy="0"/>
+          <a:chOff x="0" y="0"/>
+          <a:chExt cx="0" cy="0"/>
+        </a:xfrm>
+      </p:grpSpPr>
+      <p:sp>
+        <p:nvSpPr>
+          <p:cNvPr id="2" name="Title 1">
+            <a:extLst>
+              <a:ext uri="{FF2B5EF4-FFF2-40B4-BE49-F238E27FC236}">
+                <a16:creationId xmlns:a16="http://schemas.microsoft.com/office/drawing/2014/main" id="{C15FC7B0-0C8F-1A4F-8A67-064D6F14B965}"/>
+              </a:ext>
+            </a:extLst>
+          </p:cNvPr>
+          <p:cNvSpPr>
+            <a:spLocks noGrp="1"/>
+          </p:cNvSpPr>
+          <p:nvPr>
+            <p:ph type="title"/>
+          </p:nvPr>
+        </p:nvSpPr>
+        <p:spPr/>
+        <p:txBody>
+          <a:bodyPr/>
+          <a:lstStyle/>
+          <a:p>
+            <a:r>
+              <a:rPr lang="en-US" dirty="0"/>
+              <a:t>The Intricacy of Simple Financial Models</a:t>
+            </a:r>
+          </a:p>
+        </p:txBody>
+      </p:sp>
+      <p:grpSp>
+        <p:nvGrpSpPr>
+          <p:cNvPr id="8" name="Group 7">
+            <a:extLst>
+              <a:ext uri="{FF2B5EF4-FFF2-40B4-BE49-F238E27FC236}">
+                <a16:creationId xmlns:a16="http://schemas.microsoft.com/office/drawing/2014/main" id="{92F45CE0-D4A8-154A-8E51-DD581AE798B8}"/>
+              </a:ext>
+            </a:extLst>
+          </p:cNvPr>
+          <p:cNvGrpSpPr/>
+          <p:nvPr/>
+        </p:nvGrpSpPr>
+        <p:grpSpPr>
+          <a:xfrm>
+            <a:off x="456737" y="1412776"/>
+            <a:ext cx="12875490" cy="6089325"/>
+            <a:chOff x="456737" y="1412776"/>
+            <a:chExt cx="10499824" cy="4965779"/>
+          </a:xfrm>
+        </p:grpSpPr>
+        <p:pic>
+          <p:nvPicPr>
+            <p:cNvPr id="4" name="Picture 3" descr="C:\Users\e437819\AppData\Local\Microsoft\Windows\Temporary Internet Files\Content.IE5\6YMGJ0LU\Complexity[1].jpg">
+              <a:extLst>
+                <a:ext uri="{FF2B5EF4-FFF2-40B4-BE49-F238E27FC236}">
+                  <a16:creationId xmlns:a16="http://schemas.microsoft.com/office/drawing/2014/main" id="{5153E4EC-D490-204A-A0A7-374C400AE273}"/>
+                </a:ext>
+              </a:extLst>
+            </p:cNvPr>
+            <p:cNvPicPr>
+              <a:picLocks noChangeAspect="1" noChangeArrowheads="1"/>
+            </p:cNvPicPr>
+            <p:nvPr/>
+          </p:nvPicPr>
+          <p:blipFill>
+            <a:blip r:embed="rId2">
+              <a:extLst>
+                <a:ext uri="{28A0092B-C50C-407E-A947-70E740481C1C}">
+                  <a14:useLocalDpi xmlns:a14="http://schemas.microsoft.com/office/drawing/2010/main" val="0"/>
+                </a:ext>
+              </a:extLst>
+            </a:blip>
+            <a:srcRect/>
+            <a:stretch>
+              <a:fillRect/>
+            </a:stretch>
+          </p:blipFill>
+          <p:spPr bwMode="auto">
+            <a:xfrm>
+              <a:off x="6777577" y="1516877"/>
+              <a:ext cx="4178984" cy="3343189"/>
+            </a:xfrm>
+            <a:prstGeom prst="rect">
+              <a:avLst/>
+            </a:prstGeom>
+            <a:noFill/>
+            <a:extLst>
+              <a:ext uri="{909E8E84-426E-40DD-AFC4-6F175D3DCCD1}">
+                <a14:hiddenFill xmlns:a14="http://schemas.microsoft.com/office/drawing/2010/main">
+                  <a:solidFill>
+                    <a:srgbClr val="FFFFFF"/>
+                  </a:solidFill>
+                </a14:hiddenFill>
+              </a:ext>
+            </a:extLst>
+          </p:spPr>
+        </p:pic>
+        <p:sp>
+          <p:nvSpPr>
+            <p:cNvPr id="5" name="Content Placeholder 21">
+              <a:extLst>
+                <a:ext uri="{FF2B5EF4-FFF2-40B4-BE49-F238E27FC236}">
+                  <a16:creationId xmlns:a16="http://schemas.microsoft.com/office/drawing/2014/main" id="{FE97A320-20C2-F34C-B630-D511C2BF55EE}"/>
+                </a:ext>
+              </a:extLst>
+            </p:cNvPr>
+            <p:cNvSpPr txBox="1">
+              <a:spLocks/>
+            </p:cNvSpPr>
+            <p:nvPr/>
+          </p:nvSpPr>
+          <p:spPr>
+            <a:xfrm>
+              <a:off x="457200" y="2832645"/>
+              <a:ext cx="6104113" cy="3044627"/>
+            </a:xfrm>
+            <a:prstGeom prst="rect">
+              <a:avLst/>
+            </a:prstGeom>
+          </p:spPr>
+          <p:txBody>
+            <a:bodyPr/>
+            <a:lstStyle>
+              <a:lvl1pPr marL="200025" indent="-200025" algn="l" defTabSz="1017588" rtl="0" eaLnBrk="1" fontAlgn="base" hangingPunct="1">
+                <a:lnSpc>
+                  <a:spcPct val="101000"/>
+                </a:lnSpc>
+                <a:spcBef>
+                  <a:spcPts val="800"/>
+                </a:spcBef>
+                <a:spcAft>
+                  <a:spcPts val="100"/>
+                </a:spcAft>
+                <a:buSzPct val="95000"/>
+                <a:buFont typeface="Arial" pitchFamily="34" charset="0"/>
+                <a:buChar char="•"/>
+                <a:defRPr sz="1850" kern="1200">
+                  <a:solidFill>
+                    <a:schemeClr val="tx1"/>
+                  </a:solidFill>
+                  <a:latin typeface="Arial" pitchFamily="34" charset="0"/>
+                  <a:ea typeface="+mn-ea"/>
+                  <a:cs typeface="Arial" pitchFamily="34" charset="0"/>
+                </a:defRPr>
+              </a:lvl1pPr>
+              <a:lvl2pPr marL="171450" indent="-171450" algn="l" defTabSz="1017588" rtl="0" eaLnBrk="1" fontAlgn="base" hangingPunct="1">
+                <a:lnSpc>
+                  <a:spcPct val="95000"/>
+                </a:lnSpc>
+                <a:spcBef>
+                  <a:spcPct val="20000"/>
+                </a:spcBef>
+                <a:spcAft>
+                  <a:spcPct val="0"/>
+                </a:spcAft>
+                <a:buSzPct val="100000"/>
+                <a:buFont typeface="Arial" pitchFamily="34" charset="0"/>
+                <a:buChar char="•"/>
+                <a:defRPr sz="2000" kern="1200">
+                  <a:solidFill>
+                    <a:schemeClr val="tx1"/>
+                  </a:solidFill>
+                  <a:latin typeface="Arial" pitchFamily="34" charset="0"/>
+                  <a:ea typeface="+mn-ea"/>
+                  <a:cs typeface="Arial" pitchFamily="34" charset="0"/>
+                </a:defRPr>
+              </a:lvl2pPr>
+              <a:lvl3pPr marL="434975" indent="-195263" algn="l" defTabSz="1017588" rtl="0" eaLnBrk="1" fontAlgn="base" hangingPunct="1">
+                <a:lnSpc>
+                  <a:spcPct val="101000"/>
+                </a:lnSpc>
+                <a:spcBef>
+                  <a:spcPts val="300"/>
+                </a:spcBef>
+                <a:spcAft>
+                  <a:spcPts val="100"/>
+                </a:spcAft>
+                <a:buSzPct val="95000"/>
+                <a:buFont typeface="Arial" pitchFamily="34" charset="0"/>
+                <a:buChar char="–"/>
+                <a:defRPr sz="1850" kern="1200">
+                  <a:solidFill>
+                    <a:schemeClr val="tx1"/>
+                  </a:solidFill>
+                  <a:latin typeface="Arial" pitchFamily="34" charset="0"/>
+                  <a:ea typeface="+mn-ea"/>
+                  <a:cs typeface="Arial" pitchFamily="34" charset="0"/>
+                </a:defRPr>
+              </a:lvl3pPr>
+              <a:lvl4pPr marL="646113" indent="-187325" algn="l" defTabSz="1017588" rtl="0" eaLnBrk="1" fontAlgn="base" hangingPunct="1">
+                <a:lnSpc>
+                  <a:spcPct val="101000"/>
+                </a:lnSpc>
+                <a:spcBef>
+                  <a:spcPts val="300"/>
+                </a:spcBef>
+                <a:spcAft>
+                  <a:spcPts val="100"/>
+                </a:spcAft>
+                <a:buSzPct val="95000"/>
+                <a:buFont typeface="Arial" pitchFamily="34" charset="0"/>
+                <a:buChar char="•"/>
+                <a:defRPr sz="1850" kern="1200">
+                  <a:solidFill>
+                    <a:schemeClr val="tx1"/>
+                  </a:solidFill>
+                  <a:latin typeface="Arial" pitchFamily="34" charset="0"/>
+                  <a:ea typeface="+mn-ea"/>
+                  <a:cs typeface="Arial" pitchFamily="34" charset="0"/>
+                </a:defRPr>
+              </a:lvl4pPr>
+              <a:lvl5pPr marL="2292350" indent="-254000" algn="l" defTabSz="1017588" rtl="0" eaLnBrk="1" fontAlgn="base" hangingPunct="1">
+                <a:spcBef>
+                  <a:spcPct val="20000"/>
+                </a:spcBef>
+                <a:spcAft>
+                  <a:spcPct val="0"/>
+                </a:spcAft>
+                <a:buFont typeface="Arial" pitchFamily="34" charset="0"/>
+                <a:buChar char="»"/>
+                <a:defRPr sz="2200" kern="1200">
+                  <a:solidFill>
+                    <a:schemeClr val="tx1"/>
+                  </a:solidFill>
+                  <a:latin typeface="Arial" pitchFamily="34" charset="0"/>
+                  <a:ea typeface="+mn-ea"/>
+                  <a:cs typeface="Arial" pitchFamily="34" charset="0"/>
+                </a:defRPr>
+              </a:lvl5pPr>
+              <a:lvl6pPr marL="2801767" indent="-254706" algn="l" defTabSz="1018824" rtl="0" eaLnBrk="1" latinLnBrk="0" hangingPunct="1">
+                <a:spcBef>
+                  <a:spcPct val="20000"/>
+                </a:spcBef>
+                <a:buFont typeface="Arial" pitchFamily="34" charset="0"/>
+                <a:buChar char="•"/>
+                <a:defRPr sz="2200" kern="1200">
+                  <a:solidFill>
+                    <a:schemeClr val="tx1"/>
+                  </a:solidFill>
+                  <a:latin typeface="+mn-lt"/>
+                  <a:ea typeface="+mn-ea"/>
+                  <a:cs typeface="+mn-cs"/>
+                </a:defRPr>
+              </a:lvl6pPr>
+              <a:lvl7pPr marL="3311180" indent="-254706" algn="l" defTabSz="1018824" rtl="0" eaLnBrk="1" latinLnBrk="0" hangingPunct="1">
+                <a:spcBef>
+                  <a:spcPct val="20000"/>
+                </a:spcBef>
+                <a:buFont typeface="Arial" pitchFamily="34" charset="0"/>
+                <a:buChar char="•"/>
+                <a:defRPr sz="2200" kern="1200">
+                  <a:solidFill>
+                    <a:schemeClr val="tx1"/>
+                  </a:solidFill>
+                  <a:latin typeface="+mn-lt"/>
+                  <a:ea typeface="+mn-ea"/>
+                  <a:cs typeface="+mn-cs"/>
+                </a:defRPr>
+              </a:lvl7pPr>
+              <a:lvl8pPr marL="3820592" indent="-254706" algn="l" defTabSz="1018824" rtl="0" eaLnBrk="1" latinLnBrk="0" hangingPunct="1">
+                <a:spcBef>
+                  <a:spcPct val="20000"/>
+                </a:spcBef>
+                <a:buFont typeface="Arial" pitchFamily="34" charset="0"/>
+                <a:buChar char="•"/>
+                <a:defRPr sz="2200" kern="1200">
+                  <a:solidFill>
+                    <a:schemeClr val="tx1"/>
+                  </a:solidFill>
+                  <a:latin typeface="+mn-lt"/>
+                  <a:ea typeface="+mn-ea"/>
+                  <a:cs typeface="+mn-cs"/>
+                </a:defRPr>
+              </a:lvl8pPr>
+              <a:lvl9pPr marL="4330004" indent="-254706" algn="l" defTabSz="1018824" rtl="0" eaLnBrk="1" latinLnBrk="0" hangingPunct="1">
+                <a:spcBef>
+                  <a:spcPct val="20000"/>
+                </a:spcBef>
+                <a:buFont typeface="Arial" pitchFamily="34" charset="0"/>
+                <a:buChar char="•"/>
+                <a:defRPr sz="2200" kern="1200">
+                  <a:solidFill>
+                    <a:schemeClr val="tx1"/>
+                  </a:solidFill>
+                  <a:latin typeface="+mn-lt"/>
+                  <a:ea typeface="+mn-ea"/>
+                  <a:cs typeface="+mn-cs"/>
+                </a:defRPr>
+              </a:lvl9pPr>
+            </a:lstStyle>
+            <a:p>
+              <a:r>
+                <a:rPr lang="en-US" sz="2400"/>
+                <a:t>Common financial tools including most time series modeling techniques incorporate significant nuance into their design.</a:t>
+              </a:r>
+            </a:p>
+            <a:p>
+              <a:r>
+                <a:rPr lang="en-US" sz="2400"/>
+                <a:t>Unless this nuance is captured in inputs into machine learning, it will not compete.</a:t>
+              </a:r>
+            </a:p>
+            <a:p>
+              <a:r>
+                <a:rPr lang="en-US" sz="2400"/>
+                <a:t>A compromise is to incorporate financial models and tools as inputs into machine learning models – let ML optimize across models.</a:t>
+              </a:r>
+              <a:endParaRPr lang="en-US" sz="2400" dirty="0"/>
+            </a:p>
+          </p:txBody>
+        </p:sp>
+        <p:sp>
+          <p:nvSpPr>
+            <p:cNvPr id="6" name="Content Placeholder 21">
+              <a:extLst>
+                <a:ext uri="{FF2B5EF4-FFF2-40B4-BE49-F238E27FC236}">
+                  <a16:creationId xmlns:a16="http://schemas.microsoft.com/office/drawing/2014/main" id="{04FB0748-67AF-AD4C-872F-C79CD625D61A}"/>
+                </a:ext>
+              </a:extLst>
+            </p:cNvPr>
+            <p:cNvSpPr txBox="1">
+              <a:spLocks/>
+            </p:cNvSpPr>
+            <p:nvPr/>
+          </p:nvSpPr>
+          <p:spPr>
+            <a:xfrm>
+              <a:off x="457200" y="1412776"/>
+              <a:ext cx="6104113" cy="792088"/>
+            </a:xfrm>
+            <a:prstGeom prst="rect">
+              <a:avLst/>
+            </a:prstGeom>
+          </p:spPr>
+          <p:txBody>
+            <a:bodyPr vert="horz" lIns="0" tIns="45720" rIns="91440" bIns="45720" rtlCol="0">
+              <a:noAutofit/>
+            </a:bodyPr>
+            <a:lstStyle>
+              <a:lvl1pPr marL="166688" indent="-166688" algn="l" defTabSz="914400" rtl="0" eaLnBrk="1" latinLnBrk="0" hangingPunct="1">
+                <a:lnSpc>
+                  <a:spcPct val="100000"/>
+                </a:lnSpc>
+                <a:spcBef>
+                  <a:spcPts val="0"/>
+                </a:spcBef>
+                <a:spcAft>
+                  <a:spcPts val="1200"/>
+                </a:spcAft>
+                <a:buClr>
+                  <a:schemeClr val="tx1"/>
+                </a:buClr>
+                <a:buFont typeface="Arial" panose="020B0604020202020204" pitchFamily="34" charset="0"/>
+                <a:buChar char="•"/>
+                <a:defRPr sz="1600" kern="1200">
+                  <a:solidFill>
+                    <a:schemeClr val="tx1"/>
+                  </a:solidFill>
+                  <a:latin typeface="Arial" panose="020B0604020202020204" pitchFamily="34" charset="0"/>
+                  <a:ea typeface="+mn-ea"/>
+                  <a:cs typeface="Arial" panose="020B0604020202020204" pitchFamily="34" charset="0"/>
+                </a:defRPr>
+              </a:lvl1pPr>
+              <a:lvl2pPr marL="515938" indent="-174625" algn="l" defTabSz="914400" rtl="0" eaLnBrk="1" latinLnBrk="0" hangingPunct="1">
+                <a:lnSpc>
+                  <a:spcPct val="100000"/>
+                </a:lnSpc>
+                <a:spcBef>
+                  <a:spcPts val="0"/>
+                </a:spcBef>
+                <a:spcAft>
+                  <a:spcPts val="1200"/>
+                </a:spcAft>
+                <a:buClr>
+                  <a:schemeClr val="tx1"/>
+                </a:buClr>
+                <a:buFont typeface="Arial" panose="020B0604020202020204" pitchFamily="34" charset="0"/>
+                <a:buChar char="–"/>
+                <a:defRPr sz="1600" kern="1200">
+                  <a:solidFill>
+                    <a:schemeClr val="tx1"/>
+                  </a:solidFill>
+                  <a:latin typeface="Arial" panose="020B0604020202020204" pitchFamily="34" charset="0"/>
+                  <a:ea typeface="+mn-ea"/>
+                  <a:cs typeface="Arial" panose="020B0604020202020204" pitchFamily="34" charset="0"/>
+                </a:defRPr>
+              </a:lvl2pPr>
+              <a:lvl3pPr marL="863600" indent="-180975" algn="l" defTabSz="914400" rtl="0" eaLnBrk="1" latinLnBrk="0" hangingPunct="1">
+                <a:lnSpc>
+                  <a:spcPct val="100000"/>
+                </a:lnSpc>
+                <a:spcBef>
+                  <a:spcPts val="0"/>
+                </a:spcBef>
+                <a:spcAft>
+                  <a:spcPts val="1200"/>
+                </a:spcAft>
+                <a:buClr>
+                  <a:schemeClr val="tx1"/>
+                </a:buClr>
+                <a:buFont typeface="Arial" panose="020B0604020202020204" pitchFamily="34" charset="0"/>
+                <a:buChar char="–"/>
+                <a:defRPr sz="1600" kern="1200">
+                  <a:solidFill>
+                    <a:schemeClr val="tx1"/>
+                  </a:solidFill>
+                  <a:latin typeface="Arial" panose="020B0604020202020204" pitchFamily="34" charset="0"/>
+                  <a:ea typeface="+mn-ea"/>
+                  <a:cs typeface="Arial" panose="020B0604020202020204" pitchFamily="34" charset="0"/>
+                </a:defRPr>
+              </a:lvl3pPr>
+              <a:lvl4pPr marL="1196975" indent="-160338" algn="l" defTabSz="914400" rtl="0" eaLnBrk="1" latinLnBrk="0" hangingPunct="1">
+                <a:lnSpc>
+                  <a:spcPct val="100000"/>
+                </a:lnSpc>
+                <a:spcBef>
+                  <a:spcPts val="0"/>
+                </a:spcBef>
+                <a:spcAft>
+                  <a:spcPts val="1200"/>
+                </a:spcAft>
+                <a:buClr>
+                  <a:schemeClr val="tx1"/>
+                </a:buClr>
+                <a:buFont typeface="Arial" panose="020B0604020202020204" pitchFamily="34" charset="0"/>
+                <a:buChar char="–"/>
+                <a:defRPr sz="1600" kern="1200">
+                  <a:solidFill>
+                    <a:schemeClr val="tx1"/>
+                  </a:solidFill>
+                  <a:latin typeface="Arial" panose="020B0604020202020204" pitchFamily="34" charset="0"/>
+                  <a:ea typeface="+mn-ea"/>
+                  <a:cs typeface="Arial" panose="020B0604020202020204" pitchFamily="34" charset="0"/>
+                </a:defRPr>
+              </a:lvl4pPr>
+              <a:lvl5pPr marL="1546225" indent="-180975" algn="l" defTabSz="914400" rtl="0" eaLnBrk="1" latinLnBrk="0" hangingPunct="1">
+                <a:lnSpc>
+                  <a:spcPct val="100000"/>
+                </a:lnSpc>
+                <a:spcBef>
+                  <a:spcPts val="0"/>
+                </a:spcBef>
+                <a:spcAft>
+                  <a:spcPts val="1200"/>
+                </a:spcAft>
+                <a:buClr>
+                  <a:schemeClr val="tx1"/>
+                </a:buClr>
+                <a:buFont typeface="Arial" panose="020B0604020202020204" pitchFamily="34" charset="0"/>
+                <a:buChar char="–"/>
+                <a:defRPr sz="1600" kern="1200">
+                  <a:solidFill>
+                    <a:schemeClr val="tx1"/>
+                  </a:solidFill>
+                  <a:latin typeface="Arial" panose="020B0604020202020204" pitchFamily="34" charset="0"/>
+                  <a:ea typeface="+mn-ea"/>
+                  <a:cs typeface="Arial" panose="020B0604020202020204" pitchFamily="34" charset="0"/>
+                </a:defRPr>
+              </a:lvl5pPr>
+              <a:lvl6pPr marL="2514600" indent="-228600" algn="l" defTabSz="914400" rtl="0" eaLnBrk="1" latinLnBrk="0" hangingPunct="1">
+                <a:spcBef>
+                  <a:spcPct val="20000"/>
+                </a:spcBef>
+                <a:buFont typeface="Arial" panose="020B0604020202020204" pitchFamily="34" charset="0"/>
+                <a:buChar char="•"/>
+                <a:defRPr sz="2000" kern="1200">
+                  <a:solidFill>
+                    <a:schemeClr val="tx1"/>
+                  </a:solidFill>
+                  <a:latin typeface="+mn-lt"/>
+                  <a:ea typeface="+mn-ea"/>
+                  <a:cs typeface="+mn-cs"/>
+                </a:defRPr>
+              </a:lvl6pPr>
+              <a:lvl7pPr marL="2971800" indent="-228600" algn="l" defTabSz="914400" rtl="0" eaLnBrk="1" latinLnBrk="0" hangingPunct="1">
+                <a:spcBef>
+                  <a:spcPct val="20000"/>
+                </a:spcBef>
+                <a:buFont typeface="Arial" panose="020B0604020202020204" pitchFamily="34" charset="0"/>
+                <a:buChar char="•"/>
+                <a:defRPr sz="2000" kern="1200">
+                  <a:solidFill>
+                    <a:schemeClr val="tx1"/>
+                  </a:solidFill>
+                  <a:latin typeface="+mn-lt"/>
+                  <a:ea typeface="+mn-ea"/>
+                  <a:cs typeface="+mn-cs"/>
+                </a:defRPr>
+              </a:lvl7pPr>
+              <a:lvl8pPr marL="3429000" indent="-228600" algn="l" defTabSz="914400" rtl="0" eaLnBrk="1" latinLnBrk="0" hangingPunct="1">
+                <a:spcBef>
+                  <a:spcPct val="20000"/>
+                </a:spcBef>
+                <a:buFont typeface="Arial" panose="020B0604020202020204" pitchFamily="34" charset="0"/>
+                <a:buChar char="•"/>
+                <a:defRPr sz="2000" kern="1200">
+                  <a:solidFill>
+                    <a:schemeClr val="tx1"/>
+                  </a:solidFill>
+                  <a:latin typeface="+mn-lt"/>
+                  <a:ea typeface="+mn-ea"/>
+                  <a:cs typeface="+mn-cs"/>
+                </a:defRPr>
+              </a:lvl8pPr>
+              <a:lvl9pPr marL="3886200" indent="-228600" algn="l" defTabSz="914400" rtl="0" eaLnBrk="1" latinLnBrk="0" hangingPunct="1">
+                <a:spcBef>
+                  <a:spcPct val="20000"/>
+                </a:spcBef>
+                <a:buFont typeface="Arial" panose="020B0604020202020204" pitchFamily="34" charset="0"/>
+                <a:buChar char="•"/>
+                <a:defRPr sz="2000" kern="1200">
+                  <a:solidFill>
+                    <a:schemeClr val="tx1"/>
+                  </a:solidFill>
+                  <a:latin typeface="+mn-lt"/>
+                  <a:ea typeface="+mn-ea"/>
+                  <a:cs typeface="+mn-cs"/>
+                </a:defRPr>
+              </a:lvl9pPr>
+            </a:lstStyle>
+            <a:p>
+              <a:pPr marL="0" indent="0" algn="ctr">
+                <a:buNone/>
+              </a:pPr>
+              <a:r>
+                <a:rPr lang="en-US" sz="2000" dirty="0">
+                  <a:solidFill>
+                    <a:schemeClr val="accent1"/>
+                  </a:solidFill>
+                </a:rPr>
+                <a:t>“Machine learning at its core </a:t>
+              </a:r>
+              <a:br>
+                <a:rPr lang="en-US" sz="2000" dirty="0">
+                  <a:solidFill>
+                    <a:schemeClr val="accent1"/>
+                  </a:solidFill>
+                </a:rPr>
+              </a:br>
+              <a:r>
+                <a:rPr lang="en-US" sz="2000" dirty="0">
+                  <a:solidFill>
+                    <a:schemeClr val="accent1"/>
+                  </a:solidFill>
+                </a:rPr>
+                <a:t>is based on inherently simple concepts</a:t>
+              </a:r>
+            </a:p>
+            <a:p>
+              <a:pPr marL="0" indent="0" algn="ctr">
+                <a:buNone/>
+              </a:pPr>
+              <a:r>
+                <a:rPr lang="en-US" sz="2000" dirty="0">
+                  <a:solidFill>
+                    <a:schemeClr val="accent1"/>
+                  </a:solidFill>
+                </a:rPr>
+                <a:t>Modern finance is built on </a:t>
+              </a:r>
+              <a:br>
+                <a:rPr lang="en-US" sz="2000" dirty="0">
+                  <a:solidFill>
+                    <a:schemeClr val="accent1"/>
+                  </a:solidFill>
+                </a:rPr>
+              </a:br>
+              <a:r>
+                <a:rPr lang="en-US" sz="2000" dirty="0">
+                  <a:solidFill>
+                    <a:schemeClr val="accent1"/>
+                  </a:solidFill>
+                </a:rPr>
+                <a:t>decades of intricate modeling”</a:t>
+              </a:r>
+            </a:p>
+          </p:txBody>
+        </p:sp>
+        <p:sp>
+          <p:nvSpPr>
+            <p:cNvPr id="7" name="TextBox 3">
+              <a:extLst>
+                <a:ext uri="{FF2B5EF4-FFF2-40B4-BE49-F238E27FC236}">
+                  <a16:creationId xmlns:a16="http://schemas.microsoft.com/office/drawing/2014/main" id="{9A657169-CE68-E84C-B092-F9C96DF44E53}"/>
+                </a:ext>
+              </a:extLst>
+            </p:cNvPr>
+            <p:cNvSpPr txBox="1"/>
+            <p:nvPr/>
+          </p:nvSpPr>
+          <p:spPr>
+            <a:xfrm>
+              <a:off x="456737" y="6132334"/>
+              <a:ext cx="3763851" cy="246221"/>
+            </a:xfrm>
+            <a:prstGeom prst="rect">
+              <a:avLst/>
+            </a:prstGeom>
+            <a:noFill/>
+          </p:spPr>
+          <p:txBody>
+            <a:bodyPr wrap="square" lIns="0" tIns="0" rIns="0" bIns="0" rtlCol="0" anchor="b" anchorCtr="0">
+              <a:spAutoFit/>
+            </a:bodyPr>
+            <a:lstStyle>
+              <a:defPPr>
+                <a:defRPr lang="en-US"/>
+              </a:defPPr>
+              <a:lvl1pPr marL="0" algn="l" defTabSz="816262" rtl="0" eaLnBrk="1" latinLnBrk="0" hangingPunct="1">
+                <a:defRPr sz="1600" kern="1200">
+                  <a:solidFill>
+                    <a:schemeClr val="tx1"/>
+                  </a:solidFill>
+                  <a:latin typeface="+mn-lt"/>
+                  <a:ea typeface="+mn-ea"/>
+                  <a:cs typeface="+mn-cs"/>
+                </a:defRPr>
+              </a:lvl1pPr>
+              <a:lvl2pPr marL="408131" algn="l" defTabSz="816262" rtl="0" eaLnBrk="1" latinLnBrk="0" hangingPunct="1">
+                <a:defRPr sz="1600" kern="1200">
+                  <a:solidFill>
+                    <a:schemeClr val="tx1"/>
+                  </a:solidFill>
+                  <a:latin typeface="+mn-lt"/>
+                  <a:ea typeface="+mn-ea"/>
+                  <a:cs typeface="+mn-cs"/>
+                </a:defRPr>
+              </a:lvl2pPr>
+              <a:lvl3pPr marL="816262" algn="l" defTabSz="816262" rtl="0" eaLnBrk="1" latinLnBrk="0" hangingPunct="1">
+                <a:defRPr sz="1600" kern="1200">
+                  <a:solidFill>
+                    <a:schemeClr val="tx1"/>
+                  </a:solidFill>
+                  <a:latin typeface="+mn-lt"/>
+                  <a:ea typeface="+mn-ea"/>
+                  <a:cs typeface="+mn-cs"/>
+                </a:defRPr>
+              </a:lvl3pPr>
+              <a:lvl4pPr marL="1224392" algn="l" defTabSz="816262" rtl="0" eaLnBrk="1" latinLnBrk="0" hangingPunct="1">
+                <a:defRPr sz="1600" kern="1200">
+                  <a:solidFill>
+                    <a:schemeClr val="tx1"/>
+                  </a:solidFill>
+                  <a:latin typeface="+mn-lt"/>
+                  <a:ea typeface="+mn-ea"/>
+                  <a:cs typeface="+mn-cs"/>
+                </a:defRPr>
+              </a:lvl4pPr>
+              <a:lvl5pPr marL="1632523" algn="l" defTabSz="816262" rtl="0" eaLnBrk="1" latinLnBrk="0" hangingPunct="1">
+                <a:defRPr sz="1600" kern="1200">
+                  <a:solidFill>
+                    <a:schemeClr val="tx1"/>
+                  </a:solidFill>
+                  <a:latin typeface="+mn-lt"/>
+                  <a:ea typeface="+mn-ea"/>
+                  <a:cs typeface="+mn-cs"/>
+                </a:defRPr>
+              </a:lvl5pPr>
+              <a:lvl6pPr marL="2040654" algn="l" defTabSz="816262" rtl="0" eaLnBrk="1" latinLnBrk="0" hangingPunct="1">
+                <a:defRPr sz="1600" kern="1200">
+                  <a:solidFill>
+                    <a:schemeClr val="tx1"/>
+                  </a:solidFill>
+                  <a:latin typeface="+mn-lt"/>
+                  <a:ea typeface="+mn-ea"/>
+                  <a:cs typeface="+mn-cs"/>
+                </a:defRPr>
+              </a:lvl6pPr>
+              <a:lvl7pPr marL="2448785" algn="l" defTabSz="816262" rtl="0" eaLnBrk="1" latinLnBrk="0" hangingPunct="1">
+                <a:defRPr sz="1600" kern="1200">
+                  <a:solidFill>
+                    <a:schemeClr val="tx1"/>
+                  </a:solidFill>
+                  <a:latin typeface="+mn-lt"/>
+                  <a:ea typeface="+mn-ea"/>
+                  <a:cs typeface="+mn-cs"/>
+                </a:defRPr>
+              </a:lvl7pPr>
+              <a:lvl8pPr marL="2856915" algn="l" defTabSz="816262" rtl="0" eaLnBrk="1" latinLnBrk="0" hangingPunct="1">
+                <a:defRPr sz="1600" kern="1200">
+                  <a:solidFill>
+                    <a:schemeClr val="tx1"/>
+                  </a:solidFill>
+                  <a:latin typeface="+mn-lt"/>
+                  <a:ea typeface="+mn-ea"/>
+                  <a:cs typeface="+mn-cs"/>
+                </a:defRPr>
+              </a:lvl8pPr>
+              <a:lvl9pPr marL="3265046" algn="l" defTabSz="816262" rtl="0" eaLnBrk="1" latinLnBrk="0" hangingPunct="1">
+                <a:defRPr sz="1600" kern="1200">
+                  <a:solidFill>
+                    <a:schemeClr val="tx1"/>
+                  </a:solidFill>
+                  <a:latin typeface="+mn-lt"/>
+                  <a:ea typeface="+mn-ea"/>
+                  <a:cs typeface="+mn-cs"/>
+                </a:defRPr>
+              </a:lvl9pPr>
+            </a:lstStyle>
+            <a:p>
+              <a:r>
+                <a:rPr lang="en-US" sz="800" dirty="0"/>
+                <a:t>Image Source: Office.com. All quotes from Lawrence, Cates and </a:t>
+              </a:r>
+              <a:r>
+                <a:rPr lang="en-US" sz="800" dirty="0" err="1"/>
+                <a:t>Garrahan</a:t>
+              </a:r>
+              <a:r>
+                <a:rPr lang="en-US" sz="800" dirty="0"/>
+                <a:t> (2017),</a:t>
+              </a:r>
+              <a:br>
+                <a:rPr lang="en-US" sz="800" dirty="0"/>
+              </a:br>
+              <a:r>
+                <a:rPr lang="en-US" sz="800" dirty="0"/>
+                <a:t>Applied Finance: The Third Culture, Working Paper</a:t>
+              </a:r>
+            </a:p>
+          </p:txBody>
+        </p:sp>
+      </p:grpSp>
+    </p:spTree>
+    <p:extLst>
+      <p:ext uri="{BB962C8B-B14F-4D97-AF65-F5344CB8AC3E}">
+        <p14:creationId xmlns:p14="http://schemas.microsoft.com/office/powerpoint/2010/main" val="864448585"/>
+      </p:ext>
+    </p:extLst>
+  </p:cSld>
+  <p:clrMapOvr>
+    <a:masterClrMapping/>
+  </p:clrMapOvr>
+</p:sld>
+</file>
+
+<file path=ppt/slides/slide11.xml><?xml version="1.0" encoding="utf-8"?>
+<p:sld xmlns:a="http://schemas.openxmlformats.org/drawingml/2006/main" xmlns:r="http://schemas.openxmlformats.org/officeDocument/2006/relationships" xmlns:p="http://schemas.openxmlformats.org/presentationml/2006/main">
+  <p:cSld>
+    <p:spTree>
+      <p:nvGrpSpPr>
+        <p:cNvPr id="1" name=""/>
+        <p:cNvGrpSpPr/>
+        <p:nvPr/>
+      </p:nvGrpSpPr>
+      <p:grpSpPr>
+        <a:xfrm>
+          <a:off x="0" y="0"/>
+          <a:ext cx="0" cy="0"/>
+          <a:chOff x="0" y="0"/>
+          <a:chExt cx="0" cy="0"/>
+        </a:xfrm>
+      </p:grpSpPr>
+      <p:sp>
+        <p:nvSpPr>
+          <p:cNvPr id="2" name="Title 1">
+            <a:extLst>
+              <a:ext uri="{FF2B5EF4-FFF2-40B4-BE49-F238E27FC236}">
+                <a16:creationId xmlns:a16="http://schemas.microsoft.com/office/drawing/2014/main" id="{0705366A-C45F-2E45-A745-E4D10401C7B5}"/>
+              </a:ext>
+            </a:extLst>
+          </p:cNvPr>
+          <p:cNvSpPr>
+            <a:spLocks noGrp="1"/>
+          </p:cNvSpPr>
+          <p:nvPr>
+            <p:ph type="title"/>
+          </p:nvPr>
+        </p:nvSpPr>
+        <p:spPr/>
+        <p:txBody>
+          <a:bodyPr/>
+          <a:lstStyle/>
+          <a:p>
+            <a:r>
+              <a:rPr lang="en-US" dirty="0"/>
+              <a:t>Our Currency Volatility Model</a:t>
+            </a:r>
+          </a:p>
+        </p:txBody>
+      </p:sp>
+      <p:sp>
+        <p:nvSpPr>
+          <p:cNvPr id="3" name="Text Placeholder 2">
+            <a:extLst>
+              <a:ext uri="{FF2B5EF4-FFF2-40B4-BE49-F238E27FC236}">
+                <a16:creationId xmlns:a16="http://schemas.microsoft.com/office/drawing/2014/main" id="{3443B8B7-AA16-C746-944F-3495900B5F11}"/>
+              </a:ext>
+            </a:extLst>
+          </p:cNvPr>
+          <p:cNvSpPr>
+            <a:spLocks noGrp="1"/>
+          </p:cNvSpPr>
+          <p:nvPr>
+            <p:ph type="body" sz="quarter" idx="10"/>
+          </p:nvPr>
+        </p:nvSpPr>
+        <p:spPr>
+          <a:xfrm>
+            <a:off x="603702" y="1638666"/>
+            <a:ext cx="5102125" cy="5760551"/>
+          </a:xfrm>
+        </p:spPr>
+        <p:txBody>
+          <a:bodyPr/>
+          <a:lstStyle/>
+          <a:p>
+            <a:r>
+              <a:rPr lang="en-US" dirty="0"/>
+              <a:t>We are interested in predicting tomorrow’s currency volatility.</a:t>
+            </a:r>
+          </a:p>
+          <a:p>
+            <a:r>
+              <a:rPr lang="en-US" dirty="0"/>
+              <a:t>Specifically, we want to predict the volatility of the following 24hr return on a DXY basket</a:t>
+            </a:r>
+          </a:p>
+          <a:p>
+            <a:r>
+              <a:rPr lang="en-US" dirty="0"/>
+              <a:t>(DXY is a weighted basket of 6 currencies against the dollar)</a:t>
+            </a:r>
+          </a:p>
+          <a:p>
+            <a:r>
+              <a:rPr lang="en-US" dirty="0"/>
+              <a:t>We have past returns available to us for 9 currencies against the dollar</a:t>
+            </a:r>
+          </a:p>
+          <a:p>
+            <a:r>
+              <a:rPr lang="en-US" dirty="0"/>
+              <a:t>Our goal is to construct a model that assigns a low weight (close to 0) when volatility is likely to be high and a high weight (close to 1) when volatility is likely to be low.</a:t>
+            </a:r>
+          </a:p>
+        </p:txBody>
+      </p:sp>
+      <p:pic>
+        <p:nvPicPr>
+          <p:cNvPr id="4" name="Picture 3">
+            <a:extLst>
+              <a:ext uri="{FF2B5EF4-FFF2-40B4-BE49-F238E27FC236}">
+                <a16:creationId xmlns:a16="http://schemas.microsoft.com/office/drawing/2014/main" id="{25ACCF16-A91C-234A-AC4B-420BC742EE24}"/>
+              </a:ext>
+            </a:extLst>
+          </p:cNvPr>
+          <p:cNvPicPr>
+            <a:picLocks noChangeAspect="1"/>
+          </p:cNvPicPr>
+          <p:nvPr/>
+        </p:nvPicPr>
+        <p:blipFill>
+          <a:blip r:embed="rId2"/>
+          <a:stretch>
+            <a:fillRect/>
+          </a:stretch>
+        </p:blipFill>
+        <p:spPr>
+          <a:xfrm>
+            <a:off x="6292850" y="1830918"/>
+            <a:ext cx="7321550" cy="5593184"/>
+          </a:xfrm>
+          <a:prstGeom prst="rect">
+            <a:avLst/>
+          </a:prstGeom>
+        </p:spPr>
+      </p:pic>
+    </p:spTree>
+    <p:extLst>
+      <p:ext uri="{BB962C8B-B14F-4D97-AF65-F5344CB8AC3E}">
+        <p14:creationId xmlns:p14="http://schemas.microsoft.com/office/powerpoint/2010/main" val="2563844330"/>
+      </p:ext>
+    </p:extLst>
+  </p:cSld>
+  <p:clrMapOvr>
+    <a:masterClrMapping/>
+  </p:clrMapOvr>
+</p:sld>
+</file>
+
+<file path=ppt/slides/slide12.xml><?xml version="1.0" encoding="utf-8"?>
+<p:sld xmlns:a="http://schemas.openxmlformats.org/drawingml/2006/main" xmlns:r="http://schemas.openxmlformats.org/officeDocument/2006/relationships" xmlns:p="http://schemas.openxmlformats.org/presentationml/2006/main">
+  <p:cSld>
+    <p:spTree>
+      <p:nvGrpSpPr>
+        <p:cNvPr id="1" name=""/>
+        <p:cNvGrpSpPr/>
+        <p:nvPr/>
+      </p:nvGrpSpPr>
+      <p:grpSpPr>
+        <a:xfrm>
+          <a:off x="0" y="0"/>
+          <a:ext cx="0" cy="0"/>
+          <a:chOff x="0" y="0"/>
+          <a:chExt cx="0" cy="0"/>
+        </a:xfrm>
+      </p:grpSpPr>
+      <p:sp>
+        <p:nvSpPr>
+          <p:cNvPr id="17" name="Title 16">
+            <a:extLst>
+              <a:ext uri="{FF2B5EF4-FFF2-40B4-BE49-F238E27FC236}">
+                <a16:creationId xmlns:a16="http://schemas.microsoft.com/office/drawing/2014/main" id="{E477C353-21FD-9841-87A8-DA6D97468E1A}"/>
+              </a:ext>
+            </a:extLst>
+          </p:cNvPr>
+          <p:cNvSpPr>
+            <a:spLocks noGrp="1"/>
+          </p:cNvSpPr>
+          <p:nvPr>
+            <p:ph type="title"/>
+          </p:nvPr>
+        </p:nvSpPr>
+        <p:spPr/>
+        <p:txBody>
+          <a:bodyPr/>
+          <a:lstStyle/>
+          <a:p>
+            <a:r>
+              <a:rPr lang="en-US" dirty="0"/>
+              <a:t>Introduction to Turbulence</a:t>
+            </a:r>
+          </a:p>
+        </p:txBody>
+      </p:sp>
+      <mc:AlternateContent xmlns:mc="http://schemas.openxmlformats.org/markup-compatibility/2006">
+        <mc:Choice xmlns:a14="http://schemas.microsoft.com/office/drawing/2010/main" Requires="a14">
+          <p:sp>
+            <p:nvSpPr>
+              <p:cNvPr id="3" name="Content Placeholder 2"/>
+              <p:cNvSpPr>
+                <a:spLocks noGrp="1"/>
+              </p:cNvSpPr>
+              <p:nvPr>
+                <p:ph type="body" sz="quarter" idx="10"/>
+              </p:nvPr>
+            </p:nvSpPr>
+            <p:spPr>
+              <a:xfrm>
+                <a:off x="1190724" y="1661245"/>
+                <a:ext cx="11433977" cy="5669244"/>
+              </a:xfrm>
+            </p:spPr>
+            <p:txBody>
+              <a:bodyPr/>
+              <a:lstStyle/>
+              <a:p>
+                <a:r>
+                  <a:rPr lang="en-US" dirty="0"/>
+                  <a:t>Simple “Rule of Thumb”: If the combined returns look abnormal relative to a normal distribution, consider the environment to be “turbulent”</a:t>
+                </a:r>
+              </a:p>
+              <a:p>
+                <a:pPr lvl="1"/>
+                <a:r>
+                  <a:rPr lang="en-US" dirty="0" err="1"/>
+                  <a:t>Mahalanobis</a:t>
+                </a:r>
+                <a:r>
+                  <a:rPr lang="en-US" dirty="0"/>
+                  <a:t> Distance Metric: </a:t>
+                </a:r>
+                <a14:m>
+                  <m:oMath xmlns:m="http://schemas.openxmlformats.org/officeDocument/2006/math">
+                    <m:r>
+                      <m:rPr>
+                        <m:sty m:val="p"/>
+                      </m:rPr>
+                      <a:rPr lang="en-US" b="0" i="0" smtClean="0">
+                        <a:latin typeface="Cambria Math"/>
+                      </a:rPr>
+                      <m:t>T</m:t>
+                    </m:r>
+                    <m:r>
+                      <a:rPr lang="en-US" b="0" i="0" smtClean="0">
+                        <a:latin typeface="Cambria Math"/>
+                      </a:rPr>
+                      <m:t>=</m:t>
+                    </m:r>
+                    <m:d>
+                      <m:dPr>
+                        <m:ctrlPr>
+                          <a:rPr lang="en-US" b="0" i="1" smtClean="0">
+                            <a:latin typeface="Cambria Math" panose="02040503050406030204" pitchFamily="18" charset="0"/>
+                          </a:rPr>
+                        </m:ctrlPr>
+                      </m:dPr>
+                      <m:e>
+                        <m:r>
+                          <a:rPr lang="en-US" i="1">
+                            <a:latin typeface="Cambria Math"/>
+                          </a:rPr>
+                          <m:t>𝑥</m:t>
+                        </m:r>
+                        <m:r>
+                          <a:rPr lang="en-US" i="1">
+                            <a:latin typeface="Cambria Math"/>
+                          </a:rPr>
+                          <m:t>−</m:t>
+                        </m:r>
+                        <m:r>
+                          <a:rPr lang="en-US" i="1">
+                            <a:latin typeface="Cambria Math"/>
+                            <a:ea typeface="Cambria Math"/>
+                          </a:rPr>
+                          <m:t>𝜇</m:t>
+                        </m:r>
+                      </m:e>
+                    </m:d>
+                    <m:r>
+                      <a:rPr lang="en-US" b="0" i="1" smtClean="0">
+                        <a:latin typeface="Cambria Math"/>
+                      </a:rPr>
+                      <m:t>′</m:t>
+                    </m:r>
+                    <m:sSup>
+                      <m:sSupPr>
+                        <m:ctrlPr>
+                          <a:rPr lang="en-US" b="0" i="1" smtClean="0">
+                            <a:latin typeface="Cambria Math" panose="02040503050406030204" pitchFamily="18" charset="0"/>
+                          </a:rPr>
+                        </m:ctrlPr>
+                      </m:sSupPr>
+                      <m:e>
+                        <m:r>
+                          <m:rPr>
+                            <m:sty m:val="p"/>
+                          </m:rPr>
+                          <a:rPr lang="el-GR" b="0" i="1" smtClean="0">
+                            <a:latin typeface="Cambria Math"/>
+                            <a:ea typeface="Cambria Math"/>
+                          </a:rPr>
+                          <m:t>Σ</m:t>
+                        </m:r>
+                      </m:e>
+                      <m:sup>
+                        <m:r>
+                          <a:rPr lang="en-US" b="0" i="1" smtClean="0">
+                            <a:latin typeface="Cambria Math"/>
+                          </a:rPr>
+                          <m:t>−1</m:t>
+                        </m:r>
+                      </m:sup>
+                    </m:sSup>
+                    <m:d>
+                      <m:dPr>
+                        <m:ctrlPr>
+                          <a:rPr lang="en-US" i="1">
+                            <a:latin typeface="Cambria Math" panose="02040503050406030204" pitchFamily="18" charset="0"/>
+                          </a:rPr>
+                        </m:ctrlPr>
+                      </m:dPr>
+                      <m:e>
+                        <m:r>
+                          <a:rPr lang="en-US" i="1">
+                            <a:latin typeface="Cambria Math"/>
+                          </a:rPr>
+                          <m:t>𝑥</m:t>
+                        </m:r>
+                        <m:r>
+                          <a:rPr lang="en-US" i="1">
+                            <a:latin typeface="Cambria Math"/>
+                          </a:rPr>
+                          <m:t>−</m:t>
+                        </m:r>
+                        <m:r>
+                          <a:rPr lang="en-US" i="1">
+                            <a:latin typeface="Cambria Math"/>
+                            <a:ea typeface="Cambria Math"/>
+                          </a:rPr>
+                          <m:t>𝜇</m:t>
+                        </m:r>
+                      </m:e>
+                    </m:d>
+                  </m:oMath>
+                </a14:m>
+                <a:endParaRPr lang="en-US" dirty="0"/>
+              </a:p>
+              <a:p>
+                <a:r>
+                  <a:rPr lang="en-US" dirty="0"/>
+                  <a:t>Assume that abnormalities persist and describe the</a:t>
+                </a:r>
+                <a:br>
+                  <a:rPr lang="en-US" dirty="0"/>
+                </a:br>
+                <a:r>
+                  <a:rPr lang="en-US" dirty="0" err="1"/>
+                  <a:t>the</a:t>
+                </a:r>
+                <a:r>
+                  <a:rPr lang="en-US" dirty="0"/>
+                  <a:t> overall market volatility (Seems plausible)</a:t>
+                </a:r>
+              </a:p>
+              <a:p>
+                <a:r>
+                  <a:rPr lang="en-US" dirty="0"/>
+                  <a:t>When T &gt; 75% of historical T, predict volatility = TRUE</a:t>
+                </a:r>
+              </a:p>
+              <a:p>
+                <a:r>
+                  <a:rPr lang="en-US" dirty="0"/>
+                  <a:t>Fine… but how do we parameterize?</a:t>
+                </a:r>
+              </a:p>
+              <a:p>
+                <a:pPr lvl="1"/>
+                <a:r>
+                  <a:rPr lang="en-US" dirty="0"/>
+                  <a:t>Lookback window for </a:t>
+                </a:r>
+                <a14:m>
+                  <m:oMath xmlns:m="http://schemas.openxmlformats.org/officeDocument/2006/math">
+                    <m:r>
+                      <a:rPr lang="en-US" i="1" smtClean="0">
+                        <a:latin typeface="Cambria Math"/>
+                        <a:ea typeface="Cambria Math"/>
+                      </a:rPr>
+                      <m:t>𝜇</m:t>
+                    </m:r>
+                  </m:oMath>
+                </a14:m>
+                <a:r>
+                  <a:rPr lang="en-US" dirty="0"/>
+                  <a:t> and </a:t>
+                </a:r>
+                <a14:m>
+                  <m:oMath xmlns:m="http://schemas.openxmlformats.org/officeDocument/2006/math">
+                    <m:r>
+                      <m:rPr>
+                        <m:sty m:val="p"/>
+                      </m:rPr>
+                      <a:rPr lang="el-GR" i="1" smtClean="0">
+                        <a:latin typeface="Cambria Math"/>
+                        <a:ea typeface="Cambria Math"/>
+                      </a:rPr>
+                      <m:t>Σ</m:t>
+                    </m:r>
+                  </m:oMath>
+                </a14:m>
+                <a:r>
+                  <a:rPr lang="en-US" dirty="0"/>
+                  <a:t>	(A year? A quarter? 2 years?)</a:t>
+                </a:r>
+              </a:p>
+              <a:p>
+                <a:pPr lvl="1"/>
+                <a:r>
+                  <a:rPr lang="en-US" dirty="0"/>
+                  <a:t>Smoothing window for T		(Daily? Too fast. Weekly? Monthly? Quarterly?)</a:t>
+                </a:r>
+              </a:p>
+              <a:p>
+                <a:pPr lvl="1"/>
+                <a:r>
+                  <a:rPr lang="en-US" dirty="0"/>
+                  <a:t>Granularity			(Sectors? Industry Groups? Industries?)</a:t>
+                </a:r>
+              </a:p>
+              <a:p>
+                <a:endParaRPr lang="en-US" dirty="0"/>
+              </a:p>
+              <a:p>
+                <a:r>
+                  <a:rPr lang="en-US" dirty="0"/>
+                  <a:t>Arbitrarily try a few parameters. If they seem to work, go with it. If not, try again.</a:t>
+                </a:r>
+              </a:p>
+            </p:txBody>
+          </p:sp>
+        </mc:Choice>
+        <mc:Fallback>
+          <p:sp>
+            <p:nvSpPr>
+              <p:cNvPr id="3" name="Content Placeholder 2"/>
+              <p:cNvSpPr>
+                <a:spLocks noGrp="1" noRot="1" noChangeAspect="1" noMove="1" noResize="1" noEditPoints="1" noAdjustHandles="1" noChangeArrowheads="1" noChangeShapeType="1" noTextEdit="1"/>
+              </p:cNvSpPr>
+              <p:nvPr>
+                <p:ph type="body" sz="quarter" idx="10"/>
+              </p:nvPr>
+            </p:nvSpPr>
+            <p:spPr>
+              <a:xfrm>
+                <a:off x="1190724" y="1661245"/>
+                <a:ext cx="11433977" cy="5669244"/>
+              </a:xfrm>
+              <a:blipFill>
+                <a:blip r:embed="rId2"/>
+                <a:stretch>
+                  <a:fillRect l="-1443" t="-1566" b="-2013"/>
+                </a:stretch>
+              </a:blipFill>
+            </p:spPr>
+            <p:txBody>
+              <a:bodyPr/>
+              <a:lstStyle/>
+              <a:p>
+                <a:r>
+                  <a:rPr lang="en-US">
+                    <a:noFill/>
+                  </a:rPr>
+                  <a:t> </a:t>
+                </a:r>
+              </a:p>
+            </p:txBody>
+          </p:sp>
+        </mc:Fallback>
+      </mc:AlternateContent>
+      <p:grpSp>
+        <p:nvGrpSpPr>
+          <p:cNvPr id="11" name="Group 10"/>
+          <p:cNvGrpSpPr/>
+          <p:nvPr/>
+        </p:nvGrpSpPr>
+        <p:grpSpPr>
+          <a:xfrm>
+            <a:off x="9987280" y="2378005"/>
+            <a:ext cx="2504440" cy="2504440"/>
+            <a:chOff x="5943600" y="1828800"/>
+            <a:chExt cx="2209800" cy="2209800"/>
+          </a:xfrm>
+        </p:grpSpPr>
+        <p:sp>
+          <p:nvSpPr>
+            <p:cNvPr id="5" name="Oval 4"/>
+            <p:cNvSpPr/>
+            <p:nvPr/>
+          </p:nvSpPr>
+          <p:spPr>
+            <a:xfrm rot="2700000">
+              <a:off x="6565945" y="2032045"/>
+              <a:ext cx="838200" cy="1676400"/>
+            </a:xfrm>
+            <a:prstGeom prst="ellipse">
+              <a:avLst/>
+            </a:prstGeom>
+            <a:solidFill>
+              <a:schemeClr val="bg1"/>
+            </a:solidFill>
+            <a:ln w="12700">
+              <a:solidFill>
+                <a:schemeClr val="accent2"/>
+              </a:solidFill>
+            </a:ln>
+          </p:spPr>
+          <p:style>
+            <a:lnRef idx="2">
+              <a:schemeClr val="accent1">
+                <a:shade val="50000"/>
+              </a:schemeClr>
+            </a:lnRef>
+            <a:fillRef idx="1">
+              <a:schemeClr val="accent1"/>
+            </a:fillRef>
+            <a:effectRef idx="0">
+              <a:schemeClr val="accent1"/>
+            </a:effectRef>
+            <a:fontRef idx="minor">
+              <a:schemeClr val="lt1"/>
+            </a:fontRef>
+          </p:style>
+          <p:txBody>
+            <a:bodyPr lIns="0" tIns="0" rIns="0" bIns="0" rtlCol="0" anchor="ctr" anchorCtr="1"/>
+            <a:lstStyle/>
+            <a:p>
+              <a:pPr algn="ctr"/>
+              <a:endParaRPr lang="en-US" sz="1813" dirty="0">
+                <a:solidFill>
+                  <a:schemeClr val="accent1"/>
+                </a:solidFill>
+              </a:endParaRPr>
+            </a:p>
+          </p:txBody>
+        </p:sp>
+        <p:grpSp>
+          <p:nvGrpSpPr>
+            <p:cNvPr id="10" name="Group 9"/>
+            <p:cNvGrpSpPr/>
+            <p:nvPr/>
+          </p:nvGrpSpPr>
+          <p:grpSpPr>
+            <a:xfrm>
+              <a:off x="5943600" y="1828800"/>
+              <a:ext cx="2209800" cy="2209800"/>
+              <a:chOff x="5943600" y="1828800"/>
+              <a:chExt cx="2209800" cy="2209800"/>
+            </a:xfrm>
+          </p:grpSpPr>
+          <p:cxnSp>
+            <p:nvCxnSpPr>
+              <p:cNvPr id="7" name="Straight Arrow Connector 6"/>
+              <p:cNvCxnSpPr/>
+              <p:nvPr/>
+            </p:nvCxnSpPr>
+            <p:spPr>
+              <a:xfrm flipV="1">
+                <a:off x="6985045" y="1828800"/>
+                <a:ext cx="0" cy="2209800"/>
+              </a:xfrm>
+              <a:prstGeom prst="straightConnector1">
+                <a:avLst/>
+              </a:prstGeom>
+              <a:ln w="12700">
+                <a:tailEnd type="arrow"/>
+              </a:ln>
+            </p:spPr>
+            <p:style>
+              <a:lnRef idx="1">
+                <a:schemeClr val="accent5"/>
+              </a:lnRef>
+              <a:fillRef idx="0">
+                <a:schemeClr val="accent5"/>
+              </a:fillRef>
+              <a:effectRef idx="0">
+                <a:schemeClr val="accent5"/>
+              </a:effectRef>
+              <a:fontRef idx="minor">
+                <a:schemeClr val="tx1"/>
+              </a:fontRef>
+            </p:style>
+          </p:cxnSp>
+          <p:cxnSp>
+            <p:nvCxnSpPr>
+              <p:cNvPr id="9" name="Straight Arrow Connector 8"/>
+              <p:cNvCxnSpPr/>
+              <p:nvPr/>
+            </p:nvCxnSpPr>
+            <p:spPr>
+              <a:xfrm rot="5400000" flipV="1">
+                <a:off x="7048500" y="1790699"/>
+                <a:ext cx="0" cy="2209800"/>
+              </a:xfrm>
+              <a:prstGeom prst="straightConnector1">
+                <a:avLst/>
+              </a:prstGeom>
+              <a:ln w="12700">
+                <a:tailEnd type="arrow"/>
+              </a:ln>
+            </p:spPr>
+            <p:style>
+              <a:lnRef idx="1">
+                <a:schemeClr val="accent5"/>
+              </a:lnRef>
+              <a:fillRef idx="0">
+                <a:schemeClr val="accent5"/>
+              </a:fillRef>
+              <a:effectRef idx="0">
+                <a:schemeClr val="accent5"/>
+              </a:effectRef>
+              <a:fontRef idx="minor">
+                <a:schemeClr val="tx1"/>
+              </a:fontRef>
+            </p:style>
+          </p:cxnSp>
+        </p:grpSp>
+      </p:grpSp>
+      <p:sp>
+        <p:nvSpPr>
+          <p:cNvPr id="12" name="Multiply 11"/>
+          <p:cNvSpPr/>
+          <p:nvPr/>
+        </p:nvSpPr>
+        <p:spPr>
+          <a:xfrm>
+            <a:off x="10491072" y="2840404"/>
+            <a:ext cx="172720" cy="172720"/>
+          </a:xfrm>
+          <a:prstGeom prst="mathMultiply">
+            <a:avLst/>
+          </a:prstGeom>
+          <a:solidFill>
+            <a:schemeClr val="bg1"/>
+          </a:solidFill>
+          <a:ln w="12700">
+            <a:solidFill>
+              <a:srgbClr val="C00000"/>
+            </a:solidFill>
+          </a:ln>
+        </p:spPr>
+        <p:style>
+          <a:lnRef idx="2">
+            <a:schemeClr val="accent1">
+              <a:shade val="50000"/>
+            </a:schemeClr>
+          </a:lnRef>
+          <a:fillRef idx="1">
+            <a:schemeClr val="accent1"/>
+          </a:fillRef>
+          <a:effectRef idx="0">
+            <a:schemeClr val="accent1"/>
+          </a:effectRef>
+          <a:fontRef idx="minor">
+            <a:schemeClr val="lt1"/>
+          </a:fontRef>
+        </p:style>
+        <p:txBody>
+          <a:bodyPr lIns="0" tIns="0" rIns="0" bIns="0" rtlCol="0" anchor="ctr" anchorCtr="1"/>
+          <a:lstStyle/>
+          <a:p>
+            <a:pPr algn="ctr"/>
+            <a:endParaRPr lang="en-US" sz="1813" dirty="0">
+              <a:solidFill>
+                <a:schemeClr val="accent1"/>
+              </a:solidFill>
+            </a:endParaRPr>
+          </a:p>
+        </p:txBody>
+      </p:sp>
+    </p:spTree>
+    <p:extLst>
+      <p:ext uri="{BB962C8B-B14F-4D97-AF65-F5344CB8AC3E}">
+        <p14:creationId xmlns:p14="http://schemas.microsoft.com/office/powerpoint/2010/main" val="817086431"/>
+      </p:ext>
+    </p:extLst>
+  </p:cSld>
+  <p:clrMapOvr>
+    <a:masterClrMapping/>
+  </p:clrMapOvr>
+</p:sld>
+</file>
+
+<file path=ppt/slides/slide13.xml><?xml version="1.0" encoding="utf-8"?>
+<p:sld xmlns:a="http://schemas.openxmlformats.org/drawingml/2006/main" xmlns:r="http://schemas.openxmlformats.org/officeDocument/2006/relationships" xmlns:p="http://schemas.openxmlformats.org/presentationml/2006/main">
+  <p:cSld>
+    <p:spTree>
+      <p:nvGrpSpPr>
+        <p:cNvPr id="1" name=""/>
+        <p:cNvGrpSpPr/>
+        <p:nvPr/>
+      </p:nvGrpSpPr>
+      <p:grpSpPr>
+        <a:xfrm>
+          <a:off x="0" y="0"/>
+          <a:ext cx="0" cy="0"/>
+          <a:chOff x="0" y="0"/>
+          <a:chExt cx="0" cy="0"/>
+        </a:xfrm>
+      </p:grpSpPr>
+      <p:sp>
+        <p:nvSpPr>
+          <p:cNvPr id="4" name="Title 3">
+            <a:extLst>
+              <a:ext uri="{FF2B5EF4-FFF2-40B4-BE49-F238E27FC236}">
+                <a16:creationId xmlns:a16="http://schemas.microsoft.com/office/drawing/2014/main" id="{3C4581CC-23A3-0046-8F73-358374CE1C76}"/>
+              </a:ext>
+            </a:extLst>
+          </p:cNvPr>
+          <p:cNvSpPr>
+            <a:spLocks noGrp="1"/>
+          </p:cNvSpPr>
+          <p:nvPr>
+            <p:ph type="title"/>
+          </p:nvPr>
+        </p:nvSpPr>
+        <p:spPr/>
+        <p:txBody>
+          <a:bodyPr/>
+          <a:lstStyle/>
+          <a:p>
+            <a:r>
+              <a:rPr lang="en-US" dirty="0"/>
+              <a:t>The GARCH Approach</a:t>
+            </a:r>
+          </a:p>
+        </p:txBody>
+      </p:sp>
+      <mc:AlternateContent xmlns:mc="http://schemas.openxmlformats.org/markup-compatibility/2006">
+        <mc:Choice xmlns:a14="http://schemas.microsoft.com/office/drawing/2010/main" Requires="a14">
+          <p:sp>
+            <p:nvSpPr>
+              <p:cNvPr id="3" name="Content Placeholder 2"/>
+              <p:cNvSpPr>
+                <a:spLocks noGrp="1"/>
+              </p:cNvSpPr>
+              <p:nvPr>
+                <p:ph type="body" sz="quarter" idx="10"/>
+              </p:nvPr>
+            </p:nvSpPr>
+            <p:spPr>
+              <a:xfrm>
+                <a:off x="1190724" y="1661245"/>
+                <a:ext cx="11433977" cy="5595186"/>
+              </a:xfrm>
+            </p:spPr>
+            <p:txBody>
+              <a:bodyPr/>
+              <a:lstStyle/>
+              <a:p>
+                <a:r>
+                  <a:rPr lang="en-US" dirty="0"/>
+                  <a:t>Assume that all of the returns follow a multivariate GARCH(k) process:</a:t>
+                </a:r>
+              </a:p>
+              <a:p>
+                <a:pPr marL="386810" lvl="1" indent="0" algn="ctr">
+                  <a:buNone/>
+                </a:pPr>
+                <a:r>
+                  <a:rPr lang="en-US" dirty="0"/>
+                  <a:t>Returns follow:    </a:t>
+                </a:r>
+                <a14:m>
+                  <m:oMath xmlns:m="http://schemas.openxmlformats.org/officeDocument/2006/math">
+                    <m:sSub>
+                      <m:sSubPr>
+                        <m:ctrlPr>
+                          <a:rPr lang="en-US" i="1" smtClean="0">
+                            <a:latin typeface="Cambria Math" panose="02040503050406030204" pitchFamily="18" charset="0"/>
+                          </a:rPr>
+                        </m:ctrlPr>
+                      </m:sSubPr>
+                      <m:e>
+                        <m:r>
+                          <a:rPr lang="en-US" b="1" i="1" smtClean="0">
+                            <a:latin typeface="Cambria Math"/>
+                          </a:rPr>
+                          <m:t>𝒓</m:t>
+                        </m:r>
+                      </m:e>
+                      <m:sub>
+                        <m:r>
+                          <a:rPr lang="en-US" b="0" i="1" smtClean="0">
+                            <a:latin typeface="Cambria Math"/>
+                          </a:rPr>
+                          <m:t>𝑡</m:t>
+                        </m:r>
+                      </m:sub>
+                    </m:sSub>
+                    <m:r>
+                      <a:rPr lang="en-US" b="0" i="1" smtClean="0">
+                        <a:latin typeface="Cambria Math"/>
+                      </a:rPr>
+                      <m:t>=</m:t>
+                    </m:r>
+                    <m:r>
+                      <a:rPr lang="en-US" b="1" i="1" smtClean="0">
+                        <a:latin typeface="Cambria Math"/>
+                        <a:ea typeface="Cambria Math"/>
+                      </a:rPr>
+                      <m:t>𝝁</m:t>
+                    </m:r>
+                    <m:r>
+                      <a:rPr lang="en-US" b="0" i="1" smtClean="0">
+                        <a:latin typeface="Cambria Math"/>
+                        <a:ea typeface="Cambria Math"/>
+                      </a:rPr>
+                      <m:t>+</m:t>
+                    </m:r>
+                    <m:sSub>
+                      <m:sSubPr>
+                        <m:ctrlPr>
+                          <a:rPr lang="en-US" i="1">
+                            <a:latin typeface="Cambria Math" panose="02040503050406030204" pitchFamily="18" charset="0"/>
+                          </a:rPr>
+                        </m:ctrlPr>
+                      </m:sSubPr>
+                      <m:e>
+                        <m:r>
+                          <a:rPr lang="en-US" b="1" i="1" smtClean="0">
+                            <a:latin typeface="Cambria Math"/>
+                            <a:ea typeface="Cambria Math"/>
+                          </a:rPr>
+                          <m:t>𝚺</m:t>
+                        </m:r>
+                      </m:e>
+                      <m:sub>
+                        <m:r>
+                          <a:rPr lang="en-US" i="1">
+                            <a:latin typeface="Cambria Math"/>
+                          </a:rPr>
+                          <m:t>𝑡</m:t>
+                        </m:r>
+                      </m:sub>
+                    </m:sSub>
+                    <m:sSub>
+                      <m:sSubPr>
+                        <m:ctrlPr>
+                          <a:rPr lang="en-US" i="1">
+                            <a:latin typeface="Cambria Math" panose="02040503050406030204" pitchFamily="18" charset="0"/>
+                          </a:rPr>
+                        </m:ctrlPr>
+                      </m:sSubPr>
+                      <m:e>
+                        <m:r>
+                          <a:rPr lang="en-US" b="1" i="1" smtClean="0">
+                            <a:latin typeface="Cambria Math"/>
+                            <a:ea typeface="Cambria Math"/>
+                          </a:rPr>
+                          <m:t>𝝐</m:t>
+                        </m:r>
+                      </m:e>
+                      <m:sub>
+                        <m:r>
+                          <a:rPr lang="en-US" i="1">
+                            <a:latin typeface="Cambria Math"/>
+                          </a:rPr>
+                          <m:t>𝑡</m:t>
+                        </m:r>
+                      </m:sub>
+                    </m:sSub>
+                  </m:oMath>
+                </a14:m>
+                <a:endParaRPr lang="en-US" dirty="0"/>
+              </a:p>
+              <a:p>
+                <a:pPr marL="386810" lvl="1" indent="0" algn="ctr">
+                  <a:buNone/>
+                </a:pPr>
+                <a:r>
+                  <a:rPr lang="en-US" dirty="0"/>
+                  <a:t>Volatility follows:    </a:t>
+                </a:r>
+                <a14:m>
+                  <m:oMath xmlns:m="http://schemas.openxmlformats.org/officeDocument/2006/math">
+                    <m:sSub>
+                      <m:sSubPr>
+                        <m:ctrlPr>
+                          <a:rPr lang="en-US" i="1">
+                            <a:latin typeface="Cambria Math" panose="02040503050406030204" pitchFamily="18" charset="0"/>
+                          </a:rPr>
+                        </m:ctrlPr>
+                      </m:sSubPr>
+                      <m:e>
+                        <m:r>
+                          <a:rPr lang="en-US" b="1" i="1">
+                            <a:latin typeface="Cambria Math"/>
+                            <a:ea typeface="Cambria Math"/>
+                          </a:rPr>
+                          <m:t>𝚺</m:t>
+                        </m:r>
+                      </m:e>
+                      <m:sub>
+                        <m:r>
+                          <a:rPr lang="en-US" i="1">
+                            <a:latin typeface="Cambria Math"/>
+                          </a:rPr>
+                          <m:t>𝑡</m:t>
+                        </m:r>
+                      </m:sub>
+                    </m:sSub>
+                    <m:r>
+                      <a:rPr lang="en-US" b="0" i="1" smtClean="0">
+                        <a:latin typeface="Cambria Math"/>
+                      </a:rPr>
+                      <m:t>=</m:t>
+                    </m:r>
+                    <m:sSub>
+                      <m:sSubPr>
+                        <m:ctrlPr>
+                          <a:rPr lang="en-US" i="1">
+                            <a:latin typeface="Cambria Math" panose="02040503050406030204" pitchFamily="18" charset="0"/>
+                          </a:rPr>
+                        </m:ctrlPr>
+                      </m:sSubPr>
+                      <m:e>
+                        <m:r>
+                          <a:rPr lang="en-US" b="1" i="1" smtClean="0">
+                            <a:latin typeface="Cambria Math"/>
+                            <a:ea typeface="Cambria Math"/>
+                          </a:rPr>
+                          <m:t>𝜶</m:t>
+                        </m:r>
+                      </m:e>
+                      <m:sub>
+                        <m:r>
+                          <a:rPr lang="en-US" b="0" i="1" smtClean="0">
+                            <a:latin typeface="Cambria Math"/>
+                          </a:rPr>
+                          <m:t>0</m:t>
+                        </m:r>
+                      </m:sub>
+                    </m:sSub>
+                    <m:r>
+                      <a:rPr lang="en-US" i="1">
+                        <a:latin typeface="Cambria Math"/>
+                      </a:rPr>
+                      <m:t>+</m:t>
+                    </m:r>
+                    <m:sSub>
+                      <m:sSubPr>
+                        <m:ctrlPr>
+                          <a:rPr lang="en-US" i="1">
+                            <a:latin typeface="Cambria Math" panose="02040503050406030204" pitchFamily="18" charset="0"/>
+                          </a:rPr>
+                        </m:ctrlPr>
+                      </m:sSubPr>
+                      <m:e>
+                        <m:r>
+                          <a:rPr lang="en-US" b="1" i="1">
+                            <a:latin typeface="Cambria Math"/>
+                            <a:ea typeface="Cambria Math"/>
+                          </a:rPr>
+                          <m:t>𝜶</m:t>
+                        </m:r>
+                      </m:e>
+                      <m:sub>
+                        <m:r>
+                          <a:rPr lang="en-US" i="1">
+                            <a:latin typeface="Cambria Math"/>
+                          </a:rPr>
+                          <m:t>1</m:t>
+                        </m:r>
+                      </m:sub>
+                    </m:sSub>
+                    <m:sSub>
+                      <m:sSubPr>
+                        <m:ctrlPr>
+                          <a:rPr lang="en-US" i="1">
+                            <a:latin typeface="Cambria Math" panose="02040503050406030204" pitchFamily="18" charset="0"/>
+                          </a:rPr>
+                        </m:ctrlPr>
+                      </m:sSubPr>
+                      <m:e>
+                        <m:r>
+                          <a:rPr lang="en-US" b="1" i="1">
+                            <a:latin typeface="Cambria Math"/>
+                            <a:ea typeface="Cambria Math"/>
+                          </a:rPr>
+                          <m:t>𝚺</m:t>
+                        </m:r>
+                      </m:e>
+                      <m:sub>
+                        <m:r>
+                          <a:rPr lang="en-US" i="1">
+                            <a:latin typeface="Cambria Math"/>
+                          </a:rPr>
+                          <m:t>𝑡</m:t>
+                        </m:r>
+                      </m:sub>
+                    </m:sSub>
+                    <m:sSub>
+                      <m:sSubPr>
+                        <m:ctrlPr>
+                          <a:rPr lang="en-US" i="1">
+                            <a:latin typeface="Cambria Math" panose="02040503050406030204" pitchFamily="18" charset="0"/>
+                          </a:rPr>
+                        </m:ctrlPr>
+                      </m:sSubPr>
+                      <m:e>
+                        <m:r>
+                          <a:rPr lang="en-US" b="1" i="1">
+                            <a:latin typeface="Cambria Math"/>
+                            <a:ea typeface="Cambria Math"/>
+                          </a:rPr>
+                          <m:t>𝝐</m:t>
+                        </m:r>
+                      </m:e>
+                      <m:sub>
+                        <m:r>
+                          <a:rPr lang="en-US" i="1">
+                            <a:latin typeface="Cambria Math"/>
+                          </a:rPr>
+                          <m:t>𝑡</m:t>
+                        </m:r>
+                        <m:r>
+                          <a:rPr lang="en-US" b="0" i="1" smtClean="0">
+                            <a:latin typeface="Cambria Math"/>
+                          </a:rPr>
+                          <m:t>−1</m:t>
+                        </m:r>
+                      </m:sub>
+                    </m:sSub>
+                    <m:sSub>
+                      <m:sSubPr>
+                        <m:ctrlPr>
+                          <a:rPr lang="en-US" i="1">
+                            <a:latin typeface="Cambria Math" panose="02040503050406030204" pitchFamily="18" charset="0"/>
+                          </a:rPr>
+                        </m:ctrlPr>
+                      </m:sSubPr>
+                      <m:e>
+                        <m:r>
+                          <a:rPr lang="en-US" b="1" i="1">
+                            <a:latin typeface="Cambria Math"/>
+                            <a:ea typeface="Cambria Math"/>
+                          </a:rPr>
+                          <m:t>𝝐</m:t>
+                        </m:r>
+                        <m:r>
+                          <a:rPr lang="en-US" b="1" i="1" smtClean="0">
+                            <a:latin typeface="Cambria Math"/>
+                            <a:ea typeface="Cambria Math"/>
+                          </a:rPr>
+                          <m:t>′</m:t>
+                        </m:r>
+                      </m:e>
+                      <m:sub>
+                        <m:r>
+                          <a:rPr lang="en-US" i="1">
+                            <a:latin typeface="Cambria Math"/>
+                          </a:rPr>
+                          <m:t>𝑡</m:t>
+                        </m:r>
+                        <m:r>
+                          <a:rPr lang="en-US" i="1">
+                            <a:latin typeface="Cambria Math"/>
+                          </a:rPr>
+                          <m:t>−1</m:t>
+                        </m:r>
+                      </m:sub>
+                    </m:sSub>
+                    <m:r>
+                      <a:rPr lang="en-US" b="0" i="1" smtClean="0">
+                        <a:latin typeface="Cambria Math"/>
+                      </a:rPr>
+                      <m:t>+…+</m:t>
+                    </m:r>
+                    <m:r>
+                      <a:rPr lang="en-US" i="1">
+                        <a:latin typeface="Cambria Math"/>
+                      </a:rPr>
+                      <m:t>+</m:t>
+                    </m:r>
+                    <m:sSub>
+                      <m:sSubPr>
+                        <m:ctrlPr>
+                          <a:rPr lang="en-US" i="1">
+                            <a:latin typeface="Cambria Math" panose="02040503050406030204" pitchFamily="18" charset="0"/>
+                          </a:rPr>
+                        </m:ctrlPr>
+                      </m:sSubPr>
+                      <m:e>
+                        <m:r>
+                          <a:rPr lang="en-US" b="1" i="1">
+                            <a:latin typeface="Cambria Math"/>
+                            <a:ea typeface="Cambria Math"/>
+                          </a:rPr>
+                          <m:t>𝜶</m:t>
+                        </m:r>
+                      </m:e>
+                      <m:sub>
+                        <m:r>
+                          <a:rPr lang="en-US" b="0" i="1" smtClean="0">
+                            <a:latin typeface="Cambria Math"/>
+                          </a:rPr>
+                          <m:t>𝑘</m:t>
+                        </m:r>
+                      </m:sub>
+                    </m:sSub>
+                    <m:sSub>
+                      <m:sSubPr>
+                        <m:ctrlPr>
+                          <a:rPr lang="en-US" i="1">
+                            <a:latin typeface="Cambria Math" panose="02040503050406030204" pitchFamily="18" charset="0"/>
+                          </a:rPr>
+                        </m:ctrlPr>
+                      </m:sSubPr>
+                      <m:e>
+                        <m:r>
+                          <a:rPr lang="en-US" b="1" i="1">
+                            <a:latin typeface="Cambria Math"/>
+                            <a:ea typeface="Cambria Math"/>
+                          </a:rPr>
+                          <m:t>𝚺</m:t>
+                        </m:r>
+                      </m:e>
+                      <m:sub>
+                        <m:r>
+                          <a:rPr lang="en-US" i="1">
+                            <a:latin typeface="Cambria Math"/>
+                          </a:rPr>
+                          <m:t>𝑡</m:t>
+                        </m:r>
+                      </m:sub>
+                    </m:sSub>
+                    <m:sSub>
+                      <m:sSubPr>
+                        <m:ctrlPr>
+                          <a:rPr lang="en-US" i="1">
+                            <a:latin typeface="Cambria Math" panose="02040503050406030204" pitchFamily="18" charset="0"/>
+                          </a:rPr>
+                        </m:ctrlPr>
+                      </m:sSubPr>
+                      <m:e>
+                        <m:r>
+                          <a:rPr lang="en-US" b="1" i="1">
+                            <a:latin typeface="Cambria Math"/>
+                            <a:ea typeface="Cambria Math"/>
+                          </a:rPr>
+                          <m:t>𝝐</m:t>
+                        </m:r>
+                      </m:e>
+                      <m:sub>
+                        <m:r>
+                          <a:rPr lang="en-US" i="1">
+                            <a:latin typeface="Cambria Math"/>
+                          </a:rPr>
+                          <m:t>𝑡</m:t>
+                        </m:r>
+                        <m:r>
+                          <a:rPr lang="en-US" i="1">
+                            <a:latin typeface="Cambria Math"/>
+                          </a:rPr>
+                          <m:t>−</m:t>
+                        </m:r>
+                        <m:r>
+                          <a:rPr lang="en-US" b="0" i="1" smtClean="0">
+                            <a:latin typeface="Cambria Math"/>
+                          </a:rPr>
+                          <m:t>𝑘</m:t>
+                        </m:r>
+                      </m:sub>
+                    </m:sSub>
+                    <m:sSub>
+                      <m:sSubPr>
+                        <m:ctrlPr>
+                          <a:rPr lang="en-US" i="1">
+                            <a:latin typeface="Cambria Math" panose="02040503050406030204" pitchFamily="18" charset="0"/>
+                          </a:rPr>
+                        </m:ctrlPr>
+                      </m:sSubPr>
+                      <m:e>
+                        <m:r>
+                          <a:rPr lang="en-US" b="1" i="1">
+                            <a:latin typeface="Cambria Math"/>
+                            <a:ea typeface="Cambria Math"/>
+                          </a:rPr>
+                          <m:t>𝝐</m:t>
+                        </m:r>
+                        <m:r>
+                          <a:rPr lang="en-US" b="1" i="1">
+                            <a:latin typeface="Cambria Math"/>
+                            <a:ea typeface="Cambria Math"/>
+                          </a:rPr>
+                          <m:t>′</m:t>
+                        </m:r>
+                      </m:e>
+                      <m:sub>
+                        <m:r>
+                          <a:rPr lang="en-US" i="1">
+                            <a:latin typeface="Cambria Math"/>
+                          </a:rPr>
+                          <m:t>𝑡</m:t>
+                        </m:r>
+                        <m:r>
+                          <a:rPr lang="en-US" i="1">
+                            <a:latin typeface="Cambria Math"/>
+                          </a:rPr>
+                          <m:t>−</m:t>
+                        </m:r>
+                        <m:r>
+                          <a:rPr lang="en-US" b="0" i="1" smtClean="0">
+                            <a:latin typeface="Cambria Math"/>
+                          </a:rPr>
+                          <m:t>𝑘</m:t>
+                        </m:r>
+                      </m:sub>
+                    </m:sSub>
+                  </m:oMath>
+                </a14:m>
+                <a:endParaRPr lang="en-US" dirty="0"/>
+              </a:p>
+              <a:p>
+                <a:endParaRPr lang="en-US" dirty="0"/>
+              </a:p>
+              <a:p>
+                <a:r>
+                  <a:rPr lang="en-US" dirty="0"/>
+                  <a:t>This is a mathematical model which allows for yesterday’s volatility to impact today’s volatility.</a:t>
+                </a:r>
+              </a:p>
+              <a:p>
+                <a:r>
+                  <a:rPr lang="en-US" dirty="0"/>
+                  <a:t>So our best estimate of whether we are volatile tomorrow can be determine by estimating the parameters in the model using regression and forecasting.</a:t>
+                </a:r>
+              </a:p>
+              <a:p>
+                <a:endParaRPr lang="en-US" dirty="0"/>
+              </a:p>
+              <a:p>
+                <a:r>
+                  <a:rPr lang="en-US" dirty="0"/>
+                  <a:t>How does a well-behaved econometrician pick k and all the </a:t>
+                </a:r>
+                <a:r>
+                  <a:rPr lang="en-US" dirty="0">
+                    <a:sym typeface="Symbol"/>
+                  </a:rPr>
+                  <a:t>’s?</a:t>
+                </a:r>
+              </a:p>
+              <a:p>
+                <a:pPr marL="775419" lvl="1" indent="-388609">
+                  <a:buFont typeface="+mj-lt"/>
+                  <a:buAutoNum type="arabicPeriod"/>
+                </a:pPr>
+                <a:r>
+                  <a:rPr lang="en-US" dirty="0"/>
+                  <a:t>Hold back on 20% of the data to validate stability</a:t>
+                </a:r>
+              </a:p>
+              <a:p>
+                <a:pPr marL="775419" lvl="1" indent="-388609">
+                  <a:buFont typeface="+mj-lt"/>
+                  <a:buAutoNum type="arabicPeriod"/>
+                </a:pPr>
+                <a:r>
+                  <a:rPr lang="en-US" dirty="0"/>
+                  <a:t>Use AIC or BIC to penalize complexity. Higher k only allowed if the extra fit outweighs a penalty function for the added parameters this permits.</a:t>
+                </a:r>
+              </a:p>
+            </p:txBody>
+          </p:sp>
+        </mc:Choice>
+        <mc:Fallback>
+          <p:sp>
+            <p:nvSpPr>
+              <p:cNvPr id="3" name="Content Placeholder 2"/>
+              <p:cNvSpPr>
+                <a:spLocks noGrp="1" noRot="1" noChangeAspect="1" noMove="1" noResize="1" noEditPoints="1" noAdjustHandles="1" noChangeArrowheads="1" noChangeShapeType="1" noTextEdit="1"/>
+              </p:cNvSpPr>
+              <p:nvPr>
+                <p:ph type="body" sz="quarter" idx="10"/>
+              </p:nvPr>
+            </p:nvSpPr>
+            <p:spPr>
+              <a:xfrm>
+                <a:off x="1190724" y="1661245"/>
+                <a:ext cx="11433977" cy="5595186"/>
+              </a:xfrm>
+              <a:blipFill>
+                <a:blip r:embed="rId2"/>
+                <a:stretch>
+                  <a:fillRect l="-1443" t="-1587" r="-333" b="-1361"/>
+                </a:stretch>
+              </a:blipFill>
+            </p:spPr>
+            <p:txBody>
+              <a:bodyPr/>
+              <a:lstStyle/>
+              <a:p>
+                <a:r>
+                  <a:rPr lang="en-US">
+                    <a:noFill/>
+                  </a:rPr>
+                  <a:t> </a:t>
+                </a:r>
+              </a:p>
+            </p:txBody>
+          </p:sp>
+        </mc:Fallback>
+      </mc:AlternateContent>
+    </p:spTree>
+    <p:extLst>
+      <p:ext uri="{BB962C8B-B14F-4D97-AF65-F5344CB8AC3E}">
+        <p14:creationId xmlns:p14="http://schemas.microsoft.com/office/powerpoint/2010/main" val="212867619"/>
+      </p:ext>
+    </p:extLst>
+  </p:cSld>
+  <p:clrMapOvr>
+    <a:masterClrMapping/>
+  </p:clrMapOvr>
+</p:sld>
+</file>
+
+<file path=ppt/slides/slide14.xml><?xml version="1.0" encoding="utf-8"?>
+<p:sld xmlns:a="http://schemas.openxmlformats.org/drawingml/2006/main" xmlns:r="http://schemas.openxmlformats.org/officeDocument/2006/relationships" xmlns:p="http://schemas.openxmlformats.org/presentationml/2006/main">
+  <p:cSld>
+    <p:spTree>
+      <p:nvGrpSpPr>
+        <p:cNvPr id="1" name=""/>
+        <p:cNvGrpSpPr/>
+        <p:nvPr/>
+      </p:nvGrpSpPr>
+      <p:grpSpPr>
+        <a:xfrm>
+          <a:off x="0" y="0"/>
+          <a:ext cx="0" cy="0"/>
+          <a:chOff x="0" y="0"/>
+          <a:chExt cx="0" cy="0"/>
+        </a:xfrm>
+      </p:grpSpPr>
+      <p:sp>
+        <p:nvSpPr>
+          <p:cNvPr id="4" name="Title 3">
+            <a:extLst>
+              <a:ext uri="{FF2B5EF4-FFF2-40B4-BE49-F238E27FC236}">
+                <a16:creationId xmlns:a16="http://schemas.microsoft.com/office/drawing/2014/main" id="{5D4656DE-ED37-1C43-A802-D58E2122A43D}"/>
+              </a:ext>
+            </a:extLst>
+          </p:cNvPr>
+          <p:cNvSpPr>
+            <a:spLocks noGrp="1"/>
+          </p:cNvSpPr>
+          <p:nvPr>
+            <p:ph type="title"/>
+          </p:nvPr>
+        </p:nvSpPr>
+        <p:spPr/>
+        <p:txBody>
+          <a:bodyPr/>
+          <a:lstStyle/>
+          <a:p>
+            <a:r>
+              <a:rPr lang="en-US" dirty="0"/>
+              <a:t>The Data Science Approach</a:t>
+            </a:r>
+          </a:p>
+        </p:txBody>
+      </p:sp>
+      <p:sp>
+        <p:nvSpPr>
+          <p:cNvPr id="3" name="Content Placeholder 2"/>
+          <p:cNvSpPr>
+            <a:spLocks noGrp="1"/>
+          </p:cNvSpPr>
+          <p:nvPr>
+            <p:ph type="body" sz="quarter" idx="10"/>
+          </p:nvPr>
+        </p:nvSpPr>
+        <p:spPr>
+          <a:xfrm>
+            <a:off x="818190" y="1400006"/>
+            <a:ext cx="11433977" cy="5710602"/>
+          </a:xfrm>
+        </p:spPr>
+        <p:txBody>
+          <a:bodyPr/>
+          <a:lstStyle/>
+          <a:p>
+            <a:r>
+              <a:rPr lang="en-US" dirty="0"/>
+              <a:t>An algorithmic approach doesn’t care about the specific economic model, just observed data</a:t>
+            </a:r>
+          </a:p>
+          <a:p>
+            <a:r>
+              <a:rPr lang="en-US" dirty="0"/>
+              <a:t>Various variables derived from squared lagged returns likely to be features</a:t>
+            </a:r>
+          </a:p>
+          <a:p>
+            <a:r>
+              <a:rPr lang="en-US" dirty="0"/>
+              <a:t>e.g. In a boosted tree method, certain combinations of conditions on features are proposed.</a:t>
+            </a:r>
+          </a:p>
+          <a:p>
+            <a:r>
+              <a:rPr lang="en-US" dirty="0"/>
+              <a:t>Model is optimized over an intelligent search of potential candidate decision rules.</a:t>
+            </a:r>
+          </a:p>
+          <a:p>
+            <a:r>
+              <a:rPr lang="en-US" dirty="0"/>
+              <a:t>How do you prevent this from becoming a data-mining disaster?</a:t>
+            </a:r>
+          </a:p>
+          <a:p>
+            <a:r>
+              <a:rPr lang="en-US" dirty="0"/>
+              <a:t>Quick answer: Commit to one run with estimation</a:t>
+            </a:r>
+            <a:br>
+              <a:rPr lang="en-US" dirty="0"/>
+            </a:br>
+            <a:r>
+              <a:rPr lang="en-US" dirty="0"/>
+              <a:t>and holdback data:</a:t>
+            </a:r>
+          </a:p>
+          <a:p>
+            <a:pPr marL="775419" lvl="1" indent="-388609">
+              <a:buFont typeface="+mj-lt"/>
+              <a:buAutoNum type="arabicPeriod"/>
+            </a:pPr>
+            <a:r>
+              <a:rPr lang="en-US" dirty="0"/>
+              <a:t>20% is held back for the modeler to validate</a:t>
+            </a:r>
+          </a:p>
+          <a:p>
+            <a:pPr marL="775419" lvl="1" indent="-388609">
+              <a:buFont typeface="+mj-lt"/>
+              <a:buAutoNum type="arabicPeriod"/>
+            </a:pPr>
+            <a:r>
+              <a:rPr lang="en-US" dirty="0"/>
+              <a:t>Remaining 80% partitioned into 5x16% chunks</a:t>
+            </a:r>
+          </a:p>
+          <a:p>
+            <a:pPr marL="775419" lvl="1" indent="-388609">
+              <a:buFont typeface="+mj-lt"/>
+              <a:buAutoNum type="arabicPeriod"/>
+            </a:pPr>
+            <a:r>
+              <a:rPr lang="en-US" dirty="0"/>
+              <a:t>Each trial uses 4 chunks to estimate</a:t>
+            </a:r>
+          </a:p>
+          <a:p>
+            <a:pPr marL="775419" lvl="1" indent="-388609">
+              <a:buFont typeface="+mj-lt"/>
+              <a:buAutoNum type="arabicPeriod"/>
+            </a:pPr>
+            <a:r>
+              <a:rPr lang="en-US" dirty="0"/>
+              <a:t>The remaining chunk is used to validate</a:t>
+            </a:r>
+          </a:p>
+          <a:p>
+            <a:pPr marL="775419" lvl="1" indent="-388609">
+              <a:buFont typeface="+mj-lt"/>
+              <a:buAutoNum type="arabicPeriod"/>
+            </a:pPr>
+            <a:r>
+              <a:rPr lang="en-US" dirty="0"/>
+              <a:t>The model with the most stable validation win</a:t>
+            </a:r>
+          </a:p>
+        </p:txBody>
+      </p:sp>
+      <p:grpSp>
+        <p:nvGrpSpPr>
+          <p:cNvPr id="42" name="Group 41"/>
+          <p:cNvGrpSpPr/>
+          <p:nvPr/>
+        </p:nvGrpSpPr>
+        <p:grpSpPr>
+          <a:xfrm>
+            <a:off x="7847807" y="4646961"/>
+            <a:ext cx="4404360" cy="2531828"/>
+            <a:chOff x="4191000" y="3577206"/>
+            <a:chExt cx="3886200" cy="2233966"/>
+          </a:xfrm>
+        </p:grpSpPr>
+        <p:sp>
+          <p:nvSpPr>
+            <p:cNvPr id="11" name="TextBox 10"/>
+            <p:cNvSpPr txBox="1"/>
+            <p:nvPr/>
+          </p:nvSpPr>
+          <p:spPr>
+            <a:xfrm>
+              <a:off x="4191000" y="3577206"/>
+              <a:ext cx="1066800" cy="389304"/>
+            </a:xfrm>
+            <a:prstGeom prst="rect">
+              <a:avLst/>
+            </a:prstGeom>
+            <a:noFill/>
+          </p:spPr>
+          <p:txBody>
+            <a:bodyPr wrap="square" rtlCol="0">
+              <a:spAutoFit/>
+            </a:bodyPr>
+            <a:lstStyle/>
+            <a:p>
+              <a:pPr algn="r"/>
+              <a:r>
+                <a:rPr lang="en-US" sz="2267" dirty="0"/>
+                <a:t>Trial 1</a:t>
+              </a:r>
+            </a:p>
+          </p:txBody>
+        </p:sp>
+        <p:grpSp>
+          <p:nvGrpSpPr>
+            <p:cNvPr id="41" name="Group 40"/>
+            <p:cNvGrpSpPr/>
+            <p:nvPr/>
+          </p:nvGrpSpPr>
+          <p:grpSpPr>
+            <a:xfrm>
+              <a:off x="5257800" y="3581399"/>
+              <a:ext cx="2819400" cy="2209801"/>
+              <a:chOff x="5257800" y="3581399"/>
+              <a:chExt cx="2819400" cy="2209801"/>
+            </a:xfrm>
+          </p:grpSpPr>
+          <p:sp>
+            <p:nvSpPr>
+              <p:cNvPr id="5" name="Rectangle 4"/>
+              <p:cNvSpPr/>
+              <p:nvPr/>
+            </p:nvSpPr>
+            <p:spPr>
+              <a:xfrm>
+                <a:off x="5257800" y="3581400"/>
+                <a:ext cx="432570" cy="381000"/>
+              </a:xfrm>
+              <a:prstGeom prst="rect">
+                <a:avLst/>
+              </a:prstGeom>
+              <a:solidFill>
+                <a:srgbClr val="FFC000"/>
+              </a:solidFill>
+              <a:ln w="12700">
+                <a:solidFill>
+                  <a:schemeClr val="tx1"/>
+                </a:solidFill>
+              </a:ln>
+            </p:spPr>
+            <p:style>
+              <a:lnRef idx="2">
+                <a:schemeClr val="accent1">
+                  <a:shade val="50000"/>
+                </a:schemeClr>
+              </a:lnRef>
+              <a:fillRef idx="1">
+                <a:schemeClr val="accent1"/>
+              </a:fillRef>
+              <a:effectRef idx="0">
+                <a:schemeClr val="accent1"/>
+              </a:effectRef>
+              <a:fontRef idx="minor">
+                <a:schemeClr val="lt1"/>
+              </a:fontRef>
+            </p:style>
+            <p:txBody>
+              <a:bodyPr lIns="0" tIns="0" rIns="0" bIns="0" rtlCol="0" anchor="ctr" anchorCtr="1"/>
+              <a:lstStyle/>
+              <a:p>
+                <a:pPr algn="ctr"/>
+                <a:endParaRPr lang="en-US" sz="1813" dirty="0">
+                  <a:solidFill>
+                    <a:schemeClr val="accent1"/>
+                  </a:solidFill>
+                </a:endParaRPr>
+              </a:p>
+            </p:txBody>
+          </p:sp>
+          <p:sp>
+            <p:nvSpPr>
+              <p:cNvPr id="6" name="Rectangle 5"/>
+              <p:cNvSpPr/>
+              <p:nvPr/>
+            </p:nvSpPr>
+            <p:spPr>
+              <a:xfrm>
+                <a:off x="5690370" y="3581400"/>
+                <a:ext cx="1773734" cy="381000"/>
+              </a:xfrm>
+              <a:prstGeom prst="rect">
+                <a:avLst/>
+              </a:prstGeom>
+              <a:solidFill>
+                <a:schemeClr val="accent2"/>
+              </a:solidFill>
+              <a:ln w="12700">
+                <a:solidFill>
+                  <a:schemeClr val="tx1"/>
+                </a:solidFill>
+              </a:ln>
+            </p:spPr>
+            <p:style>
+              <a:lnRef idx="2">
+                <a:schemeClr val="accent1">
+                  <a:shade val="50000"/>
+                </a:schemeClr>
+              </a:lnRef>
+              <a:fillRef idx="1">
+                <a:schemeClr val="accent1"/>
+              </a:fillRef>
+              <a:effectRef idx="0">
+                <a:schemeClr val="accent1"/>
+              </a:effectRef>
+              <a:fontRef idx="minor">
+                <a:schemeClr val="lt1"/>
+              </a:fontRef>
+            </p:style>
+            <p:txBody>
+              <a:bodyPr lIns="0" tIns="0" rIns="0" bIns="0" rtlCol="0" anchor="ctr" anchorCtr="1"/>
+              <a:lstStyle/>
+              <a:p>
+                <a:pPr algn="ctr"/>
+                <a:r>
+                  <a:rPr lang="en-US" sz="1813" dirty="0">
+                    <a:solidFill>
+                      <a:schemeClr val="tx1"/>
+                    </a:solidFill>
+                  </a:rPr>
+                  <a:t>Estimation (64%)</a:t>
+                </a:r>
+              </a:p>
+            </p:txBody>
+          </p:sp>
+          <p:sp>
+            <p:nvSpPr>
+              <p:cNvPr id="10" name="Rectangle 9"/>
+              <p:cNvSpPr/>
+              <p:nvPr/>
+            </p:nvSpPr>
+            <p:spPr>
+              <a:xfrm>
+                <a:off x="7464104" y="3581399"/>
+                <a:ext cx="613096" cy="2209101"/>
+              </a:xfrm>
+              <a:prstGeom prst="rect">
+                <a:avLst/>
+              </a:prstGeom>
+              <a:solidFill>
+                <a:srgbClr val="C00000"/>
+              </a:solidFill>
+              <a:ln w="12700">
+                <a:solidFill>
+                  <a:schemeClr val="tx1"/>
+                </a:solidFill>
+              </a:ln>
+            </p:spPr>
+            <p:style>
+              <a:lnRef idx="2">
+                <a:schemeClr val="accent1">
+                  <a:shade val="50000"/>
+                </a:schemeClr>
+              </a:lnRef>
+              <a:fillRef idx="1">
+                <a:schemeClr val="accent1"/>
+              </a:fillRef>
+              <a:effectRef idx="0">
+                <a:schemeClr val="accent1"/>
+              </a:effectRef>
+              <a:fontRef idx="minor">
+                <a:schemeClr val="lt1"/>
+              </a:fontRef>
+            </p:style>
+            <p:txBody>
+              <a:bodyPr vert="vert270" lIns="0" tIns="0" rIns="0" bIns="0" rtlCol="0" anchor="ctr" anchorCtr="1"/>
+              <a:lstStyle/>
+              <a:p>
+                <a:pPr algn="ctr"/>
+                <a:r>
+                  <a:rPr lang="en-US" sz="1813" dirty="0">
+                    <a:solidFill>
+                      <a:schemeClr val="tx1"/>
+                    </a:solidFill>
+                  </a:rPr>
+                  <a:t>Holdback</a:t>
+                </a:r>
+                <a:br>
+                  <a:rPr lang="en-US" sz="1813" dirty="0">
+                    <a:solidFill>
+                      <a:schemeClr val="tx1"/>
+                    </a:solidFill>
+                  </a:rPr>
+                </a:br>
+                <a:r>
+                  <a:rPr lang="en-US" sz="1813" dirty="0">
+                    <a:solidFill>
+                      <a:schemeClr val="tx1"/>
+                    </a:solidFill>
+                  </a:rPr>
+                  <a:t>Data (20%)</a:t>
+                </a:r>
+              </a:p>
+            </p:txBody>
+          </p:sp>
+          <p:sp>
+            <p:nvSpPr>
+              <p:cNvPr id="12" name="Rectangle 11"/>
+              <p:cNvSpPr/>
+              <p:nvPr/>
+            </p:nvSpPr>
+            <p:spPr>
+              <a:xfrm>
+                <a:off x="5257800" y="4038600"/>
+                <a:ext cx="432570" cy="381000"/>
+              </a:xfrm>
+              <a:prstGeom prst="rect">
+                <a:avLst/>
+              </a:prstGeom>
+              <a:solidFill>
+                <a:schemeClr val="accent2"/>
+              </a:solidFill>
+              <a:ln w="12700">
+                <a:solidFill>
+                  <a:schemeClr val="tx1"/>
+                </a:solidFill>
+              </a:ln>
+            </p:spPr>
+            <p:style>
+              <a:lnRef idx="2">
+                <a:schemeClr val="accent1">
+                  <a:shade val="50000"/>
+                </a:schemeClr>
+              </a:lnRef>
+              <a:fillRef idx="1">
+                <a:schemeClr val="accent1"/>
+              </a:fillRef>
+              <a:effectRef idx="0">
+                <a:schemeClr val="accent1"/>
+              </a:effectRef>
+              <a:fontRef idx="minor">
+                <a:schemeClr val="lt1"/>
+              </a:fontRef>
+            </p:style>
+            <p:txBody>
+              <a:bodyPr lIns="0" tIns="0" rIns="0" bIns="0" rtlCol="0" anchor="ctr" anchorCtr="1"/>
+              <a:lstStyle/>
+              <a:p>
+                <a:pPr algn="ctr"/>
+                <a:endParaRPr lang="en-US" sz="1813" dirty="0">
+                  <a:solidFill>
+                    <a:schemeClr val="accent1"/>
+                  </a:solidFill>
+                </a:endParaRPr>
+              </a:p>
+            </p:txBody>
+          </p:sp>
+          <p:sp>
+            <p:nvSpPr>
+              <p:cNvPr id="13" name="Rectangle 12"/>
+              <p:cNvSpPr/>
+              <p:nvPr/>
+            </p:nvSpPr>
+            <p:spPr>
+              <a:xfrm>
+                <a:off x="5690370" y="4038600"/>
+                <a:ext cx="405630" cy="381000"/>
+              </a:xfrm>
+              <a:prstGeom prst="rect">
+                <a:avLst/>
+              </a:prstGeom>
+              <a:solidFill>
+                <a:srgbClr val="FFC000"/>
+              </a:solidFill>
+              <a:ln w="12700">
+                <a:solidFill>
+                  <a:schemeClr val="tx1"/>
+                </a:solidFill>
+              </a:ln>
+            </p:spPr>
+            <p:style>
+              <a:lnRef idx="2">
+                <a:schemeClr val="accent1">
+                  <a:shade val="50000"/>
+                </a:schemeClr>
+              </a:lnRef>
+              <a:fillRef idx="1">
+                <a:schemeClr val="accent1"/>
+              </a:fillRef>
+              <a:effectRef idx="0">
+                <a:schemeClr val="accent1"/>
+              </a:effectRef>
+              <a:fontRef idx="minor">
+                <a:schemeClr val="lt1"/>
+              </a:fontRef>
+            </p:style>
+            <p:txBody>
+              <a:bodyPr lIns="0" tIns="0" rIns="0" bIns="0" rtlCol="0" anchor="ctr" anchorCtr="1"/>
+              <a:lstStyle/>
+              <a:p>
+                <a:pPr algn="ctr"/>
+                <a:endParaRPr lang="en-US" sz="1813" dirty="0">
+                  <a:solidFill>
+                    <a:schemeClr val="accent1"/>
+                  </a:solidFill>
+                </a:endParaRPr>
+              </a:p>
+            </p:txBody>
+          </p:sp>
+          <p:sp>
+            <p:nvSpPr>
+              <p:cNvPr id="16" name="Rectangle 15"/>
+              <p:cNvSpPr/>
+              <p:nvPr/>
+            </p:nvSpPr>
+            <p:spPr>
+              <a:xfrm>
+                <a:off x="6096000" y="4039299"/>
+                <a:ext cx="1368104" cy="381000"/>
+              </a:xfrm>
+              <a:prstGeom prst="rect">
+                <a:avLst/>
+              </a:prstGeom>
+              <a:solidFill>
+                <a:schemeClr val="accent2"/>
+              </a:solidFill>
+              <a:ln w="12700">
+                <a:solidFill>
+                  <a:schemeClr val="tx1"/>
+                </a:solidFill>
+              </a:ln>
+            </p:spPr>
+            <p:style>
+              <a:lnRef idx="2">
+                <a:schemeClr val="accent1">
+                  <a:shade val="50000"/>
+                </a:schemeClr>
+              </a:lnRef>
+              <a:fillRef idx="1">
+                <a:schemeClr val="accent1"/>
+              </a:fillRef>
+              <a:effectRef idx="0">
+                <a:schemeClr val="accent1"/>
+              </a:effectRef>
+              <a:fontRef idx="minor">
+                <a:schemeClr val="lt1"/>
+              </a:fontRef>
+            </p:style>
+            <p:txBody>
+              <a:bodyPr lIns="0" tIns="0" rIns="0" bIns="0" rtlCol="0" anchor="ctr" anchorCtr="1"/>
+              <a:lstStyle/>
+              <a:p>
+                <a:pPr algn="ctr"/>
+                <a:endParaRPr lang="en-US" sz="1813" dirty="0">
+                  <a:solidFill>
+                    <a:schemeClr val="accent1"/>
+                  </a:solidFill>
+                </a:endParaRPr>
+              </a:p>
+            </p:txBody>
+          </p:sp>
+          <p:sp>
+            <p:nvSpPr>
+              <p:cNvPr id="22" name="Rectangle 21"/>
+              <p:cNvSpPr/>
+              <p:nvPr/>
+            </p:nvSpPr>
+            <p:spPr>
+              <a:xfrm>
+                <a:off x="5257800" y="4495101"/>
+                <a:ext cx="838200" cy="381000"/>
+              </a:xfrm>
+              <a:prstGeom prst="rect">
+                <a:avLst/>
+              </a:prstGeom>
+              <a:solidFill>
+                <a:schemeClr val="accent2"/>
+              </a:solidFill>
+              <a:ln w="12700">
+                <a:solidFill>
+                  <a:schemeClr val="tx1"/>
+                </a:solidFill>
+              </a:ln>
+            </p:spPr>
+            <p:style>
+              <a:lnRef idx="2">
+                <a:schemeClr val="accent1">
+                  <a:shade val="50000"/>
+                </a:schemeClr>
+              </a:lnRef>
+              <a:fillRef idx="1">
+                <a:schemeClr val="accent1"/>
+              </a:fillRef>
+              <a:effectRef idx="0">
+                <a:schemeClr val="accent1"/>
+              </a:effectRef>
+              <a:fontRef idx="minor">
+                <a:schemeClr val="lt1"/>
+              </a:fontRef>
+            </p:style>
+            <p:txBody>
+              <a:bodyPr lIns="0" tIns="0" rIns="0" bIns="0" rtlCol="0" anchor="ctr" anchorCtr="1"/>
+              <a:lstStyle/>
+              <a:p>
+                <a:pPr algn="ctr"/>
+                <a:endParaRPr lang="en-US" sz="1813" dirty="0">
+                  <a:solidFill>
+                    <a:schemeClr val="accent1"/>
+                  </a:solidFill>
+                </a:endParaRPr>
+              </a:p>
+            </p:txBody>
+          </p:sp>
+          <p:sp>
+            <p:nvSpPr>
+              <p:cNvPr id="24" name="Rectangle 23"/>
+              <p:cNvSpPr/>
+              <p:nvPr/>
+            </p:nvSpPr>
+            <p:spPr>
+              <a:xfrm>
+                <a:off x="6096000" y="4495101"/>
+                <a:ext cx="432570" cy="381000"/>
+              </a:xfrm>
+              <a:prstGeom prst="rect">
+                <a:avLst/>
+              </a:prstGeom>
+              <a:solidFill>
+                <a:srgbClr val="FFC000"/>
+              </a:solidFill>
+              <a:ln w="12700">
+                <a:solidFill>
+                  <a:schemeClr val="tx1"/>
+                </a:solidFill>
+              </a:ln>
+            </p:spPr>
+            <p:style>
+              <a:lnRef idx="2">
+                <a:schemeClr val="accent1">
+                  <a:shade val="50000"/>
+                </a:schemeClr>
+              </a:lnRef>
+              <a:fillRef idx="1">
+                <a:schemeClr val="accent1"/>
+              </a:fillRef>
+              <a:effectRef idx="0">
+                <a:schemeClr val="accent1"/>
+              </a:effectRef>
+              <a:fontRef idx="minor">
+                <a:schemeClr val="lt1"/>
+              </a:fontRef>
+            </p:style>
+            <p:txBody>
+              <a:bodyPr lIns="0" tIns="0" rIns="0" bIns="0" rtlCol="0" anchor="ctr" anchorCtr="1"/>
+              <a:lstStyle/>
+              <a:p>
+                <a:pPr algn="ctr"/>
+                <a:endParaRPr lang="en-US" sz="1813" dirty="0">
+                  <a:solidFill>
+                    <a:schemeClr val="accent1"/>
+                  </a:solidFill>
+                </a:endParaRPr>
+              </a:p>
+            </p:txBody>
+          </p:sp>
+          <p:sp>
+            <p:nvSpPr>
+              <p:cNvPr id="26" name="Rectangle 25"/>
+              <p:cNvSpPr/>
+              <p:nvPr/>
+            </p:nvSpPr>
+            <p:spPr>
+              <a:xfrm>
+                <a:off x="6528570" y="4495800"/>
+                <a:ext cx="935534" cy="381000"/>
+              </a:xfrm>
+              <a:prstGeom prst="rect">
+                <a:avLst/>
+              </a:prstGeom>
+              <a:solidFill>
+                <a:schemeClr val="accent2"/>
+              </a:solidFill>
+              <a:ln w="12700">
+                <a:solidFill>
+                  <a:schemeClr val="tx1"/>
+                </a:solidFill>
+              </a:ln>
+            </p:spPr>
+            <p:style>
+              <a:lnRef idx="2">
+                <a:schemeClr val="accent1">
+                  <a:shade val="50000"/>
+                </a:schemeClr>
+              </a:lnRef>
+              <a:fillRef idx="1">
+                <a:schemeClr val="accent1"/>
+              </a:fillRef>
+              <a:effectRef idx="0">
+                <a:schemeClr val="accent1"/>
+              </a:effectRef>
+              <a:fontRef idx="minor">
+                <a:schemeClr val="lt1"/>
+              </a:fontRef>
+            </p:style>
+            <p:txBody>
+              <a:bodyPr lIns="0" tIns="0" rIns="0" bIns="0" rtlCol="0" anchor="ctr" anchorCtr="1"/>
+              <a:lstStyle/>
+              <a:p>
+                <a:pPr algn="ctr"/>
+                <a:endParaRPr lang="en-US" sz="1813" dirty="0">
+                  <a:solidFill>
+                    <a:schemeClr val="accent1"/>
+                  </a:solidFill>
+                </a:endParaRPr>
+              </a:p>
+            </p:txBody>
+          </p:sp>
+          <p:sp>
+            <p:nvSpPr>
+              <p:cNvPr id="27" name="Rectangle 26"/>
+              <p:cNvSpPr/>
+              <p:nvPr/>
+            </p:nvSpPr>
+            <p:spPr>
+              <a:xfrm>
+                <a:off x="5257800" y="4953000"/>
+                <a:ext cx="1270770" cy="381000"/>
+              </a:xfrm>
+              <a:prstGeom prst="rect">
+                <a:avLst/>
+              </a:prstGeom>
+              <a:solidFill>
+                <a:schemeClr val="accent2"/>
+              </a:solidFill>
+              <a:ln w="12700">
+                <a:solidFill>
+                  <a:schemeClr val="tx1"/>
+                </a:solidFill>
+              </a:ln>
+            </p:spPr>
+            <p:style>
+              <a:lnRef idx="2">
+                <a:schemeClr val="accent1">
+                  <a:shade val="50000"/>
+                </a:schemeClr>
+              </a:lnRef>
+              <a:fillRef idx="1">
+                <a:schemeClr val="accent1"/>
+              </a:fillRef>
+              <a:effectRef idx="0">
+                <a:schemeClr val="accent1"/>
+              </a:effectRef>
+              <a:fontRef idx="minor">
+                <a:schemeClr val="lt1"/>
+              </a:fontRef>
+            </p:style>
+            <p:txBody>
+              <a:bodyPr lIns="0" tIns="0" rIns="0" bIns="0" rtlCol="0" anchor="ctr" anchorCtr="1"/>
+              <a:lstStyle/>
+              <a:p>
+                <a:pPr algn="ctr"/>
+                <a:endParaRPr lang="en-US" sz="1813" dirty="0">
+                  <a:solidFill>
+                    <a:schemeClr val="accent1"/>
+                  </a:solidFill>
+                </a:endParaRPr>
+              </a:p>
+            </p:txBody>
+          </p:sp>
+          <p:sp>
+            <p:nvSpPr>
+              <p:cNvPr id="30" name="Rectangle 29"/>
+              <p:cNvSpPr/>
+              <p:nvPr/>
+            </p:nvSpPr>
+            <p:spPr>
+              <a:xfrm>
+                <a:off x="6528570" y="4953000"/>
+                <a:ext cx="457200" cy="381000"/>
+              </a:xfrm>
+              <a:prstGeom prst="rect">
+                <a:avLst/>
+              </a:prstGeom>
+              <a:solidFill>
+                <a:srgbClr val="FFC000"/>
+              </a:solidFill>
+              <a:ln w="12700">
+                <a:solidFill>
+                  <a:schemeClr val="tx1"/>
+                </a:solidFill>
+              </a:ln>
+            </p:spPr>
+            <p:style>
+              <a:lnRef idx="2">
+                <a:schemeClr val="accent1">
+                  <a:shade val="50000"/>
+                </a:schemeClr>
+              </a:lnRef>
+              <a:fillRef idx="1">
+                <a:schemeClr val="accent1"/>
+              </a:fillRef>
+              <a:effectRef idx="0">
+                <a:schemeClr val="accent1"/>
+              </a:effectRef>
+              <a:fontRef idx="minor">
+                <a:schemeClr val="lt1"/>
+              </a:fontRef>
+            </p:style>
+            <p:txBody>
+              <a:bodyPr lIns="0" tIns="0" rIns="0" bIns="0" rtlCol="0" anchor="ctr" anchorCtr="1"/>
+              <a:lstStyle/>
+              <a:p>
+                <a:pPr algn="ctr"/>
+                <a:endParaRPr lang="en-US" sz="1813" dirty="0">
+                  <a:solidFill>
+                    <a:schemeClr val="accent1"/>
+                  </a:solidFill>
+                </a:endParaRPr>
+              </a:p>
+            </p:txBody>
+          </p:sp>
+          <p:sp>
+            <p:nvSpPr>
+              <p:cNvPr id="31" name="Rectangle 30"/>
+              <p:cNvSpPr/>
+              <p:nvPr/>
+            </p:nvSpPr>
+            <p:spPr>
+              <a:xfrm>
+                <a:off x="6985770" y="4953699"/>
+                <a:ext cx="478334" cy="381000"/>
+              </a:xfrm>
+              <a:prstGeom prst="rect">
+                <a:avLst/>
+              </a:prstGeom>
+              <a:solidFill>
+                <a:schemeClr val="accent2"/>
+              </a:solidFill>
+              <a:ln w="12700">
+                <a:solidFill>
+                  <a:schemeClr val="tx1"/>
+                </a:solidFill>
+              </a:ln>
+            </p:spPr>
+            <p:style>
+              <a:lnRef idx="2">
+                <a:schemeClr val="accent1">
+                  <a:shade val="50000"/>
+                </a:schemeClr>
+              </a:lnRef>
+              <a:fillRef idx="1">
+                <a:schemeClr val="accent1"/>
+              </a:fillRef>
+              <a:effectRef idx="0">
+                <a:schemeClr val="accent1"/>
+              </a:effectRef>
+              <a:fontRef idx="minor">
+                <a:schemeClr val="lt1"/>
+              </a:fontRef>
+            </p:style>
+            <p:txBody>
+              <a:bodyPr lIns="0" tIns="0" rIns="0" bIns="0" rtlCol="0" anchor="ctr" anchorCtr="1"/>
+              <a:lstStyle/>
+              <a:p>
+                <a:pPr algn="ctr"/>
+                <a:endParaRPr lang="en-US" sz="1813" dirty="0">
+                  <a:solidFill>
+                    <a:schemeClr val="accent1"/>
+                  </a:solidFill>
+                </a:endParaRPr>
+              </a:p>
+            </p:txBody>
+          </p:sp>
+          <p:sp>
+            <p:nvSpPr>
+              <p:cNvPr id="32" name="Rectangle 31"/>
+              <p:cNvSpPr/>
+              <p:nvPr/>
+            </p:nvSpPr>
+            <p:spPr>
+              <a:xfrm>
+                <a:off x="5257800" y="5409501"/>
+                <a:ext cx="1727970" cy="381000"/>
+              </a:xfrm>
+              <a:prstGeom prst="rect">
+                <a:avLst/>
+              </a:prstGeom>
+              <a:solidFill>
+                <a:schemeClr val="accent2"/>
+              </a:solidFill>
+              <a:ln w="12700">
+                <a:solidFill>
+                  <a:schemeClr val="tx1"/>
+                </a:solidFill>
+              </a:ln>
+            </p:spPr>
+            <p:style>
+              <a:lnRef idx="2">
+                <a:schemeClr val="accent1">
+                  <a:shade val="50000"/>
+                </a:schemeClr>
+              </a:lnRef>
+              <a:fillRef idx="1">
+                <a:schemeClr val="accent1"/>
+              </a:fillRef>
+              <a:effectRef idx="0">
+                <a:schemeClr val="accent1"/>
+              </a:effectRef>
+              <a:fontRef idx="minor">
+                <a:schemeClr val="lt1"/>
+              </a:fontRef>
+            </p:style>
+            <p:txBody>
+              <a:bodyPr lIns="0" tIns="0" rIns="0" bIns="0" rtlCol="0" anchor="ctr" anchorCtr="1"/>
+              <a:lstStyle/>
+              <a:p>
+                <a:pPr algn="ctr"/>
+                <a:r>
+                  <a:rPr lang="en-US" sz="1813" dirty="0">
+                    <a:solidFill>
+                      <a:schemeClr val="tx1"/>
+                    </a:solidFill>
+                  </a:rPr>
+                  <a:t>Estimation (64%)</a:t>
+                </a:r>
+              </a:p>
+            </p:txBody>
+          </p:sp>
+          <p:sp>
+            <p:nvSpPr>
+              <p:cNvPr id="36" name="Rectangle 35"/>
+              <p:cNvSpPr/>
+              <p:nvPr/>
+            </p:nvSpPr>
+            <p:spPr>
+              <a:xfrm>
+                <a:off x="6985770" y="5410200"/>
+                <a:ext cx="478334" cy="381000"/>
+              </a:xfrm>
+              <a:prstGeom prst="rect">
+                <a:avLst/>
+              </a:prstGeom>
+              <a:solidFill>
+                <a:srgbClr val="FFC000"/>
+              </a:solidFill>
+              <a:ln w="12700">
+                <a:solidFill>
+                  <a:schemeClr val="tx1"/>
+                </a:solidFill>
+              </a:ln>
+            </p:spPr>
+            <p:style>
+              <a:lnRef idx="2">
+                <a:schemeClr val="accent1">
+                  <a:shade val="50000"/>
+                </a:schemeClr>
+              </a:lnRef>
+              <a:fillRef idx="1">
+                <a:schemeClr val="accent1"/>
+              </a:fillRef>
+              <a:effectRef idx="0">
+                <a:schemeClr val="accent1"/>
+              </a:effectRef>
+              <a:fontRef idx="minor">
+                <a:schemeClr val="lt1"/>
+              </a:fontRef>
+            </p:style>
+            <p:txBody>
+              <a:bodyPr lIns="0" tIns="0" rIns="0" bIns="0" rtlCol="0" anchor="ctr" anchorCtr="1"/>
+              <a:lstStyle/>
+              <a:p>
+                <a:pPr algn="ctr"/>
+                <a:endParaRPr lang="en-US" sz="1813" dirty="0">
+                  <a:solidFill>
+                    <a:schemeClr val="accent1"/>
+                  </a:solidFill>
+                </a:endParaRPr>
+              </a:p>
+            </p:txBody>
+          </p:sp>
+        </p:grpSp>
+        <p:sp>
+          <p:nvSpPr>
+            <p:cNvPr id="37" name="TextBox 36"/>
+            <p:cNvSpPr txBox="1"/>
+            <p:nvPr/>
+          </p:nvSpPr>
+          <p:spPr>
+            <a:xfrm>
+              <a:off x="4191000" y="4050268"/>
+              <a:ext cx="1066800" cy="389304"/>
+            </a:xfrm>
+            <a:prstGeom prst="rect">
+              <a:avLst/>
+            </a:prstGeom>
+            <a:noFill/>
+          </p:spPr>
+          <p:txBody>
+            <a:bodyPr wrap="square" rtlCol="0">
+              <a:spAutoFit/>
+            </a:bodyPr>
+            <a:lstStyle/>
+            <a:p>
+              <a:pPr algn="r"/>
+              <a:r>
+                <a:rPr lang="en-US" sz="2267" dirty="0"/>
+                <a:t>Trial 2</a:t>
+              </a:r>
+            </a:p>
+          </p:txBody>
+        </p:sp>
+        <p:sp>
+          <p:nvSpPr>
+            <p:cNvPr id="38" name="TextBox 37"/>
+            <p:cNvSpPr txBox="1"/>
+            <p:nvPr/>
+          </p:nvSpPr>
+          <p:spPr>
+            <a:xfrm>
+              <a:off x="4191000" y="4495800"/>
+              <a:ext cx="1066800" cy="389304"/>
+            </a:xfrm>
+            <a:prstGeom prst="rect">
+              <a:avLst/>
+            </a:prstGeom>
+            <a:noFill/>
+          </p:spPr>
+          <p:txBody>
+            <a:bodyPr wrap="square" rtlCol="0">
+              <a:spAutoFit/>
+            </a:bodyPr>
+            <a:lstStyle/>
+            <a:p>
+              <a:pPr algn="r"/>
+              <a:r>
+                <a:rPr lang="en-US" sz="2267" dirty="0"/>
+                <a:t>Trial 3</a:t>
+              </a:r>
+            </a:p>
+          </p:txBody>
+        </p:sp>
+        <p:sp>
+          <p:nvSpPr>
+            <p:cNvPr id="39" name="TextBox 38"/>
+            <p:cNvSpPr txBox="1"/>
+            <p:nvPr/>
+          </p:nvSpPr>
+          <p:spPr>
+            <a:xfrm>
+              <a:off x="4191000" y="4964668"/>
+              <a:ext cx="1066800" cy="389304"/>
+            </a:xfrm>
+            <a:prstGeom prst="rect">
+              <a:avLst/>
+            </a:prstGeom>
+            <a:noFill/>
+          </p:spPr>
+          <p:txBody>
+            <a:bodyPr wrap="square" rtlCol="0">
+              <a:spAutoFit/>
+            </a:bodyPr>
+            <a:lstStyle/>
+            <a:p>
+              <a:pPr algn="r"/>
+              <a:r>
+                <a:rPr lang="en-US" sz="2267" dirty="0"/>
+                <a:t>Trial 4</a:t>
+              </a:r>
+            </a:p>
+          </p:txBody>
+        </p:sp>
+        <p:sp>
+          <p:nvSpPr>
+            <p:cNvPr id="40" name="TextBox 39"/>
+            <p:cNvSpPr txBox="1"/>
+            <p:nvPr/>
+          </p:nvSpPr>
+          <p:spPr>
+            <a:xfrm>
+              <a:off x="4191000" y="5421868"/>
+              <a:ext cx="1066800" cy="389304"/>
+            </a:xfrm>
+            <a:prstGeom prst="rect">
+              <a:avLst/>
+            </a:prstGeom>
+            <a:noFill/>
+          </p:spPr>
+          <p:txBody>
+            <a:bodyPr wrap="square" rtlCol="0">
+              <a:spAutoFit/>
+            </a:bodyPr>
+            <a:lstStyle/>
+            <a:p>
+              <a:pPr algn="r"/>
+              <a:r>
+                <a:rPr lang="en-US" sz="2267" dirty="0"/>
+                <a:t>Trial 5</a:t>
+              </a:r>
+            </a:p>
+          </p:txBody>
+        </p:sp>
+      </p:grpSp>
+      <p:sp>
+        <p:nvSpPr>
+          <p:cNvPr id="43" name="TextBox 3"/>
+          <p:cNvSpPr txBox="1"/>
+          <p:nvPr/>
+        </p:nvSpPr>
+        <p:spPr>
+          <a:xfrm>
+            <a:off x="5943853" y="7426961"/>
+            <a:ext cx="2765501" cy="249299"/>
+          </a:xfrm>
+          <a:prstGeom prst="rect">
+            <a:avLst/>
+          </a:prstGeom>
+          <a:noFill/>
+        </p:spPr>
+        <p:txBody>
+          <a:bodyPr wrap="none" rtlCol="0">
+            <a:spAutoFit/>
+          </a:bodyPr>
+          <a:lstStyle>
+            <a:defPPr>
+              <a:defRPr lang="en-US"/>
+            </a:defPPr>
+            <a:lvl1pPr marL="0" algn="l" defTabSz="816262" rtl="0" eaLnBrk="1" latinLnBrk="0" hangingPunct="1">
+              <a:defRPr sz="1600" kern="1200">
+                <a:solidFill>
+                  <a:schemeClr val="tx1"/>
+                </a:solidFill>
+                <a:latin typeface="+mn-lt"/>
+                <a:ea typeface="+mn-ea"/>
+                <a:cs typeface="+mn-cs"/>
+              </a:defRPr>
+            </a:lvl1pPr>
+            <a:lvl2pPr marL="408131" algn="l" defTabSz="816262" rtl="0" eaLnBrk="1" latinLnBrk="0" hangingPunct="1">
+              <a:defRPr sz="1600" kern="1200">
+                <a:solidFill>
+                  <a:schemeClr val="tx1"/>
+                </a:solidFill>
+                <a:latin typeface="+mn-lt"/>
+                <a:ea typeface="+mn-ea"/>
+                <a:cs typeface="+mn-cs"/>
+              </a:defRPr>
+            </a:lvl2pPr>
+            <a:lvl3pPr marL="816262" algn="l" defTabSz="816262" rtl="0" eaLnBrk="1" latinLnBrk="0" hangingPunct="1">
+              <a:defRPr sz="1600" kern="1200">
+                <a:solidFill>
+                  <a:schemeClr val="tx1"/>
+                </a:solidFill>
+                <a:latin typeface="+mn-lt"/>
+                <a:ea typeface="+mn-ea"/>
+                <a:cs typeface="+mn-cs"/>
+              </a:defRPr>
+            </a:lvl3pPr>
+            <a:lvl4pPr marL="1224392" algn="l" defTabSz="816262" rtl="0" eaLnBrk="1" latinLnBrk="0" hangingPunct="1">
+              <a:defRPr sz="1600" kern="1200">
+                <a:solidFill>
+                  <a:schemeClr val="tx1"/>
+                </a:solidFill>
+                <a:latin typeface="+mn-lt"/>
+                <a:ea typeface="+mn-ea"/>
+                <a:cs typeface="+mn-cs"/>
+              </a:defRPr>
+            </a:lvl4pPr>
+            <a:lvl5pPr marL="1632523" algn="l" defTabSz="816262" rtl="0" eaLnBrk="1" latinLnBrk="0" hangingPunct="1">
+              <a:defRPr sz="1600" kern="1200">
+                <a:solidFill>
+                  <a:schemeClr val="tx1"/>
+                </a:solidFill>
+                <a:latin typeface="+mn-lt"/>
+                <a:ea typeface="+mn-ea"/>
+                <a:cs typeface="+mn-cs"/>
+              </a:defRPr>
+            </a:lvl5pPr>
+            <a:lvl6pPr marL="2040654" algn="l" defTabSz="816262" rtl="0" eaLnBrk="1" latinLnBrk="0" hangingPunct="1">
+              <a:defRPr sz="1600" kern="1200">
+                <a:solidFill>
+                  <a:schemeClr val="tx1"/>
+                </a:solidFill>
+                <a:latin typeface="+mn-lt"/>
+                <a:ea typeface="+mn-ea"/>
+                <a:cs typeface="+mn-cs"/>
+              </a:defRPr>
+            </a:lvl6pPr>
+            <a:lvl7pPr marL="2448785" algn="l" defTabSz="816262" rtl="0" eaLnBrk="1" latinLnBrk="0" hangingPunct="1">
+              <a:defRPr sz="1600" kern="1200">
+                <a:solidFill>
+                  <a:schemeClr val="tx1"/>
+                </a:solidFill>
+                <a:latin typeface="+mn-lt"/>
+                <a:ea typeface="+mn-ea"/>
+                <a:cs typeface="+mn-cs"/>
+              </a:defRPr>
+            </a:lvl7pPr>
+            <a:lvl8pPr marL="2856915" algn="l" defTabSz="816262" rtl="0" eaLnBrk="1" latinLnBrk="0" hangingPunct="1">
+              <a:defRPr sz="1600" kern="1200">
+                <a:solidFill>
+                  <a:schemeClr val="tx1"/>
+                </a:solidFill>
+                <a:latin typeface="+mn-lt"/>
+                <a:ea typeface="+mn-ea"/>
+                <a:cs typeface="+mn-cs"/>
+              </a:defRPr>
+            </a:lvl8pPr>
+            <a:lvl9pPr marL="3265046" algn="l" defTabSz="816262" rtl="0" eaLnBrk="1" latinLnBrk="0" hangingPunct="1">
+              <a:defRPr sz="1600" kern="1200">
+                <a:solidFill>
+                  <a:schemeClr val="tx1"/>
+                </a:solidFill>
+                <a:latin typeface="+mn-lt"/>
+                <a:ea typeface="+mn-ea"/>
+                <a:cs typeface="+mn-cs"/>
+              </a:defRPr>
+            </a:lvl9pPr>
+          </a:lstStyle>
+          <a:p>
+            <a:pPr algn="r"/>
+            <a:r>
+              <a:rPr lang="en-US" sz="1020" dirty="0"/>
+              <a:t>Image source: State Street Global Exchange</a:t>
+            </a:r>
+          </a:p>
+        </p:txBody>
+      </p:sp>
+      <p:sp>
+        <p:nvSpPr>
+          <p:cNvPr id="44" name="Rectangle 43"/>
+          <p:cNvSpPr/>
+          <p:nvPr/>
+        </p:nvSpPr>
+        <p:spPr>
+          <a:xfrm>
+            <a:off x="10766219" y="7431391"/>
+            <a:ext cx="867545" cy="266676"/>
+          </a:xfrm>
+          <a:prstGeom prst="rect">
+            <a:avLst/>
+          </a:prstGeom>
+        </p:spPr>
+        <p:txBody>
+          <a:bodyPr wrap="none">
+            <a:spAutoFit/>
+          </a:bodyPr>
+          <a:lstStyle/>
+          <a:p>
+            <a:r>
+              <a:rPr lang="en-US" sz="1133" dirty="0"/>
+              <a:t>GXN-4575</a:t>
+            </a:r>
+          </a:p>
+        </p:txBody>
+      </p:sp>
+    </p:spTree>
+    <p:extLst>
+      <p:ext uri="{BB962C8B-B14F-4D97-AF65-F5344CB8AC3E}">
+        <p14:creationId xmlns:p14="http://schemas.microsoft.com/office/powerpoint/2010/main" val="3234873426"/>
+      </p:ext>
+    </p:extLst>
+  </p:cSld>
+  <p:clrMapOvr>
+    <a:masterClrMapping/>
+  </p:clrMapOvr>
+</p:sld>
+</file>
+
+<file path=ppt/slides/slide15.xml><?xml version="1.0" encoding="utf-8"?>
+<p:sld xmlns:a="http://schemas.openxmlformats.org/drawingml/2006/main" xmlns:r="http://schemas.openxmlformats.org/officeDocument/2006/relationships" xmlns:p="http://schemas.openxmlformats.org/presentationml/2006/main">
+  <p:cSld>
+    <p:spTree>
+      <p:nvGrpSpPr>
+        <p:cNvPr id="1" name=""/>
+        <p:cNvGrpSpPr/>
+        <p:nvPr/>
+      </p:nvGrpSpPr>
+      <p:grpSpPr>
+        <a:xfrm>
+          <a:off x="0" y="0"/>
+          <a:ext cx="0" cy="0"/>
+          <a:chOff x="0" y="0"/>
+          <a:chExt cx="0" cy="0"/>
+        </a:xfrm>
+      </p:grpSpPr>
+      <p:sp>
+        <p:nvSpPr>
+          <p:cNvPr id="2" name="Title 1">
+            <a:extLst>
+              <a:ext uri="{FF2B5EF4-FFF2-40B4-BE49-F238E27FC236}">
+                <a16:creationId xmlns:a16="http://schemas.microsoft.com/office/drawing/2014/main" id="{47C3E73E-EF4A-EC4E-A07C-60FDD83753F0}"/>
+              </a:ext>
+            </a:extLst>
+          </p:cNvPr>
+          <p:cNvSpPr>
+            <a:spLocks noGrp="1"/>
+          </p:cNvSpPr>
+          <p:nvPr>
+            <p:ph type="title"/>
+          </p:nvPr>
+        </p:nvSpPr>
+        <p:spPr/>
+        <p:txBody>
+          <a:bodyPr/>
+          <a:lstStyle/>
+          <a:p>
+            <a:r>
+              <a:rPr lang="en-US" dirty="0"/>
+              <a:t>Workshop Overview and Timeline</a:t>
+            </a:r>
+          </a:p>
+        </p:txBody>
+      </p:sp>
+      <p:sp>
+        <p:nvSpPr>
+          <p:cNvPr id="3" name="Text Placeholder 2">
+            <a:extLst>
+              <a:ext uri="{FF2B5EF4-FFF2-40B4-BE49-F238E27FC236}">
+                <a16:creationId xmlns:a16="http://schemas.microsoft.com/office/drawing/2014/main" id="{0D2FCA61-01E6-6B4E-8840-9B8B75A969E2}"/>
+              </a:ext>
+            </a:extLst>
+          </p:cNvPr>
+          <p:cNvSpPr>
+            <a:spLocks noGrp="1"/>
+          </p:cNvSpPr>
+          <p:nvPr>
+            <p:ph type="body" sz="quarter" idx="10"/>
+          </p:nvPr>
+        </p:nvSpPr>
+        <p:spPr>
+          <a:xfrm>
+            <a:off x="1191811" y="1385566"/>
+            <a:ext cx="11433977" cy="5945217"/>
+          </a:xfrm>
+        </p:spPr>
+        <p:txBody>
+          <a:bodyPr/>
+          <a:lstStyle/>
+          <a:p>
+            <a:r>
+              <a:rPr lang="en-US" dirty="0">
+                <a:solidFill>
+                  <a:schemeClr val="bg1">
+                    <a:lumMod val="50000"/>
+                  </a:schemeClr>
+                </a:solidFill>
+              </a:rPr>
+              <a:t>0900 – 0915	Introductions, Setting up the environment and project background</a:t>
+            </a:r>
+          </a:p>
+          <a:p>
+            <a:r>
+              <a:rPr lang="en-US" b="1" dirty="0"/>
+              <a:t>0915 – 0945	Part 1: Working with return data in Python		Eunice</a:t>
+            </a:r>
+            <a:br>
+              <a:rPr lang="en-US" dirty="0"/>
+            </a:br>
+            <a:r>
+              <a:rPr lang="en-US" dirty="0"/>
+              <a:t>		</a:t>
+            </a:r>
+            <a:r>
+              <a:rPr lang="en-US" b="1" dirty="0"/>
+              <a:t>Part 2: Visualizing Timeseries Data</a:t>
+            </a:r>
+          </a:p>
+          <a:p>
+            <a:r>
+              <a:rPr lang="en-US" dirty="0"/>
+              <a:t>0945 – 1000	Part 3: Setting up the Modeling Framework		Steve</a:t>
+            </a:r>
+          </a:p>
+          <a:p>
+            <a:r>
+              <a:rPr lang="en-US" dirty="0"/>
+              <a:t>1000 – 1030 	Part 4a: Understanding Turbulence Signals		Steve</a:t>
+            </a:r>
+            <a:br>
+              <a:rPr lang="en-US" dirty="0"/>
+            </a:br>
+            <a:r>
+              <a:rPr lang="en-US" dirty="0"/>
+              <a:t>		Part 4b: Creating Turbulence Models	</a:t>
+            </a:r>
+          </a:p>
+          <a:p>
+            <a:r>
+              <a:rPr lang="en-US" dirty="0"/>
+              <a:t>1030 – 1100	</a:t>
+            </a:r>
+            <a:r>
+              <a:rPr lang="en-US" b="1" dirty="0"/>
+              <a:t>Break</a:t>
+            </a:r>
+          </a:p>
+          <a:p>
+            <a:r>
+              <a:rPr lang="en-US" dirty="0"/>
+              <a:t>1100 – 1145	Part 5a: Understanding GARCH Estimation		Steve</a:t>
+            </a:r>
+            <a:br>
+              <a:rPr lang="en-US" dirty="0"/>
+            </a:br>
+            <a:r>
+              <a:rPr lang="en-US" dirty="0"/>
+              <a:t>		Part 5b: Creating GARCH Models</a:t>
+            </a:r>
+          </a:p>
+          <a:p>
+            <a:r>
+              <a:rPr lang="en-US" dirty="0"/>
+              <a:t>1145 – 1230 	Part 6a: Direct attempts at machine learning		Eunice</a:t>
+            </a:r>
+            <a:br>
+              <a:rPr lang="en-US" dirty="0"/>
+            </a:br>
+            <a:r>
+              <a:rPr lang="en-US" dirty="0"/>
+              <a:t>		Part 6b: Combining methods				Steve</a:t>
+            </a:r>
+          </a:p>
+          <a:p>
+            <a:r>
+              <a:rPr lang="en-US" dirty="0"/>
+              <a:t>1230 – 1300	Conclusion and Q&amp;A					Steve/Eunice</a:t>
+            </a:r>
+          </a:p>
+        </p:txBody>
+      </p:sp>
+    </p:spTree>
+    <p:extLst>
+      <p:ext uri="{BB962C8B-B14F-4D97-AF65-F5344CB8AC3E}">
+        <p14:creationId xmlns:p14="http://schemas.microsoft.com/office/powerpoint/2010/main" val="2315045982"/>
+      </p:ext>
+    </p:extLst>
+  </p:cSld>
+  <p:clrMapOvr>
+    <a:masterClrMapping/>
+  </p:clrMapOvr>
+</p:sld>
+</file>
+
+<file path=ppt/slides/slide16.xml><?xml version="1.0" encoding="utf-8"?>
+<p:sld xmlns:a="http://schemas.openxmlformats.org/drawingml/2006/main" xmlns:r="http://schemas.openxmlformats.org/officeDocument/2006/relationships" xmlns:p="http://schemas.openxmlformats.org/presentationml/2006/main">
+  <p:cSld>
+    <p:spTree>
+      <p:nvGrpSpPr>
+        <p:cNvPr id="1" name=""/>
+        <p:cNvGrpSpPr/>
+        <p:nvPr/>
+      </p:nvGrpSpPr>
+      <p:grpSpPr>
+        <a:xfrm>
+          <a:off x="0" y="0"/>
+          <a:ext cx="0" cy="0"/>
+          <a:chOff x="0" y="0"/>
+          <a:chExt cx="0" cy="0"/>
+        </a:xfrm>
+      </p:grpSpPr>
+      <p:sp>
+        <p:nvSpPr>
+          <p:cNvPr id="2" name="Title 1">
+            <a:extLst>
+              <a:ext uri="{FF2B5EF4-FFF2-40B4-BE49-F238E27FC236}">
+                <a16:creationId xmlns:a16="http://schemas.microsoft.com/office/drawing/2014/main" id="{47C3E73E-EF4A-EC4E-A07C-60FDD83753F0}"/>
+              </a:ext>
+            </a:extLst>
+          </p:cNvPr>
+          <p:cNvSpPr>
+            <a:spLocks noGrp="1"/>
+          </p:cNvSpPr>
+          <p:nvPr>
+            <p:ph type="title"/>
+          </p:nvPr>
+        </p:nvSpPr>
+        <p:spPr/>
+        <p:txBody>
+          <a:bodyPr/>
+          <a:lstStyle/>
+          <a:p>
+            <a:r>
+              <a:rPr lang="en-US" dirty="0"/>
+              <a:t>Workshop Overview and Timeline</a:t>
+            </a:r>
+          </a:p>
+        </p:txBody>
+      </p:sp>
+      <p:sp>
+        <p:nvSpPr>
+          <p:cNvPr id="3" name="Text Placeholder 2">
+            <a:extLst>
+              <a:ext uri="{FF2B5EF4-FFF2-40B4-BE49-F238E27FC236}">
+                <a16:creationId xmlns:a16="http://schemas.microsoft.com/office/drawing/2014/main" id="{0D2FCA61-01E6-6B4E-8840-9B8B75A969E2}"/>
+              </a:ext>
+            </a:extLst>
+          </p:cNvPr>
+          <p:cNvSpPr>
+            <a:spLocks noGrp="1"/>
+          </p:cNvSpPr>
+          <p:nvPr>
+            <p:ph type="body" sz="quarter" idx="10"/>
+          </p:nvPr>
+        </p:nvSpPr>
+        <p:spPr>
+          <a:xfrm>
+            <a:off x="1191811" y="1385566"/>
+            <a:ext cx="11433977" cy="5945217"/>
+          </a:xfrm>
+        </p:spPr>
+        <p:txBody>
+          <a:bodyPr/>
+          <a:lstStyle/>
+          <a:p>
+            <a:r>
+              <a:rPr lang="en-US" dirty="0">
+                <a:solidFill>
+                  <a:schemeClr val="bg1">
+                    <a:lumMod val="50000"/>
+                  </a:schemeClr>
+                </a:solidFill>
+              </a:rPr>
+              <a:t>0900 – 0915	Introductions, Setting up the environment and project background</a:t>
+            </a:r>
+          </a:p>
+          <a:p>
+            <a:r>
+              <a:rPr lang="en-US" dirty="0">
+                <a:solidFill>
+                  <a:schemeClr val="bg1">
+                    <a:lumMod val="50000"/>
+                  </a:schemeClr>
+                </a:solidFill>
+              </a:rPr>
+              <a:t>0915 – 0945	Part 1: Working with return data in Python			Eunice</a:t>
+            </a:r>
+            <a:br>
+              <a:rPr lang="en-US" dirty="0">
+                <a:solidFill>
+                  <a:schemeClr val="bg1">
+                    <a:lumMod val="50000"/>
+                  </a:schemeClr>
+                </a:solidFill>
+              </a:rPr>
+            </a:br>
+            <a:r>
+              <a:rPr lang="en-US" dirty="0">
+                <a:solidFill>
+                  <a:schemeClr val="bg1">
+                    <a:lumMod val="50000"/>
+                  </a:schemeClr>
+                </a:solidFill>
+              </a:rPr>
+              <a:t>		Part 2: Visualizing Timeseries Data</a:t>
+            </a:r>
+          </a:p>
+          <a:p>
+            <a:r>
+              <a:rPr lang="en-US" b="1" dirty="0"/>
+              <a:t>0945 – 1000	Part 3: Setting up the Modeling Framework		Steve</a:t>
+            </a:r>
+          </a:p>
+          <a:p>
+            <a:r>
+              <a:rPr lang="en-US" dirty="0"/>
+              <a:t>1000 – 1030 	Part 4a: Understanding Turbulence Signals		Steve</a:t>
+            </a:r>
+            <a:br>
+              <a:rPr lang="en-US" dirty="0"/>
+            </a:br>
+            <a:r>
+              <a:rPr lang="en-US" dirty="0"/>
+              <a:t>		Part 4b: Creating Turbulence Models	</a:t>
+            </a:r>
+          </a:p>
+          <a:p>
+            <a:r>
+              <a:rPr lang="en-US" dirty="0"/>
+              <a:t>1030 – 1100	</a:t>
+            </a:r>
+            <a:r>
+              <a:rPr lang="en-US" b="1" dirty="0"/>
+              <a:t>Break</a:t>
+            </a:r>
+          </a:p>
+          <a:p>
+            <a:r>
+              <a:rPr lang="en-US" dirty="0"/>
+              <a:t>1100 – 1145	Part 5a: Understanding GARCH Estimation		Steve</a:t>
+            </a:r>
+            <a:br>
+              <a:rPr lang="en-US" dirty="0"/>
+            </a:br>
+            <a:r>
+              <a:rPr lang="en-US" dirty="0"/>
+              <a:t>		Part 5b: Creating GARCH Models</a:t>
+            </a:r>
+          </a:p>
+          <a:p>
+            <a:r>
+              <a:rPr lang="en-US" dirty="0"/>
+              <a:t>1145 – 1230 	Part 6a: Direct attempts at machine learning		Eunice</a:t>
+            </a:r>
+            <a:br>
+              <a:rPr lang="en-US" dirty="0"/>
+            </a:br>
+            <a:r>
+              <a:rPr lang="en-US" dirty="0"/>
+              <a:t>		Part 6b: Combining methods				Steve</a:t>
+            </a:r>
+          </a:p>
+          <a:p>
+            <a:r>
+              <a:rPr lang="en-US" dirty="0"/>
+              <a:t>1230 – 1300	Conclusion and Q&amp;A					Steve/Eunice</a:t>
+            </a:r>
+          </a:p>
+        </p:txBody>
+      </p:sp>
+    </p:spTree>
+    <p:extLst>
+      <p:ext uri="{BB962C8B-B14F-4D97-AF65-F5344CB8AC3E}">
+        <p14:creationId xmlns:p14="http://schemas.microsoft.com/office/powerpoint/2010/main" val="2015759080"/>
+      </p:ext>
+    </p:extLst>
+  </p:cSld>
+  <p:clrMapOvr>
+    <a:masterClrMapping/>
+  </p:clrMapOvr>
+</p:sld>
+</file>
+
+<file path=ppt/slides/slide17.xml><?xml version="1.0" encoding="utf-8"?>
+<p:sld xmlns:a="http://schemas.openxmlformats.org/drawingml/2006/main" xmlns:r="http://schemas.openxmlformats.org/officeDocument/2006/relationships" xmlns:p="http://schemas.openxmlformats.org/presentationml/2006/main">
+  <p:cSld>
+    <p:spTree>
+      <p:nvGrpSpPr>
+        <p:cNvPr id="1" name=""/>
+        <p:cNvGrpSpPr/>
+        <p:nvPr/>
+      </p:nvGrpSpPr>
+      <p:grpSpPr>
+        <a:xfrm>
+          <a:off x="0" y="0"/>
+          <a:ext cx="0" cy="0"/>
+          <a:chOff x="0" y="0"/>
+          <a:chExt cx="0" cy="0"/>
+        </a:xfrm>
+      </p:grpSpPr>
+      <p:sp>
+        <p:nvSpPr>
+          <p:cNvPr id="2" name="Title 1">
+            <a:extLst>
+              <a:ext uri="{FF2B5EF4-FFF2-40B4-BE49-F238E27FC236}">
+                <a16:creationId xmlns:a16="http://schemas.microsoft.com/office/drawing/2014/main" id="{542C0B17-2634-7A49-B977-E760ECA0A35F}"/>
+              </a:ext>
+            </a:extLst>
+          </p:cNvPr>
+          <p:cNvSpPr>
+            <a:spLocks noGrp="1"/>
+          </p:cNvSpPr>
+          <p:nvPr>
+            <p:ph type="title"/>
+          </p:nvPr>
+        </p:nvSpPr>
+        <p:spPr/>
+        <p:txBody>
+          <a:bodyPr/>
+          <a:lstStyle/>
+          <a:p>
+            <a:r>
+              <a:rPr lang="en-US" dirty="0"/>
+              <a:t>Important Lessons When Setting Up A Trading Model </a:t>
+            </a:r>
+            <a:r>
+              <a:rPr lang="en-US" dirty="0" err="1"/>
+              <a:t>Backtest</a:t>
+            </a:r>
+            <a:endParaRPr lang="en-US" dirty="0"/>
+          </a:p>
+        </p:txBody>
+      </p:sp>
+      <p:sp>
+        <p:nvSpPr>
+          <p:cNvPr id="3" name="Text Placeholder 2">
+            <a:extLst>
+              <a:ext uri="{FF2B5EF4-FFF2-40B4-BE49-F238E27FC236}">
+                <a16:creationId xmlns:a16="http://schemas.microsoft.com/office/drawing/2014/main" id="{7BC1C331-9900-E647-9520-E4AEF15E8B8A}"/>
+              </a:ext>
+            </a:extLst>
+          </p:cNvPr>
+          <p:cNvSpPr>
+            <a:spLocks noGrp="1"/>
+          </p:cNvSpPr>
+          <p:nvPr>
+            <p:ph type="body" sz="quarter" idx="10"/>
+          </p:nvPr>
+        </p:nvSpPr>
+        <p:spPr>
+          <a:xfrm>
+            <a:off x="1190724" y="1661245"/>
+            <a:ext cx="11433977" cy="5283498"/>
+          </a:xfrm>
+        </p:spPr>
+        <p:txBody>
+          <a:bodyPr/>
+          <a:lstStyle/>
+          <a:p>
+            <a:pPr marL="457200" indent="-457200">
+              <a:buFont typeface="+mj-lt"/>
+              <a:buAutoNum type="arabicPeriod"/>
+            </a:pPr>
+            <a:r>
+              <a:rPr lang="en-US" dirty="0"/>
+              <a:t>Always test your framework with random signals and random returns to help ensure your framework is wrong – Assume you misaligned something and prove to yourself you didn’t</a:t>
+            </a:r>
+          </a:p>
+          <a:p>
+            <a:pPr marL="457200" indent="-457200">
+              <a:buFont typeface="+mj-lt"/>
+              <a:buAutoNum type="arabicPeriod"/>
+            </a:pPr>
+            <a:endParaRPr lang="en-US" dirty="0"/>
+          </a:p>
+          <a:p>
+            <a:pPr marL="457200" indent="-457200">
+              <a:buFont typeface="+mj-lt"/>
+              <a:buAutoNum type="arabicPeriod"/>
+            </a:pPr>
+            <a:r>
+              <a:rPr lang="en-US" dirty="0"/>
+              <a:t>Start worrying early about the constraints you need your model to have – incorporating them into the data science early will help align your evaluation metrics.</a:t>
+            </a:r>
+          </a:p>
+          <a:p>
+            <a:pPr marL="457200" indent="-457200">
+              <a:buFont typeface="+mj-lt"/>
+              <a:buAutoNum type="arabicPeriod"/>
+            </a:pPr>
+            <a:endParaRPr lang="en-US" dirty="0"/>
+          </a:p>
+          <a:p>
+            <a:pPr marL="457200" indent="-457200">
+              <a:buFont typeface="+mj-lt"/>
+              <a:buAutoNum type="arabicPeriod"/>
+            </a:pPr>
+            <a:r>
+              <a:rPr lang="en-US" dirty="0"/>
+              <a:t>Think about ways of reducing the risk of bias in your model.</a:t>
+            </a:r>
+          </a:p>
+          <a:p>
+            <a:pPr marL="457200" indent="-457200">
+              <a:buFont typeface="+mj-lt"/>
+              <a:buAutoNum type="arabicPeriod"/>
+            </a:pPr>
+            <a:endParaRPr lang="en-US" dirty="0"/>
+          </a:p>
+          <a:p>
+            <a:pPr marL="457200" indent="-457200">
+              <a:buFont typeface="+mj-lt"/>
+              <a:buAutoNum type="arabicPeriod"/>
+            </a:pPr>
+            <a:r>
+              <a:rPr lang="en-US" dirty="0"/>
+              <a:t>Or appropriately benchmark it to account for the bias.</a:t>
+            </a:r>
+          </a:p>
+          <a:p>
+            <a:pPr marL="457200" indent="-457200">
+              <a:buFont typeface="+mj-lt"/>
+              <a:buAutoNum type="arabicPeriod"/>
+            </a:pPr>
+            <a:endParaRPr lang="en-US" dirty="0"/>
+          </a:p>
+        </p:txBody>
+      </p:sp>
+    </p:spTree>
+    <p:extLst>
+      <p:ext uri="{BB962C8B-B14F-4D97-AF65-F5344CB8AC3E}">
+        <p14:creationId xmlns:p14="http://schemas.microsoft.com/office/powerpoint/2010/main" val="386560035"/>
+      </p:ext>
+    </p:extLst>
+  </p:cSld>
+  <p:clrMapOvr>
+    <a:masterClrMapping/>
+  </p:clrMapOvr>
+</p:sld>
+</file>
+
+<file path=ppt/slides/slide18.xml><?xml version="1.0" encoding="utf-8"?>
+<p:sld xmlns:a="http://schemas.openxmlformats.org/drawingml/2006/main" xmlns:r="http://schemas.openxmlformats.org/officeDocument/2006/relationships" xmlns:p="http://schemas.openxmlformats.org/presentationml/2006/main">
+  <p:cSld>
+    <p:spTree>
+      <p:nvGrpSpPr>
+        <p:cNvPr id="1" name=""/>
+        <p:cNvGrpSpPr/>
+        <p:nvPr/>
+      </p:nvGrpSpPr>
+      <p:grpSpPr>
+        <a:xfrm>
+          <a:off x="0" y="0"/>
+          <a:ext cx="0" cy="0"/>
+          <a:chOff x="0" y="0"/>
+          <a:chExt cx="0" cy="0"/>
+        </a:xfrm>
+      </p:grpSpPr>
+      <p:sp>
+        <p:nvSpPr>
+          <p:cNvPr id="2" name="Title 1">
+            <a:extLst>
+              <a:ext uri="{FF2B5EF4-FFF2-40B4-BE49-F238E27FC236}">
+                <a16:creationId xmlns:a16="http://schemas.microsoft.com/office/drawing/2014/main" id="{47C3E73E-EF4A-EC4E-A07C-60FDD83753F0}"/>
+              </a:ext>
+            </a:extLst>
+          </p:cNvPr>
+          <p:cNvSpPr>
+            <a:spLocks noGrp="1"/>
+          </p:cNvSpPr>
+          <p:nvPr>
+            <p:ph type="title"/>
+          </p:nvPr>
+        </p:nvSpPr>
+        <p:spPr/>
+        <p:txBody>
+          <a:bodyPr/>
+          <a:lstStyle/>
+          <a:p>
+            <a:r>
+              <a:rPr lang="en-US" dirty="0"/>
+              <a:t>Workshop Overview and Timeline</a:t>
+            </a:r>
+          </a:p>
+        </p:txBody>
+      </p:sp>
+      <p:sp>
+        <p:nvSpPr>
+          <p:cNvPr id="3" name="Text Placeholder 2">
+            <a:extLst>
+              <a:ext uri="{FF2B5EF4-FFF2-40B4-BE49-F238E27FC236}">
+                <a16:creationId xmlns:a16="http://schemas.microsoft.com/office/drawing/2014/main" id="{0D2FCA61-01E6-6B4E-8840-9B8B75A969E2}"/>
+              </a:ext>
+            </a:extLst>
+          </p:cNvPr>
+          <p:cNvSpPr>
+            <a:spLocks noGrp="1"/>
+          </p:cNvSpPr>
+          <p:nvPr>
+            <p:ph type="body" sz="quarter" idx="10"/>
+          </p:nvPr>
+        </p:nvSpPr>
+        <p:spPr>
+          <a:xfrm>
+            <a:off x="1191811" y="1385566"/>
+            <a:ext cx="11433977" cy="5945217"/>
+          </a:xfrm>
+        </p:spPr>
+        <p:txBody>
+          <a:bodyPr/>
+          <a:lstStyle/>
+          <a:p>
+            <a:r>
+              <a:rPr lang="en-US" dirty="0">
+                <a:solidFill>
+                  <a:schemeClr val="bg1">
+                    <a:lumMod val="50000"/>
+                  </a:schemeClr>
+                </a:solidFill>
+              </a:rPr>
+              <a:t>0900 – 0915	Introductions, Setting up the environment and project background</a:t>
+            </a:r>
+          </a:p>
+          <a:p>
+            <a:r>
+              <a:rPr lang="en-US" dirty="0">
+                <a:solidFill>
+                  <a:schemeClr val="bg1">
+                    <a:lumMod val="50000"/>
+                  </a:schemeClr>
+                </a:solidFill>
+              </a:rPr>
+              <a:t>0915 – 0945	Part 1: Working with return data in Python			Eunice</a:t>
+            </a:r>
+            <a:br>
+              <a:rPr lang="en-US" dirty="0">
+                <a:solidFill>
+                  <a:schemeClr val="bg1">
+                    <a:lumMod val="50000"/>
+                  </a:schemeClr>
+                </a:solidFill>
+              </a:rPr>
+            </a:br>
+            <a:r>
+              <a:rPr lang="en-US" dirty="0">
+                <a:solidFill>
+                  <a:schemeClr val="bg1">
+                    <a:lumMod val="50000"/>
+                  </a:schemeClr>
+                </a:solidFill>
+              </a:rPr>
+              <a:t>		Part 2: Visualizing Timeseries Data</a:t>
+            </a:r>
+          </a:p>
+          <a:p>
+            <a:r>
+              <a:rPr lang="en-US" dirty="0">
+                <a:solidFill>
+                  <a:schemeClr val="bg1">
+                    <a:lumMod val="50000"/>
+                  </a:schemeClr>
+                </a:solidFill>
+              </a:rPr>
+              <a:t>0945 – 1000	Part 3: Setting up the Modeling Framework		Steve</a:t>
+            </a:r>
+          </a:p>
+          <a:p>
+            <a:r>
+              <a:rPr lang="en-US" b="1" dirty="0"/>
+              <a:t>1000 – 1030 	Part 4a: Understanding Turbulence Signals		Steve</a:t>
+            </a:r>
+            <a:br>
+              <a:rPr lang="en-US" b="1" dirty="0"/>
+            </a:br>
+            <a:r>
+              <a:rPr lang="en-US" b="1" dirty="0"/>
+              <a:t>		Part 4b: Creating Turbulence Models	</a:t>
+            </a:r>
+          </a:p>
+          <a:p>
+            <a:r>
+              <a:rPr lang="en-US" dirty="0"/>
+              <a:t>1030 – 1100	</a:t>
+            </a:r>
+            <a:r>
+              <a:rPr lang="en-US" b="1" dirty="0"/>
+              <a:t>Break</a:t>
+            </a:r>
+          </a:p>
+          <a:p>
+            <a:r>
+              <a:rPr lang="en-US" dirty="0"/>
+              <a:t>1100 – 1145	Part 5a: Understanding GARCH Estimation		Steve</a:t>
+            </a:r>
+            <a:br>
+              <a:rPr lang="en-US" dirty="0"/>
+            </a:br>
+            <a:r>
+              <a:rPr lang="en-US" dirty="0"/>
+              <a:t>		Part 5b: Creating GARCH Models</a:t>
+            </a:r>
+          </a:p>
+          <a:p>
+            <a:r>
+              <a:rPr lang="en-US" dirty="0"/>
+              <a:t>1145 – 1230 	Part 6a: Direct attempts at machine learning		Eunice</a:t>
+            </a:r>
+            <a:br>
+              <a:rPr lang="en-US" dirty="0"/>
+            </a:br>
+            <a:r>
+              <a:rPr lang="en-US" dirty="0"/>
+              <a:t>		Part 6b: Combining methods				Steve</a:t>
+            </a:r>
+          </a:p>
+          <a:p>
+            <a:r>
+              <a:rPr lang="en-US" dirty="0"/>
+              <a:t>1230 – 1300	Conclusion and Q&amp;A					Steve/Eunice</a:t>
+            </a:r>
+          </a:p>
+        </p:txBody>
+      </p:sp>
+    </p:spTree>
+    <p:extLst>
+      <p:ext uri="{BB962C8B-B14F-4D97-AF65-F5344CB8AC3E}">
+        <p14:creationId xmlns:p14="http://schemas.microsoft.com/office/powerpoint/2010/main" val="1109420182"/>
+      </p:ext>
+    </p:extLst>
+  </p:cSld>
+  <p:clrMapOvr>
+    <a:masterClrMapping/>
+  </p:clrMapOvr>
+</p:sld>
+</file>
+
+<file path=ppt/slides/slide19.xml><?xml version="1.0" encoding="utf-8"?>
+<p:sld xmlns:a="http://schemas.openxmlformats.org/drawingml/2006/main" xmlns:r="http://schemas.openxmlformats.org/officeDocument/2006/relationships" xmlns:p="http://schemas.openxmlformats.org/presentationml/2006/main">
+  <p:cSld>
+    <p:spTree>
+      <p:nvGrpSpPr>
+        <p:cNvPr id="1" name=""/>
+        <p:cNvGrpSpPr/>
+        <p:nvPr/>
+      </p:nvGrpSpPr>
+      <p:grpSpPr>
+        <a:xfrm>
+          <a:off x="0" y="0"/>
+          <a:ext cx="0" cy="0"/>
+          <a:chOff x="0" y="0"/>
+          <a:chExt cx="0" cy="0"/>
+        </a:xfrm>
+      </p:grpSpPr>
+      <p:sp>
+        <p:nvSpPr>
+          <p:cNvPr id="17" name="Title 16">
+            <a:extLst>
+              <a:ext uri="{FF2B5EF4-FFF2-40B4-BE49-F238E27FC236}">
+                <a16:creationId xmlns:a16="http://schemas.microsoft.com/office/drawing/2014/main" id="{E477C353-21FD-9841-87A8-DA6D97468E1A}"/>
+              </a:ext>
+            </a:extLst>
+          </p:cNvPr>
+          <p:cNvSpPr>
+            <a:spLocks noGrp="1"/>
+          </p:cNvSpPr>
+          <p:nvPr>
+            <p:ph type="title"/>
+          </p:nvPr>
+        </p:nvSpPr>
+        <p:spPr/>
+        <p:txBody>
+          <a:bodyPr/>
+          <a:lstStyle/>
+          <a:p>
+            <a:r>
+              <a:rPr lang="en-US" dirty="0"/>
+              <a:t>Introduction to Turbulence</a:t>
+            </a:r>
+          </a:p>
+        </p:txBody>
+      </p:sp>
+      <mc:AlternateContent xmlns:mc="http://schemas.openxmlformats.org/markup-compatibility/2006">
+        <mc:Choice xmlns:a14="http://schemas.microsoft.com/office/drawing/2010/main" Requires="a14">
+          <p:sp>
+            <p:nvSpPr>
+              <p:cNvPr id="3" name="Content Placeholder 2"/>
+              <p:cNvSpPr>
+                <a:spLocks noGrp="1"/>
+              </p:cNvSpPr>
+              <p:nvPr>
+                <p:ph type="body" sz="quarter" idx="10"/>
+              </p:nvPr>
+            </p:nvSpPr>
+            <p:spPr>
+              <a:xfrm>
+                <a:off x="1190724" y="1661245"/>
+                <a:ext cx="11433977" cy="5669244"/>
+              </a:xfrm>
+            </p:spPr>
+            <p:txBody>
+              <a:bodyPr/>
+              <a:lstStyle/>
+              <a:p>
+                <a:r>
+                  <a:rPr lang="en-US" dirty="0"/>
+                  <a:t>Simple “Rule of Thumb”: If the combined returns look abnormal relative to a normal distribution, consider the environment to be “turbulent”</a:t>
+                </a:r>
+              </a:p>
+              <a:p>
+                <a:pPr lvl="1"/>
+                <a:r>
+                  <a:rPr lang="en-US" dirty="0" err="1"/>
+                  <a:t>Mahalanobis</a:t>
+                </a:r>
+                <a:r>
+                  <a:rPr lang="en-US" dirty="0"/>
+                  <a:t> Distance Metric: </a:t>
+                </a:r>
+                <a14:m>
+                  <m:oMath xmlns:m="http://schemas.openxmlformats.org/officeDocument/2006/math">
+                    <m:r>
+                      <m:rPr>
+                        <m:sty m:val="p"/>
+                      </m:rPr>
+                      <a:rPr lang="en-US" b="0" i="0" smtClean="0">
+                        <a:latin typeface="Cambria Math"/>
+                      </a:rPr>
+                      <m:t>T</m:t>
+                    </m:r>
+                    <m:r>
+                      <a:rPr lang="en-US" b="0" i="0" smtClean="0">
+                        <a:latin typeface="Cambria Math"/>
+                      </a:rPr>
+                      <m:t>=</m:t>
+                    </m:r>
+                    <m:d>
+                      <m:dPr>
+                        <m:ctrlPr>
+                          <a:rPr lang="en-US" b="0" i="1" smtClean="0">
+                            <a:latin typeface="Cambria Math" panose="02040503050406030204" pitchFamily="18" charset="0"/>
+                          </a:rPr>
+                        </m:ctrlPr>
+                      </m:dPr>
+                      <m:e>
+                        <m:r>
+                          <a:rPr lang="en-US" i="1">
+                            <a:latin typeface="Cambria Math"/>
+                          </a:rPr>
+                          <m:t>𝑥</m:t>
+                        </m:r>
+                        <m:r>
+                          <a:rPr lang="en-US" i="1">
+                            <a:latin typeface="Cambria Math"/>
+                          </a:rPr>
+                          <m:t>−</m:t>
+                        </m:r>
+                        <m:r>
+                          <a:rPr lang="en-US" i="1">
+                            <a:latin typeface="Cambria Math"/>
+                            <a:ea typeface="Cambria Math"/>
+                          </a:rPr>
+                          <m:t>𝜇</m:t>
+                        </m:r>
+                      </m:e>
+                    </m:d>
+                    <m:r>
+                      <a:rPr lang="en-US" b="0" i="1" smtClean="0">
+                        <a:latin typeface="Cambria Math"/>
+                      </a:rPr>
+                      <m:t>′</m:t>
+                    </m:r>
+                    <m:sSup>
+                      <m:sSupPr>
+                        <m:ctrlPr>
+                          <a:rPr lang="en-US" b="0" i="1" smtClean="0">
+                            <a:latin typeface="Cambria Math" panose="02040503050406030204" pitchFamily="18" charset="0"/>
+                          </a:rPr>
+                        </m:ctrlPr>
+                      </m:sSupPr>
+                      <m:e>
+                        <m:r>
+                          <m:rPr>
+                            <m:sty m:val="p"/>
+                          </m:rPr>
+                          <a:rPr lang="el-GR" b="0" i="1" smtClean="0">
+                            <a:latin typeface="Cambria Math"/>
+                            <a:ea typeface="Cambria Math"/>
+                          </a:rPr>
+                          <m:t>Σ</m:t>
+                        </m:r>
+                      </m:e>
+                      <m:sup>
+                        <m:r>
+                          <a:rPr lang="en-US" b="0" i="1" smtClean="0">
+                            <a:latin typeface="Cambria Math"/>
+                          </a:rPr>
+                          <m:t>−1</m:t>
+                        </m:r>
+                      </m:sup>
+                    </m:sSup>
+                    <m:d>
+                      <m:dPr>
+                        <m:ctrlPr>
+                          <a:rPr lang="en-US" i="1">
+                            <a:latin typeface="Cambria Math" panose="02040503050406030204" pitchFamily="18" charset="0"/>
+                          </a:rPr>
+                        </m:ctrlPr>
+                      </m:dPr>
+                      <m:e>
+                        <m:r>
+                          <a:rPr lang="en-US" i="1">
+                            <a:latin typeface="Cambria Math"/>
+                          </a:rPr>
+                          <m:t>𝑥</m:t>
+                        </m:r>
+                        <m:r>
+                          <a:rPr lang="en-US" i="1">
+                            <a:latin typeface="Cambria Math"/>
+                          </a:rPr>
+                          <m:t>−</m:t>
+                        </m:r>
+                        <m:r>
+                          <a:rPr lang="en-US" i="1">
+                            <a:latin typeface="Cambria Math"/>
+                            <a:ea typeface="Cambria Math"/>
+                          </a:rPr>
+                          <m:t>𝜇</m:t>
+                        </m:r>
+                      </m:e>
+                    </m:d>
+                  </m:oMath>
+                </a14:m>
+                <a:endParaRPr lang="en-US" dirty="0"/>
+              </a:p>
+              <a:p>
+                <a:r>
+                  <a:rPr lang="en-US" dirty="0"/>
+                  <a:t>Assume that abnormalities persist and describe the</a:t>
+                </a:r>
+                <a:br>
+                  <a:rPr lang="en-US" dirty="0"/>
+                </a:br>
+                <a:r>
+                  <a:rPr lang="en-US" dirty="0" err="1"/>
+                  <a:t>the</a:t>
+                </a:r>
+                <a:r>
+                  <a:rPr lang="en-US" dirty="0"/>
+                  <a:t> overall market volatility (Seems plausible)</a:t>
+                </a:r>
+              </a:p>
+              <a:p>
+                <a:r>
+                  <a:rPr lang="en-US" dirty="0"/>
+                  <a:t>When T &gt; 75% of historical T, predict volatility = TRUE</a:t>
+                </a:r>
+              </a:p>
+              <a:p>
+                <a:r>
+                  <a:rPr lang="en-US" dirty="0"/>
+                  <a:t>Fine… but how do we parameterize?</a:t>
+                </a:r>
+              </a:p>
+              <a:p>
+                <a:pPr lvl="1"/>
+                <a:r>
+                  <a:rPr lang="en-US" dirty="0"/>
+                  <a:t>Lookback window for </a:t>
+                </a:r>
+                <a14:m>
+                  <m:oMath xmlns:m="http://schemas.openxmlformats.org/officeDocument/2006/math">
+                    <m:r>
+                      <a:rPr lang="en-US" i="1" smtClean="0">
+                        <a:latin typeface="Cambria Math"/>
+                        <a:ea typeface="Cambria Math"/>
+                      </a:rPr>
+                      <m:t>𝜇</m:t>
+                    </m:r>
+                  </m:oMath>
+                </a14:m>
+                <a:r>
+                  <a:rPr lang="en-US" dirty="0"/>
+                  <a:t> and </a:t>
+                </a:r>
+                <a14:m>
+                  <m:oMath xmlns:m="http://schemas.openxmlformats.org/officeDocument/2006/math">
+                    <m:r>
+                      <m:rPr>
+                        <m:sty m:val="p"/>
+                      </m:rPr>
+                      <a:rPr lang="el-GR" i="1" smtClean="0">
+                        <a:latin typeface="Cambria Math"/>
+                        <a:ea typeface="Cambria Math"/>
+                      </a:rPr>
+                      <m:t>Σ</m:t>
+                    </m:r>
+                  </m:oMath>
+                </a14:m>
+                <a:r>
+                  <a:rPr lang="en-US" dirty="0"/>
+                  <a:t>	(A year? A quarter? 2 years?)</a:t>
+                </a:r>
+              </a:p>
+              <a:p>
+                <a:pPr lvl="1"/>
+                <a:r>
+                  <a:rPr lang="en-US" dirty="0"/>
+                  <a:t>Smoothing window for T		(Daily? Too fast. Weekly? Monthly? Quarterly?)</a:t>
+                </a:r>
+              </a:p>
+              <a:p>
+                <a:pPr lvl="1"/>
+                <a:r>
+                  <a:rPr lang="en-US" dirty="0"/>
+                  <a:t>Granularity			(Sectors? Industry Groups? Industries?)</a:t>
+                </a:r>
+              </a:p>
+              <a:p>
+                <a:endParaRPr lang="en-US" dirty="0"/>
+              </a:p>
+              <a:p>
+                <a:r>
+                  <a:rPr lang="en-US" dirty="0"/>
+                  <a:t>Arbitrarily try a few parameters. If they seem to work, go with it. If not, try again.</a:t>
+                </a:r>
+              </a:p>
+            </p:txBody>
+          </p:sp>
+        </mc:Choice>
+        <mc:Fallback>
+          <p:sp>
+            <p:nvSpPr>
+              <p:cNvPr id="3" name="Content Placeholder 2"/>
+              <p:cNvSpPr>
+                <a:spLocks noGrp="1" noRot="1" noChangeAspect="1" noMove="1" noResize="1" noEditPoints="1" noAdjustHandles="1" noChangeArrowheads="1" noChangeShapeType="1" noTextEdit="1"/>
+              </p:cNvSpPr>
+              <p:nvPr>
+                <p:ph type="body" sz="quarter" idx="10"/>
+              </p:nvPr>
+            </p:nvSpPr>
+            <p:spPr>
+              <a:xfrm>
+                <a:off x="1190724" y="1661245"/>
+                <a:ext cx="11433977" cy="5669244"/>
+              </a:xfrm>
+              <a:blipFill>
+                <a:blip r:embed="rId2"/>
+                <a:stretch>
+                  <a:fillRect l="-1443" t="-1566" b="-2013"/>
+                </a:stretch>
+              </a:blipFill>
+            </p:spPr>
+            <p:txBody>
+              <a:bodyPr/>
+              <a:lstStyle/>
+              <a:p>
+                <a:r>
+                  <a:rPr lang="en-US">
+                    <a:noFill/>
+                  </a:rPr>
+                  <a:t> </a:t>
+                </a:r>
+              </a:p>
+            </p:txBody>
+          </p:sp>
+        </mc:Fallback>
+      </mc:AlternateContent>
+      <p:grpSp>
+        <p:nvGrpSpPr>
+          <p:cNvPr id="11" name="Group 10"/>
+          <p:cNvGrpSpPr/>
+          <p:nvPr/>
+        </p:nvGrpSpPr>
+        <p:grpSpPr>
+          <a:xfrm>
+            <a:off x="9987280" y="2378005"/>
+            <a:ext cx="2504440" cy="2504440"/>
+            <a:chOff x="5943600" y="1828800"/>
+            <a:chExt cx="2209800" cy="2209800"/>
+          </a:xfrm>
+        </p:grpSpPr>
+        <p:sp>
+          <p:nvSpPr>
+            <p:cNvPr id="5" name="Oval 4"/>
+            <p:cNvSpPr/>
+            <p:nvPr/>
+          </p:nvSpPr>
+          <p:spPr>
+            <a:xfrm rot="2700000">
+              <a:off x="6565945" y="2032045"/>
+              <a:ext cx="838200" cy="1676400"/>
+            </a:xfrm>
+            <a:prstGeom prst="ellipse">
+              <a:avLst/>
+            </a:prstGeom>
+            <a:solidFill>
+              <a:schemeClr val="bg1"/>
+            </a:solidFill>
+            <a:ln w="12700">
+              <a:solidFill>
+                <a:schemeClr val="accent2"/>
+              </a:solidFill>
+            </a:ln>
+          </p:spPr>
+          <p:style>
+            <a:lnRef idx="2">
+              <a:schemeClr val="accent1">
+                <a:shade val="50000"/>
+              </a:schemeClr>
+            </a:lnRef>
+            <a:fillRef idx="1">
+              <a:schemeClr val="accent1"/>
+            </a:fillRef>
+            <a:effectRef idx="0">
+              <a:schemeClr val="accent1"/>
+            </a:effectRef>
+            <a:fontRef idx="minor">
+              <a:schemeClr val="lt1"/>
+            </a:fontRef>
+          </p:style>
+          <p:txBody>
+            <a:bodyPr lIns="0" tIns="0" rIns="0" bIns="0" rtlCol="0" anchor="ctr" anchorCtr="1"/>
+            <a:lstStyle/>
+            <a:p>
+              <a:pPr algn="ctr"/>
+              <a:endParaRPr lang="en-US" sz="1813" dirty="0">
+                <a:solidFill>
+                  <a:schemeClr val="accent1"/>
+                </a:solidFill>
+              </a:endParaRPr>
+            </a:p>
+          </p:txBody>
+        </p:sp>
+        <p:grpSp>
+          <p:nvGrpSpPr>
+            <p:cNvPr id="10" name="Group 9"/>
+            <p:cNvGrpSpPr/>
+            <p:nvPr/>
+          </p:nvGrpSpPr>
+          <p:grpSpPr>
+            <a:xfrm>
+              <a:off x="5943600" y="1828800"/>
+              <a:ext cx="2209800" cy="2209800"/>
+              <a:chOff x="5943600" y="1828800"/>
+              <a:chExt cx="2209800" cy="2209800"/>
+            </a:xfrm>
+          </p:grpSpPr>
+          <p:cxnSp>
+            <p:nvCxnSpPr>
+              <p:cNvPr id="7" name="Straight Arrow Connector 6"/>
+              <p:cNvCxnSpPr/>
+              <p:nvPr/>
+            </p:nvCxnSpPr>
+            <p:spPr>
+              <a:xfrm flipV="1">
+                <a:off x="6985045" y="1828800"/>
+                <a:ext cx="0" cy="2209800"/>
+              </a:xfrm>
+              <a:prstGeom prst="straightConnector1">
+                <a:avLst/>
+              </a:prstGeom>
+              <a:ln w="12700">
+                <a:tailEnd type="arrow"/>
+              </a:ln>
+            </p:spPr>
+            <p:style>
+              <a:lnRef idx="1">
+                <a:schemeClr val="accent5"/>
+              </a:lnRef>
+              <a:fillRef idx="0">
+                <a:schemeClr val="accent5"/>
+              </a:fillRef>
+              <a:effectRef idx="0">
+                <a:schemeClr val="accent5"/>
+              </a:effectRef>
+              <a:fontRef idx="minor">
+                <a:schemeClr val="tx1"/>
+              </a:fontRef>
+            </p:style>
+          </p:cxnSp>
+          <p:cxnSp>
+            <p:nvCxnSpPr>
+              <p:cNvPr id="9" name="Straight Arrow Connector 8"/>
+              <p:cNvCxnSpPr/>
+              <p:nvPr/>
+            </p:nvCxnSpPr>
+            <p:spPr>
+              <a:xfrm rot="5400000" flipV="1">
+                <a:off x="7048500" y="1790699"/>
+                <a:ext cx="0" cy="2209800"/>
+              </a:xfrm>
+              <a:prstGeom prst="straightConnector1">
+                <a:avLst/>
+              </a:prstGeom>
+              <a:ln w="12700">
+                <a:tailEnd type="arrow"/>
+              </a:ln>
+            </p:spPr>
+            <p:style>
+              <a:lnRef idx="1">
+                <a:schemeClr val="accent5"/>
+              </a:lnRef>
+              <a:fillRef idx="0">
+                <a:schemeClr val="accent5"/>
+              </a:fillRef>
+              <a:effectRef idx="0">
+                <a:schemeClr val="accent5"/>
+              </a:effectRef>
+              <a:fontRef idx="minor">
+                <a:schemeClr val="tx1"/>
+              </a:fontRef>
+            </p:style>
+          </p:cxnSp>
+        </p:grpSp>
+      </p:grpSp>
+      <p:sp>
+        <p:nvSpPr>
+          <p:cNvPr id="12" name="Multiply 11"/>
+          <p:cNvSpPr/>
+          <p:nvPr/>
+        </p:nvSpPr>
+        <p:spPr>
+          <a:xfrm>
+            <a:off x="10491072" y="2840404"/>
+            <a:ext cx="172720" cy="172720"/>
+          </a:xfrm>
+          <a:prstGeom prst="mathMultiply">
+            <a:avLst/>
+          </a:prstGeom>
+          <a:solidFill>
+            <a:schemeClr val="bg1"/>
+          </a:solidFill>
+          <a:ln w="12700">
+            <a:solidFill>
+              <a:srgbClr val="C00000"/>
+            </a:solidFill>
+          </a:ln>
+        </p:spPr>
+        <p:style>
+          <a:lnRef idx="2">
+            <a:schemeClr val="accent1">
+              <a:shade val="50000"/>
+            </a:schemeClr>
+          </a:lnRef>
+          <a:fillRef idx="1">
+            <a:schemeClr val="accent1"/>
+          </a:fillRef>
+          <a:effectRef idx="0">
+            <a:schemeClr val="accent1"/>
+          </a:effectRef>
+          <a:fontRef idx="minor">
+            <a:schemeClr val="lt1"/>
+          </a:fontRef>
+        </p:style>
+        <p:txBody>
+          <a:bodyPr lIns="0" tIns="0" rIns="0" bIns="0" rtlCol="0" anchor="ctr" anchorCtr="1"/>
+          <a:lstStyle/>
+          <a:p>
+            <a:pPr algn="ctr"/>
+            <a:endParaRPr lang="en-US" sz="1813" dirty="0">
+              <a:solidFill>
+                <a:schemeClr val="accent1"/>
+              </a:solidFill>
+            </a:endParaRPr>
+          </a:p>
+        </p:txBody>
+      </p:sp>
+    </p:spTree>
+    <p:extLst>
+      <p:ext uri="{BB962C8B-B14F-4D97-AF65-F5344CB8AC3E}">
+        <p14:creationId xmlns:p14="http://schemas.microsoft.com/office/powerpoint/2010/main" val="870531034"/>
+      </p:ext>
+    </p:extLst>
+  </p:cSld>
+  <p:clrMapOvr>
+    <a:masterClrMapping/>
+  </p:clrMapOvr>
+</p:sld>
+</file>
+
 <file path=ppt/slides/slide2.xml><?xml version="1.0" encoding="utf-8"?>
 <p:sld xmlns:a="http://schemas.openxmlformats.org/drawingml/2006/main" xmlns:r="http://schemas.openxmlformats.org/officeDocument/2006/relationships" xmlns:p="http://schemas.openxmlformats.org/presentationml/2006/main">
   <p:cSld>
@@ -8614,6 +13746,2031 @@
     <p:extLst>
       <p:ext uri="{BB962C8B-B14F-4D97-AF65-F5344CB8AC3E}">
         <p14:creationId xmlns:p14="http://schemas.microsoft.com/office/powerpoint/2010/main" val="2915108325"/>
+      </p:ext>
+    </p:extLst>
+  </p:cSld>
+  <p:clrMapOvr>
+    <a:masterClrMapping/>
+  </p:clrMapOvr>
+</p:sld>
+</file>
+
+<file path=ppt/slides/slide20.xml><?xml version="1.0" encoding="utf-8"?>
+<p:sld xmlns:a="http://schemas.openxmlformats.org/drawingml/2006/main" xmlns:r="http://schemas.openxmlformats.org/officeDocument/2006/relationships" xmlns:p="http://schemas.openxmlformats.org/presentationml/2006/main">
+  <p:cSld>
+    <p:spTree>
+      <p:nvGrpSpPr>
+        <p:cNvPr id="1" name=""/>
+        <p:cNvGrpSpPr/>
+        <p:nvPr/>
+      </p:nvGrpSpPr>
+      <p:grpSpPr>
+        <a:xfrm>
+          <a:off x="0" y="0"/>
+          <a:ext cx="0" cy="0"/>
+          <a:chOff x="0" y="0"/>
+          <a:chExt cx="0" cy="0"/>
+        </a:xfrm>
+      </p:grpSpPr>
+      <p:pic>
+        <p:nvPicPr>
+          <p:cNvPr id="12" name="Picture 11" descr="A close up of a car&#10;&#10;Description automatically generated">
+            <a:extLst>
+              <a:ext uri="{FF2B5EF4-FFF2-40B4-BE49-F238E27FC236}">
+                <a16:creationId xmlns:a16="http://schemas.microsoft.com/office/drawing/2014/main" id="{A7DC6F40-F124-9045-8FE3-A5FDDB5BB8BC}"/>
+              </a:ext>
+            </a:extLst>
+          </p:cNvPr>
+          <p:cNvPicPr>
+            <a:picLocks noChangeAspect="1"/>
+          </p:cNvPicPr>
+          <p:nvPr/>
+        </p:nvPicPr>
+        <p:blipFill>
+          <a:blip r:embed="rId2">
+            <a:extLst>
+              <a:ext uri="{28A0092B-C50C-407E-A947-70E740481C1C}">
+                <a14:useLocalDpi xmlns:a14="http://schemas.microsoft.com/office/drawing/2010/main" val="0"/>
+              </a:ext>
+              <a:ext uri="{837473B0-CC2E-450A-ABE3-18F120FF3D39}">
+                <a1611:picAttrSrcUrl xmlns:a1611="http://schemas.microsoft.com/office/drawing/2016/11/main" r:id="rId3"/>
+              </a:ext>
+            </a:extLst>
+          </a:blip>
+          <a:stretch>
+            <a:fillRect/>
+          </a:stretch>
+        </p:blipFill>
+        <p:spPr>
+          <a:xfrm>
+            <a:off x="1275644" y="1152783"/>
+            <a:ext cx="2540000" cy="1651000"/>
+          </a:xfrm>
+          <a:prstGeom prst="rect">
+            <a:avLst/>
+          </a:prstGeom>
+        </p:spPr>
+      </p:pic>
+      <p:sp>
+        <p:nvSpPr>
+          <p:cNvPr id="2" name="Title 1">
+            <a:extLst>
+              <a:ext uri="{FF2B5EF4-FFF2-40B4-BE49-F238E27FC236}">
+                <a16:creationId xmlns:a16="http://schemas.microsoft.com/office/drawing/2014/main" id="{F078C254-2815-CF47-910C-00AB80C6B2B6}"/>
+              </a:ext>
+            </a:extLst>
+          </p:cNvPr>
+          <p:cNvSpPr>
+            <a:spLocks noGrp="1"/>
+          </p:cNvSpPr>
+          <p:nvPr>
+            <p:ph type="title"/>
+          </p:nvPr>
+        </p:nvSpPr>
+        <p:spPr/>
+        <p:txBody>
+          <a:bodyPr/>
+          <a:lstStyle/>
+          <a:p>
+            <a:r>
+              <a:rPr lang="en-US" dirty="0"/>
+              <a:t>Types of issues to avoid when creating a model</a:t>
+            </a:r>
+          </a:p>
+        </p:txBody>
+      </p:sp>
+      <p:sp>
+        <p:nvSpPr>
+          <p:cNvPr id="3" name="Text Placeholder 2">
+            <a:extLst>
+              <a:ext uri="{FF2B5EF4-FFF2-40B4-BE49-F238E27FC236}">
+                <a16:creationId xmlns:a16="http://schemas.microsoft.com/office/drawing/2014/main" id="{0AE0C1A1-A82C-1844-A31C-21FF960EBAF7}"/>
+              </a:ext>
+            </a:extLst>
+          </p:cNvPr>
+          <p:cNvSpPr>
+            <a:spLocks noGrp="1"/>
+          </p:cNvSpPr>
+          <p:nvPr>
+            <p:ph type="body" sz="quarter" idx="10"/>
+          </p:nvPr>
+        </p:nvSpPr>
+        <p:spPr>
+          <a:xfrm>
+            <a:off x="4402667" y="1661245"/>
+            <a:ext cx="8222034" cy="5201424"/>
+          </a:xfrm>
+        </p:spPr>
+        <p:txBody>
+          <a:bodyPr/>
+          <a:lstStyle/>
+          <a:p>
+            <a:pPr marL="457200" indent="-457200">
+              <a:buFont typeface="+mj-lt"/>
+              <a:buAutoNum type="arabicPeriod"/>
+            </a:pPr>
+            <a:r>
+              <a:rPr lang="en-US" dirty="0"/>
+              <a:t>Using future information in today’s estimation</a:t>
+            </a:r>
+          </a:p>
+          <a:p>
+            <a:pPr marL="457200" indent="-457200">
+              <a:buFont typeface="+mj-lt"/>
+              <a:buAutoNum type="arabicPeriod"/>
+            </a:pPr>
+            <a:endParaRPr lang="en-US" sz="4400" dirty="0"/>
+          </a:p>
+          <a:p>
+            <a:pPr marL="457200" indent="-457200">
+              <a:buFont typeface="+mj-lt"/>
+              <a:buAutoNum type="arabicPeriod"/>
+            </a:pPr>
+            <a:r>
+              <a:rPr lang="en-US" dirty="0"/>
+              <a:t>Using 100% of the sample to estimate model parameters</a:t>
+            </a:r>
+            <a:endParaRPr lang="en-US" sz="2800" dirty="0"/>
+          </a:p>
+          <a:p>
+            <a:pPr marL="457200" indent="-457200">
+              <a:buFont typeface="+mj-lt"/>
+              <a:buAutoNum type="arabicPeriod"/>
+            </a:pPr>
+            <a:endParaRPr lang="en-US" sz="5400" dirty="0"/>
+          </a:p>
+          <a:p>
+            <a:pPr marL="457200" indent="-457200">
+              <a:buFont typeface="+mj-lt"/>
+              <a:buAutoNum type="arabicPeriod"/>
+            </a:pPr>
+            <a:r>
+              <a:rPr lang="en-US" dirty="0"/>
+              <a:t>Choosing </a:t>
+            </a:r>
+            <a:r>
+              <a:rPr lang="en-US" dirty="0" err="1"/>
+              <a:t>paramaters</a:t>
+            </a:r>
+            <a:r>
+              <a:rPr lang="en-US" dirty="0"/>
+              <a:t> based solely on in-sample performance</a:t>
+            </a:r>
+          </a:p>
+          <a:p>
+            <a:pPr marL="457200" indent="-457200">
+              <a:buFont typeface="+mj-lt"/>
+              <a:buAutoNum type="arabicPeriod"/>
+            </a:pPr>
+            <a:endParaRPr lang="en-US" sz="4400" dirty="0"/>
+          </a:p>
+          <a:p>
+            <a:pPr marL="457200" indent="-457200">
+              <a:buFont typeface="+mj-lt"/>
+              <a:buAutoNum type="arabicPeriod"/>
+            </a:pPr>
+            <a:r>
+              <a:rPr lang="en-US" dirty="0"/>
+              <a:t>Blah</a:t>
+            </a:r>
+          </a:p>
+        </p:txBody>
+      </p:sp>
+      <p:sp>
+        <p:nvSpPr>
+          <p:cNvPr id="4" name="Rectangle 3">
+            <a:extLst>
+              <a:ext uri="{FF2B5EF4-FFF2-40B4-BE49-F238E27FC236}">
+                <a16:creationId xmlns:a16="http://schemas.microsoft.com/office/drawing/2014/main" id="{EC2F63C8-1091-DE42-A71A-6C3B138A14AE}"/>
+              </a:ext>
+            </a:extLst>
+          </p:cNvPr>
+          <p:cNvSpPr/>
+          <p:nvPr/>
+        </p:nvSpPr>
+        <p:spPr>
+          <a:xfrm>
+            <a:off x="1275644" y="6141038"/>
+            <a:ext cx="490246" cy="431800"/>
+          </a:xfrm>
+          <a:prstGeom prst="rect">
+            <a:avLst/>
+          </a:prstGeom>
+          <a:solidFill>
+            <a:srgbClr val="FFC000"/>
+          </a:solidFill>
+          <a:ln w="12700">
+            <a:solidFill>
+              <a:schemeClr val="tx1"/>
+            </a:solidFill>
+          </a:ln>
+        </p:spPr>
+        <p:style>
+          <a:lnRef idx="2">
+            <a:schemeClr val="accent1">
+              <a:shade val="50000"/>
+            </a:schemeClr>
+          </a:lnRef>
+          <a:fillRef idx="1">
+            <a:schemeClr val="accent1"/>
+          </a:fillRef>
+          <a:effectRef idx="0">
+            <a:schemeClr val="accent1"/>
+          </a:effectRef>
+          <a:fontRef idx="minor">
+            <a:schemeClr val="lt1"/>
+          </a:fontRef>
+        </p:style>
+        <p:txBody>
+          <a:bodyPr lIns="0" tIns="0" rIns="0" bIns="0" rtlCol="0" anchor="ctr" anchorCtr="1"/>
+          <a:lstStyle/>
+          <a:p>
+            <a:pPr algn="ctr"/>
+            <a:endParaRPr lang="en-US" sz="1813" dirty="0">
+              <a:solidFill>
+                <a:schemeClr val="accent1"/>
+              </a:solidFill>
+            </a:endParaRPr>
+          </a:p>
+        </p:txBody>
+      </p:sp>
+      <p:sp>
+        <p:nvSpPr>
+          <p:cNvPr id="5" name="Rectangle 4">
+            <a:extLst>
+              <a:ext uri="{FF2B5EF4-FFF2-40B4-BE49-F238E27FC236}">
+                <a16:creationId xmlns:a16="http://schemas.microsoft.com/office/drawing/2014/main" id="{B62D6A4C-C8D7-1948-ADF0-CBFF9C0435DC}"/>
+              </a:ext>
+            </a:extLst>
+          </p:cNvPr>
+          <p:cNvSpPr/>
+          <p:nvPr/>
+        </p:nvSpPr>
+        <p:spPr>
+          <a:xfrm>
+            <a:off x="1765890" y="6141038"/>
+            <a:ext cx="2010232" cy="431800"/>
+          </a:xfrm>
+          <a:prstGeom prst="rect">
+            <a:avLst/>
+          </a:prstGeom>
+          <a:solidFill>
+            <a:schemeClr val="accent2"/>
+          </a:solidFill>
+          <a:ln w="12700">
+            <a:solidFill>
+              <a:schemeClr val="tx1"/>
+            </a:solidFill>
+          </a:ln>
+        </p:spPr>
+        <p:style>
+          <a:lnRef idx="2">
+            <a:schemeClr val="accent1">
+              <a:shade val="50000"/>
+            </a:schemeClr>
+          </a:lnRef>
+          <a:fillRef idx="1">
+            <a:schemeClr val="accent1"/>
+          </a:fillRef>
+          <a:effectRef idx="0">
+            <a:schemeClr val="accent1"/>
+          </a:effectRef>
+          <a:fontRef idx="minor">
+            <a:schemeClr val="lt1"/>
+          </a:fontRef>
+        </p:style>
+        <p:txBody>
+          <a:bodyPr lIns="0" tIns="0" rIns="0" bIns="0" rtlCol="0" anchor="ctr" anchorCtr="1"/>
+          <a:lstStyle/>
+          <a:p>
+            <a:pPr algn="ctr"/>
+            <a:r>
+              <a:rPr lang="en-US" sz="1813" dirty="0">
+                <a:solidFill>
+                  <a:schemeClr val="tx1"/>
+                </a:solidFill>
+              </a:rPr>
+              <a:t>Estimation (64%)</a:t>
+            </a:r>
+          </a:p>
+        </p:txBody>
+      </p:sp>
+      <p:sp>
+        <p:nvSpPr>
+          <p:cNvPr id="7" name="Rectangle 6">
+            <a:extLst>
+              <a:ext uri="{FF2B5EF4-FFF2-40B4-BE49-F238E27FC236}">
+                <a16:creationId xmlns:a16="http://schemas.microsoft.com/office/drawing/2014/main" id="{75CDD916-B92E-BC4B-91C2-36DAA9519186}"/>
+              </a:ext>
+            </a:extLst>
+          </p:cNvPr>
+          <p:cNvSpPr/>
+          <p:nvPr/>
+        </p:nvSpPr>
+        <p:spPr>
+          <a:xfrm>
+            <a:off x="1202997" y="3147512"/>
+            <a:ext cx="2624923" cy="431800"/>
+          </a:xfrm>
+          <a:prstGeom prst="rect">
+            <a:avLst/>
+          </a:prstGeom>
+          <a:solidFill>
+            <a:schemeClr val="accent2"/>
+          </a:solidFill>
+          <a:ln w="12700">
+            <a:solidFill>
+              <a:schemeClr val="tx1"/>
+            </a:solidFill>
+          </a:ln>
+        </p:spPr>
+        <p:style>
+          <a:lnRef idx="2">
+            <a:schemeClr val="accent1">
+              <a:shade val="50000"/>
+            </a:schemeClr>
+          </a:lnRef>
+          <a:fillRef idx="1">
+            <a:schemeClr val="accent1"/>
+          </a:fillRef>
+          <a:effectRef idx="0">
+            <a:schemeClr val="accent1"/>
+          </a:effectRef>
+          <a:fontRef idx="minor">
+            <a:schemeClr val="lt1"/>
+          </a:fontRef>
+        </p:style>
+        <p:txBody>
+          <a:bodyPr lIns="0" tIns="0" rIns="0" bIns="0" rtlCol="0" anchor="ctr" anchorCtr="1"/>
+          <a:lstStyle/>
+          <a:p>
+            <a:pPr algn="ctr"/>
+            <a:r>
+              <a:rPr lang="en-US" sz="1813" dirty="0">
+                <a:solidFill>
+                  <a:schemeClr val="tx1"/>
+                </a:solidFill>
+              </a:rPr>
+              <a:t>Estimation (100%)</a:t>
+            </a:r>
+          </a:p>
+        </p:txBody>
+      </p:sp>
+      <p:sp>
+        <p:nvSpPr>
+          <p:cNvPr id="13" name="TextBox 12">
+            <a:extLst>
+              <a:ext uri="{FF2B5EF4-FFF2-40B4-BE49-F238E27FC236}">
+                <a16:creationId xmlns:a16="http://schemas.microsoft.com/office/drawing/2014/main" id="{CBEACF97-705F-554E-9E57-9BCEE14E677B}"/>
+              </a:ext>
+            </a:extLst>
+          </p:cNvPr>
+          <p:cNvSpPr txBox="1"/>
+          <p:nvPr/>
+        </p:nvSpPr>
+        <p:spPr>
+          <a:xfrm>
+            <a:off x="-6055" y="7541568"/>
+            <a:ext cx="3053644" cy="230832"/>
+          </a:xfrm>
+          <a:prstGeom prst="rect">
+            <a:avLst/>
+          </a:prstGeom>
+          <a:noFill/>
+        </p:spPr>
+        <p:txBody>
+          <a:bodyPr wrap="square" rtlCol="0">
+            <a:spAutoFit/>
+          </a:bodyPr>
+          <a:lstStyle/>
+          <a:p>
+            <a:r>
+              <a:rPr lang="en-US" sz="900" dirty="0">
+                <a:hlinkClick r:id="rId3" tooltip="http://picandocodigo.net/2009/delorean-de-coleccion-para-viajar-en-el-tiempo/"/>
+              </a:rPr>
+              <a:t>Photo</a:t>
+            </a:r>
+            <a:r>
+              <a:rPr lang="en-US" sz="900" dirty="0"/>
+              <a:t> by Unknown Author is licensed under </a:t>
+            </a:r>
+            <a:r>
+              <a:rPr lang="en-US" sz="900" dirty="0">
+                <a:hlinkClick r:id="rId4" tooltip="https://creativecommons.org/licenses/by-sa/3.0/"/>
+              </a:rPr>
+              <a:t>CC BY-SA</a:t>
+            </a:r>
+            <a:endParaRPr lang="en-US" sz="900" dirty="0"/>
+          </a:p>
+        </p:txBody>
+      </p:sp>
+      <p:pic>
+        <p:nvPicPr>
+          <p:cNvPr id="14" name="Picture 13">
+            <a:extLst>
+              <a:ext uri="{FF2B5EF4-FFF2-40B4-BE49-F238E27FC236}">
+                <a16:creationId xmlns:a16="http://schemas.microsoft.com/office/drawing/2014/main" id="{B50EC153-8055-8A47-967A-9CCFF6B63DED}"/>
+              </a:ext>
+            </a:extLst>
+          </p:cNvPr>
+          <p:cNvPicPr>
+            <a:picLocks noChangeAspect="1"/>
+          </p:cNvPicPr>
+          <p:nvPr/>
+        </p:nvPicPr>
+        <p:blipFill>
+          <a:blip r:embed="rId5"/>
+          <a:stretch>
+            <a:fillRect/>
+          </a:stretch>
+        </p:blipFill>
+        <p:spPr>
+          <a:xfrm>
+            <a:off x="1275644" y="4409542"/>
+            <a:ext cx="2540000" cy="1424609"/>
+          </a:xfrm>
+          <a:prstGeom prst="rect">
+            <a:avLst/>
+          </a:prstGeom>
+        </p:spPr>
+      </p:pic>
+    </p:spTree>
+    <p:extLst>
+      <p:ext uri="{BB962C8B-B14F-4D97-AF65-F5344CB8AC3E}">
+        <p14:creationId xmlns:p14="http://schemas.microsoft.com/office/powerpoint/2010/main" val="818139610"/>
+      </p:ext>
+    </p:extLst>
+  </p:cSld>
+  <p:clrMapOvr>
+    <a:masterClrMapping/>
+  </p:clrMapOvr>
+</p:sld>
+</file>
+
+<file path=ppt/slides/slide21.xml><?xml version="1.0" encoding="utf-8"?>
+<p:sld xmlns:a="http://schemas.openxmlformats.org/drawingml/2006/main" xmlns:r="http://schemas.openxmlformats.org/officeDocument/2006/relationships" xmlns:p="http://schemas.openxmlformats.org/presentationml/2006/main">
+  <p:cSld>
+    <p:spTree>
+      <p:nvGrpSpPr>
+        <p:cNvPr id="1" name=""/>
+        <p:cNvGrpSpPr/>
+        <p:nvPr/>
+      </p:nvGrpSpPr>
+      <p:grpSpPr>
+        <a:xfrm>
+          <a:off x="0" y="0"/>
+          <a:ext cx="0" cy="0"/>
+          <a:chOff x="0" y="0"/>
+          <a:chExt cx="0" cy="0"/>
+        </a:xfrm>
+      </p:grpSpPr>
+      <p:sp>
+        <p:nvSpPr>
+          <p:cNvPr id="2" name="Title 1">
+            <a:extLst>
+              <a:ext uri="{FF2B5EF4-FFF2-40B4-BE49-F238E27FC236}">
+                <a16:creationId xmlns:a16="http://schemas.microsoft.com/office/drawing/2014/main" id="{47C3E73E-EF4A-EC4E-A07C-60FDD83753F0}"/>
+              </a:ext>
+            </a:extLst>
+          </p:cNvPr>
+          <p:cNvSpPr>
+            <a:spLocks noGrp="1"/>
+          </p:cNvSpPr>
+          <p:nvPr>
+            <p:ph type="title"/>
+          </p:nvPr>
+        </p:nvSpPr>
+        <p:spPr/>
+        <p:txBody>
+          <a:bodyPr/>
+          <a:lstStyle/>
+          <a:p>
+            <a:r>
+              <a:rPr lang="en-US" dirty="0"/>
+              <a:t>Workshop Overview and Timeline</a:t>
+            </a:r>
+          </a:p>
+        </p:txBody>
+      </p:sp>
+      <p:sp>
+        <p:nvSpPr>
+          <p:cNvPr id="3" name="Text Placeholder 2">
+            <a:extLst>
+              <a:ext uri="{FF2B5EF4-FFF2-40B4-BE49-F238E27FC236}">
+                <a16:creationId xmlns:a16="http://schemas.microsoft.com/office/drawing/2014/main" id="{0D2FCA61-01E6-6B4E-8840-9B8B75A969E2}"/>
+              </a:ext>
+            </a:extLst>
+          </p:cNvPr>
+          <p:cNvSpPr>
+            <a:spLocks noGrp="1"/>
+          </p:cNvSpPr>
+          <p:nvPr>
+            <p:ph type="body" sz="quarter" idx="10"/>
+          </p:nvPr>
+        </p:nvSpPr>
+        <p:spPr>
+          <a:xfrm>
+            <a:off x="1191811" y="1385566"/>
+            <a:ext cx="11433977" cy="5945217"/>
+          </a:xfrm>
+        </p:spPr>
+        <p:txBody>
+          <a:bodyPr/>
+          <a:lstStyle/>
+          <a:p>
+            <a:r>
+              <a:rPr lang="en-US" dirty="0">
+                <a:solidFill>
+                  <a:schemeClr val="bg1">
+                    <a:lumMod val="50000"/>
+                  </a:schemeClr>
+                </a:solidFill>
+              </a:rPr>
+              <a:t>0900 – 0915	Introductions, Setting up the environment and project background</a:t>
+            </a:r>
+          </a:p>
+          <a:p>
+            <a:r>
+              <a:rPr lang="en-US" dirty="0">
+                <a:solidFill>
+                  <a:schemeClr val="bg1">
+                    <a:lumMod val="50000"/>
+                  </a:schemeClr>
+                </a:solidFill>
+              </a:rPr>
+              <a:t>0915 – 0945	Part 1: Working with return data in Python			Eunice</a:t>
+            </a:r>
+            <a:br>
+              <a:rPr lang="en-US" dirty="0">
+                <a:solidFill>
+                  <a:schemeClr val="bg1">
+                    <a:lumMod val="50000"/>
+                  </a:schemeClr>
+                </a:solidFill>
+              </a:rPr>
+            </a:br>
+            <a:r>
+              <a:rPr lang="en-US" dirty="0">
+                <a:solidFill>
+                  <a:schemeClr val="bg1">
+                    <a:lumMod val="50000"/>
+                  </a:schemeClr>
+                </a:solidFill>
+              </a:rPr>
+              <a:t>		Part 2: Visualizing Timeseries Data</a:t>
+            </a:r>
+          </a:p>
+          <a:p>
+            <a:r>
+              <a:rPr lang="en-US" dirty="0">
+                <a:solidFill>
+                  <a:schemeClr val="bg1">
+                    <a:lumMod val="50000"/>
+                  </a:schemeClr>
+                </a:solidFill>
+              </a:rPr>
+              <a:t>0945 – 1000	Part 3: Setting up the Modeling Framework		Steve</a:t>
+            </a:r>
+          </a:p>
+          <a:p>
+            <a:r>
+              <a:rPr lang="en-US" dirty="0">
+                <a:solidFill>
+                  <a:schemeClr val="bg1">
+                    <a:lumMod val="50000"/>
+                  </a:schemeClr>
+                </a:solidFill>
+              </a:rPr>
+              <a:t>1000 – 1030 	Part 4a: Understanding Turbulence Signals		Steve</a:t>
+            </a:r>
+            <a:br>
+              <a:rPr lang="en-US" dirty="0">
+                <a:solidFill>
+                  <a:schemeClr val="bg1">
+                    <a:lumMod val="50000"/>
+                  </a:schemeClr>
+                </a:solidFill>
+              </a:rPr>
+            </a:br>
+            <a:r>
+              <a:rPr lang="en-US" dirty="0">
+                <a:solidFill>
+                  <a:schemeClr val="bg1">
+                    <a:lumMod val="50000"/>
+                  </a:schemeClr>
+                </a:solidFill>
+              </a:rPr>
+              <a:t>		Part 4b: Creating Turbulence Models	</a:t>
+            </a:r>
+          </a:p>
+          <a:p>
+            <a:r>
+              <a:rPr lang="en-US" b="1" dirty="0"/>
+              <a:t>1030 – 1100	Break (Start promptly at 1100)</a:t>
+            </a:r>
+          </a:p>
+          <a:p>
+            <a:r>
+              <a:rPr lang="en-US" dirty="0"/>
+              <a:t>1100 – 1145	Part 5a: Understanding GARCH Estimation		Steve</a:t>
+            </a:r>
+            <a:br>
+              <a:rPr lang="en-US" dirty="0"/>
+            </a:br>
+            <a:r>
+              <a:rPr lang="en-US" dirty="0"/>
+              <a:t>		Part 5b: Creating GARCH Models</a:t>
+            </a:r>
+          </a:p>
+          <a:p>
+            <a:r>
+              <a:rPr lang="en-US" dirty="0"/>
+              <a:t>1145 – 1230 	Part 6a: Direct attempts at machine learning		Eunice</a:t>
+            </a:r>
+            <a:br>
+              <a:rPr lang="en-US" dirty="0"/>
+            </a:br>
+            <a:r>
+              <a:rPr lang="en-US" dirty="0"/>
+              <a:t>		Part 6b: Combining methods				Steve</a:t>
+            </a:r>
+          </a:p>
+          <a:p>
+            <a:r>
+              <a:rPr lang="en-US" dirty="0"/>
+              <a:t>1230 – 1300	Conclusion and Q&amp;A					Steve/Eunice</a:t>
+            </a:r>
+          </a:p>
+        </p:txBody>
+      </p:sp>
+    </p:spTree>
+    <p:extLst>
+      <p:ext uri="{BB962C8B-B14F-4D97-AF65-F5344CB8AC3E}">
+        <p14:creationId xmlns:p14="http://schemas.microsoft.com/office/powerpoint/2010/main" val="1080790676"/>
+      </p:ext>
+    </p:extLst>
+  </p:cSld>
+  <p:clrMapOvr>
+    <a:masterClrMapping/>
+  </p:clrMapOvr>
+</p:sld>
+</file>
+
+<file path=ppt/slides/slide22.xml><?xml version="1.0" encoding="utf-8"?>
+<p:sld xmlns:a="http://schemas.openxmlformats.org/drawingml/2006/main" xmlns:r="http://schemas.openxmlformats.org/officeDocument/2006/relationships" xmlns:p="http://schemas.openxmlformats.org/presentationml/2006/main">
+  <p:cSld>
+    <p:spTree>
+      <p:nvGrpSpPr>
+        <p:cNvPr id="1" name=""/>
+        <p:cNvGrpSpPr/>
+        <p:nvPr/>
+      </p:nvGrpSpPr>
+      <p:grpSpPr>
+        <a:xfrm>
+          <a:off x="0" y="0"/>
+          <a:ext cx="0" cy="0"/>
+          <a:chOff x="0" y="0"/>
+          <a:chExt cx="0" cy="0"/>
+        </a:xfrm>
+      </p:grpSpPr>
+      <p:sp>
+        <p:nvSpPr>
+          <p:cNvPr id="4" name="Title 3">
+            <a:extLst>
+              <a:ext uri="{FF2B5EF4-FFF2-40B4-BE49-F238E27FC236}">
+                <a16:creationId xmlns:a16="http://schemas.microsoft.com/office/drawing/2014/main" id="{3C4581CC-23A3-0046-8F73-358374CE1C76}"/>
+              </a:ext>
+            </a:extLst>
+          </p:cNvPr>
+          <p:cNvSpPr>
+            <a:spLocks noGrp="1"/>
+          </p:cNvSpPr>
+          <p:nvPr>
+            <p:ph type="title"/>
+          </p:nvPr>
+        </p:nvSpPr>
+        <p:spPr/>
+        <p:txBody>
+          <a:bodyPr/>
+          <a:lstStyle/>
+          <a:p>
+            <a:r>
+              <a:rPr lang="en-US" dirty="0"/>
+              <a:t>The GARCH Approach</a:t>
+            </a:r>
+          </a:p>
+        </p:txBody>
+      </p:sp>
+      <mc:AlternateContent xmlns:mc="http://schemas.openxmlformats.org/markup-compatibility/2006">
+        <mc:Choice xmlns:a14="http://schemas.microsoft.com/office/drawing/2010/main" Requires="a14">
+          <p:sp>
+            <p:nvSpPr>
+              <p:cNvPr id="3" name="Content Placeholder 2"/>
+              <p:cNvSpPr>
+                <a:spLocks noGrp="1"/>
+              </p:cNvSpPr>
+              <p:nvPr>
+                <p:ph type="body" sz="quarter" idx="10"/>
+              </p:nvPr>
+            </p:nvSpPr>
+            <p:spPr>
+              <a:xfrm>
+                <a:off x="1190724" y="1661245"/>
+                <a:ext cx="11433977" cy="5595186"/>
+              </a:xfrm>
+            </p:spPr>
+            <p:txBody>
+              <a:bodyPr/>
+              <a:lstStyle/>
+              <a:p>
+                <a:r>
+                  <a:rPr lang="en-US" dirty="0"/>
+                  <a:t>Assume that all of the returns follow a multivariate GARCH(k) process:</a:t>
+                </a:r>
+              </a:p>
+              <a:p>
+                <a:pPr marL="386810" lvl="1" indent="0" algn="ctr">
+                  <a:buNone/>
+                </a:pPr>
+                <a:r>
+                  <a:rPr lang="en-US" dirty="0"/>
+                  <a:t>Returns follow:    </a:t>
+                </a:r>
+                <a14:m>
+                  <m:oMath xmlns:m="http://schemas.openxmlformats.org/officeDocument/2006/math">
+                    <m:sSub>
+                      <m:sSubPr>
+                        <m:ctrlPr>
+                          <a:rPr lang="en-US" i="1" smtClean="0">
+                            <a:latin typeface="Cambria Math" panose="02040503050406030204" pitchFamily="18" charset="0"/>
+                          </a:rPr>
+                        </m:ctrlPr>
+                      </m:sSubPr>
+                      <m:e>
+                        <m:r>
+                          <a:rPr lang="en-US" b="1" i="1" smtClean="0">
+                            <a:latin typeface="Cambria Math"/>
+                          </a:rPr>
+                          <m:t>𝒓</m:t>
+                        </m:r>
+                      </m:e>
+                      <m:sub>
+                        <m:r>
+                          <a:rPr lang="en-US" b="0" i="1" smtClean="0">
+                            <a:latin typeface="Cambria Math"/>
+                          </a:rPr>
+                          <m:t>𝑡</m:t>
+                        </m:r>
+                      </m:sub>
+                    </m:sSub>
+                    <m:r>
+                      <a:rPr lang="en-US" b="0" i="1" smtClean="0">
+                        <a:latin typeface="Cambria Math"/>
+                      </a:rPr>
+                      <m:t>=</m:t>
+                    </m:r>
+                    <m:r>
+                      <a:rPr lang="en-US" b="1" i="1" smtClean="0">
+                        <a:latin typeface="Cambria Math"/>
+                        <a:ea typeface="Cambria Math"/>
+                      </a:rPr>
+                      <m:t>𝝁</m:t>
+                    </m:r>
+                    <m:r>
+                      <a:rPr lang="en-US" b="0" i="1" smtClean="0">
+                        <a:latin typeface="Cambria Math"/>
+                        <a:ea typeface="Cambria Math"/>
+                      </a:rPr>
+                      <m:t>+</m:t>
+                    </m:r>
+                    <m:sSub>
+                      <m:sSubPr>
+                        <m:ctrlPr>
+                          <a:rPr lang="en-US" i="1">
+                            <a:latin typeface="Cambria Math" panose="02040503050406030204" pitchFamily="18" charset="0"/>
+                          </a:rPr>
+                        </m:ctrlPr>
+                      </m:sSubPr>
+                      <m:e>
+                        <m:r>
+                          <a:rPr lang="en-US" b="1" i="1" smtClean="0">
+                            <a:latin typeface="Cambria Math"/>
+                            <a:ea typeface="Cambria Math"/>
+                          </a:rPr>
+                          <m:t>𝚺</m:t>
+                        </m:r>
+                      </m:e>
+                      <m:sub>
+                        <m:r>
+                          <a:rPr lang="en-US" i="1">
+                            <a:latin typeface="Cambria Math"/>
+                          </a:rPr>
+                          <m:t>𝑡</m:t>
+                        </m:r>
+                      </m:sub>
+                    </m:sSub>
+                    <m:sSub>
+                      <m:sSubPr>
+                        <m:ctrlPr>
+                          <a:rPr lang="en-US" i="1">
+                            <a:latin typeface="Cambria Math" panose="02040503050406030204" pitchFamily="18" charset="0"/>
+                          </a:rPr>
+                        </m:ctrlPr>
+                      </m:sSubPr>
+                      <m:e>
+                        <m:r>
+                          <a:rPr lang="en-US" b="1" i="1" smtClean="0">
+                            <a:latin typeface="Cambria Math"/>
+                            <a:ea typeface="Cambria Math"/>
+                          </a:rPr>
+                          <m:t>𝝐</m:t>
+                        </m:r>
+                      </m:e>
+                      <m:sub>
+                        <m:r>
+                          <a:rPr lang="en-US" i="1">
+                            <a:latin typeface="Cambria Math"/>
+                          </a:rPr>
+                          <m:t>𝑡</m:t>
+                        </m:r>
+                      </m:sub>
+                    </m:sSub>
+                  </m:oMath>
+                </a14:m>
+                <a:endParaRPr lang="en-US" dirty="0"/>
+              </a:p>
+              <a:p>
+                <a:pPr marL="386810" lvl="1" indent="0" algn="ctr">
+                  <a:buNone/>
+                </a:pPr>
+                <a:r>
+                  <a:rPr lang="en-US" dirty="0"/>
+                  <a:t>Volatility follows:    </a:t>
+                </a:r>
+                <a14:m>
+                  <m:oMath xmlns:m="http://schemas.openxmlformats.org/officeDocument/2006/math">
+                    <m:sSub>
+                      <m:sSubPr>
+                        <m:ctrlPr>
+                          <a:rPr lang="en-US" i="1">
+                            <a:latin typeface="Cambria Math" panose="02040503050406030204" pitchFamily="18" charset="0"/>
+                          </a:rPr>
+                        </m:ctrlPr>
+                      </m:sSubPr>
+                      <m:e>
+                        <m:r>
+                          <a:rPr lang="en-US" b="1" i="1">
+                            <a:latin typeface="Cambria Math"/>
+                            <a:ea typeface="Cambria Math"/>
+                          </a:rPr>
+                          <m:t>𝚺</m:t>
+                        </m:r>
+                      </m:e>
+                      <m:sub>
+                        <m:r>
+                          <a:rPr lang="en-US" i="1">
+                            <a:latin typeface="Cambria Math"/>
+                          </a:rPr>
+                          <m:t>𝑡</m:t>
+                        </m:r>
+                      </m:sub>
+                    </m:sSub>
+                    <m:r>
+                      <a:rPr lang="en-US" b="0" i="1" smtClean="0">
+                        <a:latin typeface="Cambria Math"/>
+                      </a:rPr>
+                      <m:t>=</m:t>
+                    </m:r>
+                    <m:sSub>
+                      <m:sSubPr>
+                        <m:ctrlPr>
+                          <a:rPr lang="en-US" i="1">
+                            <a:latin typeface="Cambria Math" panose="02040503050406030204" pitchFamily="18" charset="0"/>
+                          </a:rPr>
+                        </m:ctrlPr>
+                      </m:sSubPr>
+                      <m:e>
+                        <m:r>
+                          <a:rPr lang="en-US" b="1" i="1" smtClean="0">
+                            <a:latin typeface="Cambria Math"/>
+                            <a:ea typeface="Cambria Math"/>
+                          </a:rPr>
+                          <m:t>𝜶</m:t>
+                        </m:r>
+                      </m:e>
+                      <m:sub>
+                        <m:r>
+                          <a:rPr lang="en-US" b="0" i="1" smtClean="0">
+                            <a:latin typeface="Cambria Math"/>
+                          </a:rPr>
+                          <m:t>0</m:t>
+                        </m:r>
+                      </m:sub>
+                    </m:sSub>
+                    <m:r>
+                      <a:rPr lang="en-US" i="1">
+                        <a:latin typeface="Cambria Math"/>
+                      </a:rPr>
+                      <m:t>+</m:t>
+                    </m:r>
+                    <m:sSub>
+                      <m:sSubPr>
+                        <m:ctrlPr>
+                          <a:rPr lang="en-US" i="1">
+                            <a:latin typeface="Cambria Math" panose="02040503050406030204" pitchFamily="18" charset="0"/>
+                          </a:rPr>
+                        </m:ctrlPr>
+                      </m:sSubPr>
+                      <m:e>
+                        <m:r>
+                          <a:rPr lang="en-US" b="1" i="1">
+                            <a:latin typeface="Cambria Math"/>
+                            <a:ea typeface="Cambria Math"/>
+                          </a:rPr>
+                          <m:t>𝜶</m:t>
+                        </m:r>
+                      </m:e>
+                      <m:sub>
+                        <m:r>
+                          <a:rPr lang="en-US" i="1">
+                            <a:latin typeface="Cambria Math"/>
+                          </a:rPr>
+                          <m:t>1</m:t>
+                        </m:r>
+                      </m:sub>
+                    </m:sSub>
+                    <m:sSub>
+                      <m:sSubPr>
+                        <m:ctrlPr>
+                          <a:rPr lang="en-US" i="1">
+                            <a:latin typeface="Cambria Math" panose="02040503050406030204" pitchFamily="18" charset="0"/>
+                          </a:rPr>
+                        </m:ctrlPr>
+                      </m:sSubPr>
+                      <m:e>
+                        <m:r>
+                          <a:rPr lang="en-US" b="1" i="1">
+                            <a:latin typeface="Cambria Math"/>
+                            <a:ea typeface="Cambria Math"/>
+                          </a:rPr>
+                          <m:t>𝚺</m:t>
+                        </m:r>
+                      </m:e>
+                      <m:sub>
+                        <m:r>
+                          <a:rPr lang="en-US" i="1">
+                            <a:latin typeface="Cambria Math"/>
+                          </a:rPr>
+                          <m:t>𝑡</m:t>
+                        </m:r>
+                      </m:sub>
+                    </m:sSub>
+                    <m:sSub>
+                      <m:sSubPr>
+                        <m:ctrlPr>
+                          <a:rPr lang="en-US" i="1">
+                            <a:latin typeface="Cambria Math" panose="02040503050406030204" pitchFamily="18" charset="0"/>
+                          </a:rPr>
+                        </m:ctrlPr>
+                      </m:sSubPr>
+                      <m:e>
+                        <m:r>
+                          <a:rPr lang="en-US" b="1" i="1">
+                            <a:latin typeface="Cambria Math"/>
+                            <a:ea typeface="Cambria Math"/>
+                          </a:rPr>
+                          <m:t>𝝐</m:t>
+                        </m:r>
+                      </m:e>
+                      <m:sub>
+                        <m:r>
+                          <a:rPr lang="en-US" i="1">
+                            <a:latin typeface="Cambria Math"/>
+                          </a:rPr>
+                          <m:t>𝑡</m:t>
+                        </m:r>
+                        <m:r>
+                          <a:rPr lang="en-US" b="0" i="1" smtClean="0">
+                            <a:latin typeface="Cambria Math"/>
+                          </a:rPr>
+                          <m:t>−1</m:t>
+                        </m:r>
+                      </m:sub>
+                    </m:sSub>
+                    <m:sSub>
+                      <m:sSubPr>
+                        <m:ctrlPr>
+                          <a:rPr lang="en-US" i="1">
+                            <a:latin typeface="Cambria Math" panose="02040503050406030204" pitchFamily="18" charset="0"/>
+                          </a:rPr>
+                        </m:ctrlPr>
+                      </m:sSubPr>
+                      <m:e>
+                        <m:r>
+                          <a:rPr lang="en-US" b="1" i="1">
+                            <a:latin typeface="Cambria Math"/>
+                            <a:ea typeface="Cambria Math"/>
+                          </a:rPr>
+                          <m:t>𝝐</m:t>
+                        </m:r>
+                        <m:r>
+                          <a:rPr lang="en-US" b="1" i="1" smtClean="0">
+                            <a:latin typeface="Cambria Math"/>
+                            <a:ea typeface="Cambria Math"/>
+                          </a:rPr>
+                          <m:t>′</m:t>
+                        </m:r>
+                      </m:e>
+                      <m:sub>
+                        <m:r>
+                          <a:rPr lang="en-US" i="1">
+                            <a:latin typeface="Cambria Math"/>
+                          </a:rPr>
+                          <m:t>𝑡</m:t>
+                        </m:r>
+                        <m:r>
+                          <a:rPr lang="en-US" i="1">
+                            <a:latin typeface="Cambria Math"/>
+                          </a:rPr>
+                          <m:t>−1</m:t>
+                        </m:r>
+                      </m:sub>
+                    </m:sSub>
+                    <m:r>
+                      <a:rPr lang="en-US" b="0" i="1" smtClean="0">
+                        <a:latin typeface="Cambria Math"/>
+                      </a:rPr>
+                      <m:t>+…+</m:t>
+                    </m:r>
+                    <m:r>
+                      <a:rPr lang="en-US" i="1">
+                        <a:latin typeface="Cambria Math"/>
+                      </a:rPr>
+                      <m:t>+</m:t>
+                    </m:r>
+                    <m:sSub>
+                      <m:sSubPr>
+                        <m:ctrlPr>
+                          <a:rPr lang="en-US" i="1">
+                            <a:latin typeface="Cambria Math" panose="02040503050406030204" pitchFamily="18" charset="0"/>
+                          </a:rPr>
+                        </m:ctrlPr>
+                      </m:sSubPr>
+                      <m:e>
+                        <m:r>
+                          <a:rPr lang="en-US" b="1" i="1">
+                            <a:latin typeface="Cambria Math"/>
+                            <a:ea typeface="Cambria Math"/>
+                          </a:rPr>
+                          <m:t>𝜶</m:t>
+                        </m:r>
+                      </m:e>
+                      <m:sub>
+                        <m:r>
+                          <a:rPr lang="en-US" b="0" i="1" smtClean="0">
+                            <a:latin typeface="Cambria Math"/>
+                          </a:rPr>
+                          <m:t>𝑘</m:t>
+                        </m:r>
+                      </m:sub>
+                    </m:sSub>
+                    <m:sSub>
+                      <m:sSubPr>
+                        <m:ctrlPr>
+                          <a:rPr lang="en-US" i="1">
+                            <a:latin typeface="Cambria Math" panose="02040503050406030204" pitchFamily="18" charset="0"/>
+                          </a:rPr>
+                        </m:ctrlPr>
+                      </m:sSubPr>
+                      <m:e>
+                        <m:r>
+                          <a:rPr lang="en-US" b="1" i="1">
+                            <a:latin typeface="Cambria Math"/>
+                            <a:ea typeface="Cambria Math"/>
+                          </a:rPr>
+                          <m:t>𝚺</m:t>
+                        </m:r>
+                      </m:e>
+                      <m:sub>
+                        <m:r>
+                          <a:rPr lang="en-US" i="1">
+                            <a:latin typeface="Cambria Math"/>
+                          </a:rPr>
+                          <m:t>𝑡</m:t>
+                        </m:r>
+                      </m:sub>
+                    </m:sSub>
+                    <m:sSub>
+                      <m:sSubPr>
+                        <m:ctrlPr>
+                          <a:rPr lang="en-US" i="1">
+                            <a:latin typeface="Cambria Math" panose="02040503050406030204" pitchFamily="18" charset="0"/>
+                          </a:rPr>
+                        </m:ctrlPr>
+                      </m:sSubPr>
+                      <m:e>
+                        <m:r>
+                          <a:rPr lang="en-US" b="1" i="1">
+                            <a:latin typeface="Cambria Math"/>
+                            <a:ea typeface="Cambria Math"/>
+                          </a:rPr>
+                          <m:t>𝝐</m:t>
+                        </m:r>
+                      </m:e>
+                      <m:sub>
+                        <m:r>
+                          <a:rPr lang="en-US" i="1">
+                            <a:latin typeface="Cambria Math"/>
+                          </a:rPr>
+                          <m:t>𝑡</m:t>
+                        </m:r>
+                        <m:r>
+                          <a:rPr lang="en-US" i="1">
+                            <a:latin typeface="Cambria Math"/>
+                          </a:rPr>
+                          <m:t>−</m:t>
+                        </m:r>
+                        <m:r>
+                          <a:rPr lang="en-US" b="0" i="1" smtClean="0">
+                            <a:latin typeface="Cambria Math"/>
+                          </a:rPr>
+                          <m:t>𝑘</m:t>
+                        </m:r>
+                      </m:sub>
+                    </m:sSub>
+                    <m:sSub>
+                      <m:sSubPr>
+                        <m:ctrlPr>
+                          <a:rPr lang="en-US" i="1">
+                            <a:latin typeface="Cambria Math" panose="02040503050406030204" pitchFamily="18" charset="0"/>
+                          </a:rPr>
+                        </m:ctrlPr>
+                      </m:sSubPr>
+                      <m:e>
+                        <m:r>
+                          <a:rPr lang="en-US" b="1" i="1">
+                            <a:latin typeface="Cambria Math"/>
+                            <a:ea typeface="Cambria Math"/>
+                          </a:rPr>
+                          <m:t>𝝐</m:t>
+                        </m:r>
+                        <m:r>
+                          <a:rPr lang="en-US" b="1" i="1">
+                            <a:latin typeface="Cambria Math"/>
+                            <a:ea typeface="Cambria Math"/>
+                          </a:rPr>
+                          <m:t>′</m:t>
+                        </m:r>
+                      </m:e>
+                      <m:sub>
+                        <m:r>
+                          <a:rPr lang="en-US" i="1">
+                            <a:latin typeface="Cambria Math"/>
+                          </a:rPr>
+                          <m:t>𝑡</m:t>
+                        </m:r>
+                        <m:r>
+                          <a:rPr lang="en-US" i="1">
+                            <a:latin typeface="Cambria Math"/>
+                          </a:rPr>
+                          <m:t>−</m:t>
+                        </m:r>
+                        <m:r>
+                          <a:rPr lang="en-US" b="0" i="1" smtClean="0">
+                            <a:latin typeface="Cambria Math"/>
+                          </a:rPr>
+                          <m:t>𝑘</m:t>
+                        </m:r>
+                      </m:sub>
+                    </m:sSub>
+                  </m:oMath>
+                </a14:m>
+                <a:endParaRPr lang="en-US" dirty="0"/>
+              </a:p>
+              <a:p>
+                <a:endParaRPr lang="en-US" dirty="0"/>
+              </a:p>
+              <a:p>
+                <a:r>
+                  <a:rPr lang="en-US" dirty="0"/>
+                  <a:t>This is a mathematical model which allows for yesterday’s volatility to impact today’s volatility.</a:t>
+                </a:r>
+              </a:p>
+              <a:p>
+                <a:r>
+                  <a:rPr lang="en-US" dirty="0"/>
+                  <a:t>So our best estimate of whether we are volatile tomorrow can be determine by estimating the parameters in the model using regression and forecasting.</a:t>
+                </a:r>
+              </a:p>
+              <a:p>
+                <a:endParaRPr lang="en-US" dirty="0"/>
+              </a:p>
+              <a:p>
+                <a:r>
+                  <a:rPr lang="en-US" dirty="0"/>
+                  <a:t>How does a well-behaved econometrician pick k and all the </a:t>
+                </a:r>
+                <a:r>
+                  <a:rPr lang="en-US" dirty="0">
+                    <a:sym typeface="Symbol"/>
+                  </a:rPr>
+                  <a:t>’s?</a:t>
+                </a:r>
+              </a:p>
+              <a:p>
+                <a:pPr marL="775419" lvl="1" indent="-388609">
+                  <a:buFont typeface="+mj-lt"/>
+                  <a:buAutoNum type="arabicPeriod"/>
+                </a:pPr>
+                <a:r>
+                  <a:rPr lang="en-US" dirty="0"/>
+                  <a:t>Hold back on 20% of the data to validate stability</a:t>
+                </a:r>
+              </a:p>
+              <a:p>
+                <a:pPr marL="775419" lvl="1" indent="-388609">
+                  <a:buFont typeface="+mj-lt"/>
+                  <a:buAutoNum type="arabicPeriod"/>
+                </a:pPr>
+                <a:r>
+                  <a:rPr lang="en-US" dirty="0"/>
+                  <a:t>Use AIC or BIC to penalize complexity. Higher k only allowed if the extra fit outweighs a penalty function for the added parameters this permits.</a:t>
+                </a:r>
+              </a:p>
+            </p:txBody>
+          </p:sp>
+        </mc:Choice>
+        <mc:Fallback>
+          <p:sp>
+            <p:nvSpPr>
+              <p:cNvPr id="3" name="Content Placeholder 2"/>
+              <p:cNvSpPr>
+                <a:spLocks noGrp="1" noRot="1" noChangeAspect="1" noMove="1" noResize="1" noEditPoints="1" noAdjustHandles="1" noChangeArrowheads="1" noChangeShapeType="1" noTextEdit="1"/>
+              </p:cNvSpPr>
+              <p:nvPr>
+                <p:ph type="body" sz="quarter" idx="10"/>
+              </p:nvPr>
+            </p:nvSpPr>
+            <p:spPr>
+              <a:xfrm>
+                <a:off x="1190724" y="1661245"/>
+                <a:ext cx="11433977" cy="5595186"/>
+              </a:xfrm>
+              <a:blipFill>
+                <a:blip r:embed="rId2"/>
+                <a:stretch>
+                  <a:fillRect l="-1443" t="-1587" r="-333" b="-1361"/>
+                </a:stretch>
+              </a:blipFill>
+            </p:spPr>
+            <p:txBody>
+              <a:bodyPr/>
+              <a:lstStyle/>
+              <a:p>
+                <a:r>
+                  <a:rPr lang="en-US">
+                    <a:noFill/>
+                  </a:rPr>
+                  <a:t> </a:t>
+                </a:r>
+              </a:p>
+            </p:txBody>
+          </p:sp>
+        </mc:Fallback>
+      </mc:AlternateContent>
+    </p:spTree>
+    <p:extLst>
+      <p:ext uri="{BB962C8B-B14F-4D97-AF65-F5344CB8AC3E}">
+        <p14:creationId xmlns:p14="http://schemas.microsoft.com/office/powerpoint/2010/main" val="3657504729"/>
+      </p:ext>
+    </p:extLst>
+  </p:cSld>
+  <p:clrMapOvr>
+    <a:masterClrMapping/>
+  </p:clrMapOvr>
+</p:sld>
+</file>
+
+<file path=ppt/slides/slide23.xml><?xml version="1.0" encoding="utf-8"?>
+<p:sld xmlns:a="http://schemas.openxmlformats.org/drawingml/2006/main" xmlns:r="http://schemas.openxmlformats.org/officeDocument/2006/relationships" xmlns:p="http://schemas.openxmlformats.org/presentationml/2006/main">
+  <p:cSld>
+    <p:spTree>
+      <p:nvGrpSpPr>
+        <p:cNvPr id="1" name=""/>
+        <p:cNvGrpSpPr/>
+        <p:nvPr/>
+      </p:nvGrpSpPr>
+      <p:grpSpPr>
+        <a:xfrm>
+          <a:off x="0" y="0"/>
+          <a:ext cx="0" cy="0"/>
+          <a:chOff x="0" y="0"/>
+          <a:chExt cx="0" cy="0"/>
+        </a:xfrm>
+      </p:grpSpPr>
+      <p:sp>
+        <p:nvSpPr>
+          <p:cNvPr id="2" name="Title 1">
+            <a:extLst>
+              <a:ext uri="{FF2B5EF4-FFF2-40B4-BE49-F238E27FC236}">
+                <a16:creationId xmlns:a16="http://schemas.microsoft.com/office/drawing/2014/main" id="{47C3E73E-EF4A-EC4E-A07C-60FDD83753F0}"/>
+              </a:ext>
+            </a:extLst>
+          </p:cNvPr>
+          <p:cNvSpPr>
+            <a:spLocks noGrp="1"/>
+          </p:cNvSpPr>
+          <p:nvPr>
+            <p:ph type="title"/>
+          </p:nvPr>
+        </p:nvSpPr>
+        <p:spPr/>
+        <p:txBody>
+          <a:bodyPr/>
+          <a:lstStyle/>
+          <a:p>
+            <a:r>
+              <a:rPr lang="en-US" dirty="0"/>
+              <a:t>Workshop Overview and Timeline</a:t>
+            </a:r>
+          </a:p>
+        </p:txBody>
+      </p:sp>
+      <p:sp>
+        <p:nvSpPr>
+          <p:cNvPr id="3" name="Text Placeholder 2">
+            <a:extLst>
+              <a:ext uri="{FF2B5EF4-FFF2-40B4-BE49-F238E27FC236}">
+                <a16:creationId xmlns:a16="http://schemas.microsoft.com/office/drawing/2014/main" id="{0D2FCA61-01E6-6B4E-8840-9B8B75A969E2}"/>
+              </a:ext>
+            </a:extLst>
+          </p:cNvPr>
+          <p:cNvSpPr>
+            <a:spLocks noGrp="1"/>
+          </p:cNvSpPr>
+          <p:nvPr>
+            <p:ph type="body" sz="quarter" idx="10"/>
+          </p:nvPr>
+        </p:nvSpPr>
+        <p:spPr>
+          <a:xfrm>
+            <a:off x="1191811" y="1385566"/>
+            <a:ext cx="11433977" cy="5945217"/>
+          </a:xfrm>
+        </p:spPr>
+        <p:txBody>
+          <a:bodyPr/>
+          <a:lstStyle/>
+          <a:p>
+            <a:r>
+              <a:rPr lang="en-US" dirty="0">
+                <a:solidFill>
+                  <a:schemeClr val="bg1">
+                    <a:lumMod val="50000"/>
+                  </a:schemeClr>
+                </a:solidFill>
+              </a:rPr>
+              <a:t>0900 – 0915	Introductions, Setting up the environment and project background</a:t>
+            </a:r>
+          </a:p>
+          <a:p>
+            <a:r>
+              <a:rPr lang="en-US" dirty="0">
+                <a:solidFill>
+                  <a:schemeClr val="bg1">
+                    <a:lumMod val="50000"/>
+                  </a:schemeClr>
+                </a:solidFill>
+              </a:rPr>
+              <a:t>0915 – 0945	Part 1: Working with return data in Python			Eunice</a:t>
+            </a:r>
+            <a:br>
+              <a:rPr lang="en-US" dirty="0">
+                <a:solidFill>
+                  <a:schemeClr val="bg1">
+                    <a:lumMod val="50000"/>
+                  </a:schemeClr>
+                </a:solidFill>
+              </a:rPr>
+            </a:br>
+            <a:r>
+              <a:rPr lang="en-US" dirty="0">
+                <a:solidFill>
+                  <a:schemeClr val="bg1">
+                    <a:lumMod val="50000"/>
+                  </a:schemeClr>
+                </a:solidFill>
+              </a:rPr>
+              <a:t>		Part 2: Visualizing Timeseries Data</a:t>
+            </a:r>
+          </a:p>
+          <a:p>
+            <a:r>
+              <a:rPr lang="en-US" dirty="0">
+                <a:solidFill>
+                  <a:schemeClr val="bg1">
+                    <a:lumMod val="50000"/>
+                  </a:schemeClr>
+                </a:solidFill>
+              </a:rPr>
+              <a:t>0945 – 1000	Part 3: Setting up the Modeling Framework		Steve</a:t>
+            </a:r>
+          </a:p>
+          <a:p>
+            <a:r>
+              <a:rPr lang="en-US" dirty="0">
+                <a:solidFill>
+                  <a:schemeClr val="bg1">
+                    <a:lumMod val="50000"/>
+                  </a:schemeClr>
+                </a:solidFill>
+              </a:rPr>
+              <a:t>1000 – 1030 	Part 4a: Understanding Turbulence Signals		Steve</a:t>
+            </a:r>
+            <a:br>
+              <a:rPr lang="en-US" dirty="0">
+                <a:solidFill>
+                  <a:schemeClr val="bg1">
+                    <a:lumMod val="50000"/>
+                  </a:schemeClr>
+                </a:solidFill>
+              </a:rPr>
+            </a:br>
+            <a:r>
+              <a:rPr lang="en-US" dirty="0">
+                <a:solidFill>
+                  <a:schemeClr val="bg1">
+                    <a:lumMod val="50000"/>
+                  </a:schemeClr>
+                </a:solidFill>
+              </a:rPr>
+              <a:t>		Part 4b: Creating Turbulence Models	</a:t>
+            </a:r>
+          </a:p>
+          <a:p>
+            <a:r>
+              <a:rPr lang="en-US" dirty="0">
+                <a:solidFill>
+                  <a:schemeClr val="bg1">
+                    <a:lumMod val="50000"/>
+                  </a:schemeClr>
+                </a:solidFill>
+              </a:rPr>
+              <a:t>1030 – 1100	</a:t>
+            </a:r>
+            <a:r>
+              <a:rPr lang="en-US" b="1" dirty="0">
+                <a:solidFill>
+                  <a:schemeClr val="bg1">
+                    <a:lumMod val="50000"/>
+                  </a:schemeClr>
+                </a:solidFill>
+              </a:rPr>
+              <a:t>Break</a:t>
+            </a:r>
+          </a:p>
+          <a:p>
+            <a:r>
+              <a:rPr lang="en-US" b="1" dirty="0"/>
+              <a:t>1100 – 1145	Part 5a: Understanding GARCH Estimation		Steve</a:t>
+            </a:r>
+            <a:br>
+              <a:rPr lang="en-US" b="1" dirty="0"/>
+            </a:br>
+            <a:r>
+              <a:rPr lang="en-US" b="1" dirty="0"/>
+              <a:t>		Part 5b: Creating GARCH Models</a:t>
+            </a:r>
+          </a:p>
+          <a:p>
+            <a:r>
+              <a:rPr lang="en-US" dirty="0"/>
+              <a:t>1145 – 1230 	Part 6a: Direct attempts at machine learning		Eunice</a:t>
+            </a:r>
+            <a:br>
+              <a:rPr lang="en-US" dirty="0"/>
+            </a:br>
+            <a:r>
+              <a:rPr lang="en-US" dirty="0"/>
+              <a:t>		Part 6b: Combining methods				Steve</a:t>
+            </a:r>
+          </a:p>
+          <a:p>
+            <a:r>
+              <a:rPr lang="en-US" dirty="0"/>
+              <a:t>1230 – 1300	Conclusion and Q&amp;A					Steve/Eunice</a:t>
+            </a:r>
+          </a:p>
+        </p:txBody>
+      </p:sp>
+    </p:spTree>
+    <p:extLst>
+      <p:ext uri="{BB962C8B-B14F-4D97-AF65-F5344CB8AC3E}">
+        <p14:creationId xmlns:p14="http://schemas.microsoft.com/office/powerpoint/2010/main" val="3989539482"/>
+      </p:ext>
+    </p:extLst>
+  </p:cSld>
+  <p:clrMapOvr>
+    <a:masterClrMapping/>
+  </p:clrMapOvr>
+</p:sld>
+</file>
+
+<file path=ppt/slides/slide24.xml><?xml version="1.0" encoding="utf-8"?>
+<p:sld xmlns:a="http://schemas.openxmlformats.org/drawingml/2006/main" xmlns:r="http://schemas.openxmlformats.org/officeDocument/2006/relationships" xmlns:p="http://schemas.openxmlformats.org/presentationml/2006/main">
+  <p:cSld>
+    <p:spTree>
+      <p:nvGrpSpPr>
+        <p:cNvPr id="1" name=""/>
+        <p:cNvGrpSpPr/>
+        <p:nvPr/>
+      </p:nvGrpSpPr>
+      <p:grpSpPr>
+        <a:xfrm>
+          <a:off x="0" y="0"/>
+          <a:ext cx="0" cy="0"/>
+          <a:chOff x="0" y="0"/>
+          <a:chExt cx="0" cy="0"/>
+        </a:xfrm>
+      </p:grpSpPr>
+      <p:sp>
+        <p:nvSpPr>
+          <p:cNvPr id="2" name="Title 1">
+            <a:extLst>
+              <a:ext uri="{FF2B5EF4-FFF2-40B4-BE49-F238E27FC236}">
+                <a16:creationId xmlns:a16="http://schemas.microsoft.com/office/drawing/2014/main" id="{47C3E73E-EF4A-EC4E-A07C-60FDD83753F0}"/>
+              </a:ext>
+            </a:extLst>
+          </p:cNvPr>
+          <p:cNvSpPr>
+            <a:spLocks noGrp="1"/>
+          </p:cNvSpPr>
+          <p:nvPr>
+            <p:ph type="title"/>
+          </p:nvPr>
+        </p:nvSpPr>
+        <p:spPr/>
+        <p:txBody>
+          <a:bodyPr/>
+          <a:lstStyle/>
+          <a:p>
+            <a:r>
+              <a:rPr lang="en-US" dirty="0"/>
+              <a:t>Workshop Overview and Timeline</a:t>
+            </a:r>
+          </a:p>
+        </p:txBody>
+      </p:sp>
+      <p:sp>
+        <p:nvSpPr>
+          <p:cNvPr id="3" name="Text Placeholder 2">
+            <a:extLst>
+              <a:ext uri="{FF2B5EF4-FFF2-40B4-BE49-F238E27FC236}">
+                <a16:creationId xmlns:a16="http://schemas.microsoft.com/office/drawing/2014/main" id="{0D2FCA61-01E6-6B4E-8840-9B8B75A969E2}"/>
+              </a:ext>
+            </a:extLst>
+          </p:cNvPr>
+          <p:cNvSpPr>
+            <a:spLocks noGrp="1"/>
+          </p:cNvSpPr>
+          <p:nvPr>
+            <p:ph type="body" sz="quarter" idx="10"/>
+          </p:nvPr>
+        </p:nvSpPr>
+        <p:spPr>
+          <a:xfrm>
+            <a:off x="1191811" y="1385566"/>
+            <a:ext cx="11433977" cy="5945217"/>
+          </a:xfrm>
+        </p:spPr>
+        <p:txBody>
+          <a:bodyPr/>
+          <a:lstStyle/>
+          <a:p>
+            <a:r>
+              <a:rPr lang="en-US" dirty="0">
+                <a:solidFill>
+                  <a:schemeClr val="bg1">
+                    <a:lumMod val="50000"/>
+                  </a:schemeClr>
+                </a:solidFill>
+              </a:rPr>
+              <a:t>0900 – 0915	Introductions, Setting up the environment and project background</a:t>
+            </a:r>
+          </a:p>
+          <a:p>
+            <a:r>
+              <a:rPr lang="en-US" dirty="0">
+                <a:solidFill>
+                  <a:schemeClr val="bg1">
+                    <a:lumMod val="50000"/>
+                  </a:schemeClr>
+                </a:solidFill>
+              </a:rPr>
+              <a:t>0915 – 0945	Part 1: Working with return data in Python			Eunice</a:t>
+            </a:r>
+            <a:br>
+              <a:rPr lang="en-US" dirty="0">
+                <a:solidFill>
+                  <a:schemeClr val="bg1">
+                    <a:lumMod val="50000"/>
+                  </a:schemeClr>
+                </a:solidFill>
+              </a:rPr>
+            </a:br>
+            <a:r>
+              <a:rPr lang="en-US" dirty="0">
+                <a:solidFill>
+                  <a:schemeClr val="bg1">
+                    <a:lumMod val="50000"/>
+                  </a:schemeClr>
+                </a:solidFill>
+              </a:rPr>
+              <a:t>		Part 2: Visualizing Timeseries Data</a:t>
+            </a:r>
+          </a:p>
+          <a:p>
+            <a:r>
+              <a:rPr lang="en-US" dirty="0">
+                <a:solidFill>
+                  <a:schemeClr val="bg1">
+                    <a:lumMod val="50000"/>
+                  </a:schemeClr>
+                </a:solidFill>
+              </a:rPr>
+              <a:t>0945 – 1000	Part 3: Setting up the Modeling Framework		Steve</a:t>
+            </a:r>
+          </a:p>
+          <a:p>
+            <a:r>
+              <a:rPr lang="en-US" dirty="0">
+                <a:solidFill>
+                  <a:schemeClr val="bg1">
+                    <a:lumMod val="50000"/>
+                  </a:schemeClr>
+                </a:solidFill>
+              </a:rPr>
+              <a:t>1000 – 1030 	Part 4a: Understanding Turbulence Signals		Steve</a:t>
+            </a:r>
+            <a:br>
+              <a:rPr lang="en-US" dirty="0">
+                <a:solidFill>
+                  <a:schemeClr val="bg1">
+                    <a:lumMod val="50000"/>
+                  </a:schemeClr>
+                </a:solidFill>
+              </a:rPr>
+            </a:br>
+            <a:r>
+              <a:rPr lang="en-US" dirty="0">
+                <a:solidFill>
+                  <a:schemeClr val="bg1">
+                    <a:lumMod val="50000"/>
+                  </a:schemeClr>
+                </a:solidFill>
+              </a:rPr>
+              <a:t>		Part 4b: Creating Turbulence Models	</a:t>
+            </a:r>
+          </a:p>
+          <a:p>
+            <a:r>
+              <a:rPr lang="en-US" dirty="0">
+                <a:solidFill>
+                  <a:schemeClr val="bg1">
+                    <a:lumMod val="50000"/>
+                  </a:schemeClr>
+                </a:solidFill>
+              </a:rPr>
+              <a:t>1030 – 1100	</a:t>
+            </a:r>
+            <a:r>
+              <a:rPr lang="en-US" b="1" dirty="0">
+                <a:solidFill>
+                  <a:schemeClr val="bg1">
+                    <a:lumMod val="50000"/>
+                  </a:schemeClr>
+                </a:solidFill>
+              </a:rPr>
+              <a:t>Break</a:t>
+            </a:r>
+          </a:p>
+          <a:p>
+            <a:r>
+              <a:rPr lang="en-US" dirty="0">
+                <a:solidFill>
+                  <a:schemeClr val="bg1">
+                    <a:lumMod val="50000"/>
+                  </a:schemeClr>
+                </a:solidFill>
+              </a:rPr>
+              <a:t>1100 – 1145	Part 5a: Understanding GARCH Estimation		Steve</a:t>
+            </a:r>
+            <a:br>
+              <a:rPr lang="en-US" dirty="0">
+                <a:solidFill>
+                  <a:schemeClr val="bg1">
+                    <a:lumMod val="50000"/>
+                  </a:schemeClr>
+                </a:solidFill>
+              </a:rPr>
+            </a:br>
+            <a:r>
+              <a:rPr lang="en-US" dirty="0">
+                <a:solidFill>
+                  <a:schemeClr val="bg1">
+                    <a:lumMod val="50000"/>
+                  </a:schemeClr>
+                </a:solidFill>
+              </a:rPr>
+              <a:t>		Part 5b: Creating GARCH Models</a:t>
+            </a:r>
+          </a:p>
+          <a:p>
+            <a:r>
+              <a:rPr lang="en-US" b="1" dirty="0"/>
+              <a:t>1145 – 1230 	Part 6a: Direct attempts at machine learning		Eunice</a:t>
+            </a:r>
+            <a:br>
+              <a:rPr lang="en-US" b="1" dirty="0"/>
+            </a:br>
+            <a:r>
+              <a:rPr lang="en-US" b="1" dirty="0"/>
+              <a:t>		Part 6b: Combining methods				Steve</a:t>
+            </a:r>
+          </a:p>
+          <a:p>
+            <a:r>
+              <a:rPr lang="en-US" dirty="0"/>
+              <a:t>1230 – 1300	Conclusion and Q&amp;A					Steve/Eunice</a:t>
+            </a:r>
+          </a:p>
+        </p:txBody>
+      </p:sp>
+    </p:spTree>
+    <p:extLst>
+      <p:ext uri="{BB962C8B-B14F-4D97-AF65-F5344CB8AC3E}">
+        <p14:creationId xmlns:p14="http://schemas.microsoft.com/office/powerpoint/2010/main" val="4210437077"/>
+      </p:ext>
+    </p:extLst>
+  </p:cSld>
+  <p:clrMapOvr>
+    <a:masterClrMapping/>
+  </p:clrMapOvr>
+</p:sld>
+</file>
+
+<file path=ppt/slides/slide25.xml><?xml version="1.0" encoding="utf-8"?>
+<p:sld xmlns:a="http://schemas.openxmlformats.org/drawingml/2006/main" xmlns:r="http://schemas.openxmlformats.org/officeDocument/2006/relationships" xmlns:p="http://schemas.openxmlformats.org/presentationml/2006/main">
+  <p:cSld>
+    <p:spTree>
+      <p:nvGrpSpPr>
+        <p:cNvPr id="1" name=""/>
+        <p:cNvGrpSpPr/>
+        <p:nvPr/>
+      </p:nvGrpSpPr>
+      <p:grpSpPr>
+        <a:xfrm>
+          <a:off x="0" y="0"/>
+          <a:ext cx="0" cy="0"/>
+          <a:chOff x="0" y="0"/>
+          <a:chExt cx="0" cy="0"/>
+        </a:xfrm>
+      </p:grpSpPr>
+      <p:sp>
+        <p:nvSpPr>
+          <p:cNvPr id="2" name="Title 1">
+            <a:extLst>
+              <a:ext uri="{FF2B5EF4-FFF2-40B4-BE49-F238E27FC236}">
+                <a16:creationId xmlns:a16="http://schemas.microsoft.com/office/drawing/2014/main" id="{47C3E73E-EF4A-EC4E-A07C-60FDD83753F0}"/>
+              </a:ext>
+            </a:extLst>
+          </p:cNvPr>
+          <p:cNvSpPr>
+            <a:spLocks noGrp="1"/>
+          </p:cNvSpPr>
+          <p:nvPr>
+            <p:ph type="title"/>
+          </p:nvPr>
+        </p:nvSpPr>
+        <p:spPr/>
+        <p:txBody>
+          <a:bodyPr/>
+          <a:lstStyle/>
+          <a:p>
+            <a:r>
+              <a:rPr lang="en-US" dirty="0"/>
+              <a:t>Workshop Overview and Timeline</a:t>
+            </a:r>
+          </a:p>
+        </p:txBody>
+      </p:sp>
+      <p:sp>
+        <p:nvSpPr>
+          <p:cNvPr id="3" name="Text Placeholder 2">
+            <a:extLst>
+              <a:ext uri="{FF2B5EF4-FFF2-40B4-BE49-F238E27FC236}">
+                <a16:creationId xmlns:a16="http://schemas.microsoft.com/office/drawing/2014/main" id="{0D2FCA61-01E6-6B4E-8840-9B8B75A969E2}"/>
+              </a:ext>
+            </a:extLst>
+          </p:cNvPr>
+          <p:cNvSpPr>
+            <a:spLocks noGrp="1"/>
+          </p:cNvSpPr>
+          <p:nvPr>
+            <p:ph type="body" sz="quarter" idx="10"/>
+          </p:nvPr>
+        </p:nvSpPr>
+        <p:spPr>
+          <a:xfrm>
+            <a:off x="1191811" y="1385566"/>
+            <a:ext cx="11433977" cy="5945217"/>
+          </a:xfrm>
+        </p:spPr>
+        <p:txBody>
+          <a:bodyPr/>
+          <a:lstStyle/>
+          <a:p>
+            <a:r>
+              <a:rPr lang="en-US" dirty="0">
+                <a:solidFill>
+                  <a:schemeClr val="bg1">
+                    <a:lumMod val="50000"/>
+                  </a:schemeClr>
+                </a:solidFill>
+              </a:rPr>
+              <a:t>0900 – 0915	Introductions, Setting up the environment and project background</a:t>
+            </a:r>
+          </a:p>
+          <a:p>
+            <a:r>
+              <a:rPr lang="en-US" dirty="0">
+                <a:solidFill>
+                  <a:schemeClr val="bg1">
+                    <a:lumMod val="50000"/>
+                  </a:schemeClr>
+                </a:solidFill>
+              </a:rPr>
+              <a:t>0915 – 0945	Part 1: Working with return data in Python			Eunice</a:t>
+            </a:r>
+            <a:br>
+              <a:rPr lang="en-US" dirty="0">
+                <a:solidFill>
+                  <a:schemeClr val="bg1">
+                    <a:lumMod val="50000"/>
+                  </a:schemeClr>
+                </a:solidFill>
+              </a:rPr>
+            </a:br>
+            <a:r>
+              <a:rPr lang="en-US" dirty="0">
+                <a:solidFill>
+                  <a:schemeClr val="bg1">
+                    <a:lumMod val="50000"/>
+                  </a:schemeClr>
+                </a:solidFill>
+              </a:rPr>
+              <a:t>		Part 2: Visualizing Timeseries Data</a:t>
+            </a:r>
+          </a:p>
+          <a:p>
+            <a:r>
+              <a:rPr lang="en-US" dirty="0">
+                <a:solidFill>
+                  <a:schemeClr val="bg1">
+                    <a:lumMod val="50000"/>
+                  </a:schemeClr>
+                </a:solidFill>
+              </a:rPr>
+              <a:t>0945 – 1000	Part 3: Setting up the Modeling Framework		Steve</a:t>
+            </a:r>
+          </a:p>
+          <a:p>
+            <a:r>
+              <a:rPr lang="en-US" dirty="0">
+                <a:solidFill>
+                  <a:schemeClr val="bg1">
+                    <a:lumMod val="50000"/>
+                  </a:schemeClr>
+                </a:solidFill>
+              </a:rPr>
+              <a:t>1000 – 1030 	Part 4a: Understanding Turbulence Signals		Steve</a:t>
+            </a:r>
+            <a:br>
+              <a:rPr lang="en-US" dirty="0">
+                <a:solidFill>
+                  <a:schemeClr val="bg1">
+                    <a:lumMod val="50000"/>
+                  </a:schemeClr>
+                </a:solidFill>
+              </a:rPr>
+            </a:br>
+            <a:r>
+              <a:rPr lang="en-US" dirty="0">
+                <a:solidFill>
+                  <a:schemeClr val="bg1">
+                    <a:lumMod val="50000"/>
+                  </a:schemeClr>
+                </a:solidFill>
+              </a:rPr>
+              <a:t>		Part 4b: Creating Turbulence Models	</a:t>
+            </a:r>
+          </a:p>
+          <a:p>
+            <a:r>
+              <a:rPr lang="en-US" dirty="0">
+                <a:solidFill>
+                  <a:schemeClr val="bg1">
+                    <a:lumMod val="50000"/>
+                  </a:schemeClr>
+                </a:solidFill>
+              </a:rPr>
+              <a:t>1030 – 1100	</a:t>
+            </a:r>
+            <a:r>
+              <a:rPr lang="en-US" b="1" dirty="0">
+                <a:solidFill>
+                  <a:schemeClr val="bg1">
+                    <a:lumMod val="50000"/>
+                  </a:schemeClr>
+                </a:solidFill>
+              </a:rPr>
+              <a:t>Break</a:t>
+            </a:r>
+          </a:p>
+          <a:p>
+            <a:r>
+              <a:rPr lang="en-US" dirty="0">
+                <a:solidFill>
+                  <a:schemeClr val="bg1">
+                    <a:lumMod val="50000"/>
+                  </a:schemeClr>
+                </a:solidFill>
+              </a:rPr>
+              <a:t>1100 – 1145	Part 5a: Understanding GARCH Estimation		Steve</a:t>
+            </a:r>
+            <a:br>
+              <a:rPr lang="en-US" dirty="0">
+                <a:solidFill>
+                  <a:schemeClr val="bg1">
+                    <a:lumMod val="50000"/>
+                  </a:schemeClr>
+                </a:solidFill>
+              </a:rPr>
+            </a:br>
+            <a:r>
+              <a:rPr lang="en-US" dirty="0">
+                <a:solidFill>
+                  <a:schemeClr val="bg1">
+                    <a:lumMod val="50000"/>
+                  </a:schemeClr>
+                </a:solidFill>
+              </a:rPr>
+              <a:t>		Part 5b: Creating GARCH Models</a:t>
+            </a:r>
+          </a:p>
+          <a:p>
+            <a:r>
+              <a:rPr lang="en-US" dirty="0">
+                <a:solidFill>
+                  <a:schemeClr val="bg1">
+                    <a:lumMod val="50000"/>
+                  </a:schemeClr>
+                </a:solidFill>
+              </a:rPr>
+              <a:t>1145 – 1230 	Part 6a: Direct attempts at machine learning		Eunice</a:t>
+            </a:r>
+            <a:br>
+              <a:rPr lang="en-US" dirty="0">
+                <a:solidFill>
+                  <a:schemeClr val="bg1">
+                    <a:lumMod val="50000"/>
+                  </a:schemeClr>
+                </a:solidFill>
+              </a:rPr>
+            </a:br>
+            <a:r>
+              <a:rPr lang="en-US" dirty="0">
+                <a:solidFill>
+                  <a:schemeClr val="bg1">
+                    <a:lumMod val="50000"/>
+                  </a:schemeClr>
+                </a:solidFill>
+              </a:rPr>
+              <a:t>		Part 6b: Combining methods				Steve</a:t>
+            </a:r>
+          </a:p>
+          <a:p>
+            <a:r>
+              <a:rPr lang="en-US" b="1" dirty="0"/>
+              <a:t>1230 – 1300	Conclusion and Q&amp;A					Steve/Eunice</a:t>
+            </a:r>
+          </a:p>
+        </p:txBody>
+      </p:sp>
+    </p:spTree>
+    <p:extLst>
+      <p:ext uri="{BB962C8B-B14F-4D97-AF65-F5344CB8AC3E}">
+        <p14:creationId xmlns:p14="http://schemas.microsoft.com/office/powerpoint/2010/main" val="1045391713"/>
       </p:ext>
     </p:extLst>
   </p:cSld>
@@ -9434,6 +16591,2655 @@
     <a:masterClrMapping/>
   </p:clrMapOvr>
 </p:sld>
+</file>
+
+<file path=ppt/slides/slide7.xml><?xml version="1.0" encoding="utf-8"?>
+<p:sld xmlns:a="http://schemas.openxmlformats.org/drawingml/2006/main" xmlns:r="http://schemas.openxmlformats.org/officeDocument/2006/relationships" xmlns:p="http://schemas.openxmlformats.org/presentationml/2006/main">
+  <p:cSld>
+    <p:spTree>
+      <p:nvGrpSpPr>
+        <p:cNvPr id="1" name=""/>
+        <p:cNvGrpSpPr/>
+        <p:nvPr/>
+      </p:nvGrpSpPr>
+      <p:grpSpPr>
+        <a:xfrm>
+          <a:off x="0" y="0"/>
+          <a:ext cx="0" cy="0"/>
+          <a:chOff x="0" y="0"/>
+          <a:chExt cx="0" cy="0"/>
+        </a:xfrm>
+      </p:grpSpPr>
+      <p:sp>
+        <p:nvSpPr>
+          <p:cNvPr id="2" name="Title 1">
+            <a:extLst>
+              <a:ext uri="{FF2B5EF4-FFF2-40B4-BE49-F238E27FC236}">
+                <a16:creationId xmlns:a16="http://schemas.microsoft.com/office/drawing/2014/main" id="{7B194B14-BA9F-424C-8F1A-D7EA917E5F7B}"/>
+              </a:ext>
+            </a:extLst>
+          </p:cNvPr>
+          <p:cNvSpPr>
+            <a:spLocks noGrp="1"/>
+          </p:cNvSpPr>
+          <p:nvPr>
+            <p:ph type="title"/>
+          </p:nvPr>
+        </p:nvSpPr>
+        <p:spPr/>
+        <p:txBody>
+          <a:bodyPr/>
+          <a:lstStyle/>
+          <a:p>
+            <a:r>
+              <a:rPr lang="en-US" dirty="0"/>
+              <a:t>Who is this Presentation For?</a:t>
+            </a:r>
+          </a:p>
+        </p:txBody>
+      </p:sp>
+      <p:sp>
+        <p:nvSpPr>
+          <p:cNvPr id="3" name="Text Placeholder 2">
+            <a:extLst>
+              <a:ext uri="{FF2B5EF4-FFF2-40B4-BE49-F238E27FC236}">
+                <a16:creationId xmlns:a16="http://schemas.microsoft.com/office/drawing/2014/main" id="{CC3FAC74-7A35-B144-8A29-3D34CB4687CE}"/>
+              </a:ext>
+            </a:extLst>
+          </p:cNvPr>
+          <p:cNvSpPr>
+            <a:spLocks noGrp="1"/>
+          </p:cNvSpPr>
+          <p:nvPr>
+            <p:ph type="body" sz="quarter" idx="10"/>
+          </p:nvPr>
+        </p:nvSpPr>
+        <p:spPr>
+          <a:xfrm>
+            <a:off x="480957" y="1437958"/>
+            <a:ext cx="11129796" cy="2831544"/>
+          </a:xfrm>
+        </p:spPr>
+        <p:txBody>
+          <a:bodyPr/>
+          <a:lstStyle/>
+          <a:p>
+            <a:r>
+              <a:rPr lang="en-US" b="1" dirty="0"/>
+              <a:t>Candidate Student #1: </a:t>
+            </a:r>
+            <a:r>
+              <a:rPr lang="en-US" dirty="0"/>
+              <a:t>Data Scientist with minimal Python experience</a:t>
+            </a:r>
+            <a:br>
+              <a:rPr lang="en-US" dirty="0"/>
+            </a:br>
+            <a:r>
+              <a:rPr lang="en-US" dirty="0"/>
+              <a:t>looking to:</a:t>
+            </a:r>
+          </a:p>
+          <a:p>
+            <a:pPr marL="342900" indent="-342900">
+              <a:buFont typeface="Arial" panose="020B0604020202020204" pitchFamily="34" charset="0"/>
+              <a:buChar char="•"/>
+            </a:pPr>
+            <a:r>
+              <a:rPr lang="en-US" dirty="0"/>
+              <a:t>Better understand how financial modelers think</a:t>
+            </a:r>
+          </a:p>
+          <a:p>
+            <a:pPr marL="342900" indent="-342900">
+              <a:buFont typeface="Arial" panose="020B0604020202020204" pitchFamily="34" charset="0"/>
+              <a:buChar char="•"/>
+            </a:pPr>
+            <a:r>
+              <a:rPr lang="en-US" dirty="0"/>
+              <a:t>Learn traditional financial/econometric modeling techniques for volatility</a:t>
+            </a:r>
+          </a:p>
+          <a:p>
+            <a:pPr marL="342900" indent="-342900">
+              <a:buFont typeface="Arial" panose="020B0604020202020204" pitchFamily="34" charset="0"/>
+              <a:buChar char="•"/>
+            </a:pPr>
+            <a:r>
+              <a:rPr lang="en-US" dirty="0"/>
+              <a:t>Understand the nuances that differentiate data science and trading model development</a:t>
+            </a:r>
+          </a:p>
+        </p:txBody>
+      </p:sp>
+      <p:sp>
+        <p:nvSpPr>
+          <p:cNvPr id="4" name="Text Placeholder 2">
+            <a:extLst>
+              <a:ext uri="{FF2B5EF4-FFF2-40B4-BE49-F238E27FC236}">
+                <a16:creationId xmlns:a16="http://schemas.microsoft.com/office/drawing/2014/main" id="{ACE761F4-A1FA-504D-BAE2-2DB1828E06A8}"/>
+              </a:ext>
+            </a:extLst>
+          </p:cNvPr>
+          <p:cNvSpPr txBox="1">
+            <a:spLocks/>
+          </p:cNvSpPr>
+          <p:nvPr/>
+        </p:nvSpPr>
+        <p:spPr bwMode="auto">
+          <a:xfrm>
+            <a:off x="480956" y="4445472"/>
+            <a:ext cx="11523201" cy="2831544"/>
+          </a:xfrm>
+          <a:prstGeom prst="rect">
+            <a:avLst/>
+          </a:prstGeom>
+          <a:noFill/>
+          <a:ln w="9525">
+            <a:noFill/>
+            <a:miter lim="800000"/>
+            <a:headEnd/>
+            <a:tailEnd/>
+          </a:ln>
+        </p:spPr>
+        <p:txBody>
+          <a:bodyPr vert="horz" wrap="square" lIns="0" tIns="0" rIns="0" bIns="0" numCol="1" anchor="t" anchorCtr="0" compatLnSpc="1">
+            <a:prstTxWarp prst="textNoShape">
+              <a:avLst/>
+            </a:prstTxWarp>
+            <a:spAutoFit/>
+          </a:bodyPr>
+          <a:lstStyle>
+            <a:lvl1pPr marL="0" indent="0" algn="l" defTabSz="1017588" rtl="0" eaLnBrk="1" fontAlgn="base" hangingPunct="1">
+              <a:lnSpc>
+                <a:spcPct val="100000"/>
+              </a:lnSpc>
+              <a:spcBef>
+                <a:spcPts val="2200"/>
+              </a:spcBef>
+              <a:spcAft>
+                <a:spcPts val="0"/>
+              </a:spcAft>
+              <a:buSzPct val="100000"/>
+              <a:buFont typeface="Arial" pitchFamily="34" charset="0"/>
+              <a:buNone/>
+              <a:defRPr sz="2150" kern="1200">
+                <a:solidFill>
+                  <a:schemeClr val="tx1"/>
+                </a:solidFill>
+                <a:latin typeface="Arial" pitchFamily="34" charset="0"/>
+                <a:ea typeface="+mn-ea"/>
+                <a:cs typeface="Arial" pitchFamily="34" charset="0"/>
+              </a:defRPr>
+            </a:lvl1pPr>
+            <a:lvl2pPr marL="198438" indent="-198438" algn="l" defTabSz="1017588" rtl="0" eaLnBrk="1" fontAlgn="base" hangingPunct="1">
+              <a:lnSpc>
+                <a:spcPct val="101000"/>
+              </a:lnSpc>
+              <a:spcBef>
+                <a:spcPts val="800"/>
+              </a:spcBef>
+              <a:spcAft>
+                <a:spcPts val="100"/>
+              </a:spcAft>
+              <a:buSzPct val="95000"/>
+              <a:buFont typeface="Arial" pitchFamily="34" charset="0"/>
+              <a:buChar char="•"/>
+              <a:defRPr sz="1850" kern="1200">
+                <a:solidFill>
+                  <a:schemeClr val="tx1"/>
+                </a:solidFill>
+                <a:latin typeface="Arial" pitchFamily="34" charset="0"/>
+                <a:ea typeface="+mn-ea"/>
+                <a:cs typeface="Arial" pitchFamily="34" charset="0"/>
+              </a:defRPr>
+            </a:lvl2pPr>
+            <a:lvl3pPr marL="436563" indent="-198438" algn="l" defTabSz="1017588" rtl="0" eaLnBrk="1" fontAlgn="base" hangingPunct="1">
+              <a:lnSpc>
+                <a:spcPct val="101000"/>
+              </a:lnSpc>
+              <a:spcBef>
+                <a:spcPts val="300"/>
+              </a:spcBef>
+              <a:spcAft>
+                <a:spcPts val="100"/>
+              </a:spcAft>
+              <a:buSzPct val="95000"/>
+              <a:buFont typeface="Arial" pitchFamily="34" charset="0"/>
+              <a:buChar char="–"/>
+              <a:defRPr sz="1850" kern="1200">
+                <a:solidFill>
+                  <a:schemeClr val="tx1"/>
+                </a:solidFill>
+                <a:latin typeface="Arial" pitchFamily="34" charset="0"/>
+                <a:ea typeface="+mn-ea"/>
+                <a:cs typeface="Arial" pitchFamily="34" charset="0"/>
+              </a:defRPr>
+            </a:lvl3pPr>
+            <a:lvl4pPr marL="649288" indent="-179388" algn="l" defTabSz="1017588" rtl="0" eaLnBrk="1" fontAlgn="base" hangingPunct="1">
+              <a:lnSpc>
+                <a:spcPct val="101000"/>
+              </a:lnSpc>
+              <a:spcBef>
+                <a:spcPts val="300"/>
+              </a:spcBef>
+              <a:spcAft>
+                <a:spcPts val="100"/>
+              </a:spcAft>
+              <a:buSzPct val="95000"/>
+              <a:buFont typeface="Arial" pitchFamily="34" charset="0"/>
+              <a:buChar char="•"/>
+              <a:defRPr sz="1850" kern="1200">
+                <a:solidFill>
+                  <a:schemeClr val="tx1"/>
+                </a:solidFill>
+                <a:latin typeface="Arial" pitchFamily="34" charset="0"/>
+                <a:ea typeface="+mn-ea"/>
+                <a:cs typeface="Arial" pitchFamily="34" charset="0"/>
+              </a:defRPr>
+            </a:lvl4pPr>
+            <a:lvl5pPr marL="2292350" indent="-254000" algn="l" defTabSz="1017588" rtl="0" eaLnBrk="1" fontAlgn="base" hangingPunct="1">
+              <a:spcBef>
+                <a:spcPct val="20000"/>
+              </a:spcBef>
+              <a:spcAft>
+                <a:spcPct val="0"/>
+              </a:spcAft>
+              <a:buFont typeface="Arial" pitchFamily="34" charset="0"/>
+              <a:buChar char="»"/>
+              <a:defRPr sz="2200" kern="1200">
+                <a:solidFill>
+                  <a:schemeClr val="tx1"/>
+                </a:solidFill>
+                <a:latin typeface="Arial" pitchFamily="34" charset="0"/>
+                <a:ea typeface="+mn-ea"/>
+                <a:cs typeface="Arial" pitchFamily="34" charset="0"/>
+              </a:defRPr>
+            </a:lvl5pPr>
+            <a:lvl6pPr marL="2801767" indent="-254706" algn="l" defTabSz="1018824" rtl="0" eaLnBrk="1" latinLnBrk="0" hangingPunct="1">
+              <a:spcBef>
+                <a:spcPct val="20000"/>
+              </a:spcBef>
+              <a:buFont typeface="Arial" pitchFamily="34" charset="0"/>
+              <a:buChar char="•"/>
+              <a:defRPr sz="2200" kern="1200">
+                <a:solidFill>
+                  <a:schemeClr val="tx1"/>
+                </a:solidFill>
+                <a:latin typeface="+mn-lt"/>
+                <a:ea typeface="+mn-ea"/>
+                <a:cs typeface="+mn-cs"/>
+              </a:defRPr>
+            </a:lvl6pPr>
+            <a:lvl7pPr marL="3311180" indent="-254706" algn="l" defTabSz="1018824" rtl="0" eaLnBrk="1" latinLnBrk="0" hangingPunct="1">
+              <a:spcBef>
+                <a:spcPct val="20000"/>
+              </a:spcBef>
+              <a:buFont typeface="Arial" pitchFamily="34" charset="0"/>
+              <a:buChar char="•"/>
+              <a:defRPr sz="2200" kern="1200">
+                <a:solidFill>
+                  <a:schemeClr val="tx1"/>
+                </a:solidFill>
+                <a:latin typeface="+mn-lt"/>
+                <a:ea typeface="+mn-ea"/>
+                <a:cs typeface="+mn-cs"/>
+              </a:defRPr>
+            </a:lvl7pPr>
+            <a:lvl8pPr marL="3820592" indent="-254706" algn="l" defTabSz="1018824" rtl="0" eaLnBrk="1" latinLnBrk="0" hangingPunct="1">
+              <a:spcBef>
+                <a:spcPct val="20000"/>
+              </a:spcBef>
+              <a:buFont typeface="Arial" pitchFamily="34" charset="0"/>
+              <a:buChar char="•"/>
+              <a:defRPr sz="2200" kern="1200">
+                <a:solidFill>
+                  <a:schemeClr val="tx1"/>
+                </a:solidFill>
+                <a:latin typeface="+mn-lt"/>
+                <a:ea typeface="+mn-ea"/>
+                <a:cs typeface="+mn-cs"/>
+              </a:defRPr>
+            </a:lvl8pPr>
+            <a:lvl9pPr marL="4330004" indent="-254706" algn="l" defTabSz="1018824" rtl="0" eaLnBrk="1" latinLnBrk="0" hangingPunct="1">
+              <a:spcBef>
+                <a:spcPct val="20000"/>
+              </a:spcBef>
+              <a:buFont typeface="Arial" pitchFamily="34" charset="0"/>
+              <a:buChar char="•"/>
+              <a:defRPr sz="2200" kern="1200">
+                <a:solidFill>
+                  <a:schemeClr val="tx1"/>
+                </a:solidFill>
+                <a:latin typeface="+mn-lt"/>
+                <a:ea typeface="+mn-ea"/>
+                <a:cs typeface="+mn-cs"/>
+              </a:defRPr>
+            </a:lvl9pPr>
+          </a:lstStyle>
+          <a:p>
+            <a:r>
+              <a:rPr lang="en-US" b="1" dirty="0"/>
+              <a:t>Candidate Student #2: </a:t>
+            </a:r>
+            <a:r>
+              <a:rPr lang="en-US" dirty="0"/>
+              <a:t>Finance professional with minimal data science</a:t>
+            </a:r>
+            <a:br>
+              <a:rPr lang="en-US" dirty="0"/>
+            </a:br>
+            <a:r>
+              <a:rPr lang="en-US" dirty="0"/>
+              <a:t>experience looking to:</a:t>
+            </a:r>
+          </a:p>
+          <a:p>
+            <a:pPr marL="342900" indent="-342900">
+              <a:buFont typeface="Arial" pitchFamily="34" charset="0"/>
+              <a:buChar char="•"/>
+            </a:pPr>
+            <a:r>
+              <a:rPr lang="en-US" dirty="0"/>
+              <a:t>Learn how to make the transition from </a:t>
+            </a:r>
+            <a:r>
+              <a:rPr lang="en-US" dirty="0" err="1"/>
+              <a:t>Matlab</a:t>
+            </a:r>
+            <a:r>
+              <a:rPr lang="en-US" dirty="0"/>
+              <a:t> to Python</a:t>
+            </a:r>
+          </a:p>
+          <a:p>
+            <a:pPr marL="342900" indent="-342900">
+              <a:buFont typeface="Arial" pitchFamily="34" charset="0"/>
+              <a:buChar char="•"/>
+            </a:pPr>
+            <a:r>
+              <a:rPr lang="en-US" dirty="0"/>
+              <a:t>Learn how to leverage financial domain knowledge to better empower</a:t>
+            </a:r>
+            <a:br>
+              <a:rPr lang="en-US" dirty="0"/>
+            </a:br>
+            <a:r>
+              <a:rPr lang="en-US" dirty="0"/>
+              <a:t>data science</a:t>
+            </a:r>
+          </a:p>
+          <a:p>
+            <a:pPr marL="342900" indent="-342900">
+              <a:buFont typeface="Arial" pitchFamily="34" charset="0"/>
+              <a:buChar char="•"/>
+            </a:pPr>
+            <a:r>
+              <a:rPr lang="en-US" dirty="0"/>
+              <a:t>Avoid the pitfalls casual quants make when leveraging more powerful modeling techniques</a:t>
+            </a:r>
+          </a:p>
+        </p:txBody>
+      </p:sp>
+      <p:grpSp>
+        <p:nvGrpSpPr>
+          <p:cNvPr id="7" name="Group 6">
+            <a:extLst>
+              <a:ext uri="{FF2B5EF4-FFF2-40B4-BE49-F238E27FC236}">
+                <a16:creationId xmlns:a16="http://schemas.microsoft.com/office/drawing/2014/main" id="{38B8493E-8530-8943-84BA-34DFABEB5201}"/>
+              </a:ext>
+            </a:extLst>
+          </p:cNvPr>
+          <p:cNvGrpSpPr/>
+          <p:nvPr/>
+        </p:nvGrpSpPr>
+        <p:grpSpPr>
+          <a:xfrm>
+            <a:off x="10095913" y="4445472"/>
+            <a:ext cx="3029680" cy="2022314"/>
+            <a:chOff x="1198522" y="3347304"/>
+            <a:chExt cx="3810000" cy="2543176"/>
+          </a:xfrm>
+          <a:effectLst>
+            <a:outerShdw blurRad="50800" dist="38100" dir="2700000" algn="tl" rotWithShape="0">
+              <a:prstClr val="black">
+                <a:alpha val="40000"/>
+              </a:prstClr>
+            </a:outerShdw>
+          </a:effectLst>
+        </p:grpSpPr>
+        <p:pic>
+          <p:nvPicPr>
+            <p:cNvPr id="9" name="Picture 3" descr="C:\Users\e437819\AppData\Local\Microsoft\Windows\Temporary Internet Files\Content.IE5\NDH0PBKD\12345[1].jpg">
+              <a:extLst>
+                <a:ext uri="{FF2B5EF4-FFF2-40B4-BE49-F238E27FC236}">
+                  <a16:creationId xmlns:a16="http://schemas.microsoft.com/office/drawing/2014/main" id="{2EFE5273-636D-EF42-985E-E1B0CE7CD8F4}"/>
+                </a:ext>
+              </a:extLst>
+            </p:cNvPr>
+            <p:cNvPicPr>
+              <a:picLocks noChangeAspect="1" noChangeArrowheads="1"/>
+            </p:cNvPicPr>
+            <p:nvPr/>
+          </p:nvPicPr>
+          <p:blipFill>
+            <a:blip r:embed="rId2" cstate="print">
+              <a:extLst>
+                <a:ext uri="{BEBA8EAE-BF5A-486C-A8C5-ECC9F3942E4B}">
+                  <a14:imgProps xmlns:a14="http://schemas.microsoft.com/office/drawing/2010/main">
+                    <a14:imgLayer r:embed="rId3">
+                      <a14:imgEffect>
+                        <a14:sharpenSoften amount="-62000"/>
+                      </a14:imgEffect>
+                    </a14:imgLayer>
+                  </a14:imgProps>
+                </a:ext>
+                <a:ext uri="{28A0092B-C50C-407E-A947-70E740481C1C}">
+                  <a14:useLocalDpi xmlns:a14="http://schemas.microsoft.com/office/drawing/2010/main" val="0"/>
+                </a:ext>
+              </a:extLst>
+            </a:blip>
+            <a:srcRect/>
+            <a:stretch>
+              <a:fillRect/>
+            </a:stretch>
+          </p:blipFill>
+          <p:spPr bwMode="auto">
+            <a:xfrm>
+              <a:off x="1198522" y="3347304"/>
+              <a:ext cx="3810000" cy="2543176"/>
+            </a:xfrm>
+            <a:prstGeom prst="rect">
+              <a:avLst/>
+            </a:prstGeom>
+            <a:noFill/>
+            <a:extLst>
+              <a:ext uri="{909E8E84-426E-40DD-AFC4-6F175D3DCCD1}">
+                <a14:hiddenFill xmlns:a14="http://schemas.microsoft.com/office/drawing/2010/main">
+                  <a:solidFill>
+                    <a:srgbClr val="FFFFFF"/>
+                  </a:solidFill>
+                </a14:hiddenFill>
+              </a:ext>
+            </a:extLst>
+          </p:spPr>
+        </p:pic>
+        <p:pic>
+          <p:nvPicPr>
+            <p:cNvPr id="10" name="Picture 2" descr="C:\Users\e437819\AppData\Local\Microsoft\Windows\Temporary Internet Files\Content.IE5\3ND5UAKZ\businesswoman[1].jpg">
+              <a:extLst>
+                <a:ext uri="{FF2B5EF4-FFF2-40B4-BE49-F238E27FC236}">
+                  <a16:creationId xmlns:a16="http://schemas.microsoft.com/office/drawing/2014/main" id="{0ED923C9-0083-B74F-B71C-827CE256FA67}"/>
+                </a:ext>
+              </a:extLst>
+            </p:cNvPr>
+            <p:cNvPicPr>
+              <a:picLocks noChangeAspect="1" noChangeArrowheads="1"/>
+            </p:cNvPicPr>
+            <p:nvPr/>
+          </p:nvPicPr>
+          <p:blipFill>
+            <a:blip r:embed="rId4" cstate="print">
+              <a:extLst>
+                <a:ext uri="{BEBA8EAE-BF5A-486C-A8C5-ECC9F3942E4B}">
+                  <a14:imgProps xmlns:a14="http://schemas.microsoft.com/office/drawing/2010/main">
+                    <a14:imgLayer r:embed="rId5">
+                      <a14:imgEffect>
+                        <a14:backgroundRemoval t="3274" b="100000" l="9942" r="89474">
+                          <a14:foregroundMark x1="45322" y1="80952" x2="45322" y2="80952"/>
+                          <a14:foregroundMark x1="44444" y1="79762" x2="45029" y2="85119"/>
+                          <a14:foregroundMark x1="45029" y1="93452" x2="45029" y2="93452"/>
+                          <a14:foregroundMark x1="37719" y1="67262" x2="37719" y2="67262"/>
+                          <a14:foregroundMark x1="35965" y1="63690" x2="35965" y2="63690"/>
+                          <a14:foregroundMark x1="35965" y1="61012" x2="35965" y2="61012"/>
+                          <a14:foregroundMark x1="31871" y1="77381" x2="31871" y2="77381"/>
+                          <a14:foregroundMark x1="32749" y1="73214" x2="32749" y2="73214"/>
+                          <a14:foregroundMark x1="32749" y1="70833" x2="32749" y2="70833"/>
+                          <a14:foregroundMark x1="33626" y1="67262" x2="33626" y2="67262"/>
+                          <a14:foregroundMark x1="35088" y1="64583" x2="35088" y2="64583"/>
+                          <a14:foregroundMark x1="66374" y1="3869" x2="66374" y2="3869"/>
+                          <a14:foregroundMark x1="46199" y1="97917" x2="46199" y2="97917"/>
+                          <a14:foregroundMark x1="42398" y1="96131" x2="42398" y2="96131"/>
+                        </a14:backgroundRemoval>
+                      </a14:imgEffect>
+                    </a14:imgLayer>
+                  </a14:imgProps>
+                </a:ext>
+                <a:ext uri="{28A0092B-C50C-407E-A947-70E740481C1C}">
+                  <a14:useLocalDpi xmlns:a14="http://schemas.microsoft.com/office/drawing/2010/main" val="0"/>
+                </a:ext>
+              </a:extLst>
+            </a:blip>
+            <a:srcRect/>
+            <a:stretch>
+              <a:fillRect/>
+            </a:stretch>
+          </p:blipFill>
+          <p:spPr bwMode="auto">
+            <a:xfrm>
+              <a:off x="1427122" y="3473415"/>
+              <a:ext cx="2460226" cy="2417065"/>
+            </a:xfrm>
+            <a:prstGeom prst="rect">
+              <a:avLst/>
+            </a:prstGeom>
+            <a:noFill/>
+            <a:extLst>
+              <a:ext uri="{909E8E84-426E-40DD-AFC4-6F175D3DCCD1}">
+                <a14:hiddenFill xmlns:a14="http://schemas.microsoft.com/office/drawing/2010/main">
+                  <a:solidFill>
+                    <a:srgbClr val="FFFFFF"/>
+                  </a:solidFill>
+                </a14:hiddenFill>
+              </a:ext>
+            </a:extLst>
+          </p:spPr>
+        </p:pic>
+      </p:grpSp>
+      <p:pic>
+        <p:nvPicPr>
+          <p:cNvPr id="8" name="Picture 9" descr="C:\Users\e437819\AppData\Local\Microsoft\Windows\Temporary Internet Files\Content.IE5\5TRHGX69\OperatingSystemsandSystemProgrammingFall_1438252956[1].jpg">
+            <a:extLst>
+              <a:ext uri="{FF2B5EF4-FFF2-40B4-BE49-F238E27FC236}">
+                <a16:creationId xmlns:a16="http://schemas.microsoft.com/office/drawing/2014/main" id="{9797373B-DA1D-7D47-988E-84C594010B2A}"/>
+              </a:ext>
+            </a:extLst>
+          </p:cNvPr>
+          <p:cNvPicPr>
+            <a:picLocks noChangeAspect="1" noChangeArrowheads="1"/>
+          </p:cNvPicPr>
+          <p:nvPr/>
+        </p:nvPicPr>
+        <p:blipFill>
+          <a:blip r:embed="rId6" cstate="print">
+            <a:extLst>
+              <a:ext uri="{28A0092B-C50C-407E-A947-70E740481C1C}">
+                <a14:useLocalDpi xmlns:a14="http://schemas.microsoft.com/office/drawing/2010/main" val="0"/>
+              </a:ext>
+            </a:extLst>
+          </a:blip>
+          <a:srcRect/>
+          <a:stretch>
+            <a:fillRect/>
+          </a:stretch>
+        </p:blipFill>
+        <p:spPr bwMode="auto">
+          <a:xfrm>
+            <a:off x="10133665" y="1442368"/>
+            <a:ext cx="3029680" cy="1937930"/>
+          </a:xfrm>
+          <a:prstGeom prst="rect">
+            <a:avLst/>
+          </a:prstGeom>
+          <a:noFill/>
+          <a:effectLst>
+            <a:outerShdw blurRad="50800" dist="38100" dir="2700000" algn="tl" rotWithShape="0">
+              <a:prstClr val="black">
+                <a:alpha val="40000"/>
+              </a:prstClr>
+            </a:outerShdw>
+          </a:effectLst>
+          <a:extLst>
+            <a:ext uri="{909E8E84-426E-40DD-AFC4-6F175D3DCCD1}">
+              <a14:hiddenFill xmlns:a14="http://schemas.microsoft.com/office/drawing/2010/main">
+                <a:solidFill>
+                  <a:srgbClr val="FFFFFF"/>
+                </a:solidFill>
+              </a14:hiddenFill>
+            </a:ext>
+          </a:extLst>
+        </p:spPr>
+      </p:pic>
+    </p:spTree>
+    <p:extLst>
+      <p:ext uri="{BB962C8B-B14F-4D97-AF65-F5344CB8AC3E}">
+        <p14:creationId xmlns:p14="http://schemas.microsoft.com/office/powerpoint/2010/main" val="956847325"/>
+      </p:ext>
+    </p:extLst>
+  </p:cSld>
+  <p:clrMapOvr>
+    <a:masterClrMapping/>
+  </p:clrMapOvr>
+</p:sld>
+</file>
+
+<file path=ppt/slides/slide8.xml><?xml version="1.0" encoding="utf-8"?>
+<p:sld xmlns:a="http://schemas.openxmlformats.org/drawingml/2006/main" xmlns:r="http://schemas.openxmlformats.org/officeDocument/2006/relationships" xmlns:p="http://schemas.openxmlformats.org/presentationml/2006/main">
+  <p:cSld>
+    <p:spTree>
+      <p:nvGrpSpPr>
+        <p:cNvPr id="1" name=""/>
+        <p:cNvGrpSpPr/>
+        <p:nvPr/>
+      </p:nvGrpSpPr>
+      <p:grpSpPr>
+        <a:xfrm>
+          <a:off x="0" y="0"/>
+          <a:ext cx="0" cy="0"/>
+          <a:chOff x="0" y="0"/>
+          <a:chExt cx="0" cy="0"/>
+        </a:xfrm>
+      </p:grpSpPr>
+      <p:sp>
+        <p:nvSpPr>
+          <p:cNvPr id="2" name="Title 1">
+            <a:extLst>
+              <a:ext uri="{FF2B5EF4-FFF2-40B4-BE49-F238E27FC236}">
+                <a16:creationId xmlns:a16="http://schemas.microsoft.com/office/drawing/2014/main" id="{C1CEA14A-5732-E145-BB5A-7A9C2A22D389}"/>
+              </a:ext>
+            </a:extLst>
+          </p:cNvPr>
+          <p:cNvSpPr>
+            <a:spLocks noGrp="1"/>
+          </p:cNvSpPr>
+          <p:nvPr>
+            <p:ph type="title"/>
+          </p:nvPr>
+        </p:nvSpPr>
+        <p:spPr/>
+        <p:txBody>
+          <a:bodyPr/>
+          <a:lstStyle/>
+          <a:p>
+            <a:r>
+              <a:rPr lang="en-US" dirty="0"/>
+              <a:t>Setting Up Your Environment</a:t>
+            </a:r>
+          </a:p>
+        </p:txBody>
+      </p:sp>
+      <p:sp>
+        <p:nvSpPr>
+          <p:cNvPr id="3" name="Text Placeholder 2">
+            <a:extLst>
+              <a:ext uri="{FF2B5EF4-FFF2-40B4-BE49-F238E27FC236}">
+                <a16:creationId xmlns:a16="http://schemas.microsoft.com/office/drawing/2014/main" id="{4F77FD18-D630-1346-B25D-5BDDDBD2823C}"/>
+              </a:ext>
+            </a:extLst>
+          </p:cNvPr>
+          <p:cNvSpPr>
+            <a:spLocks noGrp="1"/>
+          </p:cNvSpPr>
+          <p:nvPr>
+            <p:ph type="body" sz="quarter" idx="10"/>
+          </p:nvPr>
+        </p:nvSpPr>
+        <p:spPr>
+          <a:xfrm>
+            <a:off x="1190724" y="1661245"/>
+            <a:ext cx="11802262" cy="5711820"/>
+          </a:xfrm>
+        </p:spPr>
+        <p:txBody>
+          <a:bodyPr/>
+          <a:lstStyle/>
+          <a:p>
+            <a:r>
+              <a:rPr lang="en-US" dirty="0"/>
+              <a:t>If running on Google </a:t>
+            </a:r>
+            <a:r>
+              <a:rPr lang="en-US" dirty="0" err="1"/>
+              <a:t>Colab</a:t>
+            </a:r>
+            <a:r>
+              <a:rPr lang="en-US" dirty="0"/>
+              <a:t>, ensure you have a Google account then click on the “Open in </a:t>
+            </a:r>
+            <a:r>
+              <a:rPr lang="en-US" dirty="0" err="1"/>
+              <a:t>Colab</a:t>
+            </a:r>
+            <a:r>
+              <a:rPr lang="en-US" dirty="0"/>
+              <a:t>” link in the top of each notebook to get started.</a:t>
+            </a:r>
+          </a:p>
+          <a:p>
+            <a:r>
+              <a:rPr lang="en-US" dirty="0"/>
+              <a:t>Alternatively:</a:t>
+            </a:r>
+          </a:p>
+          <a:p>
+            <a:pPr marL="457200" indent="-457200">
+              <a:buFont typeface="+mj-lt"/>
+              <a:buAutoNum type="arabicPeriod"/>
+            </a:pPr>
+            <a:r>
+              <a:rPr lang="en-US" dirty="0"/>
+              <a:t>Register for </a:t>
+            </a:r>
+            <a:r>
+              <a:rPr lang="en-US" dirty="0" err="1"/>
+              <a:t>Github</a:t>
+            </a:r>
+            <a:r>
+              <a:rPr lang="en-US" dirty="0"/>
+              <a:t> and clone the project:</a:t>
+            </a:r>
+            <a:br>
+              <a:rPr lang="en-US" dirty="0"/>
+            </a:br>
+            <a:br>
+              <a:rPr lang="en-US" dirty="0"/>
+            </a:br>
+            <a:r>
+              <a:rPr lang="en-US" dirty="0">
+                <a:latin typeface="Courier New" panose="02070309020205020404" pitchFamily="49" charset="0"/>
+                <a:cs typeface="Courier New" panose="02070309020205020404" pitchFamily="49" charset="0"/>
+              </a:rPr>
+              <a:t>git clone </a:t>
+            </a:r>
+            <a:r>
+              <a:rPr lang="en-US" dirty="0">
+                <a:latin typeface="Courier New" panose="02070309020205020404" pitchFamily="49" charset="0"/>
+                <a:cs typeface="Courier New" panose="02070309020205020404" pitchFamily="49" charset="0"/>
+                <a:hlinkClick r:id="rId2"/>
+              </a:rPr>
+              <a:t>https://github.com/fintechsteve/modeling-volatility</a:t>
+            </a:r>
+            <a:endParaRPr lang="en-US" dirty="0"/>
+          </a:p>
+          <a:p>
+            <a:pPr marL="457200" indent="-457200">
+              <a:buFont typeface="+mj-lt"/>
+              <a:buAutoNum type="arabicPeriod"/>
+            </a:pPr>
+            <a:r>
+              <a:rPr lang="en-US" dirty="0"/>
+              <a:t>Create a new environment (if you don’t have it, now is a good time to get from </a:t>
+            </a:r>
+            <a:r>
+              <a:rPr lang="en-US" dirty="0">
+                <a:hlinkClick r:id="rId3"/>
+              </a:rPr>
+              <a:t>anaconda.org</a:t>
+            </a:r>
+            <a:r>
+              <a:rPr lang="en-US" dirty="0"/>
+              <a:t>)</a:t>
+            </a:r>
+            <a:br>
+              <a:rPr lang="en-US" dirty="0"/>
+            </a:br>
+            <a:br>
+              <a:rPr lang="en-US" dirty="0"/>
+            </a:br>
+            <a:r>
+              <a:rPr lang="it" dirty="0">
+                <a:latin typeface="Courier New" panose="02070309020205020404" pitchFamily="49" charset="0"/>
+                <a:cs typeface="Courier New" panose="02070309020205020404" pitchFamily="49" charset="0"/>
+              </a:rPr>
+              <a:t>conda create -n odsc-volatility python=3.6</a:t>
+            </a:r>
+            <a:br>
+              <a:rPr lang="it" dirty="0">
+                <a:latin typeface="Courier New" panose="02070309020205020404" pitchFamily="49" charset="0"/>
+                <a:cs typeface="Courier New" panose="02070309020205020404" pitchFamily="49" charset="0"/>
+              </a:rPr>
+            </a:br>
+            <a:r>
+              <a:rPr lang="en-US" dirty="0">
+                <a:latin typeface="Courier New" panose="02070309020205020404" pitchFamily="49" charset="0"/>
+                <a:cs typeface="Courier New" panose="02070309020205020404" pitchFamily="49" charset="0"/>
+              </a:rPr>
+              <a:t>source activate </a:t>
+            </a:r>
+            <a:r>
+              <a:rPr lang="en-US" dirty="0" err="1">
+                <a:latin typeface="Courier New" panose="02070309020205020404" pitchFamily="49" charset="0"/>
+                <a:cs typeface="Courier New" panose="02070309020205020404" pitchFamily="49" charset="0"/>
+              </a:rPr>
+              <a:t>odsc</a:t>
+            </a:r>
+            <a:r>
+              <a:rPr lang="en-US" dirty="0">
+                <a:latin typeface="Courier New" panose="02070309020205020404" pitchFamily="49" charset="0"/>
+                <a:cs typeface="Courier New" panose="02070309020205020404" pitchFamily="49" charset="0"/>
+              </a:rPr>
+              <a:t>-volatility</a:t>
+            </a:r>
+            <a:br>
+              <a:rPr lang="en-US" dirty="0">
+                <a:latin typeface="Courier New" panose="02070309020205020404" pitchFamily="49" charset="0"/>
+                <a:cs typeface="Courier New" panose="02070309020205020404" pitchFamily="49" charset="0"/>
+              </a:rPr>
+            </a:br>
+            <a:r>
+              <a:rPr lang="en-US" dirty="0">
+                <a:latin typeface="Courier New" panose="02070309020205020404" pitchFamily="49" charset="0"/>
+                <a:cs typeface="Courier New" panose="02070309020205020404" pitchFamily="49" charset="0"/>
+              </a:rPr>
+              <a:t>pip install -r </a:t>
+            </a:r>
+            <a:r>
+              <a:rPr lang="en-US" dirty="0" err="1">
+                <a:latin typeface="Courier New" panose="02070309020205020404" pitchFamily="49" charset="0"/>
+                <a:cs typeface="Courier New" panose="02070309020205020404" pitchFamily="49" charset="0"/>
+              </a:rPr>
+              <a:t>requirements.txt</a:t>
+            </a:r>
+            <a:endParaRPr lang="en-US" dirty="0"/>
+          </a:p>
+          <a:p>
+            <a:pPr marL="457200" indent="-457200">
+              <a:buFont typeface="+mj-lt"/>
+              <a:buAutoNum type="arabicPeriod"/>
+            </a:pPr>
+            <a:r>
+              <a:rPr lang="it" dirty="0"/>
+              <a:t>Launch Jupyter Notebooks: </a:t>
+            </a:r>
+            <a:r>
+              <a:rPr lang="en-US" dirty="0" err="1">
+                <a:latin typeface="Courier New" panose="02070309020205020404" pitchFamily="49" charset="0"/>
+                <a:cs typeface="Courier New" panose="02070309020205020404" pitchFamily="49" charset="0"/>
+              </a:rPr>
+              <a:t>jupyter</a:t>
+            </a:r>
+            <a:r>
+              <a:rPr lang="en-US" dirty="0">
+                <a:latin typeface="Courier New" panose="02070309020205020404" pitchFamily="49" charset="0"/>
+                <a:cs typeface="Courier New" panose="02070309020205020404" pitchFamily="49" charset="0"/>
+              </a:rPr>
+              <a:t> notebook</a:t>
+            </a:r>
+            <a:endParaRPr lang="it" dirty="0">
+              <a:latin typeface="Courier New" panose="02070309020205020404" pitchFamily="49" charset="0"/>
+              <a:cs typeface="Courier New" panose="02070309020205020404" pitchFamily="49" charset="0"/>
+            </a:endParaRPr>
+          </a:p>
+          <a:p>
+            <a:pPr marL="457200" indent="-457200">
+              <a:buFont typeface="+mj-lt"/>
+              <a:buAutoNum type="arabicPeriod"/>
+            </a:pPr>
+            <a:r>
+              <a:rPr lang="it" dirty="0"/>
+              <a:t>If successful, you should be able to run the commands for Part 1 in your browser.</a:t>
+            </a:r>
+            <a:endParaRPr lang="en-US" dirty="0"/>
+          </a:p>
+        </p:txBody>
+      </p:sp>
+      <p:pic>
+        <p:nvPicPr>
+          <p:cNvPr id="4" name="Graphic 3">
+            <a:extLst>
+              <a:ext uri="{FF2B5EF4-FFF2-40B4-BE49-F238E27FC236}">
+                <a16:creationId xmlns:a16="http://schemas.microsoft.com/office/drawing/2014/main" id="{470D63F7-FCDF-E54A-80FF-CDCEA4175B97}"/>
+              </a:ext>
+            </a:extLst>
+          </p:cNvPr>
+          <p:cNvPicPr>
+            <a:picLocks noChangeAspect="1"/>
+          </p:cNvPicPr>
+          <p:nvPr/>
+        </p:nvPicPr>
+        <p:blipFill>
+          <a:blip r:embed="rId4">
+            <a:extLst>
+              <a:ext uri="{28A0092B-C50C-407E-A947-70E740481C1C}">
+                <a14:useLocalDpi xmlns:a14="http://schemas.microsoft.com/office/drawing/2010/main" val="0"/>
+              </a:ext>
+              <a:ext uri="{96DAC541-7B7A-43D3-8B79-37D633B846F1}">
+                <asvg:svgBlip xmlns:asvg="http://schemas.microsoft.com/office/drawing/2016/SVG/main" r:embed="rId5"/>
+              </a:ext>
+            </a:extLst>
+          </a:blip>
+          <a:stretch>
+            <a:fillRect/>
+          </a:stretch>
+        </p:blipFill>
+        <p:spPr>
+          <a:xfrm>
+            <a:off x="11317234" y="2109439"/>
+            <a:ext cx="1675752" cy="1675752"/>
+          </a:xfrm>
+          <a:prstGeom prst="rect">
+            <a:avLst/>
+          </a:prstGeom>
+        </p:spPr>
+      </p:pic>
+    </p:spTree>
+    <p:extLst>
+      <p:ext uri="{BB962C8B-B14F-4D97-AF65-F5344CB8AC3E}">
+        <p14:creationId xmlns:p14="http://schemas.microsoft.com/office/powerpoint/2010/main" val="2747379404"/>
+      </p:ext>
+    </p:extLst>
+  </p:cSld>
+  <p:clrMapOvr>
+    <a:masterClrMapping/>
+  </p:clrMapOvr>
+</p:sld>
+</file>
+
+<file path=ppt/slides/slide9.xml><?xml version="1.0" encoding="utf-8"?>
+<p:sld xmlns:a="http://schemas.openxmlformats.org/drawingml/2006/main" xmlns:r="http://schemas.openxmlformats.org/officeDocument/2006/relationships" xmlns:p="http://schemas.openxmlformats.org/presentationml/2006/main">
+  <p:cSld>
+    <p:spTree>
+      <p:nvGrpSpPr>
+        <p:cNvPr id="1" name=""/>
+        <p:cNvGrpSpPr/>
+        <p:nvPr/>
+      </p:nvGrpSpPr>
+      <p:grpSpPr>
+        <a:xfrm>
+          <a:off x="0" y="0"/>
+          <a:ext cx="0" cy="0"/>
+          <a:chOff x="0" y="0"/>
+          <a:chExt cx="0" cy="0"/>
+        </a:xfrm>
+      </p:grpSpPr>
+      <p:sp>
+        <p:nvSpPr>
+          <p:cNvPr id="2" name="Title 1">
+            <a:extLst>
+              <a:ext uri="{FF2B5EF4-FFF2-40B4-BE49-F238E27FC236}">
+                <a16:creationId xmlns:a16="http://schemas.microsoft.com/office/drawing/2014/main" id="{DE3F5383-F6A0-B94F-8800-B9522FD5CE55}"/>
+              </a:ext>
+            </a:extLst>
+          </p:cNvPr>
+          <p:cNvSpPr>
+            <a:spLocks noGrp="1"/>
+          </p:cNvSpPr>
+          <p:nvPr>
+            <p:ph type="title"/>
+          </p:nvPr>
+        </p:nvSpPr>
+        <p:spPr/>
+        <p:txBody>
+          <a:bodyPr/>
+          <a:lstStyle/>
+          <a:p>
+            <a:r>
+              <a:rPr lang="en-US" dirty="0"/>
+              <a:t>Background (While People Get Their Python Environments Set Up!)</a:t>
+            </a:r>
+          </a:p>
+        </p:txBody>
+      </p:sp>
+      <p:sp>
+        <p:nvSpPr>
+          <p:cNvPr id="4" name="Title 4">
+            <a:extLst>
+              <a:ext uri="{FF2B5EF4-FFF2-40B4-BE49-F238E27FC236}">
+                <a16:creationId xmlns:a16="http://schemas.microsoft.com/office/drawing/2014/main" id="{D1174C9D-8D57-BB44-A080-1C185A975E58}"/>
+              </a:ext>
+            </a:extLst>
+          </p:cNvPr>
+          <p:cNvSpPr txBox="1">
+            <a:spLocks/>
+          </p:cNvSpPr>
+          <p:nvPr/>
+        </p:nvSpPr>
+        <p:spPr bwMode="auto">
+          <a:xfrm>
+            <a:off x="3362937" y="1371600"/>
+            <a:ext cx="8226552" cy="301752"/>
+          </a:xfrm>
+          <a:prstGeom prst="rect">
+            <a:avLst/>
+          </a:prstGeom>
+          <a:noFill/>
+          <a:ln w="9525">
+            <a:noFill/>
+            <a:miter lim="800000"/>
+            <a:headEnd/>
+            <a:tailEnd/>
+          </a:ln>
+        </p:spPr>
+        <p:txBody>
+          <a:bodyPr vert="horz" wrap="square" lIns="0" tIns="0" rIns="0" bIns="0" numCol="1" anchor="b" anchorCtr="0" compatLnSpc="1">
+            <a:prstTxWarp prst="textNoShape">
+              <a:avLst/>
+            </a:prstTxWarp>
+            <a:spAutoFit/>
+          </a:bodyPr>
+          <a:lstStyle>
+            <a:lvl1pPr algn="l" defTabSz="1017588" rtl="0" eaLnBrk="1" fontAlgn="base" hangingPunct="1">
+              <a:lnSpc>
+                <a:spcPct val="97000"/>
+              </a:lnSpc>
+              <a:spcBef>
+                <a:spcPct val="0"/>
+              </a:spcBef>
+              <a:spcAft>
+                <a:spcPct val="0"/>
+              </a:spcAft>
+              <a:defRPr sz="2650" kern="1200">
+                <a:solidFill>
+                  <a:schemeClr val="bg1"/>
+                </a:solidFill>
+                <a:latin typeface="Arial" pitchFamily="34" charset="0"/>
+                <a:ea typeface="+mj-ea"/>
+                <a:cs typeface="Arial" pitchFamily="34" charset="0"/>
+              </a:defRPr>
+            </a:lvl1pPr>
+            <a:lvl2pPr algn="l" defTabSz="1017588" rtl="0" eaLnBrk="1" fontAlgn="base" hangingPunct="1">
+              <a:spcBef>
+                <a:spcPct val="0"/>
+              </a:spcBef>
+              <a:spcAft>
+                <a:spcPct val="0"/>
+              </a:spcAft>
+              <a:defRPr sz="2400">
+                <a:solidFill>
+                  <a:schemeClr val="bg1"/>
+                </a:solidFill>
+                <a:latin typeface="Arial" pitchFamily="34" charset="0"/>
+                <a:cs typeface="Arial" pitchFamily="34" charset="0"/>
+              </a:defRPr>
+            </a:lvl2pPr>
+            <a:lvl3pPr algn="l" defTabSz="1017588" rtl="0" eaLnBrk="1" fontAlgn="base" hangingPunct="1">
+              <a:spcBef>
+                <a:spcPct val="0"/>
+              </a:spcBef>
+              <a:spcAft>
+                <a:spcPct val="0"/>
+              </a:spcAft>
+              <a:defRPr sz="2400">
+                <a:solidFill>
+                  <a:schemeClr val="bg1"/>
+                </a:solidFill>
+                <a:latin typeface="Arial" pitchFamily="34" charset="0"/>
+                <a:cs typeface="Arial" pitchFamily="34" charset="0"/>
+              </a:defRPr>
+            </a:lvl3pPr>
+            <a:lvl4pPr algn="l" defTabSz="1017588" rtl="0" eaLnBrk="1" fontAlgn="base" hangingPunct="1">
+              <a:spcBef>
+                <a:spcPct val="0"/>
+              </a:spcBef>
+              <a:spcAft>
+                <a:spcPct val="0"/>
+              </a:spcAft>
+              <a:defRPr sz="2400">
+                <a:solidFill>
+                  <a:schemeClr val="bg1"/>
+                </a:solidFill>
+                <a:latin typeface="Arial" pitchFamily="34" charset="0"/>
+                <a:cs typeface="Arial" pitchFamily="34" charset="0"/>
+              </a:defRPr>
+            </a:lvl4pPr>
+            <a:lvl5pPr algn="l" defTabSz="1017588" rtl="0" eaLnBrk="1" fontAlgn="base" hangingPunct="1">
+              <a:spcBef>
+                <a:spcPct val="0"/>
+              </a:spcBef>
+              <a:spcAft>
+                <a:spcPct val="0"/>
+              </a:spcAft>
+              <a:defRPr sz="2400">
+                <a:solidFill>
+                  <a:schemeClr val="bg1"/>
+                </a:solidFill>
+                <a:latin typeface="Arial" pitchFamily="34" charset="0"/>
+                <a:cs typeface="Arial" pitchFamily="34" charset="0"/>
+              </a:defRPr>
+            </a:lvl5pPr>
+            <a:lvl6pPr marL="457200" algn="l" defTabSz="1017588" rtl="0" eaLnBrk="1" fontAlgn="base" hangingPunct="1">
+              <a:spcBef>
+                <a:spcPct val="0"/>
+              </a:spcBef>
+              <a:spcAft>
+                <a:spcPct val="0"/>
+              </a:spcAft>
+              <a:defRPr sz="2400">
+                <a:solidFill>
+                  <a:schemeClr val="bg1"/>
+                </a:solidFill>
+                <a:latin typeface="Arial" pitchFamily="34" charset="0"/>
+                <a:cs typeface="Arial" pitchFamily="34" charset="0"/>
+              </a:defRPr>
+            </a:lvl6pPr>
+            <a:lvl7pPr marL="914400" algn="l" defTabSz="1017588" rtl="0" eaLnBrk="1" fontAlgn="base" hangingPunct="1">
+              <a:spcBef>
+                <a:spcPct val="0"/>
+              </a:spcBef>
+              <a:spcAft>
+                <a:spcPct val="0"/>
+              </a:spcAft>
+              <a:defRPr sz="2400">
+                <a:solidFill>
+                  <a:schemeClr val="bg1"/>
+                </a:solidFill>
+                <a:latin typeface="Arial" pitchFamily="34" charset="0"/>
+                <a:cs typeface="Arial" pitchFamily="34" charset="0"/>
+              </a:defRPr>
+            </a:lvl7pPr>
+            <a:lvl8pPr marL="1371600" algn="l" defTabSz="1017588" rtl="0" eaLnBrk="1" fontAlgn="base" hangingPunct="1">
+              <a:spcBef>
+                <a:spcPct val="0"/>
+              </a:spcBef>
+              <a:spcAft>
+                <a:spcPct val="0"/>
+              </a:spcAft>
+              <a:defRPr sz="2400">
+                <a:solidFill>
+                  <a:schemeClr val="bg1"/>
+                </a:solidFill>
+                <a:latin typeface="Arial" pitchFamily="34" charset="0"/>
+                <a:cs typeface="Arial" pitchFamily="34" charset="0"/>
+              </a:defRPr>
+            </a:lvl8pPr>
+            <a:lvl9pPr marL="1828800" algn="l" defTabSz="1017588" rtl="0" eaLnBrk="1" fontAlgn="base" hangingPunct="1">
+              <a:spcBef>
+                <a:spcPct val="0"/>
+              </a:spcBef>
+              <a:spcAft>
+                <a:spcPct val="0"/>
+              </a:spcAft>
+              <a:defRPr sz="2400">
+                <a:solidFill>
+                  <a:schemeClr val="bg1"/>
+                </a:solidFill>
+                <a:latin typeface="Arial" pitchFamily="34" charset="0"/>
+                <a:cs typeface="Arial" pitchFamily="34" charset="0"/>
+              </a:defRPr>
+            </a:lvl9pPr>
+          </a:lstStyle>
+          <a:p>
+            <a:r>
+              <a:rPr lang="en-US"/>
+              <a:t>Why “The Third Culture”?</a:t>
+            </a:r>
+            <a:endParaRPr lang="en-US" dirty="0"/>
+          </a:p>
+        </p:txBody>
+      </p:sp>
+      <p:pic>
+        <p:nvPicPr>
+          <p:cNvPr id="5" name="Picture 2" descr="File:TheTwoCultures.jpg">
+            <a:hlinkClick r:id="rId2"/>
+            <a:extLst>
+              <a:ext uri="{FF2B5EF4-FFF2-40B4-BE49-F238E27FC236}">
+                <a16:creationId xmlns:a16="http://schemas.microsoft.com/office/drawing/2014/main" id="{ADB8507D-BBB1-C146-9F51-BDBC298B059C}"/>
+              </a:ext>
+            </a:extLst>
+          </p:cNvPr>
+          <p:cNvPicPr>
+            <a:picLocks noChangeAspect="1" noChangeArrowheads="1"/>
+          </p:cNvPicPr>
+          <p:nvPr/>
+        </p:nvPicPr>
+        <p:blipFill>
+          <a:blip r:embed="rId3">
+            <a:extLst>
+              <a:ext uri="{28A0092B-C50C-407E-A947-70E740481C1C}">
+                <a14:useLocalDpi xmlns:a14="http://schemas.microsoft.com/office/drawing/2010/main" val="0"/>
+              </a:ext>
+            </a:extLst>
+          </a:blip>
+          <a:srcRect/>
+          <a:stretch>
+            <a:fillRect/>
+          </a:stretch>
+        </p:blipFill>
+        <p:spPr bwMode="auto">
+          <a:xfrm>
+            <a:off x="1578732" y="1394078"/>
+            <a:ext cx="1757157" cy="2509274"/>
+          </a:xfrm>
+          <a:prstGeom prst="rect">
+            <a:avLst/>
+          </a:prstGeom>
+          <a:noFill/>
+          <a:effectLst>
+            <a:outerShdw blurRad="127000" dist="35921" dir="2700000" algn="ctr" rotWithShape="0">
+              <a:schemeClr val="tx1">
+                <a:lumMod val="50000"/>
+                <a:lumOff val="50000"/>
+              </a:schemeClr>
+            </a:outerShdw>
+          </a:effectLst>
+          <a:extLst>
+            <a:ext uri="{909E8E84-426E-40DD-AFC4-6F175D3DCCD1}">
+              <a14:hiddenFill xmlns:a14="http://schemas.microsoft.com/office/drawing/2010/main">
+                <a:solidFill>
+                  <a:srgbClr val="FFFFFF"/>
+                </a:solidFill>
+              </a14:hiddenFill>
+            </a:ext>
+          </a:extLst>
+        </p:spPr>
+      </p:pic>
+      <p:pic>
+        <p:nvPicPr>
+          <p:cNvPr id="6" name="Picture 3">
+            <a:extLst>
+              <a:ext uri="{FF2B5EF4-FFF2-40B4-BE49-F238E27FC236}">
+                <a16:creationId xmlns:a16="http://schemas.microsoft.com/office/drawing/2014/main" id="{DBE191CF-07BE-5846-BB62-BE69D0A0CAD1}"/>
+              </a:ext>
+            </a:extLst>
+          </p:cNvPr>
+          <p:cNvPicPr>
+            <a:picLocks noChangeAspect="1" noChangeArrowheads="1"/>
+          </p:cNvPicPr>
+          <p:nvPr/>
+        </p:nvPicPr>
+        <p:blipFill>
+          <a:blip r:embed="rId4" cstate="print">
+            <a:extLst>
+              <a:ext uri="{28A0092B-C50C-407E-A947-70E740481C1C}">
+                <a14:useLocalDpi xmlns:a14="http://schemas.microsoft.com/office/drawing/2010/main" val="0"/>
+              </a:ext>
+            </a:extLst>
+          </a:blip>
+          <a:srcRect/>
+          <a:stretch>
+            <a:fillRect/>
+          </a:stretch>
+        </p:blipFill>
+        <p:spPr bwMode="auto">
+          <a:xfrm>
+            <a:off x="5694566" y="1394077"/>
+            <a:ext cx="1940257" cy="2509275"/>
+          </a:xfrm>
+          <a:prstGeom prst="rect">
+            <a:avLst/>
+          </a:prstGeom>
+          <a:noFill/>
+          <a:ln>
+            <a:noFill/>
+          </a:ln>
+          <a:effectLst>
+            <a:outerShdw blurRad="127000" dist="35921" dir="2700000" algn="ctr" rotWithShape="0">
+              <a:schemeClr val="tx1">
+                <a:lumMod val="50000"/>
+                <a:lumOff val="50000"/>
+              </a:schemeClr>
+            </a:outerShdw>
+          </a:effectLst>
+          <a:extLst>
+            <a:ext uri="{909E8E84-426E-40DD-AFC4-6F175D3DCCD1}">
+              <a14:hiddenFill xmlns:a14="http://schemas.microsoft.com/office/drawing/2010/main">
+                <a:solidFill>
+                  <a:schemeClr val="accent1"/>
+                </a:solidFill>
+              </a14:hiddenFill>
+            </a:ext>
+            <a:ext uri="{91240B29-F687-4F45-9708-019B960494DF}">
+              <a14:hiddenLine xmlns:a14="http://schemas.microsoft.com/office/drawing/2010/main" w="9525">
+                <a:solidFill>
+                  <a:schemeClr val="tx1"/>
+                </a:solidFill>
+                <a:miter lim="800000"/>
+                <a:headEnd/>
+                <a:tailEnd/>
+              </a14:hiddenLine>
+            </a:ext>
+          </a:extLst>
+        </p:spPr>
+      </p:pic>
+      <p:pic>
+        <p:nvPicPr>
+          <p:cNvPr id="7" name="Picture 4">
+            <a:extLst>
+              <a:ext uri="{FF2B5EF4-FFF2-40B4-BE49-F238E27FC236}">
+                <a16:creationId xmlns:a16="http://schemas.microsoft.com/office/drawing/2014/main" id="{114005E0-49D9-1048-AC6D-12CBE08EEF51}"/>
+              </a:ext>
+            </a:extLst>
+          </p:cNvPr>
+          <p:cNvPicPr>
+            <a:picLocks noChangeAspect="1" noChangeArrowheads="1"/>
+          </p:cNvPicPr>
+          <p:nvPr/>
+        </p:nvPicPr>
+        <p:blipFill>
+          <a:blip r:embed="rId5" cstate="print">
+            <a:extLst>
+              <a:ext uri="{28A0092B-C50C-407E-A947-70E740481C1C}">
+                <a14:useLocalDpi xmlns:a14="http://schemas.microsoft.com/office/drawing/2010/main" val="0"/>
+              </a:ext>
+            </a:extLst>
+          </a:blip>
+          <a:srcRect/>
+          <a:stretch>
+            <a:fillRect/>
+          </a:stretch>
+        </p:blipFill>
+        <p:spPr bwMode="auto">
+          <a:xfrm>
+            <a:off x="9999784" y="1397538"/>
+            <a:ext cx="1929945" cy="2494936"/>
+          </a:xfrm>
+          <a:prstGeom prst="rect">
+            <a:avLst/>
+          </a:prstGeom>
+          <a:noFill/>
+          <a:ln>
+            <a:noFill/>
+          </a:ln>
+          <a:effectLst>
+            <a:outerShdw blurRad="127000" dist="35921" dir="2700000" algn="ctr" rotWithShape="0">
+              <a:schemeClr val="tx1">
+                <a:lumMod val="50000"/>
+                <a:lumOff val="50000"/>
+              </a:schemeClr>
+            </a:outerShdw>
+          </a:effectLst>
+          <a:extLst>
+            <a:ext uri="{909E8E84-426E-40DD-AFC4-6F175D3DCCD1}">
+              <a14:hiddenFill xmlns:a14="http://schemas.microsoft.com/office/drawing/2010/main">
+                <a:solidFill>
+                  <a:schemeClr val="accent1"/>
+                </a:solidFill>
+              </a14:hiddenFill>
+            </a:ext>
+            <a:ext uri="{91240B29-F687-4F45-9708-019B960494DF}">
+              <a14:hiddenLine xmlns:a14="http://schemas.microsoft.com/office/drawing/2010/main" w="9525">
+                <a:solidFill>
+                  <a:schemeClr val="tx1"/>
+                </a:solidFill>
+                <a:miter lim="800000"/>
+                <a:headEnd/>
+                <a:tailEnd/>
+              </a14:hiddenLine>
+            </a:ext>
+          </a:extLst>
+        </p:spPr>
+      </p:pic>
+      <p:sp>
+        <p:nvSpPr>
+          <p:cNvPr id="8" name="Content Placeholder 5">
+            <a:extLst>
+              <a:ext uri="{FF2B5EF4-FFF2-40B4-BE49-F238E27FC236}">
+                <a16:creationId xmlns:a16="http://schemas.microsoft.com/office/drawing/2014/main" id="{D0AD17C2-5E8B-594B-8184-882C7D38DAFD}"/>
+              </a:ext>
+            </a:extLst>
+          </p:cNvPr>
+          <p:cNvSpPr txBox="1">
+            <a:spLocks/>
+          </p:cNvSpPr>
+          <p:nvPr/>
+        </p:nvSpPr>
+        <p:spPr>
+          <a:xfrm>
+            <a:off x="737448" y="4059560"/>
+            <a:ext cx="3634104" cy="3257550"/>
+          </a:xfrm>
+          <a:prstGeom prst="rect">
+            <a:avLst/>
+          </a:prstGeom>
+        </p:spPr>
+        <p:txBody>
+          <a:bodyPr vert="horz" lIns="0" tIns="45720" rIns="91440" bIns="45720" numCol="1" spcCol="228600" rtlCol="0">
+            <a:noAutofit/>
+          </a:bodyPr>
+          <a:lstStyle>
+            <a:lvl1pPr marL="166688" indent="-166688" algn="l" defTabSz="914400" rtl="0" eaLnBrk="1" latinLnBrk="0" hangingPunct="1">
+              <a:lnSpc>
+                <a:spcPct val="100000"/>
+              </a:lnSpc>
+              <a:spcBef>
+                <a:spcPts val="0"/>
+              </a:spcBef>
+              <a:spcAft>
+                <a:spcPts val="1200"/>
+              </a:spcAft>
+              <a:buClr>
+                <a:schemeClr val="tx1"/>
+              </a:buClr>
+              <a:buFont typeface="Arial" panose="020B0604020202020204" pitchFamily="34" charset="0"/>
+              <a:buChar char="•"/>
+              <a:defRPr sz="1600" kern="1200">
+                <a:solidFill>
+                  <a:schemeClr val="tx1"/>
+                </a:solidFill>
+                <a:latin typeface="Arial" panose="020B0604020202020204" pitchFamily="34" charset="0"/>
+                <a:ea typeface="+mn-ea"/>
+                <a:cs typeface="Arial" panose="020B0604020202020204" pitchFamily="34" charset="0"/>
+              </a:defRPr>
+            </a:lvl1pPr>
+            <a:lvl2pPr marL="515938" indent="-174625" algn="l" defTabSz="914400" rtl="0" eaLnBrk="1" latinLnBrk="0" hangingPunct="1">
+              <a:lnSpc>
+                <a:spcPct val="100000"/>
+              </a:lnSpc>
+              <a:spcBef>
+                <a:spcPts val="0"/>
+              </a:spcBef>
+              <a:spcAft>
+                <a:spcPts val="1200"/>
+              </a:spcAft>
+              <a:buClr>
+                <a:schemeClr val="tx1"/>
+              </a:buClr>
+              <a:buFont typeface="Arial" panose="020B0604020202020204" pitchFamily="34" charset="0"/>
+              <a:buChar char="–"/>
+              <a:defRPr sz="1600" kern="1200">
+                <a:solidFill>
+                  <a:schemeClr val="tx1"/>
+                </a:solidFill>
+                <a:latin typeface="Arial" panose="020B0604020202020204" pitchFamily="34" charset="0"/>
+                <a:ea typeface="+mn-ea"/>
+                <a:cs typeface="Arial" panose="020B0604020202020204" pitchFamily="34" charset="0"/>
+              </a:defRPr>
+            </a:lvl2pPr>
+            <a:lvl3pPr marL="863600" indent="-180975" algn="l" defTabSz="914400" rtl="0" eaLnBrk="1" latinLnBrk="0" hangingPunct="1">
+              <a:lnSpc>
+                <a:spcPct val="100000"/>
+              </a:lnSpc>
+              <a:spcBef>
+                <a:spcPts val="0"/>
+              </a:spcBef>
+              <a:spcAft>
+                <a:spcPts val="1200"/>
+              </a:spcAft>
+              <a:buClr>
+                <a:schemeClr val="tx1"/>
+              </a:buClr>
+              <a:buFont typeface="Arial" panose="020B0604020202020204" pitchFamily="34" charset="0"/>
+              <a:buChar char="–"/>
+              <a:defRPr sz="1600" kern="1200">
+                <a:solidFill>
+                  <a:schemeClr val="tx1"/>
+                </a:solidFill>
+                <a:latin typeface="Arial" panose="020B0604020202020204" pitchFamily="34" charset="0"/>
+                <a:ea typeface="+mn-ea"/>
+                <a:cs typeface="Arial" panose="020B0604020202020204" pitchFamily="34" charset="0"/>
+              </a:defRPr>
+            </a:lvl3pPr>
+            <a:lvl4pPr marL="1196975" indent="-160338" algn="l" defTabSz="914400" rtl="0" eaLnBrk="1" latinLnBrk="0" hangingPunct="1">
+              <a:lnSpc>
+                <a:spcPct val="100000"/>
+              </a:lnSpc>
+              <a:spcBef>
+                <a:spcPts val="0"/>
+              </a:spcBef>
+              <a:spcAft>
+                <a:spcPts val="1200"/>
+              </a:spcAft>
+              <a:buClr>
+                <a:schemeClr val="tx1"/>
+              </a:buClr>
+              <a:buFont typeface="Arial" panose="020B0604020202020204" pitchFamily="34" charset="0"/>
+              <a:buChar char="–"/>
+              <a:defRPr sz="1600" kern="1200">
+                <a:solidFill>
+                  <a:schemeClr val="tx1"/>
+                </a:solidFill>
+                <a:latin typeface="Arial" panose="020B0604020202020204" pitchFamily="34" charset="0"/>
+                <a:ea typeface="+mn-ea"/>
+                <a:cs typeface="Arial" panose="020B0604020202020204" pitchFamily="34" charset="0"/>
+              </a:defRPr>
+            </a:lvl4pPr>
+            <a:lvl5pPr marL="1546225" indent="-180975" algn="l" defTabSz="914400" rtl="0" eaLnBrk="1" latinLnBrk="0" hangingPunct="1">
+              <a:lnSpc>
+                <a:spcPct val="100000"/>
+              </a:lnSpc>
+              <a:spcBef>
+                <a:spcPts val="0"/>
+              </a:spcBef>
+              <a:spcAft>
+                <a:spcPts val="1200"/>
+              </a:spcAft>
+              <a:buClr>
+                <a:schemeClr val="tx1"/>
+              </a:buClr>
+              <a:buFont typeface="Arial" panose="020B0604020202020204" pitchFamily="34" charset="0"/>
+              <a:buChar char="–"/>
+              <a:defRPr sz="1600" kern="1200">
+                <a:solidFill>
+                  <a:schemeClr val="tx1"/>
+                </a:solidFill>
+                <a:latin typeface="Arial" panose="020B0604020202020204" pitchFamily="34" charset="0"/>
+                <a:ea typeface="+mn-ea"/>
+                <a:cs typeface="Arial" panose="020B0604020202020204" pitchFamily="34" charset="0"/>
+              </a:defRPr>
+            </a:lvl5pPr>
+            <a:lvl6pPr marL="2514600" indent="-228600" algn="l" defTabSz="914400" rtl="0" eaLnBrk="1" latinLnBrk="0" hangingPunct="1">
+              <a:spcBef>
+                <a:spcPct val="20000"/>
+              </a:spcBef>
+              <a:buFont typeface="Arial" panose="020B0604020202020204" pitchFamily="34" charset="0"/>
+              <a:buChar char="•"/>
+              <a:defRPr sz="2000" kern="1200">
+                <a:solidFill>
+                  <a:schemeClr val="tx1"/>
+                </a:solidFill>
+                <a:latin typeface="+mn-lt"/>
+                <a:ea typeface="+mn-ea"/>
+                <a:cs typeface="+mn-cs"/>
+              </a:defRPr>
+            </a:lvl6pPr>
+            <a:lvl7pPr marL="2971800" indent="-228600" algn="l" defTabSz="914400" rtl="0" eaLnBrk="1" latinLnBrk="0" hangingPunct="1">
+              <a:spcBef>
+                <a:spcPct val="20000"/>
+              </a:spcBef>
+              <a:buFont typeface="Arial" panose="020B0604020202020204" pitchFamily="34" charset="0"/>
+              <a:buChar char="•"/>
+              <a:defRPr sz="2000" kern="1200">
+                <a:solidFill>
+                  <a:schemeClr val="tx1"/>
+                </a:solidFill>
+                <a:latin typeface="+mn-lt"/>
+                <a:ea typeface="+mn-ea"/>
+                <a:cs typeface="+mn-cs"/>
+              </a:defRPr>
+            </a:lvl7pPr>
+            <a:lvl8pPr marL="3429000" indent="-228600" algn="l" defTabSz="914400" rtl="0" eaLnBrk="1" latinLnBrk="0" hangingPunct="1">
+              <a:spcBef>
+                <a:spcPct val="20000"/>
+              </a:spcBef>
+              <a:buFont typeface="Arial" panose="020B0604020202020204" pitchFamily="34" charset="0"/>
+              <a:buChar char="•"/>
+              <a:defRPr sz="2000" kern="1200">
+                <a:solidFill>
+                  <a:schemeClr val="tx1"/>
+                </a:solidFill>
+                <a:latin typeface="+mn-lt"/>
+                <a:ea typeface="+mn-ea"/>
+                <a:cs typeface="+mn-cs"/>
+              </a:defRPr>
+            </a:lvl8pPr>
+            <a:lvl9pPr marL="3886200" indent="-228600" algn="l" defTabSz="914400" rtl="0" eaLnBrk="1" latinLnBrk="0" hangingPunct="1">
+              <a:spcBef>
+                <a:spcPct val="20000"/>
+              </a:spcBef>
+              <a:buFont typeface="Arial" panose="020B0604020202020204" pitchFamily="34" charset="0"/>
+              <a:buChar char="•"/>
+              <a:defRPr sz="2000" kern="1200">
+                <a:solidFill>
+                  <a:schemeClr val="tx1"/>
+                </a:solidFill>
+                <a:latin typeface="+mn-lt"/>
+                <a:ea typeface="+mn-ea"/>
+                <a:cs typeface="+mn-cs"/>
+              </a:defRPr>
+            </a:lvl9pPr>
+          </a:lstStyle>
+          <a:p>
+            <a:pPr marL="0" indent="0">
+              <a:buNone/>
+            </a:pPr>
+            <a:r>
+              <a:rPr lang="en-US" sz="1800" dirty="0"/>
+              <a:t>In 1959, </a:t>
+            </a:r>
+            <a:r>
+              <a:rPr lang="en-US" sz="1800" b="1" dirty="0" err="1"/>
+              <a:t>C.P</a:t>
+            </a:r>
+            <a:r>
+              <a:rPr lang="en-US" sz="1800" b="1" dirty="0"/>
+              <a:t>. Snow </a:t>
+            </a:r>
+            <a:r>
+              <a:rPr lang="en-US" sz="1800" dirty="0"/>
+              <a:t>wrote an essay titled </a:t>
+            </a:r>
+            <a:r>
+              <a:rPr lang="en-US" sz="1800" b="1" dirty="0"/>
+              <a:t>“The Two Cultures” </a:t>
+            </a:r>
+            <a:r>
+              <a:rPr lang="en-US" sz="1800" dirty="0"/>
+              <a:t>where he observed a general </a:t>
+            </a:r>
+            <a:r>
+              <a:rPr lang="en-US" sz="1800" b="1" dirty="0"/>
+              <a:t>scientific illiteracy </a:t>
+            </a:r>
+            <a:r>
+              <a:rPr lang="en-US" sz="1800" dirty="0"/>
+              <a:t>among otherwise educated  individuals.</a:t>
+            </a:r>
+          </a:p>
+          <a:p>
+            <a:pPr marL="0" indent="0">
+              <a:buNone/>
+            </a:pPr>
+            <a:r>
+              <a:rPr lang="en-US" sz="1800" dirty="0"/>
+              <a:t>He </a:t>
+            </a:r>
+            <a:r>
+              <a:rPr lang="en-US" sz="1800" b="1" dirty="0"/>
+              <a:t>upset many </a:t>
+            </a:r>
+            <a:r>
+              <a:rPr lang="en-US" sz="1800" dirty="0"/>
+              <a:t>with his comments – ultimately John Brockman wrote in 1995 about </a:t>
+            </a:r>
+            <a:r>
+              <a:rPr lang="en-US" sz="1800" b="1" dirty="0"/>
+              <a:t>“The Third Culture” </a:t>
+            </a:r>
+            <a:r>
+              <a:rPr lang="en-US" sz="1800" dirty="0"/>
+              <a:t>serving as a mediator.</a:t>
+            </a:r>
+          </a:p>
+        </p:txBody>
+      </p:sp>
+      <p:sp>
+        <p:nvSpPr>
+          <p:cNvPr id="9" name="Content Placeholder 5">
+            <a:extLst>
+              <a:ext uri="{FF2B5EF4-FFF2-40B4-BE49-F238E27FC236}">
+                <a16:creationId xmlns:a16="http://schemas.microsoft.com/office/drawing/2014/main" id="{D29454F9-4E52-1C4A-B505-1AFB59498C3E}"/>
+              </a:ext>
+            </a:extLst>
+          </p:cNvPr>
+          <p:cNvSpPr txBox="1">
+            <a:spLocks/>
+          </p:cNvSpPr>
+          <p:nvPr/>
+        </p:nvSpPr>
+        <p:spPr>
+          <a:xfrm>
+            <a:off x="5003272" y="4059560"/>
+            <a:ext cx="3634104" cy="3257550"/>
+          </a:xfrm>
+          <a:prstGeom prst="rect">
+            <a:avLst/>
+          </a:prstGeom>
+        </p:spPr>
+        <p:txBody>
+          <a:bodyPr vert="horz" lIns="0" tIns="45720" rIns="91440" bIns="45720" numCol="1" spcCol="228600" rtlCol="0">
+            <a:noAutofit/>
+          </a:bodyPr>
+          <a:lstStyle>
+            <a:lvl1pPr marL="166688" indent="-166688" algn="l" defTabSz="914400" rtl="0" eaLnBrk="1" latinLnBrk="0" hangingPunct="1">
+              <a:lnSpc>
+                <a:spcPct val="100000"/>
+              </a:lnSpc>
+              <a:spcBef>
+                <a:spcPts val="0"/>
+              </a:spcBef>
+              <a:spcAft>
+                <a:spcPts val="1200"/>
+              </a:spcAft>
+              <a:buClr>
+                <a:schemeClr val="tx1"/>
+              </a:buClr>
+              <a:buFont typeface="Arial" panose="020B0604020202020204" pitchFamily="34" charset="0"/>
+              <a:buChar char="•"/>
+              <a:defRPr sz="1600" kern="1200">
+                <a:solidFill>
+                  <a:schemeClr val="tx1"/>
+                </a:solidFill>
+                <a:latin typeface="Arial" panose="020B0604020202020204" pitchFamily="34" charset="0"/>
+                <a:ea typeface="+mn-ea"/>
+                <a:cs typeface="Arial" panose="020B0604020202020204" pitchFamily="34" charset="0"/>
+              </a:defRPr>
+            </a:lvl1pPr>
+            <a:lvl2pPr marL="515938" indent="-174625" algn="l" defTabSz="914400" rtl="0" eaLnBrk="1" latinLnBrk="0" hangingPunct="1">
+              <a:lnSpc>
+                <a:spcPct val="100000"/>
+              </a:lnSpc>
+              <a:spcBef>
+                <a:spcPts val="0"/>
+              </a:spcBef>
+              <a:spcAft>
+                <a:spcPts val="1200"/>
+              </a:spcAft>
+              <a:buClr>
+                <a:schemeClr val="tx1"/>
+              </a:buClr>
+              <a:buFont typeface="Arial" panose="020B0604020202020204" pitchFamily="34" charset="0"/>
+              <a:buChar char="–"/>
+              <a:defRPr sz="1600" kern="1200">
+                <a:solidFill>
+                  <a:schemeClr val="tx1"/>
+                </a:solidFill>
+                <a:latin typeface="Arial" panose="020B0604020202020204" pitchFamily="34" charset="0"/>
+                <a:ea typeface="+mn-ea"/>
+                <a:cs typeface="Arial" panose="020B0604020202020204" pitchFamily="34" charset="0"/>
+              </a:defRPr>
+            </a:lvl2pPr>
+            <a:lvl3pPr marL="863600" indent="-180975" algn="l" defTabSz="914400" rtl="0" eaLnBrk="1" latinLnBrk="0" hangingPunct="1">
+              <a:lnSpc>
+                <a:spcPct val="100000"/>
+              </a:lnSpc>
+              <a:spcBef>
+                <a:spcPts val="0"/>
+              </a:spcBef>
+              <a:spcAft>
+                <a:spcPts val="1200"/>
+              </a:spcAft>
+              <a:buClr>
+                <a:schemeClr val="tx1"/>
+              </a:buClr>
+              <a:buFont typeface="Arial" panose="020B0604020202020204" pitchFamily="34" charset="0"/>
+              <a:buChar char="–"/>
+              <a:defRPr sz="1600" kern="1200">
+                <a:solidFill>
+                  <a:schemeClr val="tx1"/>
+                </a:solidFill>
+                <a:latin typeface="Arial" panose="020B0604020202020204" pitchFamily="34" charset="0"/>
+                <a:ea typeface="+mn-ea"/>
+                <a:cs typeface="Arial" panose="020B0604020202020204" pitchFamily="34" charset="0"/>
+              </a:defRPr>
+            </a:lvl3pPr>
+            <a:lvl4pPr marL="1196975" indent="-160338" algn="l" defTabSz="914400" rtl="0" eaLnBrk="1" latinLnBrk="0" hangingPunct="1">
+              <a:lnSpc>
+                <a:spcPct val="100000"/>
+              </a:lnSpc>
+              <a:spcBef>
+                <a:spcPts val="0"/>
+              </a:spcBef>
+              <a:spcAft>
+                <a:spcPts val="1200"/>
+              </a:spcAft>
+              <a:buClr>
+                <a:schemeClr val="tx1"/>
+              </a:buClr>
+              <a:buFont typeface="Arial" panose="020B0604020202020204" pitchFamily="34" charset="0"/>
+              <a:buChar char="–"/>
+              <a:defRPr sz="1600" kern="1200">
+                <a:solidFill>
+                  <a:schemeClr val="tx1"/>
+                </a:solidFill>
+                <a:latin typeface="Arial" panose="020B0604020202020204" pitchFamily="34" charset="0"/>
+                <a:ea typeface="+mn-ea"/>
+                <a:cs typeface="Arial" panose="020B0604020202020204" pitchFamily="34" charset="0"/>
+              </a:defRPr>
+            </a:lvl4pPr>
+            <a:lvl5pPr marL="1546225" indent="-180975" algn="l" defTabSz="914400" rtl="0" eaLnBrk="1" latinLnBrk="0" hangingPunct="1">
+              <a:lnSpc>
+                <a:spcPct val="100000"/>
+              </a:lnSpc>
+              <a:spcBef>
+                <a:spcPts val="0"/>
+              </a:spcBef>
+              <a:spcAft>
+                <a:spcPts val="1200"/>
+              </a:spcAft>
+              <a:buClr>
+                <a:schemeClr val="tx1"/>
+              </a:buClr>
+              <a:buFont typeface="Arial" panose="020B0604020202020204" pitchFamily="34" charset="0"/>
+              <a:buChar char="–"/>
+              <a:defRPr sz="1600" kern="1200">
+                <a:solidFill>
+                  <a:schemeClr val="tx1"/>
+                </a:solidFill>
+                <a:latin typeface="Arial" panose="020B0604020202020204" pitchFamily="34" charset="0"/>
+                <a:ea typeface="+mn-ea"/>
+                <a:cs typeface="Arial" panose="020B0604020202020204" pitchFamily="34" charset="0"/>
+              </a:defRPr>
+            </a:lvl5pPr>
+            <a:lvl6pPr marL="2514600" indent="-228600" algn="l" defTabSz="914400" rtl="0" eaLnBrk="1" latinLnBrk="0" hangingPunct="1">
+              <a:spcBef>
+                <a:spcPct val="20000"/>
+              </a:spcBef>
+              <a:buFont typeface="Arial" panose="020B0604020202020204" pitchFamily="34" charset="0"/>
+              <a:buChar char="•"/>
+              <a:defRPr sz="2000" kern="1200">
+                <a:solidFill>
+                  <a:schemeClr val="tx1"/>
+                </a:solidFill>
+                <a:latin typeface="+mn-lt"/>
+                <a:ea typeface="+mn-ea"/>
+                <a:cs typeface="+mn-cs"/>
+              </a:defRPr>
+            </a:lvl6pPr>
+            <a:lvl7pPr marL="2971800" indent="-228600" algn="l" defTabSz="914400" rtl="0" eaLnBrk="1" latinLnBrk="0" hangingPunct="1">
+              <a:spcBef>
+                <a:spcPct val="20000"/>
+              </a:spcBef>
+              <a:buFont typeface="Arial" panose="020B0604020202020204" pitchFamily="34" charset="0"/>
+              <a:buChar char="•"/>
+              <a:defRPr sz="2000" kern="1200">
+                <a:solidFill>
+                  <a:schemeClr val="tx1"/>
+                </a:solidFill>
+                <a:latin typeface="+mn-lt"/>
+                <a:ea typeface="+mn-ea"/>
+                <a:cs typeface="+mn-cs"/>
+              </a:defRPr>
+            </a:lvl7pPr>
+            <a:lvl8pPr marL="3429000" indent="-228600" algn="l" defTabSz="914400" rtl="0" eaLnBrk="1" latinLnBrk="0" hangingPunct="1">
+              <a:spcBef>
+                <a:spcPct val="20000"/>
+              </a:spcBef>
+              <a:buFont typeface="Arial" panose="020B0604020202020204" pitchFamily="34" charset="0"/>
+              <a:buChar char="•"/>
+              <a:defRPr sz="2000" kern="1200">
+                <a:solidFill>
+                  <a:schemeClr val="tx1"/>
+                </a:solidFill>
+                <a:latin typeface="+mn-lt"/>
+                <a:ea typeface="+mn-ea"/>
+                <a:cs typeface="+mn-cs"/>
+              </a:defRPr>
+            </a:lvl8pPr>
+            <a:lvl9pPr marL="3886200" indent="-228600" algn="l" defTabSz="914400" rtl="0" eaLnBrk="1" latinLnBrk="0" hangingPunct="1">
+              <a:spcBef>
+                <a:spcPct val="20000"/>
+              </a:spcBef>
+              <a:buFont typeface="Arial" panose="020B0604020202020204" pitchFamily="34" charset="0"/>
+              <a:buChar char="•"/>
+              <a:defRPr sz="2000" kern="1200">
+                <a:solidFill>
+                  <a:schemeClr val="tx1"/>
+                </a:solidFill>
+                <a:latin typeface="+mn-lt"/>
+                <a:ea typeface="+mn-ea"/>
+                <a:cs typeface="+mn-cs"/>
+              </a:defRPr>
+            </a:lvl9pPr>
+          </a:lstStyle>
+          <a:p>
+            <a:pPr marL="0" indent="0">
+              <a:buNone/>
+            </a:pPr>
+            <a:r>
+              <a:rPr lang="en-US" sz="1800" dirty="0"/>
+              <a:t>In 2001, </a:t>
+            </a:r>
+            <a:r>
+              <a:rPr lang="en-US" sz="1800" b="1" dirty="0"/>
+              <a:t>Leo </a:t>
+            </a:r>
+            <a:r>
+              <a:rPr lang="en-US" sz="1800" b="1" dirty="0" err="1"/>
+              <a:t>Breiman</a:t>
+            </a:r>
+            <a:r>
+              <a:rPr lang="en-US" sz="1800" b="1" dirty="0"/>
+              <a:t> </a:t>
+            </a:r>
+            <a:r>
+              <a:rPr lang="en-US" sz="1800" dirty="0"/>
+              <a:t>wrote an essay titled </a:t>
+            </a:r>
+            <a:r>
+              <a:rPr lang="en-US" sz="1800" b="1" dirty="0"/>
+              <a:t>“Statistical Modeling: The Two Cultures” </a:t>
+            </a:r>
+            <a:r>
+              <a:rPr lang="en-US" sz="1800" dirty="0"/>
+              <a:t>where he pitted </a:t>
+            </a:r>
+            <a:r>
+              <a:rPr lang="en-US" sz="1800" b="1" dirty="0"/>
+              <a:t>traditional statisticians </a:t>
+            </a:r>
+            <a:r>
+              <a:rPr lang="en-US" sz="1800" dirty="0"/>
+              <a:t>and their models against </a:t>
+            </a:r>
+            <a:r>
+              <a:rPr lang="en-US" sz="1800" b="1" dirty="0"/>
+              <a:t>data scientists </a:t>
+            </a:r>
+            <a:r>
+              <a:rPr lang="en-US" sz="1800" dirty="0"/>
+              <a:t>and their algorithmic exploration.</a:t>
+            </a:r>
+          </a:p>
+          <a:p>
+            <a:pPr marL="0" indent="0">
+              <a:buNone/>
+            </a:pPr>
+            <a:r>
+              <a:rPr lang="en-US" sz="1800" dirty="0"/>
+              <a:t>Statistical Science published </a:t>
+            </a:r>
+            <a:r>
+              <a:rPr lang="en-US" sz="1800" b="1" dirty="0"/>
+              <a:t>rebuttal commentary </a:t>
+            </a:r>
+            <a:r>
+              <a:rPr lang="en-US" sz="1800" dirty="0"/>
+              <a:t>by </a:t>
+            </a:r>
+            <a:r>
+              <a:rPr lang="en-US" sz="1800" dirty="0" err="1"/>
+              <a:t>D.R</a:t>
+            </a:r>
+            <a:r>
+              <a:rPr lang="en-US" sz="1800" dirty="0"/>
+              <a:t>. Cox and Brad </a:t>
+            </a:r>
+            <a:r>
+              <a:rPr lang="en-US" sz="1800" dirty="0" err="1"/>
+              <a:t>Efron</a:t>
+            </a:r>
+            <a:r>
+              <a:rPr lang="en-US" sz="1800" dirty="0"/>
+              <a:t> accompanying </a:t>
+            </a:r>
+            <a:r>
+              <a:rPr lang="en-US" sz="1800" dirty="0" err="1"/>
+              <a:t>Breiman’s</a:t>
+            </a:r>
+            <a:r>
+              <a:rPr lang="en-US" sz="1800" dirty="0"/>
+              <a:t> article.</a:t>
+            </a:r>
+          </a:p>
+        </p:txBody>
+      </p:sp>
+      <p:sp>
+        <p:nvSpPr>
+          <p:cNvPr id="10" name="Content Placeholder 5">
+            <a:extLst>
+              <a:ext uri="{FF2B5EF4-FFF2-40B4-BE49-F238E27FC236}">
+                <a16:creationId xmlns:a16="http://schemas.microsoft.com/office/drawing/2014/main" id="{91014500-E842-D044-8CAC-6BA9184ED68E}"/>
+              </a:ext>
+            </a:extLst>
+          </p:cNvPr>
+          <p:cNvSpPr txBox="1">
+            <a:spLocks/>
+          </p:cNvSpPr>
+          <p:nvPr/>
+        </p:nvSpPr>
+        <p:spPr>
+          <a:xfrm>
+            <a:off x="9269096" y="4059560"/>
+            <a:ext cx="3634104" cy="3257550"/>
+          </a:xfrm>
+          <a:prstGeom prst="rect">
+            <a:avLst/>
+          </a:prstGeom>
+        </p:spPr>
+        <p:txBody>
+          <a:bodyPr vert="horz" lIns="0" tIns="45720" rIns="91440" bIns="45720" numCol="1" spcCol="228600" rtlCol="0">
+            <a:noAutofit/>
+          </a:bodyPr>
+          <a:lstStyle>
+            <a:lvl1pPr marL="166688" indent="-166688" algn="l" defTabSz="914400" rtl="0" eaLnBrk="1" latinLnBrk="0" hangingPunct="1">
+              <a:lnSpc>
+                <a:spcPct val="100000"/>
+              </a:lnSpc>
+              <a:spcBef>
+                <a:spcPts val="0"/>
+              </a:spcBef>
+              <a:spcAft>
+                <a:spcPts val="1200"/>
+              </a:spcAft>
+              <a:buClr>
+                <a:schemeClr val="tx1"/>
+              </a:buClr>
+              <a:buFont typeface="Arial" panose="020B0604020202020204" pitchFamily="34" charset="0"/>
+              <a:buChar char="•"/>
+              <a:defRPr sz="1600" kern="1200">
+                <a:solidFill>
+                  <a:schemeClr val="tx1"/>
+                </a:solidFill>
+                <a:latin typeface="Arial" panose="020B0604020202020204" pitchFamily="34" charset="0"/>
+                <a:ea typeface="+mn-ea"/>
+                <a:cs typeface="Arial" panose="020B0604020202020204" pitchFamily="34" charset="0"/>
+              </a:defRPr>
+            </a:lvl1pPr>
+            <a:lvl2pPr marL="515938" indent="-174625" algn="l" defTabSz="914400" rtl="0" eaLnBrk="1" latinLnBrk="0" hangingPunct="1">
+              <a:lnSpc>
+                <a:spcPct val="100000"/>
+              </a:lnSpc>
+              <a:spcBef>
+                <a:spcPts val="0"/>
+              </a:spcBef>
+              <a:spcAft>
+                <a:spcPts val="1200"/>
+              </a:spcAft>
+              <a:buClr>
+                <a:schemeClr val="tx1"/>
+              </a:buClr>
+              <a:buFont typeface="Arial" panose="020B0604020202020204" pitchFamily="34" charset="0"/>
+              <a:buChar char="–"/>
+              <a:defRPr sz="1600" kern="1200">
+                <a:solidFill>
+                  <a:schemeClr val="tx1"/>
+                </a:solidFill>
+                <a:latin typeface="Arial" panose="020B0604020202020204" pitchFamily="34" charset="0"/>
+                <a:ea typeface="+mn-ea"/>
+                <a:cs typeface="Arial" panose="020B0604020202020204" pitchFamily="34" charset="0"/>
+              </a:defRPr>
+            </a:lvl2pPr>
+            <a:lvl3pPr marL="863600" indent="-180975" algn="l" defTabSz="914400" rtl="0" eaLnBrk="1" latinLnBrk="0" hangingPunct="1">
+              <a:lnSpc>
+                <a:spcPct val="100000"/>
+              </a:lnSpc>
+              <a:spcBef>
+                <a:spcPts val="0"/>
+              </a:spcBef>
+              <a:spcAft>
+                <a:spcPts val="1200"/>
+              </a:spcAft>
+              <a:buClr>
+                <a:schemeClr val="tx1"/>
+              </a:buClr>
+              <a:buFont typeface="Arial" panose="020B0604020202020204" pitchFamily="34" charset="0"/>
+              <a:buChar char="–"/>
+              <a:defRPr sz="1600" kern="1200">
+                <a:solidFill>
+                  <a:schemeClr val="tx1"/>
+                </a:solidFill>
+                <a:latin typeface="Arial" panose="020B0604020202020204" pitchFamily="34" charset="0"/>
+                <a:ea typeface="+mn-ea"/>
+                <a:cs typeface="Arial" panose="020B0604020202020204" pitchFamily="34" charset="0"/>
+              </a:defRPr>
+            </a:lvl3pPr>
+            <a:lvl4pPr marL="1196975" indent="-160338" algn="l" defTabSz="914400" rtl="0" eaLnBrk="1" latinLnBrk="0" hangingPunct="1">
+              <a:lnSpc>
+                <a:spcPct val="100000"/>
+              </a:lnSpc>
+              <a:spcBef>
+                <a:spcPts val="0"/>
+              </a:spcBef>
+              <a:spcAft>
+                <a:spcPts val="1200"/>
+              </a:spcAft>
+              <a:buClr>
+                <a:schemeClr val="tx1"/>
+              </a:buClr>
+              <a:buFont typeface="Arial" panose="020B0604020202020204" pitchFamily="34" charset="0"/>
+              <a:buChar char="–"/>
+              <a:defRPr sz="1600" kern="1200">
+                <a:solidFill>
+                  <a:schemeClr val="tx1"/>
+                </a:solidFill>
+                <a:latin typeface="Arial" panose="020B0604020202020204" pitchFamily="34" charset="0"/>
+                <a:ea typeface="+mn-ea"/>
+                <a:cs typeface="Arial" panose="020B0604020202020204" pitchFamily="34" charset="0"/>
+              </a:defRPr>
+            </a:lvl4pPr>
+            <a:lvl5pPr marL="1546225" indent="-180975" algn="l" defTabSz="914400" rtl="0" eaLnBrk="1" latinLnBrk="0" hangingPunct="1">
+              <a:lnSpc>
+                <a:spcPct val="100000"/>
+              </a:lnSpc>
+              <a:spcBef>
+                <a:spcPts val="0"/>
+              </a:spcBef>
+              <a:spcAft>
+                <a:spcPts val="1200"/>
+              </a:spcAft>
+              <a:buClr>
+                <a:schemeClr val="tx1"/>
+              </a:buClr>
+              <a:buFont typeface="Arial" panose="020B0604020202020204" pitchFamily="34" charset="0"/>
+              <a:buChar char="–"/>
+              <a:defRPr sz="1600" kern="1200">
+                <a:solidFill>
+                  <a:schemeClr val="tx1"/>
+                </a:solidFill>
+                <a:latin typeface="Arial" panose="020B0604020202020204" pitchFamily="34" charset="0"/>
+                <a:ea typeface="+mn-ea"/>
+                <a:cs typeface="Arial" panose="020B0604020202020204" pitchFamily="34" charset="0"/>
+              </a:defRPr>
+            </a:lvl5pPr>
+            <a:lvl6pPr marL="2514600" indent="-228600" algn="l" defTabSz="914400" rtl="0" eaLnBrk="1" latinLnBrk="0" hangingPunct="1">
+              <a:spcBef>
+                <a:spcPct val="20000"/>
+              </a:spcBef>
+              <a:buFont typeface="Arial" panose="020B0604020202020204" pitchFamily="34" charset="0"/>
+              <a:buChar char="•"/>
+              <a:defRPr sz="2000" kern="1200">
+                <a:solidFill>
+                  <a:schemeClr val="tx1"/>
+                </a:solidFill>
+                <a:latin typeface="+mn-lt"/>
+                <a:ea typeface="+mn-ea"/>
+                <a:cs typeface="+mn-cs"/>
+              </a:defRPr>
+            </a:lvl6pPr>
+            <a:lvl7pPr marL="2971800" indent="-228600" algn="l" defTabSz="914400" rtl="0" eaLnBrk="1" latinLnBrk="0" hangingPunct="1">
+              <a:spcBef>
+                <a:spcPct val="20000"/>
+              </a:spcBef>
+              <a:buFont typeface="Arial" panose="020B0604020202020204" pitchFamily="34" charset="0"/>
+              <a:buChar char="•"/>
+              <a:defRPr sz="2000" kern="1200">
+                <a:solidFill>
+                  <a:schemeClr val="tx1"/>
+                </a:solidFill>
+                <a:latin typeface="+mn-lt"/>
+                <a:ea typeface="+mn-ea"/>
+                <a:cs typeface="+mn-cs"/>
+              </a:defRPr>
+            </a:lvl7pPr>
+            <a:lvl8pPr marL="3429000" indent="-228600" algn="l" defTabSz="914400" rtl="0" eaLnBrk="1" latinLnBrk="0" hangingPunct="1">
+              <a:spcBef>
+                <a:spcPct val="20000"/>
+              </a:spcBef>
+              <a:buFont typeface="Arial" panose="020B0604020202020204" pitchFamily="34" charset="0"/>
+              <a:buChar char="•"/>
+              <a:defRPr sz="2000" kern="1200">
+                <a:solidFill>
+                  <a:schemeClr val="tx1"/>
+                </a:solidFill>
+                <a:latin typeface="+mn-lt"/>
+                <a:ea typeface="+mn-ea"/>
+                <a:cs typeface="+mn-cs"/>
+              </a:defRPr>
+            </a:lvl8pPr>
+            <a:lvl9pPr marL="3886200" indent="-228600" algn="l" defTabSz="914400" rtl="0" eaLnBrk="1" latinLnBrk="0" hangingPunct="1">
+              <a:spcBef>
+                <a:spcPct val="20000"/>
+              </a:spcBef>
+              <a:buFont typeface="Arial" panose="020B0604020202020204" pitchFamily="34" charset="0"/>
+              <a:buChar char="•"/>
+              <a:defRPr sz="2000" kern="1200">
+                <a:solidFill>
+                  <a:schemeClr val="tx1"/>
+                </a:solidFill>
+                <a:latin typeface="+mn-lt"/>
+                <a:ea typeface="+mn-ea"/>
+                <a:cs typeface="+mn-cs"/>
+              </a:defRPr>
+            </a:lvl9pPr>
+          </a:lstStyle>
+          <a:p>
+            <a:pPr marL="0" indent="0">
+              <a:buNone/>
+            </a:pPr>
+            <a:r>
+              <a:rPr lang="en-US" sz="1800" dirty="0"/>
+              <a:t>Working in finance, this “fight” between statisticians and data scientists is </a:t>
+            </a:r>
+            <a:r>
+              <a:rPr lang="en-US" sz="1800" b="1" dirty="0"/>
+              <a:t>almost</a:t>
+            </a:r>
+            <a:r>
+              <a:rPr lang="en-US" sz="1800" dirty="0"/>
+              <a:t> comical!</a:t>
+            </a:r>
+          </a:p>
+          <a:p>
+            <a:pPr marL="0" indent="0">
+              <a:buNone/>
+            </a:pPr>
+            <a:r>
+              <a:rPr lang="en-US" sz="1800" dirty="0"/>
+              <a:t>Professor Sonya Cates (AI professor and former State Street), Maria </a:t>
+            </a:r>
+            <a:r>
+              <a:rPr lang="en-US" sz="1800" dirty="0" err="1"/>
+              <a:t>Garrahan</a:t>
+            </a:r>
+            <a:r>
+              <a:rPr lang="en-US" sz="1800" dirty="0"/>
+              <a:t> (Investment professional), and Stephen Lawrence co-authored a paper </a:t>
+            </a:r>
+            <a:r>
+              <a:rPr lang="en-US" sz="1800" b="1" dirty="0"/>
+              <a:t>“Applied Finance and The Third Culture”</a:t>
+            </a:r>
+          </a:p>
+        </p:txBody>
+      </p:sp>
+      <p:sp>
+        <p:nvSpPr>
+          <p:cNvPr id="11" name="TextBox 3">
+            <a:extLst>
+              <a:ext uri="{FF2B5EF4-FFF2-40B4-BE49-F238E27FC236}">
+                <a16:creationId xmlns:a16="http://schemas.microsoft.com/office/drawing/2014/main" id="{2C7C1E79-9090-B740-B365-3302816DE745}"/>
+              </a:ext>
+            </a:extLst>
+          </p:cNvPr>
+          <p:cNvSpPr txBox="1"/>
+          <p:nvPr/>
+        </p:nvSpPr>
+        <p:spPr>
+          <a:xfrm>
+            <a:off x="737447" y="7276490"/>
+            <a:ext cx="4643373" cy="461665"/>
+          </a:xfrm>
+          <a:prstGeom prst="rect">
+            <a:avLst/>
+          </a:prstGeom>
+          <a:noFill/>
+        </p:spPr>
+        <p:txBody>
+          <a:bodyPr wrap="square" lIns="0" tIns="0" rIns="0" bIns="0" rtlCol="0" anchor="b" anchorCtr="0">
+            <a:spAutoFit/>
+          </a:bodyPr>
+          <a:lstStyle>
+            <a:defPPr>
+              <a:defRPr lang="en-US"/>
+            </a:defPPr>
+            <a:lvl1pPr marL="0" algn="l" defTabSz="816262" rtl="0" eaLnBrk="1" latinLnBrk="0" hangingPunct="1">
+              <a:defRPr sz="1600" kern="1200">
+                <a:solidFill>
+                  <a:schemeClr val="tx1"/>
+                </a:solidFill>
+                <a:latin typeface="+mn-lt"/>
+                <a:ea typeface="+mn-ea"/>
+                <a:cs typeface="+mn-cs"/>
+              </a:defRPr>
+            </a:lvl1pPr>
+            <a:lvl2pPr marL="408131" algn="l" defTabSz="816262" rtl="0" eaLnBrk="1" latinLnBrk="0" hangingPunct="1">
+              <a:defRPr sz="1600" kern="1200">
+                <a:solidFill>
+                  <a:schemeClr val="tx1"/>
+                </a:solidFill>
+                <a:latin typeface="+mn-lt"/>
+                <a:ea typeface="+mn-ea"/>
+                <a:cs typeface="+mn-cs"/>
+              </a:defRPr>
+            </a:lvl2pPr>
+            <a:lvl3pPr marL="816262" algn="l" defTabSz="816262" rtl="0" eaLnBrk="1" latinLnBrk="0" hangingPunct="1">
+              <a:defRPr sz="1600" kern="1200">
+                <a:solidFill>
+                  <a:schemeClr val="tx1"/>
+                </a:solidFill>
+                <a:latin typeface="+mn-lt"/>
+                <a:ea typeface="+mn-ea"/>
+                <a:cs typeface="+mn-cs"/>
+              </a:defRPr>
+            </a:lvl3pPr>
+            <a:lvl4pPr marL="1224392" algn="l" defTabSz="816262" rtl="0" eaLnBrk="1" latinLnBrk="0" hangingPunct="1">
+              <a:defRPr sz="1600" kern="1200">
+                <a:solidFill>
+                  <a:schemeClr val="tx1"/>
+                </a:solidFill>
+                <a:latin typeface="+mn-lt"/>
+                <a:ea typeface="+mn-ea"/>
+                <a:cs typeface="+mn-cs"/>
+              </a:defRPr>
+            </a:lvl4pPr>
+            <a:lvl5pPr marL="1632523" algn="l" defTabSz="816262" rtl="0" eaLnBrk="1" latinLnBrk="0" hangingPunct="1">
+              <a:defRPr sz="1600" kern="1200">
+                <a:solidFill>
+                  <a:schemeClr val="tx1"/>
+                </a:solidFill>
+                <a:latin typeface="+mn-lt"/>
+                <a:ea typeface="+mn-ea"/>
+                <a:cs typeface="+mn-cs"/>
+              </a:defRPr>
+            </a:lvl5pPr>
+            <a:lvl6pPr marL="2040654" algn="l" defTabSz="816262" rtl="0" eaLnBrk="1" latinLnBrk="0" hangingPunct="1">
+              <a:defRPr sz="1600" kern="1200">
+                <a:solidFill>
+                  <a:schemeClr val="tx1"/>
+                </a:solidFill>
+                <a:latin typeface="+mn-lt"/>
+                <a:ea typeface="+mn-ea"/>
+                <a:cs typeface="+mn-cs"/>
+              </a:defRPr>
+            </a:lvl6pPr>
+            <a:lvl7pPr marL="2448785" algn="l" defTabSz="816262" rtl="0" eaLnBrk="1" latinLnBrk="0" hangingPunct="1">
+              <a:defRPr sz="1600" kern="1200">
+                <a:solidFill>
+                  <a:schemeClr val="tx1"/>
+                </a:solidFill>
+                <a:latin typeface="+mn-lt"/>
+                <a:ea typeface="+mn-ea"/>
+                <a:cs typeface="+mn-cs"/>
+              </a:defRPr>
+            </a:lvl7pPr>
+            <a:lvl8pPr marL="2856915" algn="l" defTabSz="816262" rtl="0" eaLnBrk="1" latinLnBrk="0" hangingPunct="1">
+              <a:defRPr sz="1600" kern="1200">
+                <a:solidFill>
+                  <a:schemeClr val="tx1"/>
+                </a:solidFill>
+                <a:latin typeface="+mn-lt"/>
+                <a:ea typeface="+mn-ea"/>
+                <a:cs typeface="+mn-cs"/>
+              </a:defRPr>
+            </a:lvl8pPr>
+            <a:lvl9pPr marL="3265046" algn="l" defTabSz="816262" rtl="0" eaLnBrk="1" latinLnBrk="0" hangingPunct="1">
+              <a:defRPr sz="1600" kern="1200">
+                <a:solidFill>
+                  <a:schemeClr val="tx1"/>
+                </a:solidFill>
+                <a:latin typeface="+mn-lt"/>
+                <a:ea typeface="+mn-ea"/>
+                <a:cs typeface="+mn-cs"/>
+              </a:defRPr>
+            </a:lvl9pPr>
+          </a:lstStyle>
+          <a:p>
+            <a:r>
+              <a:rPr lang="en-US" sz="1000" dirty="0"/>
+              <a:t>Image Sources: </a:t>
+            </a:r>
+            <a:r>
+              <a:rPr lang="en-US" sz="1000" dirty="0">
+                <a:hlinkClick r:id="rId6"/>
+              </a:rPr>
+              <a:t>https://en.wikipedia.org/wiki/File:TheTwoCultures.jpg</a:t>
+            </a:r>
+            <a:endParaRPr lang="en-US" sz="1000" dirty="0"/>
+          </a:p>
+          <a:p>
+            <a:r>
+              <a:rPr lang="en-US" sz="1000" dirty="0">
+                <a:hlinkClick r:id="rId7"/>
+              </a:rPr>
+              <a:t>https://projecteuclid.org/download/pdf_1/euclid.ss/1009213726</a:t>
+            </a:r>
+            <a:endParaRPr lang="en-US" sz="1000" dirty="0"/>
+          </a:p>
+          <a:p>
+            <a:r>
+              <a:rPr lang="en-US" sz="1000" dirty="0"/>
+              <a:t>Cates, </a:t>
+            </a:r>
+            <a:r>
+              <a:rPr lang="en-US" sz="1000" dirty="0" err="1"/>
+              <a:t>Garrahan</a:t>
+            </a:r>
+            <a:r>
+              <a:rPr lang="en-US" sz="1000" dirty="0"/>
+              <a:t> and Lawrence, 2018, Applied Finance and the Third Culture</a:t>
+            </a:r>
+          </a:p>
+        </p:txBody>
+      </p:sp>
+    </p:spTree>
+    <p:extLst>
+      <p:ext uri="{BB962C8B-B14F-4D97-AF65-F5344CB8AC3E}">
+        <p14:creationId xmlns:p14="http://schemas.microsoft.com/office/powerpoint/2010/main" val="3184580983"/>
+      </p:ext>
+    </p:extLst>
+  </p:cSld>
+  <p:clrMapOvr>
+    <a:masterClrMapping/>
+  </p:clrMapOvr>
+  <p:timing>
+    <p:tnLst>
+      <p:par>
+        <p:cTn id="1" dur="indefinite" restart="never" nodeType="tmRoot">
+          <p:childTnLst>
+            <p:seq concurrent="1" nextAc="seek">
+              <p:cTn id="2" dur="indefinite" nodeType="mainSeq">
+                <p:childTnLst>
+                  <p:par>
+                    <p:cTn id="3" fill="hold">
+                      <p:stCondLst>
+                        <p:cond delay="indefinite"/>
+                        <p:cond evt="onBegin" delay="0">
+                          <p:tn val="2"/>
+                        </p:cond>
+                      </p:stCondLst>
+                      <p:childTnLst>
+                        <p:par>
+                          <p:cTn id="4" fill="hold">
+                            <p:stCondLst>
+                              <p:cond delay="0"/>
+                            </p:stCondLst>
+                            <p:childTnLst>
+                              <p:par>
+                                <p:cTn id="5" presetID="10" presetClass="entr" presetSubtype="0" fill="hold" nodeType="withEffect">
+                                  <p:stCondLst>
+                                    <p:cond delay="0"/>
+                                  </p:stCondLst>
+                                  <p:childTnLst>
+                                    <p:set>
+                                      <p:cBhvr>
+                                        <p:cTn id="6" dur="1" fill="hold">
+                                          <p:stCondLst>
+                                            <p:cond delay="0"/>
+                                          </p:stCondLst>
+                                        </p:cTn>
+                                        <p:tgtEl>
+                                          <p:spTgt spid="5"/>
+                                        </p:tgtEl>
+                                        <p:attrNameLst>
+                                          <p:attrName>style.visibility</p:attrName>
+                                        </p:attrNameLst>
+                                      </p:cBhvr>
+                                      <p:to>
+                                        <p:strVal val="visible"/>
+                                      </p:to>
+                                    </p:set>
+                                    <p:animEffect transition="in" filter="fade">
+                                      <p:cBhvr>
+                                        <p:cTn id="7" dur="500"/>
+                                        <p:tgtEl>
+                                          <p:spTgt spid="5"/>
+                                        </p:tgtEl>
+                                      </p:cBhvr>
+                                    </p:animEffect>
+                                  </p:childTnLst>
+                                </p:cTn>
+                              </p:par>
+                              <p:par>
+                                <p:cTn id="8" presetID="10" presetClass="entr" presetSubtype="0" fill="hold" grpId="0" nodeType="withEffect">
+                                  <p:stCondLst>
+                                    <p:cond delay="0"/>
+                                  </p:stCondLst>
+                                  <p:childTnLst>
+                                    <p:set>
+                                      <p:cBhvr>
+                                        <p:cTn id="9" dur="1" fill="hold">
+                                          <p:stCondLst>
+                                            <p:cond delay="0"/>
+                                          </p:stCondLst>
+                                        </p:cTn>
+                                        <p:tgtEl>
+                                          <p:spTgt spid="8"/>
+                                        </p:tgtEl>
+                                        <p:attrNameLst>
+                                          <p:attrName>style.visibility</p:attrName>
+                                        </p:attrNameLst>
+                                      </p:cBhvr>
+                                      <p:to>
+                                        <p:strVal val="visible"/>
+                                      </p:to>
+                                    </p:set>
+                                    <p:animEffect transition="in" filter="fade">
+                                      <p:cBhvr>
+                                        <p:cTn id="10" dur="500"/>
+                                        <p:tgtEl>
+                                          <p:spTgt spid="8"/>
+                                        </p:tgtEl>
+                                      </p:cBhvr>
+                                    </p:animEffect>
+                                  </p:childTnLst>
+                                </p:cTn>
+                              </p:par>
+                            </p:childTnLst>
+                          </p:cTn>
+                        </p:par>
+                      </p:childTnLst>
+                    </p:cTn>
+                  </p:par>
+                  <p:par>
+                    <p:cTn id="11" fill="hold">
+                      <p:stCondLst>
+                        <p:cond delay="indefinite"/>
+                      </p:stCondLst>
+                      <p:childTnLst>
+                        <p:par>
+                          <p:cTn id="12" fill="hold">
+                            <p:stCondLst>
+                              <p:cond delay="0"/>
+                            </p:stCondLst>
+                            <p:childTnLst>
+                              <p:par>
+                                <p:cTn id="13" presetID="10" presetClass="entr" presetSubtype="0" fill="hold" grpId="0" nodeType="clickEffect">
+                                  <p:stCondLst>
+                                    <p:cond delay="0"/>
+                                  </p:stCondLst>
+                                  <p:childTnLst>
+                                    <p:set>
+                                      <p:cBhvr>
+                                        <p:cTn id="14" dur="1" fill="hold">
+                                          <p:stCondLst>
+                                            <p:cond delay="0"/>
+                                          </p:stCondLst>
+                                        </p:cTn>
+                                        <p:tgtEl>
+                                          <p:spTgt spid="9"/>
+                                        </p:tgtEl>
+                                        <p:attrNameLst>
+                                          <p:attrName>style.visibility</p:attrName>
+                                        </p:attrNameLst>
+                                      </p:cBhvr>
+                                      <p:to>
+                                        <p:strVal val="visible"/>
+                                      </p:to>
+                                    </p:set>
+                                    <p:animEffect transition="in" filter="fade">
+                                      <p:cBhvr>
+                                        <p:cTn id="15" dur="500"/>
+                                        <p:tgtEl>
+                                          <p:spTgt spid="9"/>
+                                        </p:tgtEl>
+                                      </p:cBhvr>
+                                    </p:animEffect>
+                                  </p:childTnLst>
+                                </p:cTn>
+                              </p:par>
+                              <p:par>
+                                <p:cTn id="16" presetID="10" presetClass="entr" presetSubtype="0" fill="hold" nodeType="withEffect">
+                                  <p:stCondLst>
+                                    <p:cond delay="0"/>
+                                  </p:stCondLst>
+                                  <p:childTnLst>
+                                    <p:set>
+                                      <p:cBhvr>
+                                        <p:cTn id="17" dur="1" fill="hold">
+                                          <p:stCondLst>
+                                            <p:cond delay="0"/>
+                                          </p:stCondLst>
+                                        </p:cTn>
+                                        <p:tgtEl>
+                                          <p:spTgt spid="6"/>
+                                        </p:tgtEl>
+                                        <p:attrNameLst>
+                                          <p:attrName>style.visibility</p:attrName>
+                                        </p:attrNameLst>
+                                      </p:cBhvr>
+                                      <p:to>
+                                        <p:strVal val="visible"/>
+                                      </p:to>
+                                    </p:set>
+                                    <p:animEffect transition="in" filter="fade">
+                                      <p:cBhvr>
+                                        <p:cTn id="18" dur="500"/>
+                                        <p:tgtEl>
+                                          <p:spTgt spid="6"/>
+                                        </p:tgtEl>
+                                      </p:cBhvr>
+                                    </p:animEffect>
+                                  </p:childTnLst>
+                                </p:cTn>
+                              </p:par>
+                            </p:childTnLst>
+                          </p:cTn>
+                        </p:par>
+                      </p:childTnLst>
+                    </p:cTn>
+                  </p:par>
+                  <p:par>
+                    <p:cTn id="19" fill="hold">
+                      <p:stCondLst>
+                        <p:cond delay="indefinite"/>
+                      </p:stCondLst>
+                      <p:childTnLst>
+                        <p:par>
+                          <p:cTn id="20" fill="hold">
+                            <p:stCondLst>
+                              <p:cond delay="0"/>
+                            </p:stCondLst>
+                            <p:childTnLst>
+                              <p:par>
+                                <p:cTn id="21" presetID="10" presetClass="entr" presetSubtype="0" fill="hold" grpId="0" nodeType="clickEffect">
+                                  <p:stCondLst>
+                                    <p:cond delay="0"/>
+                                  </p:stCondLst>
+                                  <p:childTnLst>
+                                    <p:set>
+                                      <p:cBhvr>
+                                        <p:cTn id="22" dur="1" fill="hold">
+                                          <p:stCondLst>
+                                            <p:cond delay="0"/>
+                                          </p:stCondLst>
+                                        </p:cTn>
+                                        <p:tgtEl>
+                                          <p:spTgt spid="10"/>
+                                        </p:tgtEl>
+                                        <p:attrNameLst>
+                                          <p:attrName>style.visibility</p:attrName>
+                                        </p:attrNameLst>
+                                      </p:cBhvr>
+                                      <p:to>
+                                        <p:strVal val="visible"/>
+                                      </p:to>
+                                    </p:set>
+                                    <p:animEffect transition="in" filter="fade">
+                                      <p:cBhvr>
+                                        <p:cTn id="23" dur="500"/>
+                                        <p:tgtEl>
+                                          <p:spTgt spid="10"/>
+                                        </p:tgtEl>
+                                      </p:cBhvr>
+                                    </p:animEffect>
+                                  </p:childTnLst>
+                                </p:cTn>
+                              </p:par>
+                              <p:par>
+                                <p:cTn id="24" presetID="10" presetClass="entr" presetSubtype="0" fill="hold" nodeType="withEffect">
+                                  <p:stCondLst>
+                                    <p:cond delay="0"/>
+                                  </p:stCondLst>
+                                  <p:childTnLst>
+                                    <p:set>
+                                      <p:cBhvr>
+                                        <p:cTn id="25" dur="1" fill="hold">
+                                          <p:stCondLst>
+                                            <p:cond delay="0"/>
+                                          </p:stCondLst>
+                                        </p:cTn>
+                                        <p:tgtEl>
+                                          <p:spTgt spid="7"/>
+                                        </p:tgtEl>
+                                        <p:attrNameLst>
+                                          <p:attrName>style.visibility</p:attrName>
+                                        </p:attrNameLst>
+                                      </p:cBhvr>
+                                      <p:to>
+                                        <p:strVal val="visible"/>
+                                      </p:to>
+                                    </p:set>
+                                    <p:animEffect transition="in" filter="fade">
+                                      <p:cBhvr>
+                                        <p:cTn id="26" dur="500"/>
+                                        <p:tgtEl>
+                                          <p:spTgt spid="7"/>
+                                        </p:tgtEl>
+                                      </p:cBhvr>
+                                    </p:animEffect>
+                                  </p:childTnLst>
+                                </p:cTn>
+                              </p:par>
+                            </p:childTnLst>
+                          </p:cTn>
+                        </p:par>
+                      </p:childTnLst>
+                    </p:cTn>
+                  </p:par>
+                </p:childTnLst>
+              </p:cTn>
+              <p:prevCondLst>
+                <p:cond evt="onPrev" delay="0">
+                  <p:tgtEl>
+                    <p:sldTgt/>
+                  </p:tgtEl>
+                </p:cond>
+              </p:prevCondLst>
+              <p:nextCondLst>
+                <p:cond evt="onNext" delay="0">
+                  <p:tgtEl>
+                    <p:sldTgt/>
+                  </p:tgtEl>
+                </p:cond>
+              </p:nextCondLst>
+            </p:seq>
+          </p:childTnLst>
+        </p:cTn>
+      </p:par>
+    </p:tnLst>
+    <p:bldLst>
+      <p:bldP spid="8" grpId="0"/>
+      <p:bldP spid="9" grpId="0"/>
+      <p:bldP spid="10" grpId="0"/>
+    </p:bldLst>
+  </p:timing>
+</p:sld>
+</file>
+
+<file path=ppt/tags/tag1.xml><?xml version="1.0" encoding="utf-8"?>
+<p:tagLst xmlns:a="http://schemas.openxmlformats.org/drawingml/2006/main" xmlns:r="http://schemas.openxmlformats.org/officeDocument/2006/relationships" xmlns:p="http://schemas.openxmlformats.org/presentationml/2006/main">
+  <p:tag name="THINKCELLSHAPEDONOTDELETE" val="thinkcellActiveDocDoNotDelete"/>
+</p:tagLst>
 </file>
 
 <file path=ppt/theme/theme1.xml><?xml version="1.0" encoding="utf-8"?>

--- a/Presentation/ODSC Modeling Volatility - Lawrence Hameyie-Sanon.pptx
+++ b/Presentation/ODSC Modeling Volatility - Lawrence Hameyie-Sanon.pptx
@@ -5,10 +5,10 @@
     <p:sldMasterId id="2147483660" r:id="rId1"/>
   </p:sldMasterIdLst>
   <p:notesMasterIdLst>
-    <p:notesMasterId r:id="rId27"/>
+    <p:notesMasterId r:id="rId31"/>
   </p:notesMasterIdLst>
   <p:handoutMasterIdLst>
-    <p:handoutMasterId r:id="rId28"/>
+    <p:handoutMasterId r:id="rId32"/>
   </p:handoutMasterIdLst>
   <p:sldIdLst>
     <p:sldId id="256" r:id="rId2"/>
@@ -30,12 +30,16 @@
     <p:sldId id="435" r:id="rId18"/>
     <p:sldId id="429" r:id="rId19"/>
     <p:sldId id="433" r:id="rId20"/>
-    <p:sldId id="436" r:id="rId21"/>
-    <p:sldId id="430" r:id="rId22"/>
-    <p:sldId id="434" r:id="rId23"/>
-    <p:sldId id="428" r:id="rId24"/>
-    <p:sldId id="432" r:id="rId25"/>
-    <p:sldId id="431" r:id="rId26"/>
+    <p:sldId id="437" r:id="rId21"/>
+    <p:sldId id="438" r:id="rId22"/>
+    <p:sldId id="436" r:id="rId23"/>
+    <p:sldId id="430" r:id="rId24"/>
+    <p:sldId id="428" r:id="rId25"/>
+    <p:sldId id="434" r:id="rId26"/>
+    <p:sldId id="432" r:id="rId27"/>
+    <p:sldId id="431" r:id="rId28"/>
+    <p:sldId id="351" r:id="rId29"/>
+    <p:sldId id="418" r:id="rId30"/>
   </p:sldIdLst>
   <p:sldSz cx="13817600" cy="7772400"/>
   <p:notesSz cx="7010400" cy="9296400"/>
@@ -1060,6 +1064,90 @@
 </p:notes>
 </file>
 
+<file path=ppt/notesSlides/notesSlide3.xml><?xml version="1.0" encoding="utf-8"?>
+<p:notes xmlns:a="http://schemas.openxmlformats.org/drawingml/2006/main" xmlns:r="http://schemas.openxmlformats.org/officeDocument/2006/relationships" xmlns:p="http://schemas.openxmlformats.org/presentationml/2006/main">
+  <p:cSld>
+    <p:spTree>
+      <p:nvGrpSpPr>
+        <p:cNvPr id="1" name=""/>
+        <p:cNvGrpSpPr/>
+        <p:nvPr/>
+      </p:nvGrpSpPr>
+      <p:grpSpPr>
+        <a:xfrm>
+          <a:off x="0" y="0"/>
+          <a:ext cx="0" cy="0"/>
+          <a:chOff x="0" y="0"/>
+          <a:chExt cx="0" cy="0"/>
+        </a:xfrm>
+      </p:grpSpPr>
+      <p:sp>
+        <p:nvSpPr>
+          <p:cNvPr id="2" name="Slide Image Placeholder 1"/>
+          <p:cNvSpPr>
+            <a:spLocks noGrp="1" noRot="1" noChangeAspect="1"/>
+          </p:cNvSpPr>
+          <p:nvPr>
+            <p:ph type="sldImg"/>
+          </p:nvPr>
+        </p:nvSpPr>
+        <p:spPr/>
+      </p:sp>
+      <p:sp>
+        <p:nvSpPr>
+          <p:cNvPr id="3" name="Notes Placeholder 2"/>
+          <p:cNvSpPr>
+            <a:spLocks noGrp="1"/>
+          </p:cNvSpPr>
+          <p:nvPr>
+            <p:ph type="body" idx="1"/>
+          </p:nvPr>
+        </p:nvSpPr>
+        <p:spPr/>
+        <p:txBody>
+          <a:bodyPr/>
+          <a:lstStyle/>
+          <a:p>
+            <a:endParaRPr lang="en-US" dirty="0"/>
+          </a:p>
+        </p:txBody>
+      </p:sp>
+      <p:sp>
+        <p:nvSpPr>
+          <p:cNvPr id="4" name="Slide Number Placeholder 3"/>
+          <p:cNvSpPr>
+            <a:spLocks noGrp="1"/>
+          </p:cNvSpPr>
+          <p:nvPr>
+            <p:ph type="sldNum" sz="quarter" idx="10"/>
+          </p:nvPr>
+        </p:nvSpPr>
+        <p:spPr/>
+        <p:txBody>
+          <a:bodyPr/>
+          <a:lstStyle/>
+          <a:p>
+            <a:fld id="{E41A5994-4714-4C10-9DEB-727FF9E5066C}" type="slidenum">
+              <a:rPr lang="en-US" smtClean="0"/>
+              <a:t>28</a:t>
+            </a:fld>
+            <a:endParaRPr lang="en-US"/>
+          </a:p>
+        </p:txBody>
+      </p:sp>
+    </p:spTree>
+    <p:extLst>
+      <p:ext uri="{BB962C8B-B14F-4D97-AF65-F5344CB8AC3E}">
+        <p14:creationId xmlns:p14="http://schemas.microsoft.com/office/powerpoint/2010/main" val="3436831815"/>
+      </p:ext>
+    </p:extLst>
+  </p:cSld>
+  <p:clrMapOvr>
+    <a:masterClrMapping/>
+  </p:clrMapOvr>
+</p:notes>
+</file>
+
 <file path=ppt/slideLayouts/slideLayout1.xml><?xml version="1.0" encoding="utf-8"?>
 <p:sldLayout xmlns:a="http://schemas.openxmlformats.org/drawingml/2006/main" xmlns:r="http://schemas.openxmlformats.org/officeDocument/2006/relationships" xmlns:p="http://schemas.openxmlformats.org/presentationml/2006/main" showMasterSp="0" preserve="1" userDrawn="1">
   <p:cSld name="Cover">
@@ -5958,7 +6046,7 @@
           <a:graphicData uri="http://schemas.openxmlformats.org/presentationml/2006/ole">
             <mc:AlternateContent xmlns:mc="http://schemas.openxmlformats.org/markup-compatibility/2006">
               <mc:Choice xmlns:v="urn:schemas-microsoft-com:vml" Requires="v">
-                <p:oleObj spid="_x0000_s1029" name="think-cell Slide" r:id="rId4" imgW="572" imgH="429" progId="TCLayout.ActiveDocument.1">
+                <p:oleObj spid="_x0000_s1033" name="think-cell Slide" r:id="rId4" imgW="572" imgH="429" progId="TCLayout.ActiveDocument.1">
                   <p:embed/>
                 </p:oleObj>
               </mc:Choice>
@@ -6353,6 +6441,265 @@
     <p:wipe dir="r"/>
   </p:transition>
   <p:hf hdr="0" ftr="0" dt="0"/>
+</p:sldLayout>
+</file>
+
+<file path=ppt/slideLayouts/slideLayout24.xml><?xml version="1.0" encoding="utf-8"?>
+<p:sldLayout xmlns:a="http://schemas.openxmlformats.org/drawingml/2006/main" xmlns:r="http://schemas.openxmlformats.org/officeDocument/2006/relationships" xmlns:p="http://schemas.openxmlformats.org/presentationml/2006/main" userDrawn="1">
+  <p:cSld name="Title and No Content">
+    <p:spTree>
+      <p:nvGrpSpPr>
+        <p:cNvPr id="1" name=""/>
+        <p:cNvGrpSpPr/>
+        <p:nvPr/>
+      </p:nvGrpSpPr>
+      <p:grpSpPr>
+        <a:xfrm>
+          <a:off x="0" y="0"/>
+          <a:ext cx="0" cy="0"/>
+          <a:chOff x="0" y="0"/>
+          <a:chExt cx="0" cy="0"/>
+        </a:xfrm>
+      </p:grpSpPr>
+      <p:graphicFrame>
+        <p:nvGraphicFramePr>
+          <p:cNvPr id="8" name="Object 7" hidden="1"/>
+          <p:cNvGraphicFramePr>
+            <a:graphicFrameLocks noChangeAspect="1"/>
+          </p:cNvGraphicFramePr>
+          <p:nvPr userDrawn="1">
+            <p:custDataLst>
+              <p:tags r:id="rId2"/>
+            </p:custDataLst>
+            <p:extLst/>
+          </p:nvPr>
+        </p:nvGraphicFramePr>
+        <p:xfrm>
+          <a:off x="2400" y="1800"/>
+          <a:ext cx="2398" cy="1799"/>
+        </p:xfrm>
+        <a:graphic>
+          <a:graphicData uri="http://schemas.openxmlformats.org/presentationml/2006/ole">
+            <mc:AlternateContent xmlns:mc="http://schemas.openxmlformats.org/markup-compatibility/2006">
+              <mc:Choice xmlns:v="urn:schemas-microsoft-com:vml" Requires="v">
+                <p:oleObj spid="_x0000_s2050" name="think-cell Slide" r:id="rId4" imgW="572" imgH="429" progId="TCLayout.ActiveDocument.1">
+                  <p:embed/>
+                </p:oleObj>
+              </mc:Choice>
+              <mc:Fallback>
+                <p:oleObj name="think-cell Slide" r:id="rId4" imgW="572" imgH="429" progId="TCLayout.ActiveDocument.1">
+                  <p:embed/>
+                  <p:pic>
+                    <p:nvPicPr>
+                      <p:cNvPr id="8" name="Object 7" hidden="1"/>
+                      <p:cNvPicPr/>
+                      <p:nvPr/>
+                    </p:nvPicPr>
+                    <p:blipFill>
+                      <a:blip r:embed="rId5"/>
+                      <a:stretch>
+                        <a:fillRect/>
+                      </a:stretch>
+                    </p:blipFill>
+                    <p:spPr>
+                      <a:xfrm>
+                        <a:off x="2400" y="1800"/>
+                        <a:ext cx="2398" cy="1799"/>
+                      </a:xfrm>
+                      <a:prstGeom prst="rect">
+                        <a:avLst/>
+                      </a:prstGeom>
+                    </p:spPr>
+                  </p:pic>
+                </p:oleObj>
+              </mc:Fallback>
+            </mc:AlternateContent>
+          </a:graphicData>
+        </a:graphic>
+      </p:graphicFrame>
+      <p:sp>
+        <p:nvSpPr>
+          <p:cNvPr id="2" name="Title 1"/>
+          <p:cNvSpPr>
+            <a:spLocks noGrp="1"/>
+          </p:cNvSpPr>
+          <p:nvPr>
+            <p:ph type="title"/>
+          </p:nvPr>
+        </p:nvSpPr>
+        <p:spPr>
+          <a:xfrm>
+            <a:off x="695487" y="431800"/>
+            <a:ext cx="12431234" cy="341986"/>
+          </a:xfrm>
+          <a:prstGeom prst="rect">
+            <a:avLst/>
+          </a:prstGeom>
+        </p:spPr>
+        <p:txBody>
+          <a:bodyPr lIns="0" rIns="0" bIns="0" anchor="t" anchorCtr="0">
+            <a:noAutofit/>
+          </a:bodyPr>
+          <a:lstStyle>
+            <a:lvl1pPr algn="l">
+              <a:lnSpc>
+                <a:spcPts val="2720"/>
+              </a:lnSpc>
+              <a:defRPr sz="2720">
+                <a:solidFill>
+                  <a:schemeClr val="accent1"/>
+                </a:solidFill>
+                <a:latin typeface="Arial" panose="020B0604020202020204" pitchFamily="34" charset="0"/>
+                <a:cs typeface="Arial" panose="020B0604020202020204" pitchFamily="34" charset="0"/>
+              </a:defRPr>
+            </a:lvl1pPr>
+          </a:lstStyle>
+          <a:p>
+            <a:r>
+              <a:rPr lang="en-US"/>
+              <a:t>Click to edit Master title style</a:t>
+            </a:r>
+            <a:endParaRPr lang="en-US" dirty="0"/>
+          </a:p>
+        </p:txBody>
+      </p:sp>
+      <p:sp>
+        <p:nvSpPr>
+          <p:cNvPr id="5" name="Text Placeholder 4"/>
+          <p:cNvSpPr>
+            <a:spLocks noGrp="1"/>
+          </p:cNvSpPr>
+          <p:nvPr>
+            <p:ph type="body" sz="quarter" idx="13"/>
+          </p:nvPr>
+        </p:nvSpPr>
+        <p:spPr>
+          <a:xfrm>
+            <a:off x="690880" y="860146"/>
+            <a:ext cx="12435840" cy="274114"/>
+          </a:xfrm>
+          <a:prstGeom prst="rect">
+            <a:avLst/>
+          </a:prstGeom>
+        </p:spPr>
+        <p:txBody>
+          <a:bodyPr lIns="0" tIns="0" rIns="0" bIns="0" anchor="t" anchorCtr="0"/>
+          <a:lstStyle>
+            <a:lvl1pPr marL="0" indent="0">
+              <a:lnSpc>
+                <a:spcPts val="2267"/>
+              </a:lnSpc>
+              <a:spcBef>
+                <a:spcPts val="0"/>
+              </a:spcBef>
+              <a:buFontTx/>
+              <a:buNone/>
+              <a:defRPr sz="1813" b="1">
+                <a:solidFill>
+                  <a:schemeClr val="bg2"/>
+                </a:solidFill>
+              </a:defRPr>
+            </a:lvl1pPr>
+            <a:lvl2pPr marL="518145" indent="0">
+              <a:buFontTx/>
+              <a:buNone/>
+              <a:defRPr sz="1587"/>
+            </a:lvl2pPr>
+            <a:lvl3pPr marL="1036290" indent="0">
+              <a:buFontTx/>
+              <a:buNone/>
+              <a:defRPr sz="1587"/>
+            </a:lvl3pPr>
+            <a:lvl4pPr marL="1554434" indent="0">
+              <a:buFontTx/>
+              <a:buNone/>
+              <a:defRPr sz="1587"/>
+            </a:lvl4pPr>
+            <a:lvl5pPr marL="2072579" indent="0">
+              <a:buFontTx/>
+              <a:buNone/>
+              <a:defRPr sz="1587"/>
+            </a:lvl5pPr>
+          </a:lstStyle>
+          <a:p>
+            <a:pPr lvl="0"/>
+            <a:r>
+              <a:rPr lang="en-US"/>
+              <a:t>Click to edit Master text styles</a:t>
+            </a:r>
+          </a:p>
+        </p:txBody>
+      </p:sp>
+      <p:sp>
+        <p:nvSpPr>
+          <p:cNvPr id="3" name="Rectangle 2"/>
+          <p:cNvSpPr/>
+          <p:nvPr userDrawn="1"/>
+        </p:nvSpPr>
+        <p:spPr>
+          <a:xfrm>
+            <a:off x="680086" y="7140676"/>
+            <a:ext cx="690880" cy="279806"/>
+          </a:xfrm>
+          <a:prstGeom prst="rect">
+            <a:avLst/>
+          </a:prstGeom>
+          <a:noFill/>
+          <a:ln w="12700">
+            <a:noFill/>
+          </a:ln>
+        </p:spPr>
+        <p:style>
+          <a:lnRef idx="2">
+            <a:schemeClr val="accent1">
+              <a:shade val="50000"/>
+            </a:schemeClr>
+          </a:lnRef>
+          <a:fillRef idx="1">
+            <a:schemeClr val="accent1"/>
+          </a:fillRef>
+          <a:effectRef idx="0">
+            <a:schemeClr val="accent1"/>
+          </a:effectRef>
+          <a:fontRef idx="minor">
+            <a:schemeClr val="lt1"/>
+          </a:fontRef>
+        </p:style>
+        <p:txBody>
+          <a:bodyPr lIns="0" tIns="0" rIns="0" bIns="0" rtlCol="0" anchor="ctr" anchorCtr="0"/>
+          <a:lstStyle/>
+          <a:p>
+            <a:pPr lvl="0"/>
+            <a:fld id="{750EAF8F-C89C-4E34-86B5-CE7BA5071914}" type="slidenum">
+              <a:rPr lang="en-US" sz="1133" smtClean="0">
+                <a:solidFill>
+                  <a:schemeClr val="accent5"/>
+                </a:solidFill>
+              </a:rPr>
+              <a:pPr lvl="0"/>
+              <a:t>‹#›</a:t>
+            </a:fld>
+            <a:endParaRPr lang="en-US" sz="1133" dirty="0">
+              <a:solidFill>
+                <a:schemeClr val="accent5"/>
+              </a:solidFill>
+            </a:endParaRPr>
+          </a:p>
+        </p:txBody>
+      </p:sp>
+    </p:spTree>
+    <p:extLst>
+      <p:ext uri="{BB962C8B-B14F-4D97-AF65-F5344CB8AC3E}">
+        <p14:creationId xmlns:p14="http://schemas.microsoft.com/office/powerpoint/2010/main" val="1812629138"/>
+      </p:ext>
+    </p:extLst>
+  </p:cSld>
+  <p:clrMapOvr>
+    <a:masterClrMapping/>
+  </p:clrMapOvr>
+  <p:transition spd="slow">
+    <p:wipe dir="r"/>
+  </p:transition>
 </p:sldLayout>
 </file>
 
@@ -8183,6 +8530,7 @@
     <p:sldLayoutId id="2147483833" r:id="rId21"/>
     <p:sldLayoutId id="2147484063" r:id="rId22"/>
     <p:sldLayoutId id="2147484064" r:id="rId23"/>
+    <p:sldLayoutId id="2147484065" r:id="rId24"/>
   </p:sldLayoutIdLst>
   <p:hf sldNum="0" hdr="0" ftr="0" dt="0"/>
   <p:txStyles>
@@ -13772,6 +14120,2270 @@
           <a:chExt cx="0" cy="0"/>
         </a:xfrm>
       </p:grpSpPr>
+      <p:sp>
+        <p:nvSpPr>
+          <p:cNvPr id="2" name="Title 1">
+            <a:extLst>
+              <a:ext uri="{FF2B5EF4-FFF2-40B4-BE49-F238E27FC236}">
+                <a16:creationId xmlns:a16="http://schemas.microsoft.com/office/drawing/2014/main" id="{F078C254-2815-CF47-910C-00AB80C6B2B6}"/>
+              </a:ext>
+            </a:extLst>
+          </p:cNvPr>
+          <p:cNvSpPr>
+            <a:spLocks noGrp="1"/>
+          </p:cNvSpPr>
+          <p:nvPr>
+            <p:ph type="title"/>
+          </p:nvPr>
+        </p:nvSpPr>
+        <p:spPr/>
+        <p:txBody>
+          <a:bodyPr/>
+          <a:lstStyle/>
+          <a:p>
+            <a:r>
+              <a:rPr lang="en-US" dirty="0"/>
+              <a:t>Estimation Samples in the Turbulence Model</a:t>
+            </a:r>
+          </a:p>
+        </p:txBody>
+      </p:sp>
+      <p:sp>
+        <p:nvSpPr>
+          <p:cNvPr id="13" name="TextBox 12">
+            <a:extLst>
+              <a:ext uri="{FF2B5EF4-FFF2-40B4-BE49-F238E27FC236}">
+                <a16:creationId xmlns:a16="http://schemas.microsoft.com/office/drawing/2014/main" id="{CBEACF97-705F-554E-9E57-9BCEE14E677B}"/>
+              </a:ext>
+            </a:extLst>
+          </p:cNvPr>
+          <p:cNvSpPr txBox="1"/>
+          <p:nvPr/>
+        </p:nvSpPr>
+        <p:spPr>
+          <a:xfrm>
+            <a:off x="-6055" y="7541568"/>
+            <a:ext cx="3053644" cy="230832"/>
+          </a:xfrm>
+          <a:prstGeom prst="rect">
+            <a:avLst/>
+          </a:prstGeom>
+          <a:noFill/>
+        </p:spPr>
+        <p:txBody>
+          <a:bodyPr wrap="square" rtlCol="0">
+            <a:spAutoFit/>
+          </a:bodyPr>
+          <a:lstStyle/>
+          <a:p>
+            <a:r>
+              <a:rPr lang="en-US" sz="900" dirty="0">
+                <a:hlinkClick r:id="rId2" tooltip="http://picandocodigo.net/2009/delorean-de-coleccion-para-viajar-en-el-tiempo/"/>
+              </a:rPr>
+              <a:t>Photo</a:t>
+            </a:r>
+            <a:r>
+              <a:rPr lang="en-US" sz="900" dirty="0"/>
+              <a:t> by Unknown Author is licensed under </a:t>
+            </a:r>
+            <a:r>
+              <a:rPr lang="en-US" sz="900" dirty="0">
+                <a:hlinkClick r:id="rId3" tooltip="https://creativecommons.org/licenses/by-sa/3.0/"/>
+              </a:rPr>
+              <a:t>CC BY-SA</a:t>
+            </a:r>
+            <a:endParaRPr lang="en-US" sz="900" dirty="0"/>
+          </a:p>
+        </p:txBody>
+      </p:sp>
+      <p:sp>
+        <p:nvSpPr>
+          <p:cNvPr id="6" name="TextBox 5">
+            <a:extLst>
+              <a:ext uri="{FF2B5EF4-FFF2-40B4-BE49-F238E27FC236}">
+                <a16:creationId xmlns:a16="http://schemas.microsoft.com/office/drawing/2014/main" id="{9D97BD1B-5484-5E41-9685-FE31259A6FF4}"/>
+              </a:ext>
+            </a:extLst>
+          </p:cNvPr>
+          <p:cNvSpPr txBox="1"/>
+          <p:nvPr/>
+        </p:nvSpPr>
+        <p:spPr>
+          <a:xfrm>
+            <a:off x="6141156" y="1546578"/>
+            <a:ext cx="7479933" cy="5324535"/>
+          </a:xfrm>
+          <a:prstGeom prst="rect">
+            <a:avLst/>
+          </a:prstGeom>
+          <a:noFill/>
+        </p:spPr>
+        <p:txBody>
+          <a:bodyPr wrap="none" rtlCol="0">
+            <a:spAutoFit/>
+          </a:bodyPr>
+          <a:lstStyle/>
+          <a:p>
+            <a:pPr marL="457200" indent="-457200">
+              <a:buFont typeface="+mj-lt"/>
+              <a:buAutoNum type="arabicPeriod"/>
+            </a:pPr>
+            <a:r>
+              <a:rPr lang="en-US" dirty="0"/>
+              <a:t>Turbulence is estimated with a rolling window</a:t>
+            </a:r>
+          </a:p>
+          <a:p>
+            <a:pPr marL="457200" indent="-457200">
+              <a:buFont typeface="+mj-lt"/>
+              <a:buAutoNum type="arabicPeriod"/>
+            </a:pPr>
+            <a:endParaRPr lang="en-US" dirty="0"/>
+          </a:p>
+          <a:p>
+            <a:pPr marL="457200" indent="-457200">
+              <a:buFont typeface="+mj-lt"/>
+              <a:buAutoNum type="arabicPeriod"/>
+            </a:pPr>
+            <a:endParaRPr lang="en-US" dirty="0"/>
+          </a:p>
+          <a:p>
+            <a:pPr marL="457200" indent="-457200">
+              <a:buFont typeface="+mj-lt"/>
+              <a:buAutoNum type="arabicPeriod"/>
+            </a:pPr>
+            <a:endParaRPr lang="en-US" dirty="0"/>
+          </a:p>
+          <a:p>
+            <a:pPr marL="457200" indent="-457200">
+              <a:buFont typeface="+mj-lt"/>
+              <a:buAutoNum type="arabicPeriod"/>
+            </a:pPr>
+            <a:endParaRPr lang="en-US" dirty="0"/>
+          </a:p>
+          <a:p>
+            <a:pPr marL="457200" indent="-457200">
+              <a:buFont typeface="+mj-lt"/>
+              <a:buAutoNum type="arabicPeriod"/>
+            </a:pPr>
+            <a:endParaRPr lang="en-US" dirty="0"/>
+          </a:p>
+          <a:p>
+            <a:pPr marL="457200" indent="-457200">
+              <a:buFont typeface="+mj-lt"/>
+              <a:buAutoNum type="arabicPeriod"/>
+            </a:pPr>
+            <a:endParaRPr lang="en-US" dirty="0"/>
+          </a:p>
+          <a:p>
+            <a:pPr marL="457200" indent="-457200">
+              <a:buFont typeface="+mj-lt"/>
+              <a:buAutoNum type="arabicPeriod"/>
+            </a:pPr>
+            <a:endParaRPr lang="en-US" dirty="0"/>
+          </a:p>
+          <a:p>
+            <a:pPr marL="457200" indent="-457200">
+              <a:buFont typeface="+mj-lt"/>
+              <a:buAutoNum type="arabicPeriod"/>
+            </a:pPr>
+            <a:r>
+              <a:rPr lang="en-US" dirty="0"/>
+              <a:t>Estimates over the period 1/1/1975 – 12/31/1994 are used</a:t>
+            </a:r>
+            <a:br>
+              <a:rPr lang="en-US" dirty="0"/>
+            </a:br>
+            <a:r>
+              <a:rPr lang="en-US" dirty="0"/>
+              <a:t>to determine the optimal weighting scheme</a:t>
+            </a:r>
+          </a:p>
+          <a:p>
+            <a:pPr marL="457200" indent="-457200">
+              <a:buFont typeface="+mj-lt"/>
+              <a:buAutoNum type="arabicPeriod"/>
+            </a:pPr>
+            <a:endParaRPr lang="en-US" dirty="0"/>
+          </a:p>
+          <a:p>
+            <a:pPr marL="457200" indent="-457200">
+              <a:buFont typeface="+mj-lt"/>
+              <a:buAutoNum type="arabicPeriod"/>
+            </a:pPr>
+            <a:r>
+              <a:rPr lang="en-US" dirty="0"/>
+              <a:t>1/1/1995 – 12/31/2004 is used to choose model parameters </a:t>
+            </a:r>
+          </a:p>
+          <a:p>
+            <a:pPr marL="457200" indent="-457200">
+              <a:buFont typeface="+mj-lt"/>
+              <a:buAutoNum type="arabicPeriod"/>
+            </a:pPr>
+            <a:endParaRPr lang="en-US" dirty="0"/>
+          </a:p>
+          <a:p>
+            <a:pPr marL="457200" indent="-457200">
+              <a:buFont typeface="+mj-lt"/>
+              <a:buAutoNum type="arabicPeriod"/>
+            </a:pPr>
+            <a:endParaRPr lang="en-US" dirty="0"/>
+          </a:p>
+          <a:p>
+            <a:pPr marL="457200" indent="-457200">
+              <a:buFont typeface="+mj-lt"/>
+              <a:buAutoNum type="arabicPeriod"/>
+            </a:pPr>
+            <a:endParaRPr lang="en-US" dirty="0"/>
+          </a:p>
+          <a:p>
+            <a:pPr marL="457200" indent="-457200">
+              <a:buFont typeface="+mj-lt"/>
+              <a:buAutoNum type="arabicPeriod"/>
+            </a:pPr>
+            <a:r>
+              <a:rPr lang="en-US" dirty="0"/>
+              <a:t>1/1/2005 – 12/26/2017 is used as out-of-sample holdback</a:t>
+            </a:r>
+            <a:br>
+              <a:rPr lang="en-US" dirty="0"/>
+            </a:br>
+            <a:r>
+              <a:rPr lang="en-US" dirty="0"/>
+              <a:t>to assess model fit</a:t>
+            </a:r>
+          </a:p>
+        </p:txBody>
+      </p:sp>
+      <p:grpSp>
+        <p:nvGrpSpPr>
+          <p:cNvPr id="8" name="Group 7">
+            <a:extLst>
+              <a:ext uri="{FF2B5EF4-FFF2-40B4-BE49-F238E27FC236}">
+                <a16:creationId xmlns:a16="http://schemas.microsoft.com/office/drawing/2014/main" id="{741732D4-5052-AB46-BAD2-27E1DF437F1C}"/>
+              </a:ext>
+            </a:extLst>
+          </p:cNvPr>
+          <p:cNvGrpSpPr/>
+          <p:nvPr/>
+        </p:nvGrpSpPr>
+        <p:grpSpPr>
+          <a:xfrm>
+            <a:off x="422666" y="1514888"/>
+            <a:ext cx="3028399" cy="1727200"/>
+            <a:chOff x="422666" y="1514888"/>
+            <a:chExt cx="3028399" cy="1727200"/>
+          </a:xfrm>
+        </p:grpSpPr>
+        <p:sp>
+          <p:nvSpPr>
+            <p:cNvPr id="7" name="Rectangle 6">
+              <a:extLst>
+                <a:ext uri="{FF2B5EF4-FFF2-40B4-BE49-F238E27FC236}">
+                  <a16:creationId xmlns:a16="http://schemas.microsoft.com/office/drawing/2014/main" id="{75CDD916-B92E-BC4B-91C2-36DAA9519186}"/>
+                </a:ext>
+              </a:extLst>
+            </p:cNvPr>
+            <p:cNvSpPr/>
+            <p:nvPr/>
+          </p:nvSpPr>
+          <p:spPr>
+            <a:xfrm>
+              <a:off x="422666" y="1514888"/>
+              <a:ext cx="2624923" cy="431800"/>
+            </a:xfrm>
+            <a:prstGeom prst="rect">
+              <a:avLst/>
+            </a:prstGeom>
+            <a:solidFill>
+              <a:schemeClr val="accent2"/>
+            </a:solidFill>
+            <a:ln w="12700">
+              <a:solidFill>
+                <a:schemeClr val="tx1"/>
+              </a:solidFill>
+            </a:ln>
+          </p:spPr>
+          <p:style>
+            <a:lnRef idx="2">
+              <a:schemeClr val="accent1">
+                <a:shade val="50000"/>
+              </a:schemeClr>
+            </a:lnRef>
+            <a:fillRef idx="1">
+              <a:schemeClr val="accent1"/>
+            </a:fillRef>
+            <a:effectRef idx="0">
+              <a:schemeClr val="accent1"/>
+            </a:effectRef>
+            <a:fontRef idx="minor">
+              <a:schemeClr val="lt1"/>
+            </a:fontRef>
+          </p:style>
+          <p:txBody>
+            <a:bodyPr lIns="0" tIns="0" rIns="0" bIns="0" rtlCol="0" anchor="ctr" anchorCtr="1"/>
+            <a:lstStyle/>
+            <a:p>
+              <a:pPr algn="ctr"/>
+              <a:r>
+                <a:rPr lang="en-US" sz="1813" b="1" dirty="0">
+                  <a:solidFill>
+                    <a:schemeClr val="tx1"/>
+                  </a:solidFill>
+                </a:rPr>
+                <a:t>Lookback Window</a:t>
+              </a:r>
+            </a:p>
+          </p:txBody>
+        </p:sp>
+        <p:sp>
+          <p:nvSpPr>
+            <p:cNvPr id="36" name="Rectangle 35">
+              <a:extLst>
+                <a:ext uri="{FF2B5EF4-FFF2-40B4-BE49-F238E27FC236}">
+                  <a16:creationId xmlns:a16="http://schemas.microsoft.com/office/drawing/2014/main" id="{D435A1C0-5809-AF4C-9D4F-0A2F82082725}"/>
+                </a:ext>
+              </a:extLst>
+            </p:cNvPr>
+            <p:cNvSpPr/>
+            <p:nvPr/>
+          </p:nvSpPr>
+          <p:spPr>
+            <a:xfrm>
+              <a:off x="3047589" y="1514888"/>
+              <a:ext cx="100869" cy="431800"/>
+            </a:xfrm>
+            <a:prstGeom prst="rect">
+              <a:avLst/>
+            </a:prstGeom>
+            <a:solidFill>
+              <a:srgbClr val="00B050"/>
+            </a:solidFill>
+            <a:ln w="12700">
+              <a:solidFill>
+                <a:schemeClr val="tx1"/>
+              </a:solidFill>
+            </a:ln>
+          </p:spPr>
+          <p:style>
+            <a:lnRef idx="2">
+              <a:schemeClr val="accent1">
+                <a:shade val="50000"/>
+              </a:schemeClr>
+            </a:lnRef>
+            <a:fillRef idx="1">
+              <a:schemeClr val="accent1"/>
+            </a:fillRef>
+            <a:effectRef idx="0">
+              <a:schemeClr val="accent1"/>
+            </a:effectRef>
+            <a:fontRef idx="minor">
+              <a:schemeClr val="lt1"/>
+            </a:fontRef>
+          </p:style>
+          <p:txBody>
+            <a:bodyPr lIns="0" tIns="0" rIns="0" bIns="0" rtlCol="0" anchor="ctr" anchorCtr="1"/>
+            <a:lstStyle/>
+            <a:p>
+              <a:pPr algn="ctr"/>
+              <a:endParaRPr lang="en-US" sz="1813" b="1" dirty="0">
+                <a:solidFill>
+                  <a:schemeClr val="tx1"/>
+                </a:solidFill>
+              </a:endParaRPr>
+            </a:p>
+          </p:txBody>
+        </p:sp>
+        <p:sp>
+          <p:nvSpPr>
+            <p:cNvPr id="40" name="Rectangle 39">
+              <a:extLst>
+                <a:ext uri="{FF2B5EF4-FFF2-40B4-BE49-F238E27FC236}">
+                  <a16:creationId xmlns:a16="http://schemas.microsoft.com/office/drawing/2014/main" id="{EDAC8758-DBD4-CC4D-A30D-40238CFC5366}"/>
+                </a:ext>
+              </a:extLst>
+            </p:cNvPr>
+            <p:cNvSpPr/>
+            <p:nvPr/>
+          </p:nvSpPr>
+          <p:spPr>
+            <a:xfrm>
+              <a:off x="523535" y="1946688"/>
+              <a:ext cx="2624923" cy="431800"/>
+            </a:xfrm>
+            <a:prstGeom prst="rect">
+              <a:avLst/>
+            </a:prstGeom>
+            <a:solidFill>
+              <a:schemeClr val="accent2"/>
+            </a:solidFill>
+            <a:ln w="12700">
+              <a:solidFill>
+                <a:schemeClr val="tx1"/>
+              </a:solidFill>
+            </a:ln>
+          </p:spPr>
+          <p:style>
+            <a:lnRef idx="2">
+              <a:schemeClr val="accent1">
+                <a:shade val="50000"/>
+              </a:schemeClr>
+            </a:lnRef>
+            <a:fillRef idx="1">
+              <a:schemeClr val="accent1"/>
+            </a:fillRef>
+            <a:effectRef idx="0">
+              <a:schemeClr val="accent1"/>
+            </a:effectRef>
+            <a:fontRef idx="minor">
+              <a:schemeClr val="lt1"/>
+            </a:fontRef>
+          </p:style>
+          <p:txBody>
+            <a:bodyPr lIns="0" tIns="0" rIns="0" bIns="0" rtlCol="0" anchor="ctr" anchorCtr="1"/>
+            <a:lstStyle/>
+            <a:p>
+              <a:pPr algn="ctr"/>
+              <a:r>
+                <a:rPr lang="en-US" sz="1813" b="1" dirty="0">
+                  <a:solidFill>
+                    <a:schemeClr val="tx1"/>
+                  </a:solidFill>
+                </a:rPr>
+                <a:t>Lookback Window</a:t>
+              </a:r>
+            </a:p>
+          </p:txBody>
+        </p:sp>
+        <p:sp>
+          <p:nvSpPr>
+            <p:cNvPr id="41" name="Rectangle 40">
+              <a:extLst>
+                <a:ext uri="{FF2B5EF4-FFF2-40B4-BE49-F238E27FC236}">
+                  <a16:creationId xmlns:a16="http://schemas.microsoft.com/office/drawing/2014/main" id="{27C0BA04-4CCF-CC48-BDFE-3B06685CE224}"/>
+                </a:ext>
+              </a:extLst>
+            </p:cNvPr>
+            <p:cNvSpPr/>
+            <p:nvPr/>
+          </p:nvSpPr>
+          <p:spPr>
+            <a:xfrm>
+              <a:off x="3148458" y="1946688"/>
+              <a:ext cx="100869" cy="431800"/>
+            </a:xfrm>
+            <a:prstGeom prst="rect">
+              <a:avLst/>
+            </a:prstGeom>
+            <a:solidFill>
+              <a:srgbClr val="00B050"/>
+            </a:solidFill>
+            <a:ln w="12700">
+              <a:solidFill>
+                <a:schemeClr val="tx1"/>
+              </a:solidFill>
+            </a:ln>
+          </p:spPr>
+          <p:style>
+            <a:lnRef idx="2">
+              <a:schemeClr val="accent1">
+                <a:shade val="50000"/>
+              </a:schemeClr>
+            </a:lnRef>
+            <a:fillRef idx="1">
+              <a:schemeClr val="accent1"/>
+            </a:fillRef>
+            <a:effectRef idx="0">
+              <a:schemeClr val="accent1"/>
+            </a:effectRef>
+            <a:fontRef idx="minor">
+              <a:schemeClr val="lt1"/>
+            </a:fontRef>
+          </p:style>
+          <p:txBody>
+            <a:bodyPr lIns="0" tIns="0" rIns="0" bIns="0" rtlCol="0" anchor="ctr" anchorCtr="1"/>
+            <a:lstStyle/>
+            <a:p>
+              <a:pPr algn="ctr"/>
+              <a:endParaRPr lang="en-US" sz="1813" b="1" dirty="0">
+                <a:solidFill>
+                  <a:schemeClr val="tx1"/>
+                </a:solidFill>
+              </a:endParaRPr>
+            </a:p>
+          </p:txBody>
+        </p:sp>
+        <p:sp>
+          <p:nvSpPr>
+            <p:cNvPr id="42" name="Rectangle 41">
+              <a:extLst>
+                <a:ext uri="{FF2B5EF4-FFF2-40B4-BE49-F238E27FC236}">
+                  <a16:creationId xmlns:a16="http://schemas.microsoft.com/office/drawing/2014/main" id="{8344B549-F857-C743-9FD2-24DEC81B41B0}"/>
+                </a:ext>
+              </a:extLst>
+            </p:cNvPr>
+            <p:cNvSpPr/>
+            <p:nvPr/>
+          </p:nvSpPr>
+          <p:spPr>
+            <a:xfrm>
+              <a:off x="624404" y="2378488"/>
+              <a:ext cx="2624923" cy="431800"/>
+            </a:xfrm>
+            <a:prstGeom prst="rect">
+              <a:avLst/>
+            </a:prstGeom>
+            <a:solidFill>
+              <a:schemeClr val="accent2"/>
+            </a:solidFill>
+            <a:ln w="12700">
+              <a:solidFill>
+                <a:schemeClr val="tx1"/>
+              </a:solidFill>
+            </a:ln>
+          </p:spPr>
+          <p:style>
+            <a:lnRef idx="2">
+              <a:schemeClr val="accent1">
+                <a:shade val="50000"/>
+              </a:schemeClr>
+            </a:lnRef>
+            <a:fillRef idx="1">
+              <a:schemeClr val="accent1"/>
+            </a:fillRef>
+            <a:effectRef idx="0">
+              <a:schemeClr val="accent1"/>
+            </a:effectRef>
+            <a:fontRef idx="minor">
+              <a:schemeClr val="lt1"/>
+            </a:fontRef>
+          </p:style>
+          <p:txBody>
+            <a:bodyPr lIns="0" tIns="0" rIns="0" bIns="0" rtlCol="0" anchor="ctr" anchorCtr="1"/>
+            <a:lstStyle/>
+            <a:p>
+              <a:pPr algn="ctr"/>
+              <a:r>
+                <a:rPr lang="en-US" sz="1813" b="1" dirty="0">
+                  <a:solidFill>
+                    <a:schemeClr val="tx1"/>
+                  </a:solidFill>
+                </a:rPr>
+                <a:t>Lookback Window</a:t>
+              </a:r>
+            </a:p>
+          </p:txBody>
+        </p:sp>
+        <p:sp>
+          <p:nvSpPr>
+            <p:cNvPr id="43" name="Rectangle 42">
+              <a:extLst>
+                <a:ext uri="{FF2B5EF4-FFF2-40B4-BE49-F238E27FC236}">
+                  <a16:creationId xmlns:a16="http://schemas.microsoft.com/office/drawing/2014/main" id="{C5D08076-BC33-6F48-B021-FDD1DC3DEEF2}"/>
+                </a:ext>
+              </a:extLst>
+            </p:cNvPr>
+            <p:cNvSpPr/>
+            <p:nvPr/>
+          </p:nvSpPr>
+          <p:spPr>
+            <a:xfrm>
+              <a:off x="3249327" y="2378488"/>
+              <a:ext cx="100869" cy="431800"/>
+            </a:xfrm>
+            <a:prstGeom prst="rect">
+              <a:avLst/>
+            </a:prstGeom>
+            <a:solidFill>
+              <a:srgbClr val="00B050"/>
+            </a:solidFill>
+            <a:ln w="12700">
+              <a:solidFill>
+                <a:schemeClr val="tx1"/>
+              </a:solidFill>
+            </a:ln>
+          </p:spPr>
+          <p:style>
+            <a:lnRef idx="2">
+              <a:schemeClr val="accent1">
+                <a:shade val="50000"/>
+              </a:schemeClr>
+            </a:lnRef>
+            <a:fillRef idx="1">
+              <a:schemeClr val="accent1"/>
+            </a:fillRef>
+            <a:effectRef idx="0">
+              <a:schemeClr val="accent1"/>
+            </a:effectRef>
+            <a:fontRef idx="minor">
+              <a:schemeClr val="lt1"/>
+            </a:fontRef>
+          </p:style>
+          <p:txBody>
+            <a:bodyPr lIns="0" tIns="0" rIns="0" bIns="0" rtlCol="0" anchor="ctr" anchorCtr="1"/>
+            <a:lstStyle/>
+            <a:p>
+              <a:pPr algn="ctr"/>
+              <a:endParaRPr lang="en-US" sz="1813" b="1" dirty="0">
+                <a:solidFill>
+                  <a:schemeClr val="tx1"/>
+                </a:solidFill>
+              </a:endParaRPr>
+            </a:p>
+          </p:txBody>
+        </p:sp>
+        <p:sp>
+          <p:nvSpPr>
+            <p:cNvPr id="44" name="Rectangle 43">
+              <a:extLst>
+                <a:ext uri="{FF2B5EF4-FFF2-40B4-BE49-F238E27FC236}">
+                  <a16:creationId xmlns:a16="http://schemas.microsoft.com/office/drawing/2014/main" id="{CFE7611C-6F0E-7941-833A-21CBC6B949B4}"/>
+                </a:ext>
+              </a:extLst>
+            </p:cNvPr>
+            <p:cNvSpPr/>
+            <p:nvPr/>
+          </p:nvSpPr>
+          <p:spPr>
+            <a:xfrm>
+              <a:off x="725273" y="2810288"/>
+              <a:ext cx="2624923" cy="431800"/>
+            </a:xfrm>
+            <a:prstGeom prst="rect">
+              <a:avLst/>
+            </a:prstGeom>
+            <a:solidFill>
+              <a:schemeClr val="accent2"/>
+            </a:solidFill>
+            <a:ln w="12700">
+              <a:solidFill>
+                <a:schemeClr val="tx1"/>
+              </a:solidFill>
+            </a:ln>
+          </p:spPr>
+          <p:style>
+            <a:lnRef idx="2">
+              <a:schemeClr val="accent1">
+                <a:shade val="50000"/>
+              </a:schemeClr>
+            </a:lnRef>
+            <a:fillRef idx="1">
+              <a:schemeClr val="accent1"/>
+            </a:fillRef>
+            <a:effectRef idx="0">
+              <a:schemeClr val="accent1"/>
+            </a:effectRef>
+            <a:fontRef idx="minor">
+              <a:schemeClr val="lt1"/>
+            </a:fontRef>
+          </p:style>
+          <p:txBody>
+            <a:bodyPr lIns="0" tIns="0" rIns="0" bIns="0" rtlCol="0" anchor="ctr" anchorCtr="1"/>
+            <a:lstStyle/>
+            <a:p>
+              <a:pPr algn="ctr"/>
+              <a:r>
+                <a:rPr lang="en-US" sz="1813" b="1" dirty="0">
+                  <a:solidFill>
+                    <a:schemeClr val="tx1"/>
+                  </a:solidFill>
+                </a:rPr>
+                <a:t>Lookback Window</a:t>
+              </a:r>
+            </a:p>
+          </p:txBody>
+        </p:sp>
+        <p:sp>
+          <p:nvSpPr>
+            <p:cNvPr id="45" name="Rectangle 44">
+              <a:extLst>
+                <a:ext uri="{FF2B5EF4-FFF2-40B4-BE49-F238E27FC236}">
+                  <a16:creationId xmlns:a16="http://schemas.microsoft.com/office/drawing/2014/main" id="{B97909DC-7573-F04E-93A5-EF3B853597B1}"/>
+                </a:ext>
+              </a:extLst>
+            </p:cNvPr>
+            <p:cNvSpPr/>
+            <p:nvPr/>
+          </p:nvSpPr>
+          <p:spPr>
+            <a:xfrm>
+              <a:off x="3350196" y="2810288"/>
+              <a:ext cx="100869" cy="431800"/>
+            </a:xfrm>
+            <a:prstGeom prst="rect">
+              <a:avLst/>
+            </a:prstGeom>
+            <a:solidFill>
+              <a:srgbClr val="00B050"/>
+            </a:solidFill>
+            <a:ln w="12700">
+              <a:solidFill>
+                <a:schemeClr val="tx1"/>
+              </a:solidFill>
+            </a:ln>
+          </p:spPr>
+          <p:style>
+            <a:lnRef idx="2">
+              <a:schemeClr val="accent1">
+                <a:shade val="50000"/>
+              </a:schemeClr>
+            </a:lnRef>
+            <a:fillRef idx="1">
+              <a:schemeClr val="accent1"/>
+            </a:fillRef>
+            <a:effectRef idx="0">
+              <a:schemeClr val="accent1"/>
+            </a:effectRef>
+            <a:fontRef idx="minor">
+              <a:schemeClr val="lt1"/>
+            </a:fontRef>
+          </p:style>
+          <p:txBody>
+            <a:bodyPr lIns="0" tIns="0" rIns="0" bIns="0" rtlCol="0" anchor="ctr" anchorCtr="1"/>
+            <a:lstStyle/>
+            <a:p>
+              <a:pPr algn="ctr"/>
+              <a:endParaRPr lang="en-US" sz="1813" b="1" dirty="0">
+                <a:solidFill>
+                  <a:schemeClr val="tx1"/>
+                </a:solidFill>
+              </a:endParaRPr>
+            </a:p>
+          </p:txBody>
+        </p:sp>
+      </p:grpSp>
+      <p:grpSp>
+        <p:nvGrpSpPr>
+          <p:cNvPr id="46" name="Group 45">
+            <a:extLst>
+              <a:ext uri="{FF2B5EF4-FFF2-40B4-BE49-F238E27FC236}">
+                <a16:creationId xmlns:a16="http://schemas.microsoft.com/office/drawing/2014/main" id="{861BCB58-5454-0740-8718-3F7ED43E6ED7}"/>
+              </a:ext>
+            </a:extLst>
+          </p:cNvPr>
+          <p:cNvGrpSpPr/>
+          <p:nvPr/>
+        </p:nvGrpSpPr>
+        <p:grpSpPr>
+          <a:xfrm>
+            <a:off x="520200" y="4317310"/>
+            <a:ext cx="3028399" cy="604601"/>
+            <a:chOff x="422666" y="1514888"/>
+            <a:chExt cx="3028399" cy="1727200"/>
+          </a:xfrm>
+        </p:grpSpPr>
+        <p:sp>
+          <p:nvSpPr>
+            <p:cNvPr id="47" name="Rectangle 46">
+              <a:extLst>
+                <a:ext uri="{FF2B5EF4-FFF2-40B4-BE49-F238E27FC236}">
+                  <a16:creationId xmlns:a16="http://schemas.microsoft.com/office/drawing/2014/main" id="{25932614-CB26-4C45-B347-B37E0404318B}"/>
+                </a:ext>
+              </a:extLst>
+            </p:cNvPr>
+            <p:cNvSpPr/>
+            <p:nvPr/>
+          </p:nvSpPr>
+          <p:spPr>
+            <a:xfrm>
+              <a:off x="422666" y="1514888"/>
+              <a:ext cx="2624923" cy="431800"/>
+            </a:xfrm>
+            <a:prstGeom prst="rect">
+              <a:avLst/>
+            </a:prstGeom>
+            <a:solidFill>
+              <a:schemeClr val="accent2"/>
+            </a:solidFill>
+            <a:ln w="12700">
+              <a:solidFill>
+                <a:schemeClr val="tx1"/>
+              </a:solidFill>
+            </a:ln>
+          </p:spPr>
+          <p:style>
+            <a:lnRef idx="2">
+              <a:schemeClr val="accent1">
+                <a:shade val="50000"/>
+              </a:schemeClr>
+            </a:lnRef>
+            <a:fillRef idx="1">
+              <a:schemeClr val="accent1"/>
+            </a:fillRef>
+            <a:effectRef idx="0">
+              <a:schemeClr val="accent1"/>
+            </a:effectRef>
+            <a:fontRef idx="minor">
+              <a:schemeClr val="lt1"/>
+            </a:fontRef>
+          </p:style>
+          <p:txBody>
+            <a:bodyPr lIns="0" tIns="0" rIns="0" bIns="0" rtlCol="0" anchor="ctr" anchorCtr="1"/>
+            <a:lstStyle/>
+            <a:p>
+              <a:pPr algn="ctr"/>
+              <a:endParaRPr lang="en-US" sz="1813" dirty="0">
+                <a:solidFill>
+                  <a:schemeClr val="tx1"/>
+                </a:solidFill>
+              </a:endParaRPr>
+            </a:p>
+          </p:txBody>
+        </p:sp>
+        <p:sp>
+          <p:nvSpPr>
+            <p:cNvPr id="48" name="Rectangle 47">
+              <a:extLst>
+                <a:ext uri="{FF2B5EF4-FFF2-40B4-BE49-F238E27FC236}">
+                  <a16:creationId xmlns:a16="http://schemas.microsoft.com/office/drawing/2014/main" id="{869CB00C-DC16-9348-94CA-1B19D07E6184}"/>
+                </a:ext>
+              </a:extLst>
+            </p:cNvPr>
+            <p:cNvSpPr/>
+            <p:nvPr/>
+          </p:nvSpPr>
+          <p:spPr>
+            <a:xfrm>
+              <a:off x="3047589" y="1514888"/>
+              <a:ext cx="100869" cy="431800"/>
+            </a:xfrm>
+            <a:prstGeom prst="rect">
+              <a:avLst/>
+            </a:prstGeom>
+            <a:solidFill>
+              <a:srgbClr val="00B050"/>
+            </a:solidFill>
+            <a:ln w="12700">
+              <a:solidFill>
+                <a:schemeClr val="tx1"/>
+              </a:solidFill>
+            </a:ln>
+          </p:spPr>
+          <p:style>
+            <a:lnRef idx="2">
+              <a:schemeClr val="accent1">
+                <a:shade val="50000"/>
+              </a:schemeClr>
+            </a:lnRef>
+            <a:fillRef idx="1">
+              <a:schemeClr val="accent1"/>
+            </a:fillRef>
+            <a:effectRef idx="0">
+              <a:schemeClr val="accent1"/>
+            </a:effectRef>
+            <a:fontRef idx="minor">
+              <a:schemeClr val="lt1"/>
+            </a:fontRef>
+          </p:style>
+          <p:txBody>
+            <a:bodyPr lIns="0" tIns="0" rIns="0" bIns="0" rtlCol="0" anchor="ctr" anchorCtr="1"/>
+            <a:lstStyle/>
+            <a:p>
+              <a:pPr algn="ctr"/>
+              <a:endParaRPr lang="en-US" sz="1813" dirty="0">
+                <a:solidFill>
+                  <a:schemeClr val="tx1"/>
+                </a:solidFill>
+              </a:endParaRPr>
+            </a:p>
+          </p:txBody>
+        </p:sp>
+        <p:sp>
+          <p:nvSpPr>
+            <p:cNvPr id="49" name="Rectangle 48">
+              <a:extLst>
+                <a:ext uri="{FF2B5EF4-FFF2-40B4-BE49-F238E27FC236}">
+                  <a16:creationId xmlns:a16="http://schemas.microsoft.com/office/drawing/2014/main" id="{73BD6E83-797A-8E4B-A42D-2C611BDE67DF}"/>
+                </a:ext>
+              </a:extLst>
+            </p:cNvPr>
+            <p:cNvSpPr/>
+            <p:nvPr/>
+          </p:nvSpPr>
+          <p:spPr>
+            <a:xfrm>
+              <a:off x="523535" y="1946688"/>
+              <a:ext cx="2624923" cy="431800"/>
+            </a:xfrm>
+            <a:prstGeom prst="rect">
+              <a:avLst/>
+            </a:prstGeom>
+            <a:solidFill>
+              <a:schemeClr val="accent2"/>
+            </a:solidFill>
+            <a:ln w="12700">
+              <a:solidFill>
+                <a:schemeClr val="tx1"/>
+              </a:solidFill>
+            </a:ln>
+          </p:spPr>
+          <p:style>
+            <a:lnRef idx="2">
+              <a:schemeClr val="accent1">
+                <a:shade val="50000"/>
+              </a:schemeClr>
+            </a:lnRef>
+            <a:fillRef idx="1">
+              <a:schemeClr val="accent1"/>
+            </a:fillRef>
+            <a:effectRef idx="0">
+              <a:schemeClr val="accent1"/>
+            </a:effectRef>
+            <a:fontRef idx="minor">
+              <a:schemeClr val="lt1"/>
+            </a:fontRef>
+          </p:style>
+          <p:txBody>
+            <a:bodyPr lIns="0" tIns="0" rIns="0" bIns="0" rtlCol="0" anchor="ctr" anchorCtr="1"/>
+            <a:lstStyle/>
+            <a:p>
+              <a:pPr algn="ctr"/>
+              <a:endParaRPr lang="en-US" sz="1813" dirty="0">
+                <a:solidFill>
+                  <a:schemeClr val="tx1"/>
+                </a:solidFill>
+              </a:endParaRPr>
+            </a:p>
+          </p:txBody>
+        </p:sp>
+        <p:sp>
+          <p:nvSpPr>
+            <p:cNvPr id="50" name="Rectangle 49">
+              <a:extLst>
+                <a:ext uri="{FF2B5EF4-FFF2-40B4-BE49-F238E27FC236}">
+                  <a16:creationId xmlns:a16="http://schemas.microsoft.com/office/drawing/2014/main" id="{CA9077AE-80C6-FD4E-8979-21AD0F55F5AD}"/>
+                </a:ext>
+              </a:extLst>
+            </p:cNvPr>
+            <p:cNvSpPr/>
+            <p:nvPr/>
+          </p:nvSpPr>
+          <p:spPr>
+            <a:xfrm>
+              <a:off x="3148458" y="1946688"/>
+              <a:ext cx="100869" cy="431800"/>
+            </a:xfrm>
+            <a:prstGeom prst="rect">
+              <a:avLst/>
+            </a:prstGeom>
+            <a:solidFill>
+              <a:srgbClr val="00B050"/>
+            </a:solidFill>
+            <a:ln w="12700">
+              <a:solidFill>
+                <a:schemeClr val="tx1"/>
+              </a:solidFill>
+            </a:ln>
+          </p:spPr>
+          <p:style>
+            <a:lnRef idx="2">
+              <a:schemeClr val="accent1">
+                <a:shade val="50000"/>
+              </a:schemeClr>
+            </a:lnRef>
+            <a:fillRef idx="1">
+              <a:schemeClr val="accent1"/>
+            </a:fillRef>
+            <a:effectRef idx="0">
+              <a:schemeClr val="accent1"/>
+            </a:effectRef>
+            <a:fontRef idx="minor">
+              <a:schemeClr val="lt1"/>
+            </a:fontRef>
+          </p:style>
+          <p:txBody>
+            <a:bodyPr lIns="0" tIns="0" rIns="0" bIns="0" rtlCol="0" anchor="ctr" anchorCtr="1"/>
+            <a:lstStyle/>
+            <a:p>
+              <a:pPr algn="ctr"/>
+              <a:endParaRPr lang="en-US" sz="1813" dirty="0">
+                <a:solidFill>
+                  <a:schemeClr val="tx1"/>
+                </a:solidFill>
+              </a:endParaRPr>
+            </a:p>
+          </p:txBody>
+        </p:sp>
+        <p:sp>
+          <p:nvSpPr>
+            <p:cNvPr id="51" name="Rectangle 50">
+              <a:extLst>
+                <a:ext uri="{FF2B5EF4-FFF2-40B4-BE49-F238E27FC236}">
+                  <a16:creationId xmlns:a16="http://schemas.microsoft.com/office/drawing/2014/main" id="{7463BC87-FB32-314B-8A43-BB6AD76AD577}"/>
+                </a:ext>
+              </a:extLst>
+            </p:cNvPr>
+            <p:cNvSpPr/>
+            <p:nvPr/>
+          </p:nvSpPr>
+          <p:spPr>
+            <a:xfrm>
+              <a:off x="624404" y="2378488"/>
+              <a:ext cx="2624923" cy="431800"/>
+            </a:xfrm>
+            <a:prstGeom prst="rect">
+              <a:avLst/>
+            </a:prstGeom>
+            <a:solidFill>
+              <a:schemeClr val="accent2"/>
+            </a:solidFill>
+            <a:ln w="12700">
+              <a:solidFill>
+                <a:schemeClr val="tx1"/>
+              </a:solidFill>
+            </a:ln>
+          </p:spPr>
+          <p:style>
+            <a:lnRef idx="2">
+              <a:schemeClr val="accent1">
+                <a:shade val="50000"/>
+              </a:schemeClr>
+            </a:lnRef>
+            <a:fillRef idx="1">
+              <a:schemeClr val="accent1"/>
+            </a:fillRef>
+            <a:effectRef idx="0">
+              <a:schemeClr val="accent1"/>
+            </a:effectRef>
+            <a:fontRef idx="minor">
+              <a:schemeClr val="lt1"/>
+            </a:fontRef>
+          </p:style>
+          <p:txBody>
+            <a:bodyPr lIns="0" tIns="0" rIns="0" bIns="0" rtlCol="0" anchor="ctr" anchorCtr="1"/>
+            <a:lstStyle/>
+            <a:p>
+              <a:pPr algn="ctr"/>
+              <a:endParaRPr lang="en-US" sz="1813" dirty="0">
+                <a:solidFill>
+                  <a:schemeClr val="tx1"/>
+                </a:solidFill>
+              </a:endParaRPr>
+            </a:p>
+          </p:txBody>
+        </p:sp>
+        <p:sp>
+          <p:nvSpPr>
+            <p:cNvPr id="52" name="Rectangle 51">
+              <a:extLst>
+                <a:ext uri="{FF2B5EF4-FFF2-40B4-BE49-F238E27FC236}">
+                  <a16:creationId xmlns:a16="http://schemas.microsoft.com/office/drawing/2014/main" id="{277972F2-FA61-F242-8B07-CDA05787CCEF}"/>
+                </a:ext>
+              </a:extLst>
+            </p:cNvPr>
+            <p:cNvSpPr/>
+            <p:nvPr/>
+          </p:nvSpPr>
+          <p:spPr>
+            <a:xfrm>
+              <a:off x="3249327" y="2378488"/>
+              <a:ext cx="100869" cy="431800"/>
+            </a:xfrm>
+            <a:prstGeom prst="rect">
+              <a:avLst/>
+            </a:prstGeom>
+            <a:solidFill>
+              <a:srgbClr val="00B050"/>
+            </a:solidFill>
+            <a:ln w="12700">
+              <a:solidFill>
+                <a:schemeClr val="tx1"/>
+              </a:solidFill>
+            </a:ln>
+          </p:spPr>
+          <p:style>
+            <a:lnRef idx="2">
+              <a:schemeClr val="accent1">
+                <a:shade val="50000"/>
+              </a:schemeClr>
+            </a:lnRef>
+            <a:fillRef idx="1">
+              <a:schemeClr val="accent1"/>
+            </a:fillRef>
+            <a:effectRef idx="0">
+              <a:schemeClr val="accent1"/>
+            </a:effectRef>
+            <a:fontRef idx="minor">
+              <a:schemeClr val="lt1"/>
+            </a:fontRef>
+          </p:style>
+          <p:txBody>
+            <a:bodyPr lIns="0" tIns="0" rIns="0" bIns="0" rtlCol="0" anchor="ctr" anchorCtr="1"/>
+            <a:lstStyle/>
+            <a:p>
+              <a:pPr algn="ctr"/>
+              <a:endParaRPr lang="en-US" sz="1813" dirty="0">
+                <a:solidFill>
+                  <a:schemeClr val="tx1"/>
+                </a:solidFill>
+              </a:endParaRPr>
+            </a:p>
+          </p:txBody>
+        </p:sp>
+        <p:sp>
+          <p:nvSpPr>
+            <p:cNvPr id="53" name="Rectangle 52">
+              <a:extLst>
+                <a:ext uri="{FF2B5EF4-FFF2-40B4-BE49-F238E27FC236}">
+                  <a16:creationId xmlns:a16="http://schemas.microsoft.com/office/drawing/2014/main" id="{9D42540F-7FCD-0C41-9B03-8B17CD7986F0}"/>
+                </a:ext>
+              </a:extLst>
+            </p:cNvPr>
+            <p:cNvSpPr/>
+            <p:nvPr/>
+          </p:nvSpPr>
+          <p:spPr>
+            <a:xfrm>
+              <a:off x="725273" y="2810288"/>
+              <a:ext cx="2624923" cy="431800"/>
+            </a:xfrm>
+            <a:prstGeom prst="rect">
+              <a:avLst/>
+            </a:prstGeom>
+            <a:solidFill>
+              <a:schemeClr val="accent2"/>
+            </a:solidFill>
+            <a:ln w="12700">
+              <a:solidFill>
+                <a:schemeClr val="tx1"/>
+              </a:solidFill>
+            </a:ln>
+          </p:spPr>
+          <p:style>
+            <a:lnRef idx="2">
+              <a:schemeClr val="accent1">
+                <a:shade val="50000"/>
+              </a:schemeClr>
+            </a:lnRef>
+            <a:fillRef idx="1">
+              <a:schemeClr val="accent1"/>
+            </a:fillRef>
+            <a:effectRef idx="0">
+              <a:schemeClr val="accent1"/>
+            </a:effectRef>
+            <a:fontRef idx="minor">
+              <a:schemeClr val="lt1"/>
+            </a:fontRef>
+          </p:style>
+          <p:txBody>
+            <a:bodyPr lIns="0" tIns="0" rIns="0" bIns="0" rtlCol="0" anchor="ctr" anchorCtr="1"/>
+            <a:lstStyle/>
+            <a:p>
+              <a:pPr algn="ctr"/>
+              <a:endParaRPr lang="en-US" sz="1813" dirty="0">
+                <a:solidFill>
+                  <a:schemeClr val="tx1"/>
+                </a:solidFill>
+              </a:endParaRPr>
+            </a:p>
+          </p:txBody>
+        </p:sp>
+        <p:sp>
+          <p:nvSpPr>
+            <p:cNvPr id="54" name="Rectangle 53">
+              <a:extLst>
+                <a:ext uri="{FF2B5EF4-FFF2-40B4-BE49-F238E27FC236}">
+                  <a16:creationId xmlns:a16="http://schemas.microsoft.com/office/drawing/2014/main" id="{679E6626-32DB-634D-8FBF-C8B6119AB95A}"/>
+                </a:ext>
+              </a:extLst>
+            </p:cNvPr>
+            <p:cNvSpPr/>
+            <p:nvPr/>
+          </p:nvSpPr>
+          <p:spPr>
+            <a:xfrm>
+              <a:off x="3350196" y="2810288"/>
+              <a:ext cx="100869" cy="431800"/>
+            </a:xfrm>
+            <a:prstGeom prst="rect">
+              <a:avLst/>
+            </a:prstGeom>
+            <a:solidFill>
+              <a:srgbClr val="00B050"/>
+            </a:solidFill>
+            <a:ln w="12700">
+              <a:solidFill>
+                <a:schemeClr val="tx1"/>
+              </a:solidFill>
+            </a:ln>
+          </p:spPr>
+          <p:style>
+            <a:lnRef idx="2">
+              <a:schemeClr val="accent1">
+                <a:shade val="50000"/>
+              </a:schemeClr>
+            </a:lnRef>
+            <a:fillRef idx="1">
+              <a:schemeClr val="accent1"/>
+            </a:fillRef>
+            <a:effectRef idx="0">
+              <a:schemeClr val="accent1"/>
+            </a:effectRef>
+            <a:fontRef idx="minor">
+              <a:schemeClr val="lt1"/>
+            </a:fontRef>
+          </p:style>
+          <p:txBody>
+            <a:bodyPr lIns="0" tIns="0" rIns="0" bIns="0" rtlCol="0" anchor="ctr" anchorCtr="1"/>
+            <a:lstStyle/>
+            <a:p>
+              <a:pPr algn="ctr"/>
+              <a:endParaRPr lang="en-US" sz="1813" dirty="0">
+                <a:solidFill>
+                  <a:schemeClr val="tx1"/>
+                </a:solidFill>
+              </a:endParaRPr>
+            </a:p>
+          </p:txBody>
+        </p:sp>
+      </p:grpSp>
+      <p:sp>
+        <p:nvSpPr>
+          <p:cNvPr id="55" name="Rectangle 54">
+            <a:extLst>
+              <a:ext uri="{FF2B5EF4-FFF2-40B4-BE49-F238E27FC236}">
+                <a16:creationId xmlns:a16="http://schemas.microsoft.com/office/drawing/2014/main" id="{57AF1A57-77F5-FF4B-A1CF-5FE00D7B7D1E}"/>
+              </a:ext>
+            </a:extLst>
+          </p:cNvPr>
+          <p:cNvSpPr/>
+          <p:nvPr/>
+        </p:nvSpPr>
+        <p:spPr>
+          <a:xfrm>
+            <a:off x="3552186" y="4309917"/>
+            <a:ext cx="1219680" cy="611993"/>
+          </a:xfrm>
+          <a:prstGeom prst="rect">
+            <a:avLst/>
+          </a:prstGeom>
+          <a:solidFill>
+            <a:srgbClr val="FFFF00"/>
+          </a:solidFill>
+          <a:ln w="12700">
+            <a:solidFill>
+              <a:schemeClr val="tx1"/>
+            </a:solidFill>
+          </a:ln>
+        </p:spPr>
+        <p:style>
+          <a:lnRef idx="2">
+            <a:schemeClr val="accent1">
+              <a:shade val="50000"/>
+            </a:schemeClr>
+          </a:lnRef>
+          <a:fillRef idx="1">
+            <a:schemeClr val="accent1"/>
+          </a:fillRef>
+          <a:effectRef idx="0">
+            <a:schemeClr val="accent1"/>
+          </a:effectRef>
+          <a:fontRef idx="minor">
+            <a:schemeClr val="lt1"/>
+          </a:fontRef>
+        </p:style>
+        <p:txBody>
+          <a:bodyPr lIns="0" tIns="0" rIns="0" bIns="0" rtlCol="0" anchor="ctr" anchorCtr="1"/>
+          <a:lstStyle/>
+          <a:p>
+            <a:pPr algn="ctr"/>
+            <a:r>
+              <a:rPr lang="en-US" sz="1813" b="1" dirty="0">
+                <a:solidFill>
+                  <a:schemeClr val="tx1"/>
+                </a:solidFill>
+              </a:rPr>
+              <a:t>Model</a:t>
+            </a:r>
+            <a:br>
+              <a:rPr lang="en-US" sz="1813" b="1" dirty="0">
+                <a:solidFill>
+                  <a:schemeClr val="tx1"/>
+                </a:solidFill>
+              </a:rPr>
+            </a:br>
+            <a:r>
+              <a:rPr lang="en-US" sz="1813" b="1" dirty="0">
+                <a:solidFill>
+                  <a:schemeClr val="tx1"/>
+                </a:solidFill>
+              </a:rPr>
+              <a:t>Tuning</a:t>
+            </a:r>
+          </a:p>
+        </p:txBody>
+      </p:sp>
+      <p:sp>
+        <p:nvSpPr>
+          <p:cNvPr id="9" name="TextBox 8">
+            <a:extLst>
+              <a:ext uri="{FF2B5EF4-FFF2-40B4-BE49-F238E27FC236}">
+                <a16:creationId xmlns:a16="http://schemas.microsoft.com/office/drawing/2014/main" id="{956080B2-0938-0C49-9891-4D50E6B325D7}"/>
+              </a:ext>
+            </a:extLst>
+          </p:cNvPr>
+          <p:cNvSpPr txBox="1"/>
+          <p:nvPr/>
+        </p:nvSpPr>
+        <p:spPr>
+          <a:xfrm>
+            <a:off x="1089260" y="4309917"/>
+            <a:ext cx="1903085" cy="646331"/>
+          </a:xfrm>
+          <a:prstGeom prst="rect">
+            <a:avLst/>
+          </a:prstGeom>
+          <a:noFill/>
+        </p:spPr>
+        <p:txBody>
+          <a:bodyPr wrap="none" rtlCol="0">
+            <a:spAutoFit/>
+          </a:bodyPr>
+          <a:lstStyle/>
+          <a:p>
+            <a:pPr algn="ctr"/>
+            <a:r>
+              <a:rPr lang="en-US" sz="1800" b="1" dirty="0"/>
+              <a:t>Estimation and</a:t>
+            </a:r>
+            <a:br>
+              <a:rPr lang="en-US" sz="1800" b="1" dirty="0"/>
+            </a:br>
+            <a:r>
+              <a:rPr lang="en-US" sz="1800" b="1" dirty="0"/>
+              <a:t>Weighting</a:t>
+            </a:r>
+          </a:p>
+        </p:txBody>
+      </p:sp>
+      <p:grpSp>
+        <p:nvGrpSpPr>
+          <p:cNvPr id="56" name="Group 55">
+            <a:extLst>
+              <a:ext uri="{FF2B5EF4-FFF2-40B4-BE49-F238E27FC236}">
+                <a16:creationId xmlns:a16="http://schemas.microsoft.com/office/drawing/2014/main" id="{FB369C9B-C34F-1C48-B1D0-11707294A4EC}"/>
+              </a:ext>
+            </a:extLst>
+          </p:cNvPr>
+          <p:cNvGrpSpPr/>
+          <p:nvPr/>
+        </p:nvGrpSpPr>
+        <p:grpSpPr>
+          <a:xfrm>
+            <a:off x="522718" y="6012895"/>
+            <a:ext cx="3028399" cy="604601"/>
+            <a:chOff x="422666" y="1514888"/>
+            <a:chExt cx="3028399" cy="1727200"/>
+          </a:xfrm>
+        </p:grpSpPr>
+        <p:sp>
+          <p:nvSpPr>
+            <p:cNvPr id="57" name="Rectangle 56">
+              <a:extLst>
+                <a:ext uri="{FF2B5EF4-FFF2-40B4-BE49-F238E27FC236}">
+                  <a16:creationId xmlns:a16="http://schemas.microsoft.com/office/drawing/2014/main" id="{3257135E-7263-5A49-AB45-49F0202DD3E6}"/>
+                </a:ext>
+              </a:extLst>
+            </p:cNvPr>
+            <p:cNvSpPr/>
+            <p:nvPr/>
+          </p:nvSpPr>
+          <p:spPr>
+            <a:xfrm>
+              <a:off x="422666" y="1514888"/>
+              <a:ext cx="2624923" cy="431800"/>
+            </a:xfrm>
+            <a:prstGeom prst="rect">
+              <a:avLst/>
+            </a:prstGeom>
+            <a:solidFill>
+              <a:schemeClr val="accent2"/>
+            </a:solidFill>
+            <a:ln w="12700">
+              <a:solidFill>
+                <a:schemeClr val="tx1"/>
+              </a:solidFill>
+            </a:ln>
+          </p:spPr>
+          <p:style>
+            <a:lnRef idx="2">
+              <a:schemeClr val="accent1">
+                <a:shade val="50000"/>
+              </a:schemeClr>
+            </a:lnRef>
+            <a:fillRef idx="1">
+              <a:schemeClr val="accent1"/>
+            </a:fillRef>
+            <a:effectRef idx="0">
+              <a:schemeClr val="accent1"/>
+            </a:effectRef>
+            <a:fontRef idx="minor">
+              <a:schemeClr val="lt1"/>
+            </a:fontRef>
+          </p:style>
+          <p:txBody>
+            <a:bodyPr lIns="0" tIns="0" rIns="0" bIns="0" rtlCol="0" anchor="ctr" anchorCtr="1"/>
+            <a:lstStyle/>
+            <a:p>
+              <a:pPr algn="ctr"/>
+              <a:endParaRPr lang="en-US" sz="1813" dirty="0">
+                <a:solidFill>
+                  <a:schemeClr val="tx1"/>
+                </a:solidFill>
+              </a:endParaRPr>
+            </a:p>
+          </p:txBody>
+        </p:sp>
+        <p:sp>
+          <p:nvSpPr>
+            <p:cNvPr id="58" name="Rectangle 57">
+              <a:extLst>
+                <a:ext uri="{FF2B5EF4-FFF2-40B4-BE49-F238E27FC236}">
+                  <a16:creationId xmlns:a16="http://schemas.microsoft.com/office/drawing/2014/main" id="{FAE93270-1E0A-8D43-8380-AF7DDA72AACC}"/>
+                </a:ext>
+              </a:extLst>
+            </p:cNvPr>
+            <p:cNvSpPr/>
+            <p:nvPr/>
+          </p:nvSpPr>
+          <p:spPr>
+            <a:xfrm>
+              <a:off x="3047589" y="1514888"/>
+              <a:ext cx="100869" cy="431800"/>
+            </a:xfrm>
+            <a:prstGeom prst="rect">
+              <a:avLst/>
+            </a:prstGeom>
+            <a:solidFill>
+              <a:srgbClr val="00B050"/>
+            </a:solidFill>
+            <a:ln w="12700">
+              <a:solidFill>
+                <a:schemeClr val="tx1"/>
+              </a:solidFill>
+            </a:ln>
+          </p:spPr>
+          <p:style>
+            <a:lnRef idx="2">
+              <a:schemeClr val="accent1">
+                <a:shade val="50000"/>
+              </a:schemeClr>
+            </a:lnRef>
+            <a:fillRef idx="1">
+              <a:schemeClr val="accent1"/>
+            </a:fillRef>
+            <a:effectRef idx="0">
+              <a:schemeClr val="accent1"/>
+            </a:effectRef>
+            <a:fontRef idx="minor">
+              <a:schemeClr val="lt1"/>
+            </a:fontRef>
+          </p:style>
+          <p:txBody>
+            <a:bodyPr lIns="0" tIns="0" rIns="0" bIns="0" rtlCol="0" anchor="ctr" anchorCtr="1"/>
+            <a:lstStyle/>
+            <a:p>
+              <a:pPr algn="ctr"/>
+              <a:endParaRPr lang="en-US" sz="1813" dirty="0">
+                <a:solidFill>
+                  <a:schemeClr val="tx1"/>
+                </a:solidFill>
+              </a:endParaRPr>
+            </a:p>
+          </p:txBody>
+        </p:sp>
+        <p:sp>
+          <p:nvSpPr>
+            <p:cNvPr id="59" name="Rectangle 58">
+              <a:extLst>
+                <a:ext uri="{FF2B5EF4-FFF2-40B4-BE49-F238E27FC236}">
+                  <a16:creationId xmlns:a16="http://schemas.microsoft.com/office/drawing/2014/main" id="{48EFADE4-1154-A44F-83A4-6AA4DEC36E31}"/>
+                </a:ext>
+              </a:extLst>
+            </p:cNvPr>
+            <p:cNvSpPr/>
+            <p:nvPr/>
+          </p:nvSpPr>
+          <p:spPr>
+            <a:xfrm>
+              <a:off x="523535" y="1946688"/>
+              <a:ext cx="2624923" cy="431800"/>
+            </a:xfrm>
+            <a:prstGeom prst="rect">
+              <a:avLst/>
+            </a:prstGeom>
+            <a:solidFill>
+              <a:schemeClr val="accent2"/>
+            </a:solidFill>
+            <a:ln w="12700">
+              <a:solidFill>
+                <a:schemeClr val="tx1"/>
+              </a:solidFill>
+            </a:ln>
+          </p:spPr>
+          <p:style>
+            <a:lnRef idx="2">
+              <a:schemeClr val="accent1">
+                <a:shade val="50000"/>
+              </a:schemeClr>
+            </a:lnRef>
+            <a:fillRef idx="1">
+              <a:schemeClr val="accent1"/>
+            </a:fillRef>
+            <a:effectRef idx="0">
+              <a:schemeClr val="accent1"/>
+            </a:effectRef>
+            <a:fontRef idx="minor">
+              <a:schemeClr val="lt1"/>
+            </a:fontRef>
+          </p:style>
+          <p:txBody>
+            <a:bodyPr lIns="0" tIns="0" rIns="0" bIns="0" rtlCol="0" anchor="ctr" anchorCtr="1"/>
+            <a:lstStyle/>
+            <a:p>
+              <a:pPr algn="ctr"/>
+              <a:endParaRPr lang="en-US" sz="1813" dirty="0">
+                <a:solidFill>
+                  <a:schemeClr val="tx1"/>
+                </a:solidFill>
+              </a:endParaRPr>
+            </a:p>
+          </p:txBody>
+        </p:sp>
+        <p:sp>
+          <p:nvSpPr>
+            <p:cNvPr id="60" name="Rectangle 59">
+              <a:extLst>
+                <a:ext uri="{FF2B5EF4-FFF2-40B4-BE49-F238E27FC236}">
+                  <a16:creationId xmlns:a16="http://schemas.microsoft.com/office/drawing/2014/main" id="{DC7E8924-01C4-2E4C-86CE-C50842DAD3D4}"/>
+                </a:ext>
+              </a:extLst>
+            </p:cNvPr>
+            <p:cNvSpPr/>
+            <p:nvPr/>
+          </p:nvSpPr>
+          <p:spPr>
+            <a:xfrm>
+              <a:off x="3148458" y="1946688"/>
+              <a:ext cx="100869" cy="431800"/>
+            </a:xfrm>
+            <a:prstGeom prst="rect">
+              <a:avLst/>
+            </a:prstGeom>
+            <a:solidFill>
+              <a:srgbClr val="00B050"/>
+            </a:solidFill>
+            <a:ln w="12700">
+              <a:solidFill>
+                <a:schemeClr val="tx1"/>
+              </a:solidFill>
+            </a:ln>
+          </p:spPr>
+          <p:style>
+            <a:lnRef idx="2">
+              <a:schemeClr val="accent1">
+                <a:shade val="50000"/>
+              </a:schemeClr>
+            </a:lnRef>
+            <a:fillRef idx="1">
+              <a:schemeClr val="accent1"/>
+            </a:fillRef>
+            <a:effectRef idx="0">
+              <a:schemeClr val="accent1"/>
+            </a:effectRef>
+            <a:fontRef idx="minor">
+              <a:schemeClr val="lt1"/>
+            </a:fontRef>
+          </p:style>
+          <p:txBody>
+            <a:bodyPr lIns="0" tIns="0" rIns="0" bIns="0" rtlCol="0" anchor="ctr" anchorCtr="1"/>
+            <a:lstStyle/>
+            <a:p>
+              <a:pPr algn="ctr"/>
+              <a:endParaRPr lang="en-US" sz="1813" dirty="0">
+                <a:solidFill>
+                  <a:schemeClr val="tx1"/>
+                </a:solidFill>
+              </a:endParaRPr>
+            </a:p>
+          </p:txBody>
+        </p:sp>
+        <p:sp>
+          <p:nvSpPr>
+            <p:cNvPr id="61" name="Rectangle 60">
+              <a:extLst>
+                <a:ext uri="{FF2B5EF4-FFF2-40B4-BE49-F238E27FC236}">
+                  <a16:creationId xmlns:a16="http://schemas.microsoft.com/office/drawing/2014/main" id="{6BF3E969-BB22-5348-8805-54CBCD02ED8E}"/>
+                </a:ext>
+              </a:extLst>
+            </p:cNvPr>
+            <p:cNvSpPr/>
+            <p:nvPr/>
+          </p:nvSpPr>
+          <p:spPr>
+            <a:xfrm>
+              <a:off x="624404" y="2378488"/>
+              <a:ext cx="2624923" cy="431800"/>
+            </a:xfrm>
+            <a:prstGeom prst="rect">
+              <a:avLst/>
+            </a:prstGeom>
+            <a:solidFill>
+              <a:schemeClr val="accent2"/>
+            </a:solidFill>
+            <a:ln w="12700">
+              <a:solidFill>
+                <a:schemeClr val="tx1"/>
+              </a:solidFill>
+            </a:ln>
+          </p:spPr>
+          <p:style>
+            <a:lnRef idx="2">
+              <a:schemeClr val="accent1">
+                <a:shade val="50000"/>
+              </a:schemeClr>
+            </a:lnRef>
+            <a:fillRef idx="1">
+              <a:schemeClr val="accent1"/>
+            </a:fillRef>
+            <a:effectRef idx="0">
+              <a:schemeClr val="accent1"/>
+            </a:effectRef>
+            <a:fontRef idx="minor">
+              <a:schemeClr val="lt1"/>
+            </a:fontRef>
+          </p:style>
+          <p:txBody>
+            <a:bodyPr lIns="0" tIns="0" rIns="0" bIns="0" rtlCol="0" anchor="ctr" anchorCtr="1"/>
+            <a:lstStyle/>
+            <a:p>
+              <a:pPr algn="ctr"/>
+              <a:endParaRPr lang="en-US" sz="1813" dirty="0">
+                <a:solidFill>
+                  <a:schemeClr val="tx1"/>
+                </a:solidFill>
+              </a:endParaRPr>
+            </a:p>
+          </p:txBody>
+        </p:sp>
+        <p:sp>
+          <p:nvSpPr>
+            <p:cNvPr id="62" name="Rectangle 61">
+              <a:extLst>
+                <a:ext uri="{FF2B5EF4-FFF2-40B4-BE49-F238E27FC236}">
+                  <a16:creationId xmlns:a16="http://schemas.microsoft.com/office/drawing/2014/main" id="{55E53BF8-4E8F-2F49-BD0D-543B1B87A4DB}"/>
+                </a:ext>
+              </a:extLst>
+            </p:cNvPr>
+            <p:cNvSpPr/>
+            <p:nvPr/>
+          </p:nvSpPr>
+          <p:spPr>
+            <a:xfrm>
+              <a:off x="3249327" y="2378488"/>
+              <a:ext cx="100869" cy="431800"/>
+            </a:xfrm>
+            <a:prstGeom prst="rect">
+              <a:avLst/>
+            </a:prstGeom>
+            <a:solidFill>
+              <a:srgbClr val="00B050"/>
+            </a:solidFill>
+            <a:ln w="12700">
+              <a:solidFill>
+                <a:schemeClr val="tx1"/>
+              </a:solidFill>
+            </a:ln>
+          </p:spPr>
+          <p:style>
+            <a:lnRef idx="2">
+              <a:schemeClr val="accent1">
+                <a:shade val="50000"/>
+              </a:schemeClr>
+            </a:lnRef>
+            <a:fillRef idx="1">
+              <a:schemeClr val="accent1"/>
+            </a:fillRef>
+            <a:effectRef idx="0">
+              <a:schemeClr val="accent1"/>
+            </a:effectRef>
+            <a:fontRef idx="minor">
+              <a:schemeClr val="lt1"/>
+            </a:fontRef>
+          </p:style>
+          <p:txBody>
+            <a:bodyPr lIns="0" tIns="0" rIns="0" bIns="0" rtlCol="0" anchor="ctr" anchorCtr="1"/>
+            <a:lstStyle/>
+            <a:p>
+              <a:pPr algn="ctr"/>
+              <a:endParaRPr lang="en-US" sz="1813" dirty="0">
+                <a:solidFill>
+                  <a:schemeClr val="tx1"/>
+                </a:solidFill>
+              </a:endParaRPr>
+            </a:p>
+          </p:txBody>
+        </p:sp>
+        <p:sp>
+          <p:nvSpPr>
+            <p:cNvPr id="63" name="Rectangle 62">
+              <a:extLst>
+                <a:ext uri="{FF2B5EF4-FFF2-40B4-BE49-F238E27FC236}">
+                  <a16:creationId xmlns:a16="http://schemas.microsoft.com/office/drawing/2014/main" id="{B3BE789A-8A20-6446-B12C-ADD74C104A1C}"/>
+                </a:ext>
+              </a:extLst>
+            </p:cNvPr>
+            <p:cNvSpPr/>
+            <p:nvPr/>
+          </p:nvSpPr>
+          <p:spPr>
+            <a:xfrm>
+              <a:off x="725273" y="2810288"/>
+              <a:ext cx="2624923" cy="431800"/>
+            </a:xfrm>
+            <a:prstGeom prst="rect">
+              <a:avLst/>
+            </a:prstGeom>
+            <a:solidFill>
+              <a:schemeClr val="accent2"/>
+            </a:solidFill>
+            <a:ln w="12700">
+              <a:solidFill>
+                <a:schemeClr val="tx1"/>
+              </a:solidFill>
+            </a:ln>
+          </p:spPr>
+          <p:style>
+            <a:lnRef idx="2">
+              <a:schemeClr val="accent1">
+                <a:shade val="50000"/>
+              </a:schemeClr>
+            </a:lnRef>
+            <a:fillRef idx="1">
+              <a:schemeClr val="accent1"/>
+            </a:fillRef>
+            <a:effectRef idx="0">
+              <a:schemeClr val="accent1"/>
+            </a:effectRef>
+            <a:fontRef idx="minor">
+              <a:schemeClr val="lt1"/>
+            </a:fontRef>
+          </p:style>
+          <p:txBody>
+            <a:bodyPr lIns="0" tIns="0" rIns="0" bIns="0" rtlCol="0" anchor="ctr" anchorCtr="1"/>
+            <a:lstStyle/>
+            <a:p>
+              <a:pPr algn="ctr"/>
+              <a:endParaRPr lang="en-US" sz="1813" dirty="0">
+                <a:solidFill>
+                  <a:schemeClr val="tx1"/>
+                </a:solidFill>
+              </a:endParaRPr>
+            </a:p>
+          </p:txBody>
+        </p:sp>
+        <p:sp>
+          <p:nvSpPr>
+            <p:cNvPr id="64" name="Rectangle 63">
+              <a:extLst>
+                <a:ext uri="{FF2B5EF4-FFF2-40B4-BE49-F238E27FC236}">
+                  <a16:creationId xmlns:a16="http://schemas.microsoft.com/office/drawing/2014/main" id="{42306866-6D0E-E645-9058-CBDDD10C35A5}"/>
+                </a:ext>
+              </a:extLst>
+            </p:cNvPr>
+            <p:cNvSpPr/>
+            <p:nvPr/>
+          </p:nvSpPr>
+          <p:spPr>
+            <a:xfrm>
+              <a:off x="3350196" y="2810288"/>
+              <a:ext cx="100869" cy="431800"/>
+            </a:xfrm>
+            <a:prstGeom prst="rect">
+              <a:avLst/>
+            </a:prstGeom>
+            <a:solidFill>
+              <a:srgbClr val="00B050"/>
+            </a:solidFill>
+            <a:ln w="12700">
+              <a:solidFill>
+                <a:schemeClr val="tx1"/>
+              </a:solidFill>
+            </a:ln>
+          </p:spPr>
+          <p:style>
+            <a:lnRef idx="2">
+              <a:schemeClr val="accent1">
+                <a:shade val="50000"/>
+              </a:schemeClr>
+            </a:lnRef>
+            <a:fillRef idx="1">
+              <a:schemeClr val="accent1"/>
+            </a:fillRef>
+            <a:effectRef idx="0">
+              <a:schemeClr val="accent1"/>
+            </a:effectRef>
+            <a:fontRef idx="minor">
+              <a:schemeClr val="lt1"/>
+            </a:fontRef>
+          </p:style>
+          <p:txBody>
+            <a:bodyPr lIns="0" tIns="0" rIns="0" bIns="0" rtlCol="0" anchor="ctr" anchorCtr="1"/>
+            <a:lstStyle/>
+            <a:p>
+              <a:pPr algn="ctr"/>
+              <a:endParaRPr lang="en-US" sz="1813" dirty="0">
+                <a:solidFill>
+                  <a:schemeClr val="tx1"/>
+                </a:solidFill>
+              </a:endParaRPr>
+            </a:p>
+          </p:txBody>
+        </p:sp>
+      </p:grpSp>
+      <p:sp>
+        <p:nvSpPr>
+          <p:cNvPr id="65" name="Rectangle 64">
+            <a:extLst>
+              <a:ext uri="{FF2B5EF4-FFF2-40B4-BE49-F238E27FC236}">
+                <a16:creationId xmlns:a16="http://schemas.microsoft.com/office/drawing/2014/main" id="{06EA8E1B-881F-9A4D-849C-4876E84AB2A8}"/>
+              </a:ext>
+            </a:extLst>
+          </p:cNvPr>
+          <p:cNvSpPr/>
+          <p:nvPr/>
+        </p:nvSpPr>
+        <p:spPr>
+          <a:xfrm>
+            <a:off x="3554704" y="6005502"/>
+            <a:ext cx="1219680" cy="611993"/>
+          </a:xfrm>
+          <a:prstGeom prst="rect">
+            <a:avLst/>
+          </a:prstGeom>
+          <a:solidFill>
+            <a:srgbClr val="FFFF00"/>
+          </a:solidFill>
+          <a:ln w="12700">
+            <a:solidFill>
+              <a:schemeClr val="tx1"/>
+            </a:solidFill>
+          </a:ln>
+        </p:spPr>
+        <p:style>
+          <a:lnRef idx="2">
+            <a:schemeClr val="accent1">
+              <a:shade val="50000"/>
+            </a:schemeClr>
+          </a:lnRef>
+          <a:fillRef idx="1">
+            <a:schemeClr val="accent1"/>
+          </a:fillRef>
+          <a:effectRef idx="0">
+            <a:schemeClr val="accent1"/>
+          </a:effectRef>
+          <a:fontRef idx="minor">
+            <a:schemeClr val="lt1"/>
+          </a:fontRef>
+        </p:style>
+        <p:txBody>
+          <a:bodyPr lIns="0" tIns="0" rIns="0" bIns="0" rtlCol="0" anchor="ctr" anchorCtr="1"/>
+          <a:lstStyle/>
+          <a:p>
+            <a:pPr algn="ctr"/>
+            <a:r>
+              <a:rPr lang="en-US" sz="1813" b="1" dirty="0">
+                <a:solidFill>
+                  <a:schemeClr val="tx1"/>
+                </a:solidFill>
+              </a:rPr>
+              <a:t>Model</a:t>
+            </a:r>
+            <a:br>
+              <a:rPr lang="en-US" sz="1813" b="1" dirty="0">
+                <a:solidFill>
+                  <a:schemeClr val="tx1"/>
+                </a:solidFill>
+              </a:rPr>
+            </a:br>
+            <a:r>
+              <a:rPr lang="en-US" sz="1813" b="1" dirty="0">
+                <a:solidFill>
+                  <a:schemeClr val="tx1"/>
+                </a:solidFill>
+              </a:rPr>
+              <a:t>Tuning</a:t>
+            </a:r>
+          </a:p>
+        </p:txBody>
+      </p:sp>
+      <p:sp>
+        <p:nvSpPr>
+          <p:cNvPr id="66" name="TextBox 65">
+            <a:extLst>
+              <a:ext uri="{FF2B5EF4-FFF2-40B4-BE49-F238E27FC236}">
+                <a16:creationId xmlns:a16="http://schemas.microsoft.com/office/drawing/2014/main" id="{FC3EF621-B402-B647-B9BB-56F96CC6B9A7}"/>
+              </a:ext>
+            </a:extLst>
+          </p:cNvPr>
+          <p:cNvSpPr txBox="1"/>
+          <p:nvPr/>
+        </p:nvSpPr>
+        <p:spPr>
+          <a:xfrm>
+            <a:off x="1091778" y="6005502"/>
+            <a:ext cx="1903085" cy="646331"/>
+          </a:xfrm>
+          <a:prstGeom prst="rect">
+            <a:avLst/>
+          </a:prstGeom>
+          <a:noFill/>
+        </p:spPr>
+        <p:txBody>
+          <a:bodyPr wrap="none" rtlCol="0">
+            <a:spAutoFit/>
+          </a:bodyPr>
+          <a:lstStyle/>
+          <a:p>
+            <a:pPr algn="ctr"/>
+            <a:r>
+              <a:rPr lang="en-US" sz="1800" b="1" dirty="0"/>
+              <a:t>Estimation and</a:t>
+            </a:r>
+            <a:br>
+              <a:rPr lang="en-US" sz="1800" b="1" dirty="0"/>
+            </a:br>
+            <a:r>
+              <a:rPr lang="en-US" sz="1800" b="1" dirty="0"/>
+              <a:t>Weighting</a:t>
+            </a:r>
+          </a:p>
+        </p:txBody>
+      </p:sp>
+      <p:sp>
+        <p:nvSpPr>
+          <p:cNvPr id="67" name="Rectangle 66">
+            <a:extLst>
+              <a:ext uri="{FF2B5EF4-FFF2-40B4-BE49-F238E27FC236}">
+                <a16:creationId xmlns:a16="http://schemas.microsoft.com/office/drawing/2014/main" id="{9E3020C3-6010-3D48-8C99-FA87C69C577F}"/>
+              </a:ext>
+            </a:extLst>
+          </p:cNvPr>
+          <p:cNvSpPr/>
+          <p:nvPr/>
+        </p:nvSpPr>
+        <p:spPr>
+          <a:xfrm>
+            <a:off x="4791110" y="6012895"/>
+            <a:ext cx="1219680" cy="611993"/>
+          </a:xfrm>
+          <a:prstGeom prst="rect">
+            <a:avLst/>
+          </a:prstGeom>
+          <a:solidFill>
+            <a:srgbClr val="C00000"/>
+          </a:solidFill>
+          <a:ln w="12700">
+            <a:solidFill>
+              <a:schemeClr val="tx1"/>
+            </a:solidFill>
+          </a:ln>
+        </p:spPr>
+        <p:style>
+          <a:lnRef idx="2">
+            <a:schemeClr val="accent1">
+              <a:shade val="50000"/>
+            </a:schemeClr>
+          </a:lnRef>
+          <a:fillRef idx="1">
+            <a:schemeClr val="accent1"/>
+          </a:fillRef>
+          <a:effectRef idx="0">
+            <a:schemeClr val="accent1"/>
+          </a:effectRef>
+          <a:fontRef idx="minor">
+            <a:schemeClr val="lt1"/>
+          </a:fontRef>
+        </p:style>
+        <p:txBody>
+          <a:bodyPr lIns="0" tIns="0" rIns="0" bIns="0" rtlCol="0" anchor="ctr" anchorCtr="1"/>
+          <a:lstStyle/>
+          <a:p>
+            <a:pPr algn="ctr"/>
+            <a:r>
+              <a:rPr lang="en-US" sz="1813" b="1" dirty="0">
+                <a:solidFill>
+                  <a:schemeClr val="tx1"/>
+                </a:solidFill>
+              </a:rPr>
+              <a:t>Holdback</a:t>
+            </a:r>
+            <a:br>
+              <a:rPr lang="en-US" sz="1813" b="1" dirty="0">
+                <a:solidFill>
+                  <a:schemeClr val="tx1"/>
+                </a:solidFill>
+              </a:rPr>
+            </a:br>
+            <a:r>
+              <a:rPr lang="en-US" sz="1813" b="1" dirty="0">
+                <a:solidFill>
+                  <a:schemeClr val="tx1"/>
+                </a:solidFill>
+              </a:rPr>
+              <a:t>/ OOS</a:t>
+            </a:r>
+          </a:p>
+        </p:txBody>
+      </p:sp>
+    </p:spTree>
+    <p:extLst>
+      <p:ext uri="{BB962C8B-B14F-4D97-AF65-F5344CB8AC3E}">
+        <p14:creationId xmlns:p14="http://schemas.microsoft.com/office/powerpoint/2010/main" val="1979595771"/>
+      </p:ext>
+    </p:extLst>
+  </p:cSld>
+  <p:clrMapOvr>
+    <a:masterClrMapping/>
+  </p:clrMapOvr>
+</p:sld>
+</file>
+
+<file path=ppt/slides/slide21.xml><?xml version="1.0" encoding="utf-8"?>
+<p:sld xmlns:a="http://schemas.openxmlformats.org/drawingml/2006/main" xmlns:r="http://schemas.openxmlformats.org/officeDocument/2006/relationships" xmlns:p="http://schemas.openxmlformats.org/presentationml/2006/main">
+  <p:cSld>
+    <p:spTree>
+      <p:nvGrpSpPr>
+        <p:cNvPr id="1" name=""/>
+        <p:cNvGrpSpPr/>
+        <p:nvPr/>
+      </p:nvGrpSpPr>
+      <p:grpSpPr>
+        <a:xfrm>
+          <a:off x="0" y="0"/>
+          <a:ext cx="0" cy="0"/>
+          <a:chOff x="0" y="0"/>
+          <a:chExt cx="0" cy="0"/>
+        </a:xfrm>
+      </p:grpSpPr>
+      <p:sp>
+        <p:nvSpPr>
+          <p:cNvPr id="2" name="Title 1">
+            <a:extLst>
+              <a:ext uri="{FF2B5EF4-FFF2-40B4-BE49-F238E27FC236}">
+                <a16:creationId xmlns:a16="http://schemas.microsoft.com/office/drawing/2014/main" id="{F078C254-2815-CF47-910C-00AB80C6B2B6}"/>
+              </a:ext>
+            </a:extLst>
+          </p:cNvPr>
+          <p:cNvSpPr>
+            <a:spLocks noGrp="1"/>
+          </p:cNvSpPr>
+          <p:nvPr>
+            <p:ph type="title"/>
+          </p:nvPr>
+        </p:nvSpPr>
+        <p:spPr/>
+        <p:txBody>
+          <a:bodyPr/>
+          <a:lstStyle/>
+          <a:p>
+            <a:r>
+              <a:rPr lang="en-US" dirty="0"/>
+              <a:t>Important Note</a:t>
+            </a:r>
+          </a:p>
+        </p:txBody>
+      </p:sp>
+      <p:sp>
+        <p:nvSpPr>
+          <p:cNvPr id="13" name="TextBox 12">
+            <a:extLst>
+              <a:ext uri="{FF2B5EF4-FFF2-40B4-BE49-F238E27FC236}">
+                <a16:creationId xmlns:a16="http://schemas.microsoft.com/office/drawing/2014/main" id="{CBEACF97-705F-554E-9E57-9BCEE14E677B}"/>
+              </a:ext>
+            </a:extLst>
+          </p:cNvPr>
+          <p:cNvSpPr txBox="1"/>
+          <p:nvPr/>
+        </p:nvSpPr>
+        <p:spPr>
+          <a:xfrm>
+            <a:off x="-6055" y="7541568"/>
+            <a:ext cx="3053644" cy="230832"/>
+          </a:xfrm>
+          <a:prstGeom prst="rect">
+            <a:avLst/>
+          </a:prstGeom>
+          <a:noFill/>
+        </p:spPr>
+        <p:txBody>
+          <a:bodyPr wrap="square" rtlCol="0">
+            <a:spAutoFit/>
+          </a:bodyPr>
+          <a:lstStyle/>
+          <a:p>
+            <a:r>
+              <a:rPr lang="en-US" sz="900" dirty="0">
+                <a:hlinkClick r:id="rId2" tooltip="http://picandocodigo.net/2009/delorean-de-coleccion-para-viajar-en-el-tiempo/"/>
+              </a:rPr>
+              <a:t>Photo</a:t>
+            </a:r>
+            <a:r>
+              <a:rPr lang="en-US" sz="900" dirty="0"/>
+              <a:t> by Unknown Author is licensed under </a:t>
+            </a:r>
+            <a:r>
+              <a:rPr lang="en-US" sz="900" dirty="0">
+                <a:hlinkClick r:id="rId3" tooltip="https://creativecommons.org/licenses/by-sa/3.0/"/>
+              </a:rPr>
+              <a:t>CC BY-SA</a:t>
+            </a:r>
+            <a:endParaRPr lang="en-US" sz="900" dirty="0"/>
+          </a:p>
+        </p:txBody>
+      </p:sp>
+      <p:sp>
+        <p:nvSpPr>
+          <p:cNvPr id="3" name="TextBox 2">
+            <a:extLst>
+              <a:ext uri="{FF2B5EF4-FFF2-40B4-BE49-F238E27FC236}">
+                <a16:creationId xmlns:a16="http://schemas.microsoft.com/office/drawing/2014/main" id="{599421C3-8EC4-CB4D-8FA5-3E01E7584598}"/>
+              </a:ext>
+            </a:extLst>
+          </p:cNvPr>
+          <p:cNvSpPr txBox="1"/>
+          <p:nvPr/>
+        </p:nvSpPr>
+        <p:spPr>
+          <a:xfrm>
+            <a:off x="1377244" y="2054578"/>
+            <a:ext cx="9285106" cy="3170099"/>
+          </a:xfrm>
+          <a:prstGeom prst="rect">
+            <a:avLst/>
+          </a:prstGeom>
+          <a:noFill/>
+        </p:spPr>
+        <p:txBody>
+          <a:bodyPr wrap="none" rtlCol="0">
+            <a:spAutoFit/>
+          </a:bodyPr>
+          <a:lstStyle/>
+          <a:p>
+            <a:pPr marL="342900" indent="-342900">
+              <a:buFont typeface="Arial" panose="020B0604020202020204" pitchFamily="34" charset="0"/>
+              <a:buChar char="•"/>
+            </a:pPr>
+            <a:r>
+              <a:rPr lang="en-US" dirty="0"/>
+              <a:t>This workshop explains topics incrementally</a:t>
+            </a:r>
+          </a:p>
+          <a:p>
+            <a:pPr marL="342900" indent="-342900">
+              <a:buFont typeface="Arial" panose="020B0604020202020204" pitchFamily="34" charset="0"/>
+              <a:buChar char="•"/>
+            </a:pPr>
+            <a:endParaRPr lang="en-US" dirty="0"/>
+          </a:p>
+          <a:p>
+            <a:pPr marL="342900" indent="-342900">
+              <a:buFont typeface="Arial" panose="020B0604020202020204" pitchFamily="34" charset="0"/>
+              <a:buChar char="•"/>
+            </a:pPr>
+            <a:endParaRPr lang="en-US" dirty="0"/>
+          </a:p>
+          <a:p>
+            <a:pPr marL="342900" indent="-342900">
+              <a:buFont typeface="Arial" panose="020B0604020202020204" pitchFamily="34" charset="0"/>
+              <a:buChar char="•"/>
+            </a:pPr>
+            <a:r>
+              <a:rPr lang="en-US" dirty="0"/>
+              <a:t>As such, we keep revisiting the same “holdback” period with different models.</a:t>
+            </a:r>
+          </a:p>
+          <a:p>
+            <a:pPr marL="342900" indent="-342900">
+              <a:buFont typeface="Arial" panose="020B0604020202020204" pitchFamily="34" charset="0"/>
+              <a:buChar char="•"/>
+            </a:pPr>
+            <a:endParaRPr lang="en-US" dirty="0"/>
+          </a:p>
+          <a:p>
+            <a:pPr marL="342900" indent="-342900">
+              <a:buFont typeface="Arial" panose="020B0604020202020204" pitchFamily="34" charset="0"/>
+              <a:buChar char="•"/>
+            </a:pPr>
+            <a:endParaRPr lang="en-US" dirty="0"/>
+          </a:p>
+          <a:p>
+            <a:pPr marL="342900" indent="-342900">
+              <a:buFont typeface="Arial" panose="020B0604020202020204" pitchFamily="34" charset="0"/>
+              <a:buChar char="•"/>
+            </a:pPr>
+            <a:r>
+              <a:rPr lang="en-US" dirty="0"/>
+              <a:t>This is not acceptable!</a:t>
+            </a:r>
+          </a:p>
+          <a:p>
+            <a:pPr marL="342900" indent="-342900">
+              <a:buFont typeface="Arial" panose="020B0604020202020204" pitchFamily="34" charset="0"/>
+              <a:buChar char="•"/>
+            </a:pPr>
+            <a:endParaRPr lang="en-US" dirty="0"/>
+          </a:p>
+          <a:p>
+            <a:pPr marL="342900" indent="-342900">
+              <a:buFont typeface="Arial" panose="020B0604020202020204" pitchFamily="34" charset="0"/>
+              <a:buChar char="•"/>
+            </a:pPr>
+            <a:endParaRPr lang="en-US" dirty="0"/>
+          </a:p>
+          <a:p>
+            <a:pPr marL="342900" indent="-342900">
+              <a:buFont typeface="Arial" panose="020B0604020202020204" pitchFamily="34" charset="0"/>
+              <a:buChar char="•"/>
+            </a:pPr>
+            <a:r>
+              <a:rPr lang="en-US" dirty="0"/>
+              <a:t>But it would be even more confusing if we waited until the end for the reveal!</a:t>
+            </a:r>
+          </a:p>
+        </p:txBody>
+      </p:sp>
+    </p:spTree>
+    <p:extLst>
+      <p:ext uri="{BB962C8B-B14F-4D97-AF65-F5344CB8AC3E}">
+        <p14:creationId xmlns:p14="http://schemas.microsoft.com/office/powerpoint/2010/main" val="348585986"/>
+      </p:ext>
+    </p:extLst>
+  </p:cSld>
+  <p:clrMapOvr>
+    <a:masterClrMapping/>
+  </p:clrMapOvr>
+</p:sld>
+</file>
+
+<file path=ppt/slides/slide22.xml><?xml version="1.0" encoding="utf-8"?>
+<p:sld xmlns:a="http://schemas.openxmlformats.org/drawingml/2006/main" xmlns:r="http://schemas.openxmlformats.org/officeDocument/2006/relationships" xmlns:p="http://schemas.openxmlformats.org/presentationml/2006/main">
+  <p:cSld>
+    <p:spTree>
+      <p:nvGrpSpPr>
+        <p:cNvPr id="1" name=""/>
+        <p:cNvGrpSpPr/>
+        <p:nvPr/>
+      </p:nvGrpSpPr>
+      <p:grpSpPr>
+        <a:xfrm>
+          <a:off x="0" y="0"/>
+          <a:ext cx="0" cy="0"/>
+          <a:chOff x="0" y="0"/>
+          <a:chExt cx="0" cy="0"/>
+        </a:xfrm>
+      </p:grpSpPr>
       <p:pic>
         <p:nvPicPr>
           <p:cNvPr id="12" name="Picture 11" descr="A close up of a car&#10;&#10;Description automatically generated">
@@ -13834,7 +16446,7 @@
           <a:p>
             <a:r>
               <a:rPr lang="en-US" dirty="0"/>
-              <a:t>Types of issues to avoid when creating a model</a:t>
+              <a:t>Issues to avoid when creating a model</a:t>
             </a:r>
           </a:p>
         </p:txBody>
@@ -13858,7 +16470,7 @@
         <p:spPr>
           <a:xfrm>
             <a:off x="4402667" y="1661245"/>
-            <a:ext cx="8222034" cy="5201424"/>
+            <a:ext cx="8222034" cy="5532284"/>
           </a:xfrm>
         </p:spPr>
         <p:txBody>
@@ -13906,15 +16518,7 @@
             </a:pPr>
             <a:r>
               <a:rPr lang="en-US" dirty="0"/>
-              <a:t>Choosing </a:t>
-            </a:r>
-            <a:r>
-              <a:rPr lang="en-US" dirty="0" err="1"/>
-              <a:t>paramaters</a:t>
-            </a:r>
-            <a:r>
-              <a:rPr lang="en-US" dirty="0"/>
-              <a:t> based solely on in-sample performance</a:t>
+              <a:t>Choosing parameters based solely on in-sample performance</a:t>
             </a:r>
           </a:p>
           <a:p>
@@ -13931,126 +16535,14 @@
             </a:pPr>
             <a:r>
               <a:rPr lang="en-US" dirty="0"/>
-              <a:t>Blah</a:t>
-            </a:r>
-          </a:p>
-        </p:txBody>
-      </p:sp>
-      <p:sp>
-        <p:nvSpPr>
-          <p:cNvPr id="4" name="Rectangle 3">
-            <a:extLst>
-              <a:ext uri="{FF2B5EF4-FFF2-40B4-BE49-F238E27FC236}">
-                <a16:creationId xmlns:a16="http://schemas.microsoft.com/office/drawing/2014/main" id="{EC2F63C8-1091-DE42-A71A-6C3B138A14AE}"/>
-              </a:ext>
-            </a:extLst>
-          </p:cNvPr>
-          <p:cNvSpPr/>
-          <p:nvPr/>
-        </p:nvSpPr>
-        <p:spPr>
-          <a:xfrm>
-            <a:off x="1275644" y="6141038"/>
-            <a:ext cx="490246" cy="431800"/>
-          </a:xfrm>
-          <a:prstGeom prst="rect">
-            <a:avLst/>
-          </a:prstGeom>
-          <a:solidFill>
-            <a:srgbClr val="FFC000"/>
-          </a:solidFill>
-          <a:ln w="12700">
-            <a:solidFill>
-              <a:schemeClr val="tx1"/>
-            </a:solidFill>
-          </a:ln>
-        </p:spPr>
-        <p:style>
-          <a:lnRef idx="2">
-            <a:schemeClr val="accent1">
-              <a:shade val="50000"/>
-            </a:schemeClr>
-          </a:lnRef>
-          <a:fillRef idx="1">
-            <a:schemeClr val="accent1"/>
-          </a:fillRef>
-          <a:effectRef idx="0">
-            <a:schemeClr val="accent1"/>
-          </a:effectRef>
-          <a:fontRef idx="minor">
-            <a:schemeClr val="lt1"/>
-          </a:fontRef>
-        </p:style>
-        <p:txBody>
-          <a:bodyPr lIns="0" tIns="0" rIns="0" bIns="0" rtlCol="0" anchor="ctr" anchorCtr="1"/>
-          <a:lstStyle/>
-          <a:p>
-            <a:pPr algn="ctr"/>
-            <a:endParaRPr lang="en-US" sz="1813" dirty="0">
-              <a:solidFill>
-                <a:schemeClr val="accent1"/>
-              </a:solidFill>
-            </a:endParaRPr>
-          </a:p>
-        </p:txBody>
-      </p:sp>
-      <p:sp>
-        <p:nvSpPr>
-          <p:cNvPr id="5" name="Rectangle 4">
-            <a:extLst>
-              <a:ext uri="{FF2B5EF4-FFF2-40B4-BE49-F238E27FC236}">
-                <a16:creationId xmlns:a16="http://schemas.microsoft.com/office/drawing/2014/main" id="{B62D6A4C-C8D7-1948-ADF0-CBFF9C0435DC}"/>
-              </a:ext>
-            </a:extLst>
-          </p:cNvPr>
-          <p:cNvSpPr/>
-          <p:nvPr/>
-        </p:nvSpPr>
-        <p:spPr>
-          <a:xfrm>
-            <a:off x="1765890" y="6141038"/>
-            <a:ext cx="2010232" cy="431800"/>
-          </a:xfrm>
-          <a:prstGeom prst="rect">
-            <a:avLst/>
-          </a:prstGeom>
-          <a:solidFill>
-            <a:schemeClr val="accent2"/>
-          </a:solidFill>
-          <a:ln w="12700">
-            <a:solidFill>
-              <a:schemeClr val="tx1"/>
-            </a:solidFill>
-          </a:ln>
-        </p:spPr>
-        <p:style>
-          <a:lnRef idx="2">
-            <a:schemeClr val="accent1">
-              <a:shade val="50000"/>
-            </a:schemeClr>
-          </a:lnRef>
-          <a:fillRef idx="1">
-            <a:schemeClr val="accent1"/>
-          </a:fillRef>
-          <a:effectRef idx="0">
-            <a:schemeClr val="accent1"/>
-          </a:effectRef>
-          <a:fontRef idx="minor">
-            <a:schemeClr val="lt1"/>
-          </a:fontRef>
-        </p:style>
-        <p:txBody>
-          <a:bodyPr lIns="0" tIns="0" rIns="0" bIns="0" rtlCol="0" anchor="ctr" anchorCtr="1"/>
-          <a:lstStyle/>
-          <a:p>
-            <a:pPr algn="ctr"/>
-            <a:r>
-              <a:rPr lang="en-US" sz="1813" dirty="0">
-                <a:solidFill>
-                  <a:schemeClr val="tx1"/>
-                </a:solidFill>
-              </a:rPr>
-              <a:t>Estimation (64%)</a:t>
+              <a:t>Over-reliance on history being the best model of the future</a:t>
+            </a:r>
+            <a:br>
+              <a:rPr lang="en-US" dirty="0"/>
+            </a:br>
+            <a:r>
+              <a:rPr lang="en-US" dirty="0"/>
+              <a:t>and lack of holdback discipline</a:t>
             </a:r>
           </a:p>
         </p:txBody>
@@ -14194,6 +16686,944 @@
           </a:prstGeom>
         </p:spPr>
       </p:pic>
+      <p:grpSp>
+        <p:nvGrpSpPr>
+          <p:cNvPr id="17" name="Group 16">
+            <a:extLst>
+              <a:ext uri="{FF2B5EF4-FFF2-40B4-BE49-F238E27FC236}">
+                <a16:creationId xmlns:a16="http://schemas.microsoft.com/office/drawing/2014/main" id="{0F522734-301A-274A-A909-DAE2D9854A0A}"/>
+              </a:ext>
+            </a:extLst>
+          </p:cNvPr>
+          <p:cNvGrpSpPr/>
+          <p:nvPr/>
+        </p:nvGrpSpPr>
+        <p:grpSpPr>
+          <a:xfrm>
+            <a:off x="2049693" y="6075801"/>
+            <a:ext cx="1238597" cy="970793"/>
+            <a:chOff x="5257800" y="3581399"/>
+            <a:chExt cx="2819400" cy="2209801"/>
+          </a:xfrm>
+        </p:grpSpPr>
+        <p:sp>
+          <p:nvSpPr>
+            <p:cNvPr id="22" name="Rectangle 21">
+              <a:extLst>
+                <a:ext uri="{FF2B5EF4-FFF2-40B4-BE49-F238E27FC236}">
+                  <a16:creationId xmlns:a16="http://schemas.microsoft.com/office/drawing/2014/main" id="{512EA610-14C5-F04A-A0CB-CE39576DBCC2}"/>
+                </a:ext>
+              </a:extLst>
+            </p:cNvPr>
+            <p:cNvSpPr/>
+            <p:nvPr/>
+          </p:nvSpPr>
+          <p:spPr>
+            <a:xfrm>
+              <a:off x="5257800" y="3581400"/>
+              <a:ext cx="432570" cy="381000"/>
+            </a:xfrm>
+            <a:prstGeom prst="rect">
+              <a:avLst/>
+            </a:prstGeom>
+            <a:solidFill>
+              <a:srgbClr val="FFC000"/>
+            </a:solidFill>
+            <a:ln w="12700">
+              <a:solidFill>
+                <a:schemeClr val="tx1"/>
+              </a:solidFill>
+            </a:ln>
+          </p:spPr>
+          <p:style>
+            <a:lnRef idx="2">
+              <a:schemeClr val="accent1">
+                <a:shade val="50000"/>
+              </a:schemeClr>
+            </a:lnRef>
+            <a:fillRef idx="1">
+              <a:schemeClr val="accent1"/>
+            </a:fillRef>
+            <a:effectRef idx="0">
+              <a:schemeClr val="accent1"/>
+            </a:effectRef>
+            <a:fontRef idx="minor">
+              <a:schemeClr val="lt1"/>
+            </a:fontRef>
+          </p:style>
+          <p:txBody>
+            <a:bodyPr lIns="0" tIns="0" rIns="0" bIns="0" rtlCol="0" anchor="ctr" anchorCtr="1"/>
+            <a:lstStyle/>
+            <a:p>
+              <a:pPr algn="ctr"/>
+              <a:endParaRPr lang="en-US" sz="1813" dirty="0">
+                <a:solidFill>
+                  <a:schemeClr val="accent1"/>
+                </a:solidFill>
+              </a:endParaRPr>
+            </a:p>
+          </p:txBody>
+        </p:sp>
+        <p:sp>
+          <p:nvSpPr>
+            <p:cNvPr id="23" name="Rectangle 22">
+              <a:extLst>
+                <a:ext uri="{FF2B5EF4-FFF2-40B4-BE49-F238E27FC236}">
+                  <a16:creationId xmlns:a16="http://schemas.microsoft.com/office/drawing/2014/main" id="{250A2978-113A-6441-BC83-E993F55629B0}"/>
+                </a:ext>
+              </a:extLst>
+            </p:cNvPr>
+            <p:cNvSpPr/>
+            <p:nvPr/>
+          </p:nvSpPr>
+          <p:spPr>
+            <a:xfrm>
+              <a:off x="5690370" y="3581400"/>
+              <a:ext cx="1773734" cy="381000"/>
+            </a:xfrm>
+            <a:prstGeom prst="rect">
+              <a:avLst/>
+            </a:prstGeom>
+            <a:solidFill>
+              <a:schemeClr val="accent2"/>
+            </a:solidFill>
+            <a:ln w="12700">
+              <a:solidFill>
+                <a:schemeClr val="tx1"/>
+              </a:solidFill>
+            </a:ln>
+          </p:spPr>
+          <p:style>
+            <a:lnRef idx="2">
+              <a:schemeClr val="accent1">
+                <a:shade val="50000"/>
+              </a:schemeClr>
+            </a:lnRef>
+            <a:fillRef idx="1">
+              <a:schemeClr val="accent1"/>
+            </a:fillRef>
+            <a:effectRef idx="0">
+              <a:schemeClr val="accent1"/>
+            </a:effectRef>
+            <a:fontRef idx="minor">
+              <a:schemeClr val="lt1"/>
+            </a:fontRef>
+          </p:style>
+          <p:txBody>
+            <a:bodyPr lIns="0" tIns="0" rIns="0" bIns="0" rtlCol="0" anchor="ctr" anchorCtr="1"/>
+            <a:lstStyle/>
+            <a:p>
+              <a:pPr algn="ctr"/>
+              <a:endParaRPr lang="en-US" sz="1813" dirty="0">
+                <a:solidFill>
+                  <a:schemeClr val="tx1"/>
+                </a:solidFill>
+              </a:endParaRPr>
+            </a:p>
+          </p:txBody>
+        </p:sp>
+        <p:sp>
+          <p:nvSpPr>
+            <p:cNvPr id="24" name="Rectangle 23">
+              <a:extLst>
+                <a:ext uri="{FF2B5EF4-FFF2-40B4-BE49-F238E27FC236}">
+                  <a16:creationId xmlns:a16="http://schemas.microsoft.com/office/drawing/2014/main" id="{96340D5D-D14E-5A43-B852-A3B0B2EEE093}"/>
+                </a:ext>
+              </a:extLst>
+            </p:cNvPr>
+            <p:cNvSpPr/>
+            <p:nvPr/>
+          </p:nvSpPr>
+          <p:spPr>
+            <a:xfrm>
+              <a:off x="7464104" y="3581399"/>
+              <a:ext cx="613096" cy="2209101"/>
+            </a:xfrm>
+            <a:prstGeom prst="rect">
+              <a:avLst/>
+            </a:prstGeom>
+            <a:solidFill>
+              <a:srgbClr val="C00000"/>
+            </a:solidFill>
+            <a:ln w="12700">
+              <a:solidFill>
+                <a:schemeClr val="tx1"/>
+              </a:solidFill>
+            </a:ln>
+          </p:spPr>
+          <p:style>
+            <a:lnRef idx="2">
+              <a:schemeClr val="accent1">
+                <a:shade val="50000"/>
+              </a:schemeClr>
+            </a:lnRef>
+            <a:fillRef idx="1">
+              <a:schemeClr val="accent1"/>
+            </a:fillRef>
+            <a:effectRef idx="0">
+              <a:schemeClr val="accent1"/>
+            </a:effectRef>
+            <a:fontRef idx="minor">
+              <a:schemeClr val="lt1"/>
+            </a:fontRef>
+          </p:style>
+          <p:txBody>
+            <a:bodyPr vert="vert270" lIns="0" tIns="0" rIns="0" bIns="0" rtlCol="0" anchor="ctr" anchorCtr="1"/>
+            <a:lstStyle/>
+            <a:p>
+              <a:pPr algn="ctr"/>
+              <a:endParaRPr lang="en-US" sz="1813" dirty="0">
+                <a:solidFill>
+                  <a:schemeClr val="tx1"/>
+                </a:solidFill>
+              </a:endParaRPr>
+            </a:p>
+          </p:txBody>
+        </p:sp>
+        <p:sp>
+          <p:nvSpPr>
+            <p:cNvPr id="25" name="Rectangle 24">
+              <a:extLst>
+                <a:ext uri="{FF2B5EF4-FFF2-40B4-BE49-F238E27FC236}">
+                  <a16:creationId xmlns:a16="http://schemas.microsoft.com/office/drawing/2014/main" id="{BEA32036-233B-BA47-B49A-33E48DCCAA17}"/>
+                </a:ext>
+              </a:extLst>
+            </p:cNvPr>
+            <p:cNvSpPr/>
+            <p:nvPr/>
+          </p:nvSpPr>
+          <p:spPr>
+            <a:xfrm>
+              <a:off x="5257800" y="4038600"/>
+              <a:ext cx="432570" cy="381000"/>
+            </a:xfrm>
+            <a:prstGeom prst="rect">
+              <a:avLst/>
+            </a:prstGeom>
+            <a:solidFill>
+              <a:schemeClr val="accent2"/>
+            </a:solidFill>
+            <a:ln w="12700">
+              <a:solidFill>
+                <a:schemeClr val="tx1"/>
+              </a:solidFill>
+            </a:ln>
+          </p:spPr>
+          <p:style>
+            <a:lnRef idx="2">
+              <a:schemeClr val="accent1">
+                <a:shade val="50000"/>
+              </a:schemeClr>
+            </a:lnRef>
+            <a:fillRef idx="1">
+              <a:schemeClr val="accent1"/>
+            </a:fillRef>
+            <a:effectRef idx="0">
+              <a:schemeClr val="accent1"/>
+            </a:effectRef>
+            <a:fontRef idx="minor">
+              <a:schemeClr val="lt1"/>
+            </a:fontRef>
+          </p:style>
+          <p:txBody>
+            <a:bodyPr lIns="0" tIns="0" rIns="0" bIns="0" rtlCol="0" anchor="ctr" anchorCtr="1"/>
+            <a:lstStyle/>
+            <a:p>
+              <a:pPr algn="ctr"/>
+              <a:endParaRPr lang="en-US" sz="1813" dirty="0">
+                <a:solidFill>
+                  <a:schemeClr val="accent1"/>
+                </a:solidFill>
+              </a:endParaRPr>
+            </a:p>
+          </p:txBody>
+        </p:sp>
+        <p:sp>
+          <p:nvSpPr>
+            <p:cNvPr id="26" name="Rectangle 25">
+              <a:extLst>
+                <a:ext uri="{FF2B5EF4-FFF2-40B4-BE49-F238E27FC236}">
+                  <a16:creationId xmlns:a16="http://schemas.microsoft.com/office/drawing/2014/main" id="{29FE38B9-38AE-D947-AF41-36430E051C1A}"/>
+                </a:ext>
+              </a:extLst>
+            </p:cNvPr>
+            <p:cNvSpPr/>
+            <p:nvPr/>
+          </p:nvSpPr>
+          <p:spPr>
+            <a:xfrm>
+              <a:off x="5690370" y="4038600"/>
+              <a:ext cx="405630" cy="381000"/>
+            </a:xfrm>
+            <a:prstGeom prst="rect">
+              <a:avLst/>
+            </a:prstGeom>
+            <a:solidFill>
+              <a:srgbClr val="FFC000"/>
+            </a:solidFill>
+            <a:ln w="12700">
+              <a:solidFill>
+                <a:schemeClr val="tx1"/>
+              </a:solidFill>
+            </a:ln>
+          </p:spPr>
+          <p:style>
+            <a:lnRef idx="2">
+              <a:schemeClr val="accent1">
+                <a:shade val="50000"/>
+              </a:schemeClr>
+            </a:lnRef>
+            <a:fillRef idx="1">
+              <a:schemeClr val="accent1"/>
+            </a:fillRef>
+            <a:effectRef idx="0">
+              <a:schemeClr val="accent1"/>
+            </a:effectRef>
+            <a:fontRef idx="minor">
+              <a:schemeClr val="lt1"/>
+            </a:fontRef>
+          </p:style>
+          <p:txBody>
+            <a:bodyPr lIns="0" tIns="0" rIns="0" bIns="0" rtlCol="0" anchor="ctr" anchorCtr="1"/>
+            <a:lstStyle/>
+            <a:p>
+              <a:pPr algn="ctr"/>
+              <a:endParaRPr lang="en-US" sz="1813" dirty="0">
+                <a:solidFill>
+                  <a:schemeClr val="accent1"/>
+                </a:solidFill>
+              </a:endParaRPr>
+            </a:p>
+          </p:txBody>
+        </p:sp>
+        <p:sp>
+          <p:nvSpPr>
+            <p:cNvPr id="27" name="Rectangle 26">
+              <a:extLst>
+                <a:ext uri="{FF2B5EF4-FFF2-40B4-BE49-F238E27FC236}">
+                  <a16:creationId xmlns:a16="http://schemas.microsoft.com/office/drawing/2014/main" id="{4CC664B4-D374-274B-A99E-4B7BA4D762D8}"/>
+                </a:ext>
+              </a:extLst>
+            </p:cNvPr>
+            <p:cNvSpPr/>
+            <p:nvPr/>
+          </p:nvSpPr>
+          <p:spPr>
+            <a:xfrm>
+              <a:off x="6096000" y="4039299"/>
+              <a:ext cx="1368104" cy="381000"/>
+            </a:xfrm>
+            <a:prstGeom prst="rect">
+              <a:avLst/>
+            </a:prstGeom>
+            <a:solidFill>
+              <a:schemeClr val="accent2"/>
+            </a:solidFill>
+            <a:ln w="12700">
+              <a:solidFill>
+                <a:schemeClr val="tx1"/>
+              </a:solidFill>
+            </a:ln>
+          </p:spPr>
+          <p:style>
+            <a:lnRef idx="2">
+              <a:schemeClr val="accent1">
+                <a:shade val="50000"/>
+              </a:schemeClr>
+            </a:lnRef>
+            <a:fillRef idx="1">
+              <a:schemeClr val="accent1"/>
+            </a:fillRef>
+            <a:effectRef idx="0">
+              <a:schemeClr val="accent1"/>
+            </a:effectRef>
+            <a:fontRef idx="minor">
+              <a:schemeClr val="lt1"/>
+            </a:fontRef>
+          </p:style>
+          <p:txBody>
+            <a:bodyPr lIns="0" tIns="0" rIns="0" bIns="0" rtlCol="0" anchor="ctr" anchorCtr="1"/>
+            <a:lstStyle/>
+            <a:p>
+              <a:pPr algn="ctr"/>
+              <a:endParaRPr lang="en-US" sz="1813" dirty="0">
+                <a:solidFill>
+                  <a:schemeClr val="accent1"/>
+                </a:solidFill>
+              </a:endParaRPr>
+            </a:p>
+          </p:txBody>
+        </p:sp>
+        <p:sp>
+          <p:nvSpPr>
+            <p:cNvPr id="28" name="Rectangle 27">
+              <a:extLst>
+                <a:ext uri="{FF2B5EF4-FFF2-40B4-BE49-F238E27FC236}">
+                  <a16:creationId xmlns:a16="http://schemas.microsoft.com/office/drawing/2014/main" id="{FBC40FAE-A80A-6D4C-AC50-DE66FA548B38}"/>
+                </a:ext>
+              </a:extLst>
+            </p:cNvPr>
+            <p:cNvSpPr/>
+            <p:nvPr/>
+          </p:nvSpPr>
+          <p:spPr>
+            <a:xfrm>
+              <a:off x="5257800" y="4495101"/>
+              <a:ext cx="838200" cy="381000"/>
+            </a:xfrm>
+            <a:prstGeom prst="rect">
+              <a:avLst/>
+            </a:prstGeom>
+            <a:solidFill>
+              <a:schemeClr val="accent2"/>
+            </a:solidFill>
+            <a:ln w="12700">
+              <a:solidFill>
+                <a:schemeClr val="tx1"/>
+              </a:solidFill>
+            </a:ln>
+          </p:spPr>
+          <p:style>
+            <a:lnRef idx="2">
+              <a:schemeClr val="accent1">
+                <a:shade val="50000"/>
+              </a:schemeClr>
+            </a:lnRef>
+            <a:fillRef idx="1">
+              <a:schemeClr val="accent1"/>
+            </a:fillRef>
+            <a:effectRef idx="0">
+              <a:schemeClr val="accent1"/>
+            </a:effectRef>
+            <a:fontRef idx="minor">
+              <a:schemeClr val="lt1"/>
+            </a:fontRef>
+          </p:style>
+          <p:txBody>
+            <a:bodyPr lIns="0" tIns="0" rIns="0" bIns="0" rtlCol="0" anchor="ctr" anchorCtr="1"/>
+            <a:lstStyle/>
+            <a:p>
+              <a:pPr algn="ctr"/>
+              <a:endParaRPr lang="en-US" sz="1813" dirty="0">
+                <a:solidFill>
+                  <a:schemeClr val="accent1"/>
+                </a:solidFill>
+              </a:endParaRPr>
+            </a:p>
+          </p:txBody>
+        </p:sp>
+        <p:sp>
+          <p:nvSpPr>
+            <p:cNvPr id="29" name="Rectangle 28">
+              <a:extLst>
+                <a:ext uri="{FF2B5EF4-FFF2-40B4-BE49-F238E27FC236}">
+                  <a16:creationId xmlns:a16="http://schemas.microsoft.com/office/drawing/2014/main" id="{15964F4B-C678-B243-B780-630890EE64D7}"/>
+                </a:ext>
+              </a:extLst>
+            </p:cNvPr>
+            <p:cNvSpPr/>
+            <p:nvPr/>
+          </p:nvSpPr>
+          <p:spPr>
+            <a:xfrm>
+              <a:off x="6096000" y="4495101"/>
+              <a:ext cx="432570" cy="381000"/>
+            </a:xfrm>
+            <a:prstGeom prst="rect">
+              <a:avLst/>
+            </a:prstGeom>
+            <a:solidFill>
+              <a:srgbClr val="FFC000"/>
+            </a:solidFill>
+            <a:ln w="12700">
+              <a:solidFill>
+                <a:schemeClr val="tx1"/>
+              </a:solidFill>
+            </a:ln>
+          </p:spPr>
+          <p:style>
+            <a:lnRef idx="2">
+              <a:schemeClr val="accent1">
+                <a:shade val="50000"/>
+              </a:schemeClr>
+            </a:lnRef>
+            <a:fillRef idx="1">
+              <a:schemeClr val="accent1"/>
+            </a:fillRef>
+            <a:effectRef idx="0">
+              <a:schemeClr val="accent1"/>
+            </a:effectRef>
+            <a:fontRef idx="minor">
+              <a:schemeClr val="lt1"/>
+            </a:fontRef>
+          </p:style>
+          <p:txBody>
+            <a:bodyPr lIns="0" tIns="0" rIns="0" bIns="0" rtlCol="0" anchor="ctr" anchorCtr="1"/>
+            <a:lstStyle/>
+            <a:p>
+              <a:pPr algn="ctr"/>
+              <a:endParaRPr lang="en-US" sz="1813" dirty="0">
+                <a:solidFill>
+                  <a:schemeClr val="accent1"/>
+                </a:solidFill>
+              </a:endParaRPr>
+            </a:p>
+          </p:txBody>
+        </p:sp>
+        <p:sp>
+          <p:nvSpPr>
+            <p:cNvPr id="30" name="Rectangle 29">
+              <a:extLst>
+                <a:ext uri="{FF2B5EF4-FFF2-40B4-BE49-F238E27FC236}">
+                  <a16:creationId xmlns:a16="http://schemas.microsoft.com/office/drawing/2014/main" id="{E1B69B07-5BA4-F34C-8ACD-7D2D2CD9A8FD}"/>
+                </a:ext>
+              </a:extLst>
+            </p:cNvPr>
+            <p:cNvSpPr/>
+            <p:nvPr/>
+          </p:nvSpPr>
+          <p:spPr>
+            <a:xfrm>
+              <a:off x="6528570" y="4495800"/>
+              <a:ext cx="935534" cy="381000"/>
+            </a:xfrm>
+            <a:prstGeom prst="rect">
+              <a:avLst/>
+            </a:prstGeom>
+            <a:solidFill>
+              <a:schemeClr val="accent2"/>
+            </a:solidFill>
+            <a:ln w="12700">
+              <a:solidFill>
+                <a:schemeClr val="tx1"/>
+              </a:solidFill>
+            </a:ln>
+          </p:spPr>
+          <p:style>
+            <a:lnRef idx="2">
+              <a:schemeClr val="accent1">
+                <a:shade val="50000"/>
+              </a:schemeClr>
+            </a:lnRef>
+            <a:fillRef idx="1">
+              <a:schemeClr val="accent1"/>
+            </a:fillRef>
+            <a:effectRef idx="0">
+              <a:schemeClr val="accent1"/>
+            </a:effectRef>
+            <a:fontRef idx="minor">
+              <a:schemeClr val="lt1"/>
+            </a:fontRef>
+          </p:style>
+          <p:txBody>
+            <a:bodyPr lIns="0" tIns="0" rIns="0" bIns="0" rtlCol="0" anchor="ctr" anchorCtr="1"/>
+            <a:lstStyle/>
+            <a:p>
+              <a:pPr algn="ctr"/>
+              <a:endParaRPr lang="en-US" sz="1813" dirty="0">
+                <a:solidFill>
+                  <a:schemeClr val="accent1"/>
+                </a:solidFill>
+              </a:endParaRPr>
+            </a:p>
+          </p:txBody>
+        </p:sp>
+        <p:sp>
+          <p:nvSpPr>
+            <p:cNvPr id="31" name="Rectangle 30">
+              <a:extLst>
+                <a:ext uri="{FF2B5EF4-FFF2-40B4-BE49-F238E27FC236}">
+                  <a16:creationId xmlns:a16="http://schemas.microsoft.com/office/drawing/2014/main" id="{9CAB7BF0-1941-3449-8C30-7272A8AFC683}"/>
+                </a:ext>
+              </a:extLst>
+            </p:cNvPr>
+            <p:cNvSpPr/>
+            <p:nvPr/>
+          </p:nvSpPr>
+          <p:spPr>
+            <a:xfrm>
+              <a:off x="5257800" y="4953000"/>
+              <a:ext cx="1270770" cy="381000"/>
+            </a:xfrm>
+            <a:prstGeom prst="rect">
+              <a:avLst/>
+            </a:prstGeom>
+            <a:solidFill>
+              <a:schemeClr val="accent2"/>
+            </a:solidFill>
+            <a:ln w="12700">
+              <a:solidFill>
+                <a:schemeClr val="tx1"/>
+              </a:solidFill>
+            </a:ln>
+          </p:spPr>
+          <p:style>
+            <a:lnRef idx="2">
+              <a:schemeClr val="accent1">
+                <a:shade val="50000"/>
+              </a:schemeClr>
+            </a:lnRef>
+            <a:fillRef idx="1">
+              <a:schemeClr val="accent1"/>
+            </a:fillRef>
+            <a:effectRef idx="0">
+              <a:schemeClr val="accent1"/>
+            </a:effectRef>
+            <a:fontRef idx="minor">
+              <a:schemeClr val="lt1"/>
+            </a:fontRef>
+          </p:style>
+          <p:txBody>
+            <a:bodyPr lIns="0" tIns="0" rIns="0" bIns="0" rtlCol="0" anchor="ctr" anchorCtr="1"/>
+            <a:lstStyle/>
+            <a:p>
+              <a:pPr algn="ctr"/>
+              <a:endParaRPr lang="en-US" sz="1813" dirty="0">
+                <a:solidFill>
+                  <a:schemeClr val="accent1"/>
+                </a:solidFill>
+              </a:endParaRPr>
+            </a:p>
+          </p:txBody>
+        </p:sp>
+        <p:sp>
+          <p:nvSpPr>
+            <p:cNvPr id="32" name="Rectangle 31">
+              <a:extLst>
+                <a:ext uri="{FF2B5EF4-FFF2-40B4-BE49-F238E27FC236}">
+                  <a16:creationId xmlns:a16="http://schemas.microsoft.com/office/drawing/2014/main" id="{9A4B1288-4FCB-6D48-965D-A63584397F47}"/>
+                </a:ext>
+              </a:extLst>
+            </p:cNvPr>
+            <p:cNvSpPr/>
+            <p:nvPr/>
+          </p:nvSpPr>
+          <p:spPr>
+            <a:xfrm>
+              <a:off x="6528570" y="4953000"/>
+              <a:ext cx="457200" cy="381000"/>
+            </a:xfrm>
+            <a:prstGeom prst="rect">
+              <a:avLst/>
+            </a:prstGeom>
+            <a:solidFill>
+              <a:srgbClr val="FFC000"/>
+            </a:solidFill>
+            <a:ln w="12700">
+              <a:solidFill>
+                <a:schemeClr val="tx1"/>
+              </a:solidFill>
+            </a:ln>
+          </p:spPr>
+          <p:style>
+            <a:lnRef idx="2">
+              <a:schemeClr val="accent1">
+                <a:shade val="50000"/>
+              </a:schemeClr>
+            </a:lnRef>
+            <a:fillRef idx="1">
+              <a:schemeClr val="accent1"/>
+            </a:fillRef>
+            <a:effectRef idx="0">
+              <a:schemeClr val="accent1"/>
+            </a:effectRef>
+            <a:fontRef idx="minor">
+              <a:schemeClr val="lt1"/>
+            </a:fontRef>
+          </p:style>
+          <p:txBody>
+            <a:bodyPr lIns="0" tIns="0" rIns="0" bIns="0" rtlCol="0" anchor="ctr" anchorCtr="1"/>
+            <a:lstStyle/>
+            <a:p>
+              <a:pPr algn="ctr"/>
+              <a:endParaRPr lang="en-US" sz="1813" dirty="0">
+                <a:solidFill>
+                  <a:schemeClr val="accent1"/>
+                </a:solidFill>
+              </a:endParaRPr>
+            </a:p>
+          </p:txBody>
+        </p:sp>
+        <p:sp>
+          <p:nvSpPr>
+            <p:cNvPr id="33" name="Rectangle 32">
+              <a:extLst>
+                <a:ext uri="{FF2B5EF4-FFF2-40B4-BE49-F238E27FC236}">
+                  <a16:creationId xmlns:a16="http://schemas.microsoft.com/office/drawing/2014/main" id="{6A21E7A8-2106-E546-9400-58DBD2230E40}"/>
+                </a:ext>
+              </a:extLst>
+            </p:cNvPr>
+            <p:cNvSpPr/>
+            <p:nvPr/>
+          </p:nvSpPr>
+          <p:spPr>
+            <a:xfrm>
+              <a:off x="6985770" y="4953699"/>
+              <a:ext cx="478334" cy="381000"/>
+            </a:xfrm>
+            <a:prstGeom prst="rect">
+              <a:avLst/>
+            </a:prstGeom>
+            <a:solidFill>
+              <a:schemeClr val="accent2"/>
+            </a:solidFill>
+            <a:ln w="12700">
+              <a:solidFill>
+                <a:schemeClr val="tx1"/>
+              </a:solidFill>
+            </a:ln>
+          </p:spPr>
+          <p:style>
+            <a:lnRef idx="2">
+              <a:schemeClr val="accent1">
+                <a:shade val="50000"/>
+              </a:schemeClr>
+            </a:lnRef>
+            <a:fillRef idx="1">
+              <a:schemeClr val="accent1"/>
+            </a:fillRef>
+            <a:effectRef idx="0">
+              <a:schemeClr val="accent1"/>
+            </a:effectRef>
+            <a:fontRef idx="minor">
+              <a:schemeClr val="lt1"/>
+            </a:fontRef>
+          </p:style>
+          <p:txBody>
+            <a:bodyPr lIns="0" tIns="0" rIns="0" bIns="0" rtlCol="0" anchor="ctr" anchorCtr="1"/>
+            <a:lstStyle/>
+            <a:p>
+              <a:pPr algn="ctr"/>
+              <a:endParaRPr lang="en-US" sz="1813" dirty="0">
+                <a:solidFill>
+                  <a:schemeClr val="accent1"/>
+                </a:solidFill>
+              </a:endParaRPr>
+            </a:p>
+          </p:txBody>
+        </p:sp>
+        <p:sp>
+          <p:nvSpPr>
+            <p:cNvPr id="34" name="Rectangle 33">
+              <a:extLst>
+                <a:ext uri="{FF2B5EF4-FFF2-40B4-BE49-F238E27FC236}">
+                  <a16:creationId xmlns:a16="http://schemas.microsoft.com/office/drawing/2014/main" id="{44C326D6-B559-7143-9818-0A34723E2EED}"/>
+                </a:ext>
+              </a:extLst>
+            </p:cNvPr>
+            <p:cNvSpPr/>
+            <p:nvPr/>
+          </p:nvSpPr>
+          <p:spPr>
+            <a:xfrm>
+              <a:off x="5257800" y="5409501"/>
+              <a:ext cx="1727970" cy="381000"/>
+            </a:xfrm>
+            <a:prstGeom prst="rect">
+              <a:avLst/>
+            </a:prstGeom>
+            <a:solidFill>
+              <a:schemeClr val="accent2"/>
+            </a:solidFill>
+            <a:ln w="12700">
+              <a:solidFill>
+                <a:schemeClr val="tx1"/>
+              </a:solidFill>
+            </a:ln>
+          </p:spPr>
+          <p:style>
+            <a:lnRef idx="2">
+              <a:schemeClr val="accent1">
+                <a:shade val="50000"/>
+              </a:schemeClr>
+            </a:lnRef>
+            <a:fillRef idx="1">
+              <a:schemeClr val="accent1"/>
+            </a:fillRef>
+            <a:effectRef idx="0">
+              <a:schemeClr val="accent1"/>
+            </a:effectRef>
+            <a:fontRef idx="minor">
+              <a:schemeClr val="lt1"/>
+            </a:fontRef>
+          </p:style>
+          <p:txBody>
+            <a:bodyPr lIns="0" tIns="0" rIns="0" bIns="0" rtlCol="0" anchor="ctr" anchorCtr="1"/>
+            <a:lstStyle/>
+            <a:p>
+              <a:pPr algn="ctr"/>
+              <a:endParaRPr lang="en-US" sz="1813" dirty="0">
+                <a:solidFill>
+                  <a:schemeClr val="tx1"/>
+                </a:solidFill>
+              </a:endParaRPr>
+            </a:p>
+          </p:txBody>
+        </p:sp>
+        <p:sp>
+          <p:nvSpPr>
+            <p:cNvPr id="35" name="Rectangle 34">
+              <a:extLst>
+                <a:ext uri="{FF2B5EF4-FFF2-40B4-BE49-F238E27FC236}">
+                  <a16:creationId xmlns:a16="http://schemas.microsoft.com/office/drawing/2014/main" id="{9C14F60E-C055-5741-8D44-D80E942686D0}"/>
+                </a:ext>
+              </a:extLst>
+            </p:cNvPr>
+            <p:cNvSpPr/>
+            <p:nvPr/>
+          </p:nvSpPr>
+          <p:spPr>
+            <a:xfrm>
+              <a:off x="6985770" y="5410200"/>
+              <a:ext cx="478334" cy="381000"/>
+            </a:xfrm>
+            <a:prstGeom prst="rect">
+              <a:avLst/>
+            </a:prstGeom>
+            <a:solidFill>
+              <a:srgbClr val="FFC000"/>
+            </a:solidFill>
+            <a:ln w="12700">
+              <a:solidFill>
+                <a:schemeClr val="tx1"/>
+              </a:solidFill>
+            </a:ln>
+          </p:spPr>
+          <p:style>
+            <a:lnRef idx="2">
+              <a:schemeClr val="accent1">
+                <a:shade val="50000"/>
+              </a:schemeClr>
+            </a:lnRef>
+            <a:fillRef idx="1">
+              <a:schemeClr val="accent1"/>
+            </a:fillRef>
+            <a:effectRef idx="0">
+              <a:schemeClr val="accent1"/>
+            </a:effectRef>
+            <a:fontRef idx="minor">
+              <a:schemeClr val="lt1"/>
+            </a:fontRef>
+          </p:style>
+          <p:txBody>
+            <a:bodyPr lIns="0" tIns="0" rIns="0" bIns="0" rtlCol="0" anchor="ctr" anchorCtr="1"/>
+            <a:lstStyle/>
+            <a:p>
+              <a:pPr algn="ctr"/>
+              <a:endParaRPr lang="en-US" sz="1813" dirty="0">
+                <a:solidFill>
+                  <a:schemeClr val="accent1"/>
+                </a:solidFill>
+              </a:endParaRPr>
+            </a:p>
+          </p:txBody>
+        </p:sp>
+      </p:grpSp>
+      <p:grpSp>
+        <p:nvGrpSpPr>
+          <p:cNvPr id="39" name="Group 38">
+            <a:extLst>
+              <a:ext uri="{FF2B5EF4-FFF2-40B4-BE49-F238E27FC236}">
+                <a16:creationId xmlns:a16="http://schemas.microsoft.com/office/drawing/2014/main" id="{7E2BACB5-B17E-FD4E-A866-FEB22DA52917}"/>
+              </a:ext>
+            </a:extLst>
+          </p:cNvPr>
+          <p:cNvGrpSpPr/>
+          <p:nvPr/>
+        </p:nvGrpSpPr>
+        <p:grpSpPr>
+          <a:xfrm>
+            <a:off x="1826586" y="5897436"/>
+            <a:ext cx="1667059" cy="1292922"/>
+            <a:chOff x="1497801" y="5805714"/>
+            <a:chExt cx="2156566" cy="1672569"/>
+          </a:xfrm>
+        </p:grpSpPr>
+        <p:cxnSp>
+          <p:nvCxnSpPr>
+            <p:cNvPr id="37" name="Straight Connector 36">
+              <a:extLst>
+                <a:ext uri="{FF2B5EF4-FFF2-40B4-BE49-F238E27FC236}">
+                  <a16:creationId xmlns:a16="http://schemas.microsoft.com/office/drawing/2014/main" id="{98CA76FC-2990-3F42-BB2A-612B3CB695A2}"/>
+                </a:ext>
+              </a:extLst>
+            </p:cNvPr>
+            <p:cNvCxnSpPr/>
+            <p:nvPr/>
+          </p:nvCxnSpPr>
+          <p:spPr>
+            <a:xfrm>
+              <a:off x="1520767" y="5850478"/>
+              <a:ext cx="2133600" cy="1627805"/>
+            </a:xfrm>
+            <a:prstGeom prst="line">
+              <a:avLst/>
+            </a:prstGeom>
+            <a:ln w="57150">
+              <a:solidFill>
+                <a:srgbClr val="FF0000"/>
+              </a:solidFill>
+            </a:ln>
+          </p:spPr>
+          <p:style>
+            <a:lnRef idx="1">
+              <a:schemeClr val="accent1"/>
+            </a:lnRef>
+            <a:fillRef idx="0">
+              <a:schemeClr val="accent1"/>
+            </a:fillRef>
+            <a:effectRef idx="0">
+              <a:schemeClr val="accent1"/>
+            </a:effectRef>
+            <a:fontRef idx="minor">
+              <a:schemeClr val="tx1"/>
+            </a:fontRef>
+          </p:style>
+        </p:cxnSp>
+        <p:cxnSp>
+          <p:nvCxnSpPr>
+            <p:cNvPr id="38" name="Straight Connector 37">
+              <a:extLst>
+                <a:ext uri="{FF2B5EF4-FFF2-40B4-BE49-F238E27FC236}">
+                  <a16:creationId xmlns:a16="http://schemas.microsoft.com/office/drawing/2014/main" id="{820A748F-11DD-F446-ADB5-A92E75223C30}"/>
+                </a:ext>
+              </a:extLst>
+            </p:cNvPr>
+            <p:cNvCxnSpPr>
+              <a:cxnSpLocks/>
+            </p:cNvCxnSpPr>
+            <p:nvPr/>
+          </p:nvCxnSpPr>
+          <p:spPr>
+            <a:xfrm flipH="1">
+              <a:off x="1497801" y="5805714"/>
+              <a:ext cx="2133600" cy="1627805"/>
+            </a:xfrm>
+            <a:prstGeom prst="line">
+              <a:avLst/>
+            </a:prstGeom>
+            <a:ln w="57150">
+              <a:solidFill>
+                <a:srgbClr val="FF0000"/>
+              </a:solidFill>
+            </a:ln>
+          </p:spPr>
+          <p:style>
+            <a:lnRef idx="1">
+              <a:schemeClr val="accent1"/>
+            </a:lnRef>
+            <a:fillRef idx="0">
+              <a:schemeClr val="accent1"/>
+            </a:fillRef>
+            <a:effectRef idx="0">
+              <a:schemeClr val="accent1"/>
+            </a:effectRef>
+            <a:fontRef idx="minor">
+              <a:schemeClr val="tx1"/>
+            </a:fontRef>
+          </p:style>
+        </p:cxnSp>
+      </p:grpSp>
     </p:spTree>
     <p:extLst>
       <p:ext uri="{BB962C8B-B14F-4D97-AF65-F5344CB8AC3E}">
@@ -14207,7 +17637,7 @@
 </p:sld>
 </file>
 
-<file path=ppt/slides/slide21.xml><?xml version="1.0" encoding="utf-8"?>
+<file path=ppt/slides/slide23.xml><?xml version="1.0" encoding="utf-8"?>
 <p:sld xmlns:a="http://schemas.openxmlformats.org/drawingml/2006/main" xmlns:r="http://schemas.openxmlformats.org/officeDocument/2006/relationships" xmlns:p="http://schemas.openxmlformats.org/presentationml/2006/main">
   <p:cSld>
     <p:spTree>
@@ -14416,7 +17846,232 @@
 </p:sld>
 </file>
 
-<file path=ppt/slides/slide22.xml><?xml version="1.0" encoding="utf-8"?>
+<file path=ppt/slides/slide24.xml><?xml version="1.0" encoding="utf-8"?>
+<p:sld xmlns:a="http://schemas.openxmlformats.org/drawingml/2006/main" xmlns:r="http://schemas.openxmlformats.org/officeDocument/2006/relationships" xmlns:p="http://schemas.openxmlformats.org/presentationml/2006/main">
+  <p:cSld>
+    <p:spTree>
+      <p:nvGrpSpPr>
+        <p:cNvPr id="1" name=""/>
+        <p:cNvGrpSpPr/>
+        <p:nvPr/>
+      </p:nvGrpSpPr>
+      <p:grpSpPr>
+        <a:xfrm>
+          <a:off x="0" y="0"/>
+          <a:ext cx="0" cy="0"/>
+          <a:chOff x="0" y="0"/>
+          <a:chExt cx="0" cy="0"/>
+        </a:xfrm>
+      </p:grpSpPr>
+      <p:sp>
+        <p:nvSpPr>
+          <p:cNvPr id="2" name="Title 1">
+            <a:extLst>
+              <a:ext uri="{FF2B5EF4-FFF2-40B4-BE49-F238E27FC236}">
+                <a16:creationId xmlns:a16="http://schemas.microsoft.com/office/drawing/2014/main" id="{47C3E73E-EF4A-EC4E-A07C-60FDD83753F0}"/>
+              </a:ext>
+            </a:extLst>
+          </p:cNvPr>
+          <p:cNvSpPr>
+            <a:spLocks noGrp="1"/>
+          </p:cNvSpPr>
+          <p:nvPr>
+            <p:ph type="title"/>
+          </p:nvPr>
+        </p:nvSpPr>
+        <p:spPr/>
+        <p:txBody>
+          <a:bodyPr/>
+          <a:lstStyle/>
+          <a:p>
+            <a:r>
+              <a:rPr lang="en-US" dirty="0"/>
+              <a:t>Workshop Overview and Timeline</a:t>
+            </a:r>
+          </a:p>
+        </p:txBody>
+      </p:sp>
+      <p:sp>
+        <p:nvSpPr>
+          <p:cNvPr id="3" name="Text Placeholder 2">
+            <a:extLst>
+              <a:ext uri="{FF2B5EF4-FFF2-40B4-BE49-F238E27FC236}">
+                <a16:creationId xmlns:a16="http://schemas.microsoft.com/office/drawing/2014/main" id="{0D2FCA61-01E6-6B4E-8840-9B8B75A969E2}"/>
+              </a:ext>
+            </a:extLst>
+          </p:cNvPr>
+          <p:cNvSpPr>
+            <a:spLocks noGrp="1"/>
+          </p:cNvSpPr>
+          <p:nvPr>
+            <p:ph type="body" sz="quarter" idx="10"/>
+          </p:nvPr>
+        </p:nvSpPr>
+        <p:spPr>
+          <a:xfrm>
+            <a:off x="1191811" y="1385566"/>
+            <a:ext cx="11433977" cy="5945217"/>
+          </a:xfrm>
+        </p:spPr>
+        <p:txBody>
+          <a:bodyPr/>
+          <a:lstStyle/>
+          <a:p>
+            <a:r>
+              <a:rPr lang="en-US" dirty="0">
+                <a:solidFill>
+                  <a:schemeClr val="bg1">
+                    <a:lumMod val="50000"/>
+                  </a:schemeClr>
+                </a:solidFill>
+              </a:rPr>
+              <a:t>0900 – 0915	Introductions, Setting up the environment and project background</a:t>
+            </a:r>
+          </a:p>
+          <a:p>
+            <a:r>
+              <a:rPr lang="en-US" dirty="0">
+                <a:solidFill>
+                  <a:schemeClr val="bg1">
+                    <a:lumMod val="50000"/>
+                  </a:schemeClr>
+                </a:solidFill>
+              </a:rPr>
+              <a:t>0915 – 0945	Part 1: Working with return data in Python			Eunice</a:t>
+            </a:r>
+            <a:br>
+              <a:rPr lang="en-US" dirty="0">
+                <a:solidFill>
+                  <a:schemeClr val="bg1">
+                    <a:lumMod val="50000"/>
+                  </a:schemeClr>
+                </a:solidFill>
+              </a:rPr>
+            </a:br>
+            <a:r>
+              <a:rPr lang="en-US" dirty="0">
+                <a:solidFill>
+                  <a:schemeClr val="bg1">
+                    <a:lumMod val="50000"/>
+                  </a:schemeClr>
+                </a:solidFill>
+              </a:rPr>
+              <a:t>		Part 2: Visualizing Timeseries Data</a:t>
+            </a:r>
+          </a:p>
+          <a:p>
+            <a:r>
+              <a:rPr lang="en-US" dirty="0">
+                <a:solidFill>
+                  <a:schemeClr val="bg1">
+                    <a:lumMod val="50000"/>
+                  </a:schemeClr>
+                </a:solidFill>
+              </a:rPr>
+              <a:t>0945 – 1000	Part 3: Setting up the Modeling Framework		Steve</a:t>
+            </a:r>
+          </a:p>
+          <a:p>
+            <a:r>
+              <a:rPr lang="en-US" dirty="0">
+                <a:solidFill>
+                  <a:schemeClr val="bg1">
+                    <a:lumMod val="50000"/>
+                  </a:schemeClr>
+                </a:solidFill>
+              </a:rPr>
+              <a:t>1000 – 1030 	Part 4a: Understanding Turbulence Signals		Steve</a:t>
+            </a:r>
+            <a:br>
+              <a:rPr lang="en-US" dirty="0">
+                <a:solidFill>
+                  <a:schemeClr val="bg1">
+                    <a:lumMod val="50000"/>
+                  </a:schemeClr>
+                </a:solidFill>
+              </a:rPr>
+            </a:br>
+            <a:r>
+              <a:rPr lang="en-US" dirty="0">
+                <a:solidFill>
+                  <a:schemeClr val="bg1">
+                    <a:lumMod val="50000"/>
+                  </a:schemeClr>
+                </a:solidFill>
+              </a:rPr>
+              <a:t>		Part 4b: Creating Turbulence Models	</a:t>
+            </a:r>
+          </a:p>
+          <a:p>
+            <a:r>
+              <a:rPr lang="en-US" dirty="0">
+                <a:solidFill>
+                  <a:schemeClr val="bg1">
+                    <a:lumMod val="50000"/>
+                  </a:schemeClr>
+                </a:solidFill>
+              </a:rPr>
+              <a:t>1030 – 1100	</a:t>
+            </a:r>
+            <a:r>
+              <a:rPr lang="en-US" b="1" dirty="0">
+                <a:solidFill>
+                  <a:schemeClr val="bg1">
+                    <a:lumMod val="50000"/>
+                  </a:schemeClr>
+                </a:solidFill>
+              </a:rPr>
+              <a:t>Break</a:t>
+            </a:r>
+          </a:p>
+          <a:p>
+            <a:r>
+              <a:rPr lang="en-US" b="1" dirty="0"/>
+              <a:t>1100 – 1145	Part 5a: Understanding GARCH Estimation		Steve</a:t>
+            </a:r>
+            <a:br>
+              <a:rPr lang="en-US" b="1" dirty="0"/>
+            </a:br>
+            <a:r>
+              <a:rPr lang="en-US" b="1" dirty="0"/>
+              <a:t>		Part 5b: Creating GARCH Models</a:t>
+            </a:r>
+          </a:p>
+          <a:p>
+            <a:r>
+              <a:rPr lang="en-US" dirty="0"/>
+              <a:t>1145 – 1230 	Part 6a: Direct attempts at machine learning		Eunice</a:t>
+            </a:r>
+            <a:br>
+              <a:rPr lang="en-US" dirty="0"/>
+            </a:br>
+            <a:r>
+              <a:rPr lang="en-US" dirty="0"/>
+              <a:t>		Part 6b: Combining methods				Steve</a:t>
+            </a:r>
+          </a:p>
+          <a:p>
+            <a:r>
+              <a:rPr lang="en-US" dirty="0"/>
+              <a:t>1230 – 1300	Conclusion and Q&amp;A					Steve/Eunice</a:t>
+            </a:r>
+          </a:p>
+        </p:txBody>
+      </p:sp>
+    </p:spTree>
+    <p:extLst>
+      <p:ext uri="{BB962C8B-B14F-4D97-AF65-F5344CB8AC3E}">
+        <p14:creationId xmlns:p14="http://schemas.microsoft.com/office/powerpoint/2010/main" val="3989539482"/>
+      </p:ext>
+    </p:extLst>
+  </p:cSld>
+  <p:clrMapOvr>
+    <a:masterClrMapping/>
+  </p:clrMapOvr>
+</p:sld>
+</file>
+
+<file path=ppt/slides/slide25.xml><?xml version="1.0" encoding="utf-8"?>
 <p:sld xmlns:a="http://schemas.openxmlformats.org/drawingml/2006/main" xmlns:r="http://schemas.openxmlformats.org/officeDocument/2006/relationships" xmlns:p="http://schemas.openxmlformats.org/presentationml/2006/main">
   <p:cSld>
     <p:spTree>
@@ -15051,7 +18706,7 @@
 </p:sld>
 </file>
 
-<file path=ppt/slides/slide23.xml><?xml version="1.0" encoding="utf-8"?>
+<file path=ppt/slides/slide26.xml><?xml version="1.0" encoding="utf-8"?>
 <p:sld xmlns:a="http://schemas.openxmlformats.org/drawingml/2006/main" xmlns:r="http://schemas.openxmlformats.org/officeDocument/2006/relationships" xmlns:p="http://schemas.openxmlformats.org/presentationml/2006/main">
   <p:cSld>
     <p:spTree>
@@ -15231,27 +18886,45 @@
           </a:p>
           <a:p>
             <a:r>
+              <a:rPr lang="en-US" dirty="0">
+                <a:solidFill>
+                  <a:schemeClr val="bg1">
+                    <a:lumMod val="50000"/>
+                  </a:schemeClr>
+                </a:solidFill>
+              </a:rPr>
+              <a:t>1100 – 1145	Part 5a: Understanding GARCH Estimation		Steve</a:t>
+            </a:r>
+            <a:br>
+              <a:rPr lang="en-US" dirty="0">
+                <a:solidFill>
+                  <a:schemeClr val="bg1">
+                    <a:lumMod val="50000"/>
+                  </a:schemeClr>
+                </a:solidFill>
+              </a:rPr>
+            </a:br>
+            <a:r>
+              <a:rPr lang="en-US" dirty="0">
+                <a:solidFill>
+                  <a:schemeClr val="bg1">
+                    <a:lumMod val="50000"/>
+                  </a:schemeClr>
+                </a:solidFill>
+              </a:rPr>
+              <a:t>		Part 5b: Creating GARCH Models</a:t>
+            </a:r>
+          </a:p>
+          <a:p>
+            <a:r>
               <a:rPr lang="en-US" b="1" dirty="0"/>
-              <a:t>1100 – 1145	Part 5a: Understanding GARCH Estimation		Steve</a:t>
+              <a:t>1145 – 1230 	Part 6a: Direct attempts at machine learning		Eunice</a:t>
             </a:r>
             <a:br>
               <a:rPr lang="en-US" b="1" dirty="0"/>
             </a:br>
             <a:r>
               <a:rPr lang="en-US" b="1" dirty="0"/>
-              <a:t>		Part 5b: Creating GARCH Models</a:t>
-            </a:r>
-          </a:p>
-          <a:p>
-            <a:r>
-              <a:rPr lang="en-US" dirty="0"/>
-              <a:t>1145 – 1230 	Part 6a: Direct attempts at machine learning		Eunice</a:t>
-            </a:r>
-            <a:br>
-              <a:rPr lang="en-US" dirty="0"/>
-            </a:br>
-            <a:r>
-              <a:rPr lang="en-US" dirty="0"/>
               <a:t>		Part 6b: Combining methods				Steve</a:t>
             </a:r>
           </a:p>
@@ -15266,7 +18939,7 @@
     </p:spTree>
     <p:extLst>
       <p:ext uri="{BB962C8B-B14F-4D97-AF65-F5344CB8AC3E}">
-        <p14:creationId xmlns:p14="http://schemas.microsoft.com/office/powerpoint/2010/main" val="3989539482"/>
+        <p14:creationId xmlns:p14="http://schemas.microsoft.com/office/powerpoint/2010/main" val="4210437077"/>
       </p:ext>
     </p:extLst>
   </p:cSld>
@@ -15276,7 +18949,7 @@
 </p:sld>
 </file>
 
-<file path=ppt/slides/slide24.xml><?xml version="1.0" encoding="utf-8"?>
+<file path=ppt/slides/slide27.xml><?xml version="1.0" encoding="utf-8"?>
 <p:sld xmlns:a="http://schemas.openxmlformats.org/drawingml/2006/main" xmlns:r="http://schemas.openxmlformats.org/officeDocument/2006/relationships" xmlns:p="http://schemas.openxmlformats.org/presentationml/2006/main">
   <p:cSld>
     <p:spTree>
@@ -15487,20 +19160,38 @@
           </a:p>
           <a:p>
             <a:r>
+              <a:rPr lang="en-US" dirty="0">
+                <a:solidFill>
+                  <a:schemeClr val="bg1">
+                    <a:lumMod val="50000"/>
+                  </a:schemeClr>
+                </a:solidFill>
+              </a:rPr>
+              <a:t>1145 – 1230 	Part 6a: Direct attempts at machine learning		Eunice</a:t>
+            </a:r>
+            <a:br>
+              <a:rPr lang="en-US" dirty="0">
+                <a:solidFill>
+                  <a:schemeClr val="bg1">
+                    <a:lumMod val="50000"/>
+                  </a:schemeClr>
+                </a:solidFill>
+              </a:rPr>
+            </a:br>
+            <a:r>
+              <a:rPr lang="en-US" dirty="0">
+                <a:solidFill>
+                  <a:schemeClr val="bg1">
+                    <a:lumMod val="50000"/>
+                  </a:schemeClr>
+                </a:solidFill>
+              </a:rPr>
+              <a:t>		Part 6b: Combining methods				Steve</a:t>
+            </a:r>
+          </a:p>
+          <a:p>
+            <a:r>
               <a:rPr lang="en-US" b="1" dirty="0"/>
-              <a:t>1145 – 1230 	Part 6a: Direct attempts at machine learning		Eunice</a:t>
-            </a:r>
-            <a:br>
-              <a:rPr lang="en-US" b="1" dirty="0"/>
-            </a:br>
-            <a:r>
-              <a:rPr lang="en-US" b="1" dirty="0"/>
-              <a:t>		Part 6b: Combining methods				Steve</a:t>
-            </a:r>
-          </a:p>
-          <a:p>
-            <a:r>
-              <a:rPr lang="en-US" dirty="0"/>
               <a:t>1230 – 1300	Conclusion and Q&amp;A					Steve/Eunice</a:t>
             </a:r>
           </a:p>
@@ -15509,7 +19200,7 @@
     </p:spTree>
     <p:extLst>
       <p:ext uri="{BB962C8B-B14F-4D97-AF65-F5344CB8AC3E}">
-        <p14:creationId xmlns:p14="http://schemas.microsoft.com/office/powerpoint/2010/main" val="4210437077"/>
+        <p14:creationId xmlns:p14="http://schemas.microsoft.com/office/powerpoint/2010/main" val="1045391713"/>
       </p:ext>
     </p:extLst>
   </p:cSld>
@@ -15519,7 +19210,7 @@
 </p:sld>
 </file>
 
-<file path=ppt/slides/slide25.xml><?xml version="1.0" encoding="utf-8"?>
+<file path=ppt/slides/slide28.xml><?xml version="1.0" encoding="utf-8"?>
 <p:sld xmlns:a="http://schemas.openxmlformats.org/drawingml/2006/main" xmlns:r="http://schemas.openxmlformats.org/officeDocument/2006/relationships" xmlns:p="http://schemas.openxmlformats.org/presentationml/2006/main">
   <p:cSld>
     <p:spTree>
@@ -15538,10 +19229,10 @@
       </p:grpSpPr>
       <p:sp>
         <p:nvSpPr>
-          <p:cNvPr id="2" name="Title 1">
+          <p:cNvPr id="4" name="Title 3">
             <a:extLst>
               <a:ext uri="{FF2B5EF4-FFF2-40B4-BE49-F238E27FC236}">
-                <a16:creationId xmlns:a16="http://schemas.microsoft.com/office/drawing/2014/main" id="{47C3E73E-EF4A-EC4E-A07C-60FDD83753F0}"/>
+                <a16:creationId xmlns:a16="http://schemas.microsoft.com/office/drawing/2014/main" id="{C5609E14-6CDA-8A41-B8B5-0681849C0A0F}"/>
               </a:ext>
             </a:extLst>
           </p:cNvPr>
@@ -15559,20 +19250,14 @@
           <a:p>
             <a:r>
               <a:rPr lang="en-US" dirty="0"/>
-              <a:t>Workshop Overview and Timeline</a:t>
+              <a:t>The Motivation Behind Applied Finance</a:t>
             </a:r>
           </a:p>
         </p:txBody>
       </p:sp>
       <p:sp>
         <p:nvSpPr>
-          <p:cNvPr id="3" name="Text Placeholder 2">
-            <a:extLst>
-              <a:ext uri="{FF2B5EF4-FFF2-40B4-BE49-F238E27FC236}">
-                <a16:creationId xmlns:a16="http://schemas.microsoft.com/office/drawing/2014/main" id="{0D2FCA61-01E6-6B4E-8840-9B8B75A969E2}"/>
-              </a:ext>
-            </a:extLst>
-          </p:cNvPr>
+          <p:cNvPr id="3" name="Content Placeholder 2"/>
           <p:cNvSpPr>
             <a:spLocks noGrp="1"/>
           </p:cNvSpPr>
@@ -15582,187 +19267,611 @@
         </p:nvSpPr>
         <p:spPr>
           <a:xfrm>
-            <a:off x="1191811" y="1385566"/>
-            <a:ext cx="11433977" cy="5945217"/>
+            <a:off x="7550333" y="3967809"/>
+            <a:ext cx="5298212" cy="1729448"/>
           </a:xfrm>
         </p:spPr>
         <p:txBody>
-          <a:bodyPr/>
+          <a:bodyPr vert="horz" wrap="square" lIns="0" tIns="51816" rIns="103632" bIns="51816" numCol="1" rtlCol="0" anchor="t" anchorCtr="0" compatLnSpc="1">
+            <a:prstTxWarp prst="textNoShape">
+              <a:avLst/>
+            </a:prstTxWarp>
+            <a:noAutofit/>
+          </a:bodyPr>
           <a:lstStyle/>
           <a:p>
-            <a:r>
-              <a:rPr lang="en-US" dirty="0">
-                <a:solidFill>
-                  <a:schemeClr val="bg1">
-                    <a:lumMod val="50000"/>
-                  </a:schemeClr>
+            <a:pPr marL="188908" indent="-188908">
+              <a:spcBef>
+                <a:spcPts val="0"/>
+              </a:spcBef>
+              <a:spcAft>
+                <a:spcPts val="1360"/>
+              </a:spcAft>
+            </a:pPr>
+            <a:r>
+              <a:rPr lang="en-US" sz="1587" dirty="0"/>
+              <a:t>The sell side needs to find a simple model that explains recent history.</a:t>
+            </a:r>
+          </a:p>
+          <a:p>
+            <a:pPr marL="188908" indent="-188908">
+              <a:spcBef>
+                <a:spcPts val="0"/>
+              </a:spcBef>
+              <a:spcAft>
+                <a:spcPts val="1360"/>
+              </a:spcAft>
+            </a:pPr>
+            <a:r>
+              <a:rPr lang="en-US" sz="1587" dirty="0"/>
+              <a:t>A buy side modeler needs investors to understand their strategy (no black boxes).</a:t>
+            </a:r>
+          </a:p>
+          <a:p>
+            <a:pPr marL="188908" indent="-188908">
+              <a:spcBef>
+                <a:spcPts val="0"/>
+              </a:spcBef>
+              <a:spcAft>
+                <a:spcPts val="1360"/>
+              </a:spcAft>
+            </a:pPr>
+            <a:r>
+              <a:rPr lang="en-US" sz="1587" dirty="0"/>
+              <a:t>Regulators and auditors need to understand how a risk model works.</a:t>
+            </a:r>
+          </a:p>
+          <a:p>
+            <a:pPr marL="188908" indent="-188908">
+              <a:spcBef>
+                <a:spcPts val="0"/>
+              </a:spcBef>
+              <a:spcAft>
+                <a:spcPts val="1360"/>
+              </a:spcAft>
+            </a:pPr>
+            <a:r>
+              <a:rPr lang="en-US" sz="1587" dirty="0"/>
+              <a:t>Each has an impact on how data science is applied in finance.</a:t>
+            </a:r>
+          </a:p>
+        </p:txBody>
+      </p:sp>
+      <p:sp>
+        <p:nvSpPr>
+          <p:cNvPr id="6" name="Rectangle 5"/>
+          <p:cNvSpPr/>
+          <p:nvPr/>
+        </p:nvSpPr>
+        <p:spPr>
+          <a:xfrm>
+            <a:off x="1460503" y="1252991"/>
+            <a:ext cx="4654421" cy="580800"/>
+          </a:xfrm>
+          <a:prstGeom prst="rect">
+            <a:avLst/>
+          </a:prstGeom>
+        </p:spPr>
+        <p:txBody>
+          <a:bodyPr wrap="square">
+            <a:spAutoFit/>
+          </a:bodyPr>
+          <a:lstStyle/>
+          <a:p>
+            <a:pPr algn="ctr"/>
+            <a:r>
+              <a:rPr lang="en-US" sz="1587" dirty="0">
+                <a:solidFill>
+                  <a:schemeClr val="accent1"/>
                 </a:solidFill>
               </a:rPr>
-              <a:t>0900 – 0915	Introductions, Setting up the environment and project background</a:t>
-            </a:r>
-          </a:p>
-          <a:p>
-            <a:r>
-              <a:rPr lang="en-US" dirty="0">
-                <a:solidFill>
-                  <a:schemeClr val="bg1">
-                    <a:lumMod val="50000"/>
-                  </a:schemeClr>
-                </a:solidFill>
-              </a:rPr>
-              <a:t>0915 – 0945	Part 1: Working with return data in Python			Eunice</a:t>
+              <a:t>Finance Relies on </a:t>
             </a:r>
             <a:br>
-              <a:rPr lang="en-US" dirty="0">
-                <a:solidFill>
-                  <a:schemeClr val="bg1">
-                    <a:lumMod val="50000"/>
-                  </a:schemeClr>
+              <a:rPr lang="en-US" sz="1587" dirty="0">
+                <a:solidFill>
+                  <a:schemeClr val="accent1"/>
                 </a:solidFill>
               </a:rPr>
             </a:br>
             <a:r>
-              <a:rPr lang="en-US" dirty="0">
-                <a:solidFill>
-                  <a:schemeClr val="bg1">
-                    <a:lumMod val="50000"/>
-                  </a:schemeClr>
+              <a:rPr lang="en-US" sz="1587" dirty="0">
+                <a:solidFill>
+                  <a:schemeClr val="accent1"/>
                 </a:solidFill>
               </a:rPr>
-              <a:t>		Part 2: Visualizing Timeseries Data</a:t>
-            </a:r>
-          </a:p>
-          <a:p>
-            <a:r>
-              <a:rPr lang="en-US" dirty="0">
-                <a:solidFill>
-                  <a:schemeClr val="bg1">
-                    <a:lumMod val="50000"/>
-                  </a:schemeClr>
+              <a:t>Heuristics and Instinct</a:t>
+            </a:r>
+          </a:p>
+        </p:txBody>
+      </p:sp>
+      <p:sp>
+        <p:nvSpPr>
+          <p:cNvPr id="10" name="Content Placeholder 2"/>
+          <p:cNvSpPr txBox="1">
+            <a:spLocks/>
+          </p:cNvSpPr>
+          <p:nvPr/>
+        </p:nvSpPr>
+        <p:spPr>
+          <a:xfrm>
+            <a:off x="1377245" y="3967809"/>
+            <a:ext cx="5531556" cy="3317466"/>
+          </a:xfrm>
+          <a:prstGeom prst="rect">
+            <a:avLst/>
+          </a:prstGeom>
+        </p:spPr>
+        <p:txBody>
+          <a:bodyPr vert="horz" lIns="0" tIns="51816" rIns="103632" bIns="51816" rtlCol="0">
+            <a:noAutofit/>
+          </a:bodyPr>
+          <a:lstStyle>
+            <a:lvl1pPr marL="166688" indent="-166688" algn="l" defTabSz="914400" rtl="0" eaLnBrk="1" latinLnBrk="0" hangingPunct="1">
+              <a:lnSpc>
+                <a:spcPct val="100000"/>
+              </a:lnSpc>
+              <a:spcBef>
+                <a:spcPts val="0"/>
+              </a:spcBef>
+              <a:spcAft>
+                <a:spcPts val="1200"/>
+              </a:spcAft>
+              <a:buClr>
+                <a:schemeClr val="tx1"/>
+              </a:buClr>
+              <a:buFont typeface="Arial" panose="020B0604020202020204" pitchFamily="34" charset="0"/>
+              <a:buChar char="•"/>
+              <a:defRPr sz="1600" kern="1200">
+                <a:solidFill>
+                  <a:schemeClr val="tx1"/>
+                </a:solidFill>
+                <a:latin typeface="Arial" panose="020B0604020202020204" pitchFamily="34" charset="0"/>
+                <a:ea typeface="+mn-ea"/>
+                <a:cs typeface="Arial" panose="020B0604020202020204" pitchFamily="34" charset="0"/>
+              </a:defRPr>
+            </a:lvl1pPr>
+            <a:lvl2pPr marL="515938" indent="-174625" algn="l" defTabSz="914400" rtl="0" eaLnBrk="1" latinLnBrk="0" hangingPunct="1">
+              <a:lnSpc>
+                <a:spcPct val="100000"/>
+              </a:lnSpc>
+              <a:spcBef>
+                <a:spcPts val="0"/>
+              </a:spcBef>
+              <a:spcAft>
+                <a:spcPts val="1200"/>
+              </a:spcAft>
+              <a:buClr>
+                <a:schemeClr val="tx1"/>
+              </a:buClr>
+              <a:buFont typeface="Arial" panose="020B0604020202020204" pitchFamily="34" charset="0"/>
+              <a:buChar char="–"/>
+              <a:defRPr sz="1600" kern="1200">
+                <a:solidFill>
+                  <a:schemeClr val="tx1"/>
+                </a:solidFill>
+                <a:latin typeface="Arial" panose="020B0604020202020204" pitchFamily="34" charset="0"/>
+                <a:ea typeface="+mn-ea"/>
+                <a:cs typeface="Arial" panose="020B0604020202020204" pitchFamily="34" charset="0"/>
+              </a:defRPr>
+            </a:lvl2pPr>
+            <a:lvl3pPr marL="863600" indent="-180975" algn="l" defTabSz="914400" rtl="0" eaLnBrk="1" latinLnBrk="0" hangingPunct="1">
+              <a:lnSpc>
+                <a:spcPct val="100000"/>
+              </a:lnSpc>
+              <a:spcBef>
+                <a:spcPts val="0"/>
+              </a:spcBef>
+              <a:spcAft>
+                <a:spcPts val="1200"/>
+              </a:spcAft>
+              <a:buClr>
+                <a:schemeClr val="tx1"/>
+              </a:buClr>
+              <a:buFont typeface="Arial" panose="020B0604020202020204" pitchFamily="34" charset="0"/>
+              <a:buChar char="–"/>
+              <a:defRPr sz="1600" kern="1200">
+                <a:solidFill>
+                  <a:schemeClr val="tx1"/>
+                </a:solidFill>
+                <a:latin typeface="Arial" panose="020B0604020202020204" pitchFamily="34" charset="0"/>
+                <a:ea typeface="+mn-ea"/>
+                <a:cs typeface="Arial" panose="020B0604020202020204" pitchFamily="34" charset="0"/>
+              </a:defRPr>
+            </a:lvl3pPr>
+            <a:lvl4pPr marL="1196975" indent="-160338" algn="l" defTabSz="914400" rtl="0" eaLnBrk="1" latinLnBrk="0" hangingPunct="1">
+              <a:lnSpc>
+                <a:spcPct val="100000"/>
+              </a:lnSpc>
+              <a:spcBef>
+                <a:spcPts val="0"/>
+              </a:spcBef>
+              <a:spcAft>
+                <a:spcPts val="1200"/>
+              </a:spcAft>
+              <a:buClr>
+                <a:schemeClr val="tx1"/>
+              </a:buClr>
+              <a:buFont typeface="Arial" panose="020B0604020202020204" pitchFamily="34" charset="0"/>
+              <a:buChar char="–"/>
+              <a:defRPr sz="1600" kern="1200">
+                <a:solidFill>
+                  <a:schemeClr val="tx1"/>
+                </a:solidFill>
+                <a:latin typeface="Arial" panose="020B0604020202020204" pitchFamily="34" charset="0"/>
+                <a:ea typeface="+mn-ea"/>
+                <a:cs typeface="Arial" panose="020B0604020202020204" pitchFamily="34" charset="0"/>
+              </a:defRPr>
+            </a:lvl4pPr>
+            <a:lvl5pPr marL="1546225" indent="-180975" algn="l" defTabSz="914400" rtl="0" eaLnBrk="1" latinLnBrk="0" hangingPunct="1">
+              <a:lnSpc>
+                <a:spcPct val="100000"/>
+              </a:lnSpc>
+              <a:spcBef>
+                <a:spcPts val="0"/>
+              </a:spcBef>
+              <a:spcAft>
+                <a:spcPts val="1200"/>
+              </a:spcAft>
+              <a:buClr>
+                <a:schemeClr val="tx1"/>
+              </a:buClr>
+              <a:buFont typeface="Arial" panose="020B0604020202020204" pitchFamily="34" charset="0"/>
+              <a:buChar char="–"/>
+              <a:defRPr sz="1600" kern="1200">
+                <a:solidFill>
+                  <a:schemeClr val="tx1"/>
+                </a:solidFill>
+                <a:latin typeface="Arial" panose="020B0604020202020204" pitchFamily="34" charset="0"/>
+                <a:ea typeface="+mn-ea"/>
+                <a:cs typeface="Arial" panose="020B0604020202020204" pitchFamily="34" charset="0"/>
+              </a:defRPr>
+            </a:lvl5pPr>
+            <a:lvl6pPr marL="2514600" indent="-228600" algn="l" defTabSz="914400" rtl="0" eaLnBrk="1" latinLnBrk="0" hangingPunct="1">
+              <a:spcBef>
+                <a:spcPct val="20000"/>
+              </a:spcBef>
+              <a:buFont typeface="Arial" panose="020B0604020202020204" pitchFamily="34" charset="0"/>
+              <a:buChar char="•"/>
+              <a:defRPr sz="2000" kern="1200">
+                <a:solidFill>
+                  <a:schemeClr val="tx1"/>
+                </a:solidFill>
+                <a:latin typeface="+mn-lt"/>
+                <a:ea typeface="+mn-ea"/>
+                <a:cs typeface="+mn-cs"/>
+              </a:defRPr>
+            </a:lvl6pPr>
+            <a:lvl7pPr marL="2971800" indent="-228600" algn="l" defTabSz="914400" rtl="0" eaLnBrk="1" latinLnBrk="0" hangingPunct="1">
+              <a:spcBef>
+                <a:spcPct val="20000"/>
+              </a:spcBef>
+              <a:buFont typeface="Arial" panose="020B0604020202020204" pitchFamily="34" charset="0"/>
+              <a:buChar char="•"/>
+              <a:defRPr sz="2000" kern="1200">
+                <a:solidFill>
+                  <a:schemeClr val="tx1"/>
+                </a:solidFill>
+                <a:latin typeface="+mn-lt"/>
+                <a:ea typeface="+mn-ea"/>
+                <a:cs typeface="+mn-cs"/>
+              </a:defRPr>
+            </a:lvl7pPr>
+            <a:lvl8pPr marL="3429000" indent="-228600" algn="l" defTabSz="914400" rtl="0" eaLnBrk="1" latinLnBrk="0" hangingPunct="1">
+              <a:spcBef>
+                <a:spcPct val="20000"/>
+              </a:spcBef>
+              <a:buFont typeface="Arial" panose="020B0604020202020204" pitchFamily="34" charset="0"/>
+              <a:buChar char="•"/>
+              <a:defRPr sz="2000" kern="1200">
+                <a:solidFill>
+                  <a:schemeClr val="tx1"/>
+                </a:solidFill>
+                <a:latin typeface="+mn-lt"/>
+                <a:ea typeface="+mn-ea"/>
+                <a:cs typeface="+mn-cs"/>
+              </a:defRPr>
+            </a:lvl8pPr>
+            <a:lvl9pPr marL="3886200" indent="-228600" algn="l" defTabSz="914400" rtl="0" eaLnBrk="1" latinLnBrk="0" hangingPunct="1">
+              <a:spcBef>
+                <a:spcPct val="20000"/>
+              </a:spcBef>
+              <a:buFont typeface="Arial" panose="020B0604020202020204" pitchFamily="34" charset="0"/>
+              <a:buChar char="•"/>
+              <a:defRPr sz="2000" kern="1200">
+                <a:solidFill>
+                  <a:schemeClr val="tx1"/>
+                </a:solidFill>
+                <a:latin typeface="+mn-lt"/>
+                <a:ea typeface="+mn-ea"/>
+                <a:cs typeface="+mn-cs"/>
+              </a:defRPr>
+            </a:lvl9pPr>
+          </a:lstStyle>
+          <a:p>
+            <a:r>
+              <a:rPr lang="en-US" sz="1587" dirty="0"/>
+              <a:t>Computing power has lagged need, particularly in live visualization.</a:t>
+            </a:r>
+          </a:p>
+          <a:p>
+            <a:r>
+              <a:rPr lang="en-US" sz="1587" dirty="0"/>
+              <a:t>Understanding WHY is more important than WHAT</a:t>
+            </a:r>
+            <a:br>
+              <a:rPr lang="en-US" sz="1587" dirty="0"/>
+            </a:br>
+            <a:r>
+              <a:rPr lang="en-US" sz="1587" dirty="0"/>
+              <a:t>(even if loss of accuracy).</a:t>
+            </a:r>
+          </a:p>
+          <a:p>
+            <a:r>
+              <a:rPr lang="en-US" sz="1587" dirty="0"/>
+              <a:t>Human reaction time is critical.</a:t>
+            </a:r>
+          </a:p>
+          <a:p>
+            <a:r>
+              <a:rPr lang="en-US" sz="1587" dirty="0"/>
+              <a:t>Often there is no time (or budget) for “nerdy” </a:t>
+            </a:r>
+            <a:r>
+              <a:rPr lang="en-US" sz="1587" dirty="0" err="1"/>
+              <a:t>backtesting</a:t>
+            </a:r>
+            <a:r>
+              <a:rPr lang="en-US" sz="1587" dirty="0"/>
+              <a:t>.</a:t>
+            </a:r>
+          </a:p>
+        </p:txBody>
+      </p:sp>
+      <p:grpSp>
+        <p:nvGrpSpPr>
+          <p:cNvPr id="21" name="Group 20"/>
+          <p:cNvGrpSpPr/>
+          <p:nvPr/>
+        </p:nvGrpSpPr>
+        <p:grpSpPr>
+          <a:xfrm>
+            <a:off x="2570689" y="1875246"/>
+            <a:ext cx="2434052" cy="1953448"/>
+            <a:chOff x="136187" y="908720"/>
+            <a:chExt cx="4250987" cy="3905250"/>
+          </a:xfrm>
+        </p:grpSpPr>
+        <p:pic>
+          <p:nvPicPr>
+            <p:cNvPr id="22" name="Picture 11" descr="C:\Users\e437819\AppData\Local\Microsoft\Windows\Temporary Internet Files\Content.IE5\UQ3JTN5B\blank-monitor-112996054549vN[1].jpg"/>
+            <p:cNvPicPr>
+              <a:picLocks noChangeAspect="1" noChangeArrowheads="1"/>
+            </p:cNvPicPr>
+            <p:nvPr/>
+          </p:nvPicPr>
+          <p:blipFill rotWithShape="1">
+            <a:blip r:embed="rId3">
+              <a:extLst>
+                <a:ext uri="{28A0092B-C50C-407E-A947-70E740481C1C}">
+                  <a14:useLocalDpi xmlns:a14="http://schemas.microsoft.com/office/drawing/2010/main" val="0"/>
+                </a:ext>
+              </a:extLst>
+            </a:blip>
+            <a:srcRect l="14442" r="12989"/>
+            <a:stretch/>
+          </p:blipFill>
+          <p:spPr bwMode="auto">
+            <a:xfrm>
+              <a:off x="136187" y="908720"/>
+              <a:ext cx="4250987" cy="3905250"/>
+            </a:xfrm>
+            <a:prstGeom prst="rect">
+              <a:avLst/>
+            </a:prstGeom>
+            <a:noFill/>
+            <a:extLst>
+              <a:ext uri="{909E8E84-426E-40DD-AFC4-6F175D3DCCD1}">
+                <a14:hiddenFill xmlns:a14="http://schemas.microsoft.com/office/drawing/2010/main">
+                  <a:solidFill>
+                    <a:srgbClr val="FFFFFF"/>
+                  </a:solidFill>
+                </a14:hiddenFill>
+              </a:ext>
+            </a:extLst>
+          </p:spPr>
+        </p:pic>
+        <p:sp>
+          <p:nvSpPr>
+            <p:cNvPr id="23" name="Rectangle 22"/>
+            <p:cNvSpPr/>
+            <p:nvPr/>
+          </p:nvSpPr>
+          <p:spPr>
+            <a:xfrm>
+              <a:off x="381326" y="1290794"/>
+              <a:ext cx="3672408" cy="2304256"/>
+            </a:xfrm>
+            <a:prstGeom prst="rect">
+              <a:avLst/>
+            </a:prstGeom>
+            <a:solidFill>
+              <a:schemeClr val="tx1"/>
+            </a:solidFill>
+            <a:ln w="12700">
+              <a:noFill/>
+            </a:ln>
+          </p:spPr>
+          <p:style>
+            <a:lnRef idx="2">
+              <a:schemeClr val="accent1">
+                <a:shade val="50000"/>
+              </a:schemeClr>
+            </a:lnRef>
+            <a:fillRef idx="1">
+              <a:schemeClr val="accent1"/>
+            </a:fillRef>
+            <a:effectRef idx="0">
+              <a:schemeClr val="accent1"/>
+            </a:effectRef>
+            <a:fontRef idx="minor">
+              <a:schemeClr val="lt1"/>
+            </a:fontRef>
+          </p:style>
+          <p:txBody>
+            <a:bodyPr lIns="0" tIns="0" rIns="0" bIns="0" rtlCol="0" anchor="ctr" anchorCtr="1"/>
+            <a:lstStyle/>
+            <a:p>
+              <a:pPr algn="ctr"/>
+              <a:endParaRPr lang="en-US" sz="1813" dirty="0">
+                <a:solidFill>
+                  <a:schemeClr val="accent1"/>
+                </a:solidFill>
+              </a:endParaRPr>
+            </a:p>
+          </p:txBody>
+        </p:sp>
+        <p:pic>
+          <p:nvPicPr>
+            <p:cNvPr id="24" name="Picture 7" descr="https://assets.bwbx.io/images/users/iqjWHBFdfxIU/iZZX6UannCVw/v2/800x-1.png"/>
+            <p:cNvPicPr>
+              <a:picLocks noChangeAspect="1" noChangeArrowheads="1"/>
+            </p:cNvPicPr>
+            <p:nvPr/>
+          </p:nvPicPr>
+          <p:blipFill>
+            <a:blip r:embed="rId4" cstate="print">
+              <a:extLst>
+                <a:ext uri="{28A0092B-C50C-407E-A947-70E740481C1C}">
+                  <a14:useLocalDpi xmlns:a14="http://schemas.microsoft.com/office/drawing/2010/main" val="0"/>
+                </a:ext>
+              </a:extLst>
+            </a:blip>
+            <a:srcRect/>
+            <a:stretch>
+              <a:fillRect/>
+            </a:stretch>
+          </p:blipFill>
+          <p:spPr bwMode="auto">
+            <a:xfrm>
+              <a:off x="387232" y="1429699"/>
+              <a:ext cx="3666502" cy="2062406"/>
+            </a:xfrm>
+            <a:prstGeom prst="rect">
+              <a:avLst/>
+            </a:prstGeom>
+            <a:noFill/>
+            <a:extLst>
+              <a:ext uri="{909E8E84-426E-40DD-AFC4-6F175D3DCCD1}">
+                <a14:hiddenFill xmlns:a14="http://schemas.microsoft.com/office/drawing/2010/main">
+                  <a:solidFill>
+                    <a:srgbClr val="FFFFFF"/>
+                  </a:solidFill>
+                </a14:hiddenFill>
+              </a:ext>
+            </a:extLst>
+          </p:spPr>
+        </p:pic>
+      </p:grpSp>
+      <p:pic>
+        <p:nvPicPr>
+          <p:cNvPr id="2051" name="Picture 3"/>
+          <p:cNvPicPr>
+            <a:picLocks noChangeAspect="1" noChangeArrowheads="1"/>
+          </p:cNvPicPr>
+          <p:nvPr/>
+        </p:nvPicPr>
+        <p:blipFill>
+          <a:blip r:embed="rId5">
+            <a:extLst>
+              <a:ext uri="{28A0092B-C50C-407E-A947-70E740481C1C}">
+                <a14:useLocalDpi xmlns:a14="http://schemas.microsoft.com/office/drawing/2010/main" val="0"/>
+              </a:ext>
+            </a:extLst>
+          </a:blip>
+          <a:srcRect/>
+          <a:stretch>
+            <a:fillRect/>
+          </a:stretch>
+        </p:blipFill>
+        <p:spPr bwMode="auto">
+          <a:xfrm>
+            <a:off x="8344209" y="2009191"/>
+            <a:ext cx="3075691" cy="1509011"/>
+          </a:xfrm>
+          <a:prstGeom prst="rect">
+            <a:avLst/>
+          </a:prstGeom>
+          <a:noFill/>
+          <a:ln>
+            <a:noFill/>
+          </a:ln>
+          <a:extLst>
+            <a:ext uri="{909E8E84-426E-40DD-AFC4-6F175D3DCCD1}">
+              <a14:hiddenFill xmlns:a14="http://schemas.microsoft.com/office/drawing/2010/main">
+                <a:solidFill>
+                  <a:schemeClr val="accent1"/>
+                </a:solidFill>
+              </a14:hiddenFill>
+            </a:ext>
+            <a:ext uri="{91240B29-F687-4F45-9708-019B960494DF}">
+              <a14:hiddenLine xmlns:a14="http://schemas.microsoft.com/office/drawing/2010/main" w="9525">
+                <a:solidFill>
+                  <a:schemeClr val="tx1"/>
+                </a:solidFill>
+                <a:miter lim="800000"/>
+                <a:headEnd/>
+                <a:tailEnd/>
+              </a14:hiddenLine>
+            </a:ext>
+          </a:extLst>
+        </p:spPr>
+      </p:pic>
+      <p:sp>
+        <p:nvSpPr>
+          <p:cNvPr id="19" name="Rectangle 18"/>
+          <p:cNvSpPr/>
+          <p:nvPr/>
+        </p:nvSpPr>
+        <p:spPr>
+          <a:xfrm>
+            <a:off x="7550333" y="1252991"/>
+            <a:ext cx="4663440" cy="580800"/>
+          </a:xfrm>
+          <a:prstGeom prst="rect">
+            <a:avLst/>
+          </a:prstGeom>
+        </p:spPr>
+        <p:txBody>
+          <a:bodyPr wrap="square">
+            <a:spAutoFit/>
+          </a:bodyPr>
+          <a:lstStyle/>
+          <a:p>
+            <a:pPr algn="ctr"/>
+            <a:r>
+              <a:rPr lang="en-US" sz="1587" dirty="0">
+                <a:solidFill>
+                  <a:schemeClr val="accent1"/>
                 </a:solidFill>
               </a:rPr>
-              <a:t>0945 – 1000	Part 3: Setting up the Modeling Framework		Steve</a:t>
-            </a:r>
-          </a:p>
-          <a:p>
-            <a:r>
-              <a:rPr lang="en-US" dirty="0">
-                <a:solidFill>
-                  <a:schemeClr val="bg1">
-                    <a:lumMod val="50000"/>
-                  </a:schemeClr>
-                </a:solidFill>
-              </a:rPr>
-              <a:t>1000 – 1030 	Part 4a: Understanding Turbulence Signals		Steve</a:t>
+              <a:t>Finance is Often </a:t>
             </a:r>
             <a:br>
-              <a:rPr lang="en-US" dirty="0">
-                <a:solidFill>
-                  <a:schemeClr val="bg1">
-                    <a:lumMod val="50000"/>
-                  </a:schemeClr>
+              <a:rPr lang="en-US" sz="1587" dirty="0">
+                <a:solidFill>
+                  <a:schemeClr val="accent1"/>
                 </a:solidFill>
               </a:rPr>
             </a:br>
             <a:r>
-              <a:rPr lang="en-US" dirty="0">
-                <a:solidFill>
-                  <a:schemeClr val="bg1">
-                    <a:lumMod val="50000"/>
-                  </a:schemeClr>
+              <a:rPr lang="en-US" sz="1587" dirty="0">
+                <a:solidFill>
+                  <a:schemeClr val="accent1"/>
                 </a:solidFill>
               </a:rPr>
-              <a:t>		Part 4b: Creating Turbulence Models	</a:t>
-            </a:r>
-          </a:p>
-          <a:p>
-            <a:r>
-              <a:rPr lang="en-US" dirty="0">
-                <a:solidFill>
-                  <a:schemeClr val="bg1">
-                    <a:lumMod val="50000"/>
-                  </a:schemeClr>
-                </a:solidFill>
-              </a:rPr>
-              <a:t>1030 – 1100	</a:t>
-            </a:r>
-            <a:r>
-              <a:rPr lang="en-US" b="1" dirty="0">
-                <a:solidFill>
-                  <a:schemeClr val="bg1">
-                    <a:lumMod val="50000"/>
-                  </a:schemeClr>
-                </a:solidFill>
-              </a:rPr>
-              <a:t>Break</a:t>
-            </a:r>
-          </a:p>
-          <a:p>
-            <a:r>
-              <a:rPr lang="en-US" dirty="0">
-                <a:solidFill>
-                  <a:schemeClr val="bg1">
-                    <a:lumMod val="50000"/>
-                  </a:schemeClr>
-                </a:solidFill>
-              </a:rPr>
-              <a:t>1100 – 1145	Part 5a: Understanding GARCH Estimation		Steve</a:t>
-            </a:r>
-            <a:br>
-              <a:rPr lang="en-US" dirty="0">
-                <a:solidFill>
-                  <a:schemeClr val="bg1">
-                    <a:lumMod val="50000"/>
-                  </a:schemeClr>
-                </a:solidFill>
-              </a:rPr>
-            </a:br>
-            <a:r>
-              <a:rPr lang="en-US" dirty="0">
-                <a:solidFill>
-                  <a:schemeClr val="bg1">
-                    <a:lumMod val="50000"/>
-                  </a:schemeClr>
-                </a:solidFill>
-              </a:rPr>
-              <a:t>		Part 5b: Creating GARCH Models</a:t>
-            </a:r>
-          </a:p>
-          <a:p>
-            <a:r>
-              <a:rPr lang="en-US" dirty="0">
-                <a:solidFill>
-                  <a:schemeClr val="bg1">
-                    <a:lumMod val="50000"/>
-                  </a:schemeClr>
-                </a:solidFill>
-              </a:rPr>
-              <a:t>1145 – 1230 	Part 6a: Direct attempts at machine learning		Eunice</a:t>
-            </a:r>
-            <a:br>
-              <a:rPr lang="en-US" dirty="0">
-                <a:solidFill>
-                  <a:schemeClr val="bg1">
-                    <a:lumMod val="50000"/>
-                  </a:schemeClr>
-                </a:solidFill>
-              </a:rPr>
-            </a:br>
-            <a:r>
-              <a:rPr lang="en-US" dirty="0">
-                <a:solidFill>
-                  <a:schemeClr val="bg1">
-                    <a:lumMod val="50000"/>
-                  </a:schemeClr>
-                </a:solidFill>
-              </a:rPr>
-              <a:t>		Part 6b: Combining methods				Steve</a:t>
-            </a:r>
-          </a:p>
-          <a:p>
-            <a:r>
-              <a:rPr lang="en-US" b="1" dirty="0"/>
-              <a:t>1230 – 1300	Conclusion and Q&amp;A					Steve/Eunice</a:t>
+              <a:t>About Telling Stories</a:t>
             </a:r>
           </a:p>
         </p:txBody>
@@ -15770,7 +19879,441 @@
     </p:spTree>
     <p:extLst>
       <p:ext uri="{BB962C8B-B14F-4D97-AF65-F5344CB8AC3E}">
-        <p14:creationId xmlns:p14="http://schemas.microsoft.com/office/powerpoint/2010/main" val="1045391713"/>
+        <p14:creationId xmlns:p14="http://schemas.microsoft.com/office/powerpoint/2010/main" val="3778654283"/>
+      </p:ext>
+    </p:extLst>
+  </p:cSld>
+  <p:clrMapOvr>
+    <a:masterClrMapping/>
+  </p:clrMapOvr>
+  <p:timing>
+    <p:tnLst>
+      <p:par>
+        <p:cTn id="1" dur="indefinite" restart="never" nodeType="tmRoot">
+          <p:childTnLst>
+            <p:seq concurrent="1" nextAc="seek">
+              <p:cTn id="2" dur="indefinite" nodeType="mainSeq">
+                <p:childTnLst>
+                  <p:par>
+                    <p:cTn id="3" fill="hold">
+                      <p:stCondLst>
+                        <p:cond delay="indefinite"/>
+                      </p:stCondLst>
+                      <p:childTnLst>
+                        <p:par>
+                          <p:cTn id="4" fill="hold">
+                            <p:stCondLst>
+                              <p:cond delay="0"/>
+                            </p:stCondLst>
+                            <p:childTnLst>
+                              <p:par>
+                                <p:cTn id="5" presetID="10" presetClass="entr" presetSubtype="0" fill="hold" grpId="0" nodeType="clickEffect">
+                                  <p:stCondLst>
+                                    <p:cond delay="0"/>
+                                  </p:stCondLst>
+                                  <p:childTnLst>
+                                    <p:set>
+                                      <p:cBhvr>
+                                        <p:cTn id="6" dur="1" fill="hold">
+                                          <p:stCondLst>
+                                            <p:cond delay="0"/>
+                                          </p:stCondLst>
+                                        </p:cTn>
+                                        <p:tgtEl>
+                                          <p:spTgt spid="6"/>
+                                        </p:tgtEl>
+                                        <p:attrNameLst>
+                                          <p:attrName>style.visibility</p:attrName>
+                                        </p:attrNameLst>
+                                      </p:cBhvr>
+                                      <p:to>
+                                        <p:strVal val="visible"/>
+                                      </p:to>
+                                    </p:set>
+                                    <p:animEffect transition="in" filter="fade">
+                                      <p:cBhvr>
+                                        <p:cTn id="7" dur="500"/>
+                                        <p:tgtEl>
+                                          <p:spTgt spid="6"/>
+                                        </p:tgtEl>
+                                      </p:cBhvr>
+                                    </p:animEffect>
+                                  </p:childTnLst>
+                                </p:cTn>
+                              </p:par>
+                              <p:par>
+                                <p:cTn id="8" presetID="10" presetClass="entr" presetSubtype="0" fill="hold" nodeType="withEffect">
+                                  <p:stCondLst>
+                                    <p:cond delay="0"/>
+                                  </p:stCondLst>
+                                  <p:childTnLst>
+                                    <p:set>
+                                      <p:cBhvr>
+                                        <p:cTn id="9" dur="1" fill="hold">
+                                          <p:stCondLst>
+                                            <p:cond delay="0"/>
+                                          </p:stCondLst>
+                                        </p:cTn>
+                                        <p:tgtEl>
+                                          <p:spTgt spid="21"/>
+                                        </p:tgtEl>
+                                        <p:attrNameLst>
+                                          <p:attrName>style.visibility</p:attrName>
+                                        </p:attrNameLst>
+                                      </p:cBhvr>
+                                      <p:to>
+                                        <p:strVal val="visible"/>
+                                      </p:to>
+                                    </p:set>
+                                    <p:animEffect transition="in" filter="fade">
+                                      <p:cBhvr>
+                                        <p:cTn id="10" dur="500"/>
+                                        <p:tgtEl>
+                                          <p:spTgt spid="21"/>
+                                        </p:tgtEl>
+                                      </p:cBhvr>
+                                    </p:animEffect>
+                                  </p:childTnLst>
+                                </p:cTn>
+                              </p:par>
+                              <p:par>
+                                <p:cTn id="11" presetID="10" presetClass="entr" presetSubtype="0" fill="hold" grpId="0" nodeType="withEffect">
+                                  <p:stCondLst>
+                                    <p:cond delay="0"/>
+                                  </p:stCondLst>
+                                  <p:childTnLst>
+                                    <p:set>
+                                      <p:cBhvr>
+                                        <p:cTn id="12" dur="1" fill="hold">
+                                          <p:stCondLst>
+                                            <p:cond delay="0"/>
+                                          </p:stCondLst>
+                                        </p:cTn>
+                                        <p:tgtEl>
+                                          <p:spTgt spid="10"/>
+                                        </p:tgtEl>
+                                        <p:attrNameLst>
+                                          <p:attrName>style.visibility</p:attrName>
+                                        </p:attrNameLst>
+                                      </p:cBhvr>
+                                      <p:to>
+                                        <p:strVal val="visible"/>
+                                      </p:to>
+                                    </p:set>
+                                    <p:animEffect transition="in" filter="fade">
+                                      <p:cBhvr>
+                                        <p:cTn id="13" dur="500"/>
+                                        <p:tgtEl>
+                                          <p:spTgt spid="10"/>
+                                        </p:tgtEl>
+                                      </p:cBhvr>
+                                    </p:animEffect>
+                                  </p:childTnLst>
+                                </p:cTn>
+                              </p:par>
+                            </p:childTnLst>
+                          </p:cTn>
+                        </p:par>
+                      </p:childTnLst>
+                    </p:cTn>
+                  </p:par>
+                  <p:par>
+                    <p:cTn id="14" fill="hold">
+                      <p:stCondLst>
+                        <p:cond delay="indefinite"/>
+                      </p:stCondLst>
+                      <p:childTnLst>
+                        <p:par>
+                          <p:cTn id="15" fill="hold">
+                            <p:stCondLst>
+                              <p:cond delay="0"/>
+                            </p:stCondLst>
+                            <p:childTnLst>
+                              <p:par>
+                                <p:cTn id="16" presetID="10" presetClass="entr" presetSubtype="0" fill="hold" grpId="0" nodeType="clickEffect">
+                                  <p:stCondLst>
+                                    <p:cond delay="0"/>
+                                  </p:stCondLst>
+                                  <p:childTnLst>
+                                    <p:set>
+                                      <p:cBhvr>
+                                        <p:cTn id="17" dur="1" fill="hold">
+                                          <p:stCondLst>
+                                            <p:cond delay="0"/>
+                                          </p:stCondLst>
+                                        </p:cTn>
+                                        <p:tgtEl>
+                                          <p:spTgt spid="19"/>
+                                        </p:tgtEl>
+                                        <p:attrNameLst>
+                                          <p:attrName>style.visibility</p:attrName>
+                                        </p:attrNameLst>
+                                      </p:cBhvr>
+                                      <p:to>
+                                        <p:strVal val="visible"/>
+                                      </p:to>
+                                    </p:set>
+                                    <p:animEffect transition="in" filter="fade">
+                                      <p:cBhvr>
+                                        <p:cTn id="18" dur="500"/>
+                                        <p:tgtEl>
+                                          <p:spTgt spid="19"/>
+                                        </p:tgtEl>
+                                      </p:cBhvr>
+                                    </p:animEffect>
+                                  </p:childTnLst>
+                                </p:cTn>
+                              </p:par>
+                              <p:par>
+                                <p:cTn id="19" presetID="10" presetClass="entr" presetSubtype="0" fill="hold" nodeType="withEffect">
+                                  <p:stCondLst>
+                                    <p:cond delay="0"/>
+                                  </p:stCondLst>
+                                  <p:childTnLst>
+                                    <p:set>
+                                      <p:cBhvr>
+                                        <p:cTn id="20" dur="1" fill="hold">
+                                          <p:stCondLst>
+                                            <p:cond delay="0"/>
+                                          </p:stCondLst>
+                                        </p:cTn>
+                                        <p:tgtEl>
+                                          <p:spTgt spid="2051"/>
+                                        </p:tgtEl>
+                                        <p:attrNameLst>
+                                          <p:attrName>style.visibility</p:attrName>
+                                        </p:attrNameLst>
+                                      </p:cBhvr>
+                                      <p:to>
+                                        <p:strVal val="visible"/>
+                                      </p:to>
+                                    </p:set>
+                                    <p:animEffect transition="in" filter="fade">
+                                      <p:cBhvr>
+                                        <p:cTn id="21" dur="500"/>
+                                        <p:tgtEl>
+                                          <p:spTgt spid="2051"/>
+                                        </p:tgtEl>
+                                      </p:cBhvr>
+                                    </p:animEffect>
+                                  </p:childTnLst>
+                                </p:cTn>
+                              </p:par>
+                              <p:par>
+                                <p:cTn id="22" presetID="10" presetClass="entr" presetSubtype="0" fill="hold" grpId="0" nodeType="withEffect">
+                                  <p:stCondLst>
+                                    <p:cond delay="0"/>
+                                  </p:stCondLst>
+                                  <p:childTnLst>
+                                    <p:set>
+                                      <p:cBhvr>
+                                        <p:cTn id="23" dur="1" fill="hold">
+                                          <p:stCondLst>
+                                            <p:cond delay="0"/>
+                                          </p:stCondLst>
+                                        </p:cTn>
+                                        <p:tgtEl>
+                                          <p:spTgt spid="3"/>
+                                        </p:tgtEl>
+                                        <p:attrNameLst>
+                                          <p:attrName>style.visibility</p:attrName>
+                                        </p:attrNameLst>
+                                      </p:cBhvr>
+                                      <p:to>
+                                        <p:strVal val="visible"/>
+                                      </p:to>
+                                    </p:set>
+                                    <p:animEffect transition="in" filter="fade">
+                                      <p:cBhvr>
+                                        <p:cTn id="24" dur="500"/>
+                                        <p:tgtEl>
+                                          <p:spTgt spid="3"/>
+                                        </p:tgtEl>
+                                      </p:cBhvr>
+                                    </p:animEffect>
+                                  </p:childTnLst>
+                                </p:cTn>
+                              </p:par>
+                            </p:childTnLst>
+                          </p:cTn>
+                        </p:par>
+                      </p:childTnLst>
+                    </p:cTn>
+                  </p:par>
+                </p:childTnLst>
+              </p:cTn>
+              <p:prevCondLst>
+                <p:cond evt="onPrev" delay="0">
+                  <p:tgtEl>
+                    <p:sldTgt/>
+                  </p:tgtEl>
+                </p:cond>
+              </p:prevCondLst>
+              <p:nextCondLst>
+                <p:cond evt="onNext" delay="0">
+                  <p:tgtEl>
+                    <p:sldTgt/>
+                  </p:tgtEl>
+                </p:cond>
+              </p:nextCondLst>
+            </p:seq>
+          </p:childTnLst>
+        </p:cTn>
+      </p:par>
+    </p:tnLst>
+    <p:bldLst>
+      <p:bldP spid="3" grpId="0"/>
+      <p:bldP spid="6" grpId="0"/>
+      <p:bldP spid="10" grpId="0"/>
+      <p:bldP spid="19" grpId="0"/>
+    </p:bldLst>
+  </p:timing>
+</p:sld>
+</file>
+
+<file path=ppt/slides/slide29.xml><?xml version="1.0" encoding="utf-8"?>
+<p:sld xmlns:a="http://schemas.openxmlformats.org/drawingml/2006/main" xmlns:r="http://schemas.openxmlformats.org/officeDocument/2006/relationships" xmlns:p="http://schemas.openxmlformats.org/presentationml/2006/main">
+  <p:cSld>
+    <p:spTree>
+      <p:nvGrpSpPr>
+        <p:cNvPr id="1" name=""/>
+        <p:cNvGrpSpPr/>
+        <p:nvPr/>
+      </p:nvGrpSpPr>
+      <p:grpSpPr>
+        <a:xfrm>
+          <a:off x="0" y="0"/>
+          <a:ext cx="0" cy="0"/>
+          <a:chOff x="0" y="0"/>
+          <a:chExt cx="0" cy="0"/>
+        </a:xfrm>
+      </p:grpSpPr>
+      <p:sp>
+        <p:nvSpPr>
+          <p:cNvPr id="2" name="Title 1"/>
+          <p:cNvSpPr>
+            <a:spLocks noGrp="1"/>
+          </p:cNvSpPr>
+          <p:nvPr>
+            <p:ph type="title"/>
+          </p:nvPr>
+        </p:nvSpPr>
+        <p:spPr/>
+        <p:txBody>
+          <a:bodyPr/>
+          <a:lstStyle/>
+          <a:p>
+            <a:r>
+              <a:rPr lang="en-US"/>
+              <a:t>Parting Thoughts</a:t>
+            </a:r>
+            <a:endParaRPr lang="en-US" dirty="0"/>
+          </a:p>
+        </p:txBody>
+      </p:sp>
+      <p:sp>
+        <p:nvSpPr>
+          <p:cNvPr id="3" name="Content Placeholder 2"/>
+          <p:cNvSpPr>
+            <a:spLocks noGrp="1"/>
+          </p:cNvSpPr>
+          <p:nvPr>
+            <p:ph type="body" sz="quarter" idx="10"/>
+          </p:nvPr>
+        </p:nvSpPr>
+        <p:spPr/>
+        <p:txBody>
+          <a:bodyPr/>
+          <a:lstStyle/>
+          <a:p>
+            <a:pPr>
+              <a:spcAft>
+                <a:spcPts val="3400"/>
+              </a:spcAft>
+            </a:pPr>
+            <a:r>
+              <a:rPr lang="en-US" dirty="0"/>
+              <a:t>Machine Learning and Artificial Intelligence provide powerful tools to derive insight faster and more efficiently than traditional methods.</a:t>
+            </a:r>
+          </a:p>
+          <a:p>
+            <a:pPr>
+              <a:spcAft>
+                <a:spcPts val="3400"/>
+              </a:spcAft>
+            </a:pPr>
+            <a:r>
+              <a:rPr lang="en-US" dirty="0"/>
+              <a:t>Different models have varying appeal to differing problems.</a:t>
+            </a:r>
+          </a:p>
+          <a:p>
+            <a:pPr>
+              <a:spcAft>
+                <a:spcPts val="3400"/>
+              </a:spcAft>
+            </a:pPr>
+            <a:r>
+              <a:rPr lang="en-US" dirty="0"/>
+              <a:t>The culture of the organization will impact the extent to which a pure data science approach can be tolerated.</a:t>
+            </a:r>
+          </a:p>
+          <a:p>
+            <a:pPr>
+              <a:spcAft>
+                <a:spcPts val="3400"/>
+              </a:spcAft>
+            </a:pPr>
+            <a:r>
+              <a:rPr lang="en-US" dirty="0"/>
+              <a:t>With the prevalence of big, unstructured data, a data science approach is going to become more and more necessary in finance.</a:t>
+            </a:r>
+          </a:p>
+          <a:p>
+            <a:pPr>
+              <a:spcAft>
+                <a:spcPts val="3400"/>
+              </a:spcAft>
+            </a:pPr>
+            <a:r>
+              <a:rPr lang="en-US" dirty="0"/>
+              <a:t>Understanding your experience path can help guide your approach to data science</a:t>
+            </a:r>
+          </a:p>
+        </p:txBody>
+      </p:sp>
+      <p:sp>
+        <p:nvSpPr>
+          <p:cNvPr id="5" name="Rectangle 4"/>
+          <p:cNvSpPr/>
+          <p:nvPr/>
+        </p:nvSpPr>
+        <p:spPr>
+          <a:xfrm>
+            <a:off x="10766219" y="7431391"/>
+            <a:ext cx="867545" cy="266676"/>
+          </a:xfrm>
+          <a:prstGeom prst="rect">
+            <a:avLst/>
+          </a:prstGeom>
+        </p:spPr>
+        <p:txBody>
+          <a:bodyPr wrap="none">
+            <a:spAutoFit/>
+          </a:bodyPr>
+          <a:lstStyle/>
+          <a:p>
+            <a:r>
+              <a:rPr lang="en-US" sz="1133" dirty="0"/>
+              <a:t>GXN-4575</a:t>
+            </a:r>
+          </a:p>
+        </p:txBody>
+      </p:sp>
+    </p:spTree>
+    <p:extLst>
+      <p:ext uri="{BB962C8B-B14F-4D97-AF65-F5344CB8AC3E}">
+        <p14:creationId xmlns:p14="http://schemas.microsoft.com/office/powerpoint/2010/main" val="863701080"/>
       </p:ext>
     </p:extLst>
   </p:cSld>
@@ -19237,6 +23780,12 @@
 </file>
 
 <file path=ppt/tags/tag1.xml><?xml version="1.0" encoding="utf-8"?>
+<p:tagLst xmlns:a="http://schemas.openxmlformats.org/drawingml/2006/main" xmlns:r="http://schemas.openxmlformats.org/officeDocument/2006/relationships" xmlns:p="http://schemas.openxmlformats.org/presentationml/2006/main">
+  <p:tag name="THINKCELLSHAPEDONOTDELETE" val="thinkcellActiveDocDoNotDelete"/>
+</p:tagLst>
+</file>
+
+<file path=ppt/tags/tag2.xml><?xml version="1.0" encoding="utf-8"?>
 <p:tagLst xmlns:a="http://schemas.openxmlformats.org/drawingml/2006/main" xmlns:r="http://schemas.openxmlformats.org/officeDocument/2006/relationships" xmlns:p="http://schemas.openxmlformats.org/presentationml/2006/main">
   <p:tag name="THINKCELLSHAPEDONOTDELETE" val="thinkcellActiveDocDoNotDelete"/>
 </p:tagLst>
